--- a/directions.pptx
+++ b/directions.pptx
@@ -6,7 +6,8 @@
   </p:sldMasterIdLst>
   <p:sldIdLst>
     <p:sldId id="256" r:id="rId2"/>
-    <p:sldId id="257" r:id="rId3"/>
+    <p:sldId id="258" r:id="rId3"/>
+    <p:sldId id="257" r:id="rId4"/>
   </p:sldIdLst>
   <p:sldSz cx="12192000" cy="6858000"/>
   <p:notesSz cx="6858000" cy="9144000"/>
@@ -260,7 +261,7 @@
           <a:p>
             <a:fld id="{CDF6C853-F38E-4299-906A-F30AE4A58074}" type="datetimeFigureOut">
               <a:rPr lang="zh-CN" altLang="en-US" smtClean="0"/>
-              <a:t>2022/7/14</a:t>
+              <a:t>2022/8/21</a:t>
             </a:fld>
             <a:endParaRPr lang="zh-CN" altLang="en-US"/>
           </a:p>
@@ -458,7 +459,7 @@
           <a:p>
             <a:fld id="{CDF6C853-F38E-4299-906A-F30AE4A58074}" type="datetimeFigureOut">
               <a:rPr lang="zh-CN" altLang="en-US" smtClean="0"/>
-              <a:t>2022/7/14</a:t>
+              <a:t>2022/8/21</a:t>
             </a:fld>
             <a:endParaRPr lang="zh-CN" altLang="en-US"/>
           </a:p>
@@ -666,7 +667,7 @@
           <a:p>
             <a:fld id="{CDF6C853-F38E-4299-906A-F30AE4A58074}" type="datetimeFigureOut">
               <a:rPr lang="zh-CN" altLang="en-US" smtClean="0"/>
-              <a:t>2022/7/14</a:t>
+              <a:t>2022/8/21</a:t>
             </a:fld>
             <a:endParaRPr lang="zh-CN" altLang="en-US"/>
           </a:p>
@@ -864,7 +865,7 @@
           <a:p>
             <a:fld id="{CDF6C853-F38E-4299-906A-F30AE4A58074}" type="datetimeFigureOut">
               <a:rPr lang="zh-CN" altLang="en-US" smtClean="0"/>
-              <a:t>2022/7/14</a:t>
+              <a:t>2022/8/21</a:t>
             </a:fld>
             <a:endParaRPr lang="zh-CN" altLang="en-US"/>
           </a:p>
@@ -1139,7 +1140,7 @@
           <a:p>
             <a:fld id="{CDF6C853-F38E-4299-906A-F30AE4A58074}" type="datetimeFigureOut">
               <a:rPr lang="zh-CN" altLang="en-US" smtClean="0"/>
-              <a:t>2022/7/14</a:t>
+              <a:t>2022/8/21</a:t>
             </a:fld>
             <a:endParaRPr lang="zh-CN" altLang="en-US"/>
           </a:p>
@@ -1404,7 +1405,7 @@
           <a:p>
             <a:fld id="{CDF6C853-F38E-4299-906A-F30AE4A58074}" type="datetimeFigureOut">
               <a:rPr lang="zh-CN" altLang="en-US" smtClean="0"/>
-              <a:t>2022/7/14</a:t>
+              <a:t>2022/8/21</a:t>
             </a:fld>
             <a:endParaRPr lang="zh-CN" altLang="en-US"/>
           </a:p>
@@ -1816,7 +1817,7 @@
           <a:p>
             <a:fld id="{CDF6C853-F38E-4299-906A-F30AE4A58074}" type="datetimeFigureOut">
               <a:rPr lang="zh-CN" altLang="en-US" smtClean="0"/>
-              <a:t>2022/7/14</a:t>
+              <a:t>2022/8/21</a:t>
             </a:fld>
             <a:endParaRPr lang="zh-CN" altLang="en-US"/>
           </a:p>
@@ -1957,7 +1958,7 @@
           <a:p>
             <a:fld id="{CDF6C853-F38E-4299-906A-F30AE4A58074}" type="datetimeFigureOut">
               <a:rPr lang="zh-CN" altLang="en-US" smtClean="0"/>
-              <a:t>2022/7/14</a:t>
+              <a:t>2022/8/21</a:t>
             </a:fld>
             <a:endParaRPr lang="zh-CN" altLang="en-US"/>
           </a:p>
@@ -2070,7 +2071,7 @@
           <a:p>
             <a:fld id="{CDF6C853-F38E-4299-906A-F30AE4A58074}" type="datetimeFigureOut">
               <a:rPr lang="zh-CN" altLang="en-US" smtClean="0"/>
-              <a:t>2022/7/14</a:t>
+              <a:t>2022/8/21</a:t>
             </a:fld>
             <a:endParaRPr lang="zh-CN" altLang="en-US"/>
           </a:p>
@@ -2381,7 +2382,7 @@
           <a:p>
             <a:fld id="{CDF6C853-F38E-4299-906A-F30AE4A58074}" type="datetimeFigureOut">
               <a:rPr lang="zh-CN" altLang="en-US" smtClean="0"/>
-              <a:t>2022/7/14</a:t>
+              <a:t>2022/8/21</a:t>
             </a:fld>
             <a:endParaRPr lang="zh-CN" altLang="en-US"/>
           </a:p>
@@ -2669,7 +2670,7 @@
           <a:p>
             <a:fld id="{CDF6C853-F38E-4299-906A-F30AE4A58074}" type="datetimeFigureOut">
               <a:rPr lang="zh-CN" altLang="en-US" smtClean="0"/>
-              <a:t>2022/7/14</a:t>
+              <a:t>2022/8/21</a:t>
             </a:fld>
             <a:endParaRPr lang="zh-CN" altLang="en-US"/>
           </a:p>
@@ -2910,7 +2911,7 @@
           <a:p>
             <a:fld id="{CDF6C853-F38E-4299-906A-F30AE4A58074}" type="datetimeFigureOut">
               <a:rPr lang="zh-CN" altLang="en-US" smtClean="0"/>
-              <a:t>2022/7/14</a:t>
+              <a:t>2022/8/21</a:t>
             </a:fld>
             <a:endParaRPr lang="zh-CN" altLang="en-US"/>
           </a:p>
@@ -11562,6 +11563,7610 @@
 </file>
 
 <file path=ppt/slides/slide2.xml><?xml version="1.0" encoding="utf-8"?>
+<p:sld xmlns:a="http://schemas.openxmlformats.org/drawingml/2006/main" xmlns:r="http://schemas.openxmlformats.org/officeDocument/2006/relationships" xmlns:p="http://schemas.openxmlformats.org/presentationml/2006/main">
+  <p:cSld>
+    <p:spTree>
+      <p:nvGrpSpPr>
+        <p:cNvPr id="1" name=""/>
+        <p:cNvGrpSpPr/>
+        <p:nvPr/>
+      </p:nvGrpSpPr>
+      <p:grpSpPr>
+        <a:xfrm>
+          <a:off x="0" y="0"/>
+          <a:ext cx="0" cy="0"/>
+          <a:chOff x="0" y="0"/>
+          <a:chExt cx="0" cy="0"/>
+        </a:xfrm>
+      </p:grpSpPr>
+      <p:cxnSp>
+        <p:nvCxnSpPr>
+          <p:cNvPr id="5" name="直接箭头连接符 4">
+            <a:extLst>
+              <a:ext uri="{FF2B5EF4-FFF2-40B4-BE49-F238E27FC236}">
+                <a16:creationId xmlns:a16="http://schemas.microsoft.com/office/drawing/2014/main" id="{22D9C877-254D-499B-BB46-F4096EF037B0}"/>
+              </a:ext>
+            </a:extLst>
+          </p:cNvPr>
+          <p:cNvCxnSpPr>
+            <a:cxnSpLocks/>
+          </p:cNvCxnSpPr>
+          <p:nvPr/>
+        </p:nvCxnSpPr>
+        <p:spPr>
+          <a:xfrm flipH="1" flipV="1">
+            <a:off x="461394" y="201336"/>
+            <a:ext cx="526881" cy="314958"/>
+          </a:xfrm>
+          <a:prstGeom prst="straightConnector1">
+            <a:avLst/>
+          </a:prstGeom>
+          <a:ln>
+            <a:tailEnd type="triangle"/>
+          </a:ln>
+        </p:spPr>
+        <p:style>
+          <a:lnRef idx="1">
+            <a:schemeClr val="accent1"/>
+          </a:lnRef>
+          <a:fillRef idx="0">
+            <a:schemeClr val="accent1"/>
+          </a:fillRef>
+          <a:effectRef idx="0">
+            <a:schemeClr val="accent1"/>
+          </a:effectRef>
+          <a:fontRef idx="minor">
+            <a:schemeClr val="tx1"/>
+          </a:fontRef>
+        </p:style>
+      </p:cxnSp>
+      <p:cxnSp>
+        <p:nvCxnSpPr>
+          <p:cNvPr id="6" name="直接箭头连接符 5">
+            <a:extLst>
+              <a:ext uri="{FF2B5EF4-FFF2-40B4-BE49-F238E27FC236}">
+                <a16:creationId xmlns:a16="http://schemas.microsoft.com/office/drawing/2014/main" id="{6E7AE8F1-4B7E-4C02-A391-557DC09B4783}"/>
+              </a:ext>
+            </a:extLst>
+          </p:cNvPr>
+          <p:cNvCxnSpPr>
+            <a:cxnSpLocks/>
+          </p:cNvCxnSpPr>
+          <p:nvPr/>
+        </p:nvCxnSpPr>
+        <p:spPr>
+          <a:xfrm flipV="1">
+            <a:off x="1498642" y="138418"/>
+            <a:ext cx="0" cy="457200"/>
+          </a:xfrm>
+          <a:prstGeom prst="straightConnector1">
+            <a:avLst/>
+          </a:prstGeom>
+          <a:ln>
+            <a:tailEnd type="triangle"/>
+          </a:ln>
+        </p:spPr>
+        <p:style>
+          <a:lnRef idx="1">
+            <a:schemeClr val="accent1"/>
+          </a:lnRef>
+          <a:fillRef idx="0">
+            <a:schemeClr val="accent1"/>
+          </a:fillRef>
+          <a:effectRef idx="0">
+            <a:schemeClr val="accent1"/>
+          </a:effectRef>
+          <a:fontRef idx="minor">
+            <a:schemeClr val="tx1"/>
+          </a:fontRef>
+        </p:style>
+      </p:cxnSp>
+      <p:cxnSp>
+        <p:nvCxnSpPr>
+          <p:cNvPr id="7" name="直接箭头连接符 6">
+            <a:extLst>
+              <a:ext uri="{FF2B5EF4-FFF2-40B4-BE49-F238E27FC236}">
+                <a16:creationId xmlns:a16="http://schemas.microsoft.com/office/drawing/2014/main" id="{590BD775-34F6-4D1C-834C-4CFB7F3A5085}"/>
+              </a:ext>
+            </a:extLst>
+          </p:cNvPr>
+          <p:cNvCxnSpPr>
+            <a:cxnSpLocks/>
+          </p:cNvCxnSpPr>
+          <p:nvPr/>
+        </p:nvCxnSpPr>
+        <p:spPr>
+          <a:xfrm>
+            <a:off x="2101443" y="201336"/>
+            <a:ext cx="0" cy="394282"/>
+          </a:xfrm>
+          <a:prstGeom prst="straightConnector1">
+            <a:avLst/>
+          </a:prstGeom>
+          <a:ln>
+            <a:tailEnd type="triangle"/>
+          </a:ln>
+        </p:spPr>
+        <p:style>
+          <a:lnRef idx="1">
+            <a:schemeClr val="accent1"/>
+          </a:lnRef>
+          <a:fillRef idx="0">
+            <a:schemeClr val="accent1"/>
+          </a:fillRef>
+          <a:effectRef idx="0">
+            <a:schemeClr val="accent1"/>
+          </a:effectRef>
+          <a:fontRef idx="minor">
+            <a:schemeClr val="tx1"/>
+          </a:fontRef>
+        </p:style>
+      </p:cxnSp>
+      <p:cxnSp>
+        <p:nvCxnSpPr>
+          <p:cNvPr id="8" name="直接箭头连接符 7">
+            <a:extLst>
+              <a:ext uri="{FF2B5EF4-FFF2-40B4-BE49-F238E27FC236}">
+                <a16:creationId xmlns:a16="http://schemas.microsoft.com/office/drawing/2014/main" id="{B6FB6617-5BED-4D01-B6AF-EBC08B9D9636}"/>
+              </a:ext>
+            </a:extLst>
+          </p:cNvPr>
+          <p:cNvCxnSpPr>
+            <a:cxnSpLocks/>
+          </p:cNvCxnSpPr>
+          <p:nvPr/>
+        </p:nvCxnSpPr>
+        <p:spPr>
+          <a:xfrm flipV="1">
+            <a:off x="2697060" y="201336"/>
+            <a:ext cx="421493" cy="267478"/>
+          </a:xfrm>
+          <a:prstGeom prst="straightConnector1">
+            <a:avLst/>
+          </a:prstGeom>
+          <a:ln>
+            <a:tailEnd type="triangle"/>
+          </a:ln>
+        </p:spPr>
+        <p:style>
+          <a:lnRef idx="1">
+            <a:schemeClr val="accent1"/>
+          </a:lnRef>
+          <a:fillRef idx="0">
+            <a:schemeClr val="accent1"/>
+          </a:fillRef>
+          <a:effectRef idx="0">
+            <a:schemeClr val="accent1"/>
+          </a:effectRef>
+          <a:fontRef idx="minor">
+            <a:schemeClr val="tx1"/>
+          </a:fontRef>
+        </p:style>
+      </p:cxnSp>
+      <p:sp>
+        <p:nvSpPr>
+          <p:cNvPr id="12" name="文本框 11">
+            <a:extLst>
+              <a:ext uri="{FF2B5EF4-FFF2-40B4-BE49-F238E27FC236}">
+                <a16:creationId xmlns:a16="http://schemas.microsoft.com/office/drawing/2014/main" id="{C9F845AF-3ED5-4489-A3C9-6DFDD9802252}"/>
+              </a:ext>
+            </a:extLst>
+          </p:cNvPr>
+          <p:cNvSpPr txBox="1"/>
+          <p:nvPr/>
+        </p:nvSpPr>
+        <p:spPr>
+          <a:xfrm>
+            <a:off x="408787" y="2004969"/>
+            <a:ext cx="300082" cy="369332"/>
+          </a:xfrm>
+          <a:prstGeom prst="rect">
+            <a:avLst/>
+          </a:prstGeom>
+          <a:noFill/>
+        </p:spPr>
+        <p:txBody>
+          <a:bodyPr wrap="none" rtlCol="0">
+            <a:spAutoFit/>
+          </a:bodyPr>
+          <a:lstStyle/>
+          <a:p>
+            <a:r>
+              <a:rPr lang="en-US" altLang="zh-CN" dirty="0"/>
+              <a:t>a</a:t>
+            </a:r>
+            <a:endParaRPr lang="zh-CN" altLang="en-US" dirty="0"/>
+          </a:p>
+        </p:txBody>
+      </p:sp>
+      <p:cxnSp>
+        <p:nvCxnSpPr>
+          <p:cNvPr id="13" name="直接箭头连接符 12">
+            <a:extLst>
+              <a:ext uri="{FF2B5EF4-FFF2-40B4-BE49-F238E27FC236}">
+                <a16:creationId xmlns:a16="http://schemas.microsoft.com/office/drawing/2014/main" id="{5BCCC59A-1F49-4BD0-93AB-DEE0F1F95F33}"/>
+              </a:ext>
+            </a:extLst>
+          </p:cNvPr>
+          <p:cNvCxnSpPr>
+            <a:cxnSpLocks/>
+          </p:cNvCxnSpPr>
+          <p:nvPr/>
+        </p:nvCxnSpPr>
+        <p:spPr>
+          <a:xfrm flipH="1">
+            <a:off x="315207" y="1519805"/>
+            <a:ext cx="479911" cy="265791"/>
+          </a:xfrm>
+          <a:prstGeom prst="straightConnector1">
+            <a:avLst/>
+          </a:prstGeom>
+          <a:ln>
+            <a:tailEnd type="triangle"/>
+          </a:ln>
+        </p:spPr>
+        <p:style>
+          <a:lnRef idx="1">
+            <a:schemeClr val="accent2"/>
+          </a:lnRef>
+          <a:fillRef idx="0">
+            <a:schemeClr val="accent2"/>
+          </a:fillRef>
+          <a:effectRef idx="0">
+            <a:schemeClr val="accent2"/>
+          </a:effectRef>
+          <a:fontRef idx="minor">
+            <a:schemeClr val="tx1"/>
+          </a:fontRef>
+        </p:style>
+      </p:cxnSp>
+      <p:cxnSp>
+        <p:nvCxnSpPr>
+          <p:cNvPr id="14" name="直接箭头连接符 13">
+            <a:extLst>
+              <a:ext uri="{FF2B5EF4-FFF2-40B4-BE49-F238E27FC236}">
+                <a16:creationId xmlns:a16="http://schemas.microsoft.com/office/drawing/2014/main" id="{45E281D8-7FC3-486C-8D8B-E273ED4F1C47}"/>
+              </a:ext>
+            </a:extLst>
+          </p:cNvPr>
+          <p:cNvCxnSpPr>
+            <a:cxnSpLocks/>
+          </p:cNvCxnSpPr>
+          <p:nvPr/>
+        </p:nvCxnSpPr>
+        <p:spPr>
+          <a:xfrm flipV="1">
+            <a:off x="379636" y="1627464"/>
+            <a:ext cx="415482" cy="258017"/>
+          </a:xfrm>
+          <a:prstGeom prst="straightConnector1">
+            <a:avLst/>
+          </a:prstGeom>
+          <a:ln>
+            <a:tailEnd type="triangle"/>
+          </a:ln>
+        </p:spPr>
+        <p:style>
+          <a:lnRef idx="1">
+            <a:schemeClr val="accent1"/>
+          </a:lnRef>
+          <a:fillRef idx="0">
+            <a:schemeClr val="accent1"/>
+          </a:fillRef>
+          <a:effectRef idx="0">
+            <a:schemeClr val="accent1"/>
+          </a:effectRef>
+          <a:fontRef idx="minor">
+            <a:schemeClr val="tx1"/>
+          </a:fontRef>
+        </p:style>
+      </p:cxnSp>
+      <p:cxnSp>
+        <p:nvCxnSpPr>
+          <p:cNvPr id="15" name="直接箭头连接符 14">
+            <a:extLst>
+              <a:ext uri="{FF2B5EF4-FFF2-40B4-BE49-F238E27FC236}">
+                <a16:creationId xmlns:a16="http://schemas.microsoft.com/office/drawing/2014/main" id="{86799561-52E7-407F-B661-ECBEE5335B92}"/>
+              </a:ext>
+            </a:extLst>
+          </p:cNvPr>
+          <p:cNvCxnSpPr>
+            <a:cxnSpLocks/>
+          </p:cNvCxnSpPr>
+          <p:nvPr/>
+        </p:nvCxnSpPr>
+        <p:spPr>
+          <a:xfrm>
+            <a:off x="876650" y="1519805"/>
+            <a:ext cx="0" cy="394282"/>
+          </a:xfrm>
+          <a:prstGeom prst="straightConnector1">
+            <a:avLst/>
+          </a:prstGeom>
+          <a:ln>
+            <a:tailEnd type="triangle"/>
+          </a:ln>
+        </p:spPr>
+        <p:style>
+          <a:lnRef idx="1">
+            <a:schemeClr val="accent1"/>
+          </a:lnRef>
+          <a:fillRef idx="0">
+            <a:schemeClr val="accent1"/>
+          </a:fillRef>
+          <a:effectRef idx="0">
+            <a:schemeClr val="accent1"/>
+          </a:effectRef>
+          <a:fontRef idx="minor">
+            <a:schemeClr val="tx1"/>
+          </a:fontRef>
+        </p:style>
+      </p:cxnSp>
+      <p:sp>
+        <p:nvSpPr>
+          <p:cNvPr id="16" name="文本框 15">
+            <a:extLst>
+              <a:ext uri="{FF2B5EF4-FFF2-40B4-BE49-F238E27FC236}">
+                <a16:creationId xmlns:a16="http://schemas.microsoft.com/office/drawing/2014/main" id="{46BB4F62-2E9D-416E-869F-7552FE06D70E}"/>
+              </a:ext>
+            </a:extLst>
+          </p:cNvPr>
+          <p:cNvSpPr txBox="1"/>
+          <p:nvPr/>
+        </p:nvSpPr>
+        <p:spPr>
+          <a:xfrm>
+            <a:off x="1498473" y="2027673"/>
+            <a:ext cx="317716" cy="369332"/>
+          </a:xfrm>
+          <a:prstGeom prst="rect">
+            <a:avLst/>
+          </a:prstGeom>
+          <a:noFill/>
+        </p:spPr>
+        <p:txBody>
+          <a:bodyPr wrap="none" rtlCol="0">
+            <a:spAutoFit/>
+          </a:bodyPr>
+          <a:lstStyle/>
+          <a:p>
+            <a:r>
+              <a:rPr lang="en-US" altLang="zh-CN" dirty="0"/>
+              <a:t>b</a:t>
+            </a:r>
+            <a:endParaRPr lang="zh-CN" altLang="en-US" dirty="0"/>
+          </a:p>
+        </p:txBody>
+      </p:sp>
+      <p:cxnSp>
+        <p:nvCxnSpPr>
+          <p:cNvPr id="17" name="直接箭头连接符 16">
+            <a:extLst>
+              <a:ext uri="{FF2B5EF4-FFF2-40B4-BE49-F238E27FC236}">
+                <a16:creationId xmlns:a16="http://schemas.microsoft.com/office/drawing/2014/main" id="{2344B67B-1815-41D9-98F0-2B0C179DC24B}"/>
+              </a:ext>
+            </a:extLst>
+          </p:cNvPr>
+          <p:cNvCxnSpPr>
+            <a:cxnSpLocks/>
+          </p:cNvCxnSpPr>
+          <p:nvPr/>
+        </p:nvCxnSpPr>
+        <p:spPr>
+          <a:xfrm flipH="1" flipV="1">
+            <a:off x="1459004" y="1895784"/>
+            <a:ext cx="423540" cy="203641"/>
+          </a:xfrm>
+          <a:prstGeom prst="straightConnector1">
+            <a:avLst/>
+          </a:prstGeom>
+          <a:ln>
+            <a:tailEnd type="triangle"/>
+          </a:ln>
+        </p:spPr>
+        <p:style>
+          <a:lnRef idx="1">
+            <a:schemeClr val="accent1"/>
+          </a:lnRef>
+          <a:fillRef idx="0">
+            <a:schemeClr val="accent1"/>
+          </a:fillRef>
+          <a:effectRef idx="0">
+            <a:schemeClr val="accent1"/>
+          </a:effectRef>
+          <a:fontRef idx="minor">
+            <a:schemeClr val="tx1"/>
+          </a:fontRef>
+        </p:style>
+      </p:cxnSp>
+      <p:cxnSp>
+        <p:nvCxnSpPr>
+          <p:cNvPr id="18" name="直接箭头连接符 17">
+            <a:extLst>
+              <a:ext uri="{FF2B5EF4-FFF2-40B4-BE49-F238E27FC236}">
+                <a16:creationId xmlns:a16="http://schemas.microsoft.com/office/drawing/2014/main" id="{4F06752F-1D4D-49EF-879B-C5D763BE00B3}"/>
+              </a:ext>
+            </a:extLst>
+          </p:cNvPr>
+          <p:cNvCxnSpPr>
+            <a:cxnSpLocks/>
+            <a:endCxn id="173" idx="1"/>
+          </p:cNvCxnSpPr>
+          <p:nvPr/>
+        </p:nvCxnSpPr>
+        <p:spPr>
+          <a:xfrm>
+            <a:off x="1937160" y="1583836"/>
+            <a:ext cx="1293" cy="468053"/>
+          </a:xfrm>
+          <a:prstGeom prst="straightConnector1">
+            <a:avLst/>
+          </a:prstGeom>
+          <a:ln>
+            <a:tailEnd type="triangle"/>
+          </a:ln>
+        </p:spPr>
+        <p:style>
+          <a:lnRef idx="1">
+            <a:schemeClr val="accent1"/>
+          </a:lnRef>
+          <a:fillRef idx="0">
+            <a:schemeClr val="accent1"/>
+          </a:fillRef>
+          <a:effectRef idx="0">
+            <a:schemeClr val="accent1"/>
+          </a:effectRef>
+          <a:fontRef idx="minor">
+            <a:schemeClr val="tx1"/>
+          </a:fontRef>
+        </p:style>
+      </p:cxnSp>
+      <p:cxnSp>
+        <p:nvCxnSpPr>
+          <p:cNvPr id="19" name="直接箭头连接符 18">
+            <a:extLst>
+              <a:ext uri="{FF2B5EF4-FFF2-40B4-BE49-F238E27FC236}">
+                <a16:creationId xmlns:a16="http://schemas.microsoft.com/office/drawing/2014/main" id="{1CB2570D-B43E-458F-856C-F8C3DC18AEE6}"/>
+              </a:ext>
+            </a:extLst>
+          </p:cNvPr>
+          <p:cNvCxnSpPr>
+            <a:cxnSpLocks/>
+          </p:cNvCxnSpPr>
+          <p:nvPr/>
+        </p:nvCxnSpPr>
+        <p:spPr>
+          <a:xfrm>
+            <a:off x="1393532" y="1337310"/>
+            <a:ext cx="0" cy="576777"/>
+          </a:xfrm>
+          <a:prstGeom prst="straightConnector1">
+            <a:avLst/>
+          </a:prstGeom>
+          <a:ln>
+            <a:tailEnd type="triangle"/>
+          </a:ln>
+        </p:spPr>
+        <p:style>
+          <a:lnRef idx="1">
+            <a:schemeClr val="accent2"/>
+          </a:lnRef>
+          <a:fillRef idx="0">
+            <a:schemeClr val="accent2"/>
+          </a:fillRef>
+          <a:effectRef idx="0">
+            <a:schemeClr val="accent2"/>
+          </a:effectRef>
+          <a:fontRef idx="minor">
+            <a:schemeClr val="tx1"/>
+          </a:fontRef>
+        </p:style>
+      </p:cxnSp>
+      <p:cxnSp>
+        <p:nvCxnSpPr>
+          <p:cNvPr id="20" name="直接箭头连接符 19">
+            <a:extLst>
+              <a:ext uri="{FF2B5EF4-FFF2-40B4-BE49-F238E27FC236}">
+                <a16:creationId xmlns:a16="http://schemas.microsoft.com/office/drawing/2014/main" id="{4A1F76B9-C093-4BA8-B222-7D5A8063B500}"/>
+              </a:ext>
+            </a:extLst>
+          </p:cNvPr>
+          <p:cNvCxnSpPr>
+            <a:cxnSpLocks/>
+          </p:cNvCxnSpPr>
+          <p:nvPr/>
+        </p:nvCxnSpPr>
+        <p:spPr>
+          <a:xfrm flipV="1">
+            <a:off x="1448867" y="1579808"/>
+            <a:ext cx="465601" cy="291519"/>
+          </a:xfrm>
+          <a:prstGeom prst="straightConnector1">
+            <a:avLst/>
+          </a:prstGeom>
+          <a:ln>
+            <a:tailEnd type="triangle"/>
+          </a:ln>
+        </p:spPr>
+        <p:style>
+          <a:lnRef idx="1">
+            <a:schemeClr val="accent1"/>
+          </a:lnRef>
+          <a:fillRef idx="0">
+            <a:schemeClr val="accent1"/>
+          </a:fillRef>
+          <a:effectRef idx="0">
+            <a:schemeClr val="accent1"/>
+          </a:effectRef>
+          <a:fontRef idx="minor">
+            <a:schemeClr val="tx1"/>
+          </a:fontRef>
+        </p:style>
+      </p:cxnSp>
+      <p:sp>
+        <p:nvSpPr>
+          <p:cNvPr id="21" name="文本框 20">
+            <a:extLst>
+              <a:ext uri="{FF2B5EF4-FFF2-40B4-BE49-F238E27FC236}">
+                <a16:creationId xmlns:a16="http://schemas.microsoft.com/office/drawing/2014/main" id="{557D8AFC-9F04-445A-9193-9266108E8D0B}"/>
+              </a:ext>
+            </a:extLst>
+          </p:cNvPr>
+          <p:cNvSpPr txBox="1"/>
+          <p:nvPr/>
+        </p:nvSpPr>
+        <p:spPr>
+          <a:xfrm>
+            <a:off x="2538202" y="2004969"/>
+            <a:ext cx="288862" cy="369332"/>
+          </a:xfrm>
+          <a:prstGeom prst="rect">
+            <a:avLst/>
+          </a:prstGeom>
+          <a:noFill/>
+        </p:spPr>
+        <p:txBody>
+          <a:bodyPr wrap="none" rtlCol="0">
+            <a:spAutoFit/>
+          </a:bodyPr>
+          <a:lstStyle/>
+          <a:p>
+            <a:r>
+              <a:rPr lang="en-US" altLang="zh-CN" dirty="0"/>
+              <a:t>c</a:t>
+            </a:r>
+            <a:endParaRPr lang="zh-CN" altLang="en-US" dirty="0"/>
+          </a:p>
+        </p:txBody>
+      </p:sp>
+      <p:cxnSp>
+        <p:nvCxnSpPr>
+          <p:cNvPr id="22" name="直接箭头连接符 21">
+            <a:extLst>
+              <a:ext uri="{FF2B5EF4-FFF2-40B4-BE49-F238E27FC236}">
+                <a16:creationId xmlns:a16="http://schemas.microsoft.com/office/drawing/2014/main" id="{16965174-8A9F-4C06-BA26-A92497119A2A}"/>
+              </a:ext>
+            </a:extLst>
+          </p:cNvPr>
+          <p:cNvCxnSpPr>
+            <a:cxnSpLocks/>
+          </p:cNvCxnSpPr>
+          <p:nvPr/>
+        </p:nvCxnSpPr>
+        <p:spPr>
+          <a:xfrm flipH="1">
+            <a:off x="2422590" y="1413896"/>
+            <a:ext cx="433328" cy="271590"/>
+          </a:xfrm>
+          <a:prstGeom prst="straightConnector1">
+            <a:avLst/>
+          </a:prstGeom>
+          <a:ln>
+            <a:tailEnd type="triangle"/>
+          </a:ln>
+        </p:spPr>
+        <p:style>
+          <a:lnRef idx="1">
+            <a:schemeClr val="accent2"/>
+          </a:lnRef>
+          <a:fillRef idx="0">
+            <a:schemeClr val="accent2"/>
+          </a:fillRef>
+          <a:effectRef idx="0">
+            <a:schemeClr val="accent2"/>
+          </a:effectRef>
+          <a:fontRef idx="minor">
+            <a:schemeClr val="tx1"/>
+          </a:fontRef>
+        </p:style>
+      </p:cxnSp>
+      <p:cxnSp>
+        <p:nvCxnSpPr>
+          <p:cNvPr id="23" name="直接箭头连接符 22">
+            <a:extLst>
+              <a:ext uri="{FF2B5EF4-FFF2-40B4-BE49-F238E27FC236}">
+                <a16:creationId xmlns:a16="http://schemas.microsoft.com/office/drawing/2014/main" id="{50CBEEDE-CACE-4C34-B8D0-E5574C638270}"/>
+              </a:ext>
+            </a:extLst>
+          </p:cNvPr>
+          <p:cNvCxnSpPr>
+            <a:cxnSpLocks/>
+          </p:cNvCxnSpPr>
+          <p:nvPr/>
+        </p:nvCxnSpPr>
+        <p:spPr>
+          <a:xfrm>
+            <a:off x="2447487" y="1771505"/>
+            <a:ext cx="470431" cy="205500"/>
+          </a:xfrm>
+          <a:prstGeom prst="straightConnector1">
+            <a:avLst/>
+          </a:prstGeom>
+          <a:ln>
+            <a:tailEnd type="triangle"/>
+          </a:ln>
+        </p:spPr>
+        <p:style>
+          <a:lnRef idx="1">
+            <a:schemeClr val="accent1"/>
+          </a:lnRef>
+          <a:fillRef idx="0">
+            <a:schemeClr val="accent1"/>
+          </a:fillRef>
+          <a:effectRef idx="0">
+            <a:schemeClr val="accent1"/>
+          </a:effectRef>
+          <a:fontRef idx="minor">
+            <a:schemeClr val="tx1"/>
+          </a:fontRef>
+        </p:style>
+      </p:cxnSp>
+      <p:sp>
+        <p:nvSpPr>
+          <p:cNvPr id="26" name="文本框 25">
+            <a:extLst>
+              <a:ext uri="{FF2B5EF4-FFF2-40B4-BE49-F238E27FC236}">
+                <a16:creationId xmlns:a16="http://schemas.microsoft.com/office/drawing/2014/main" id="{1382592F-DA7D-4370-A46A-CB889B110229}"/>
+              </a:ext>
+            </a:extLst>
+          </p:cNvPr>
+          <p:cNvSpPr txBox="1"/>
+          <p:nvPr/>
+        </p:nvSpPr>
+        <p:spPr>
+          <a:xfrm>
+            <a:off x="3488945" y="2004969"/>
+            <a:ext cx="317716" cy="369332"/>
+          </a:xfrm>
+          <a:prstGeom prst="rect">
+            <a:avLst/>
+          </a:prstGeom>
+          <a:noFill/>
+        </p:spPr>
+        <p:txBody>
+          <a:bodyPr wrap="none" rtlCol="0">
+            <a:spAutoFit/>
+          </a:bodyPr>
+          <a:lstStyle/>
+          <a:p>
+            <a:r>
+              <a:rPr lang="en-US" altLang="zh-CN" dirty="0"/>
+              <a:t>d</a:t>
+            </a:r>
+            <a:endParaRPr lang="zh-CN" altLang="en-US" dirty="0"/>
+          </a:p>
+        </p:txBody>
+      </p:sp>
+      <p:cxnSp>
+        <p:nvCxnSpPr>
+          <p:cNvPr id="27" name="直接箭头连接符 26">
+            <a:extLst>
+              <a:ext uri="{FF2B5EF4-FFF2-40B4-BE49-F238E27FC236}">
+                <a16:creationId xmlns:a16="http://schemas.microsoft.com/office/drawing/2014/main" id="{B7852116-77FE-427F-9C0E-78B861EC8FB2}"/>
+              </a:ext>
+            </a:extLst>
+          </p:cNvPr>
+          <p:cNvCxnSpPr>
+            <a:cxnSpLocks/>
+          </p:cNvCxnSpPr>
+          <p:nvPr/>
+        </p:nvCxnSpPr>
+        <p:spPr>
+          <a:xfrm flipH="1">
+            <a:off x="3376783" y="1770966"/>
+            <a:ext cx="435174" cy="148183"/>
+          </a:xfrm>
+          <a:prstGeom prst="straightConnector1">
+            <a:avLst/>
+          </a:prstGeom>
+          <a:ln>
+            <a:tailEnd type="triangle"/>
+          </a:ln>
+        </p:spPr>
+        <p:style>
+          <a:lnRef idx="1">
+            <a:schemeClr val="accent2"/>
+          </a:lnRef>
+          <a:fillRef idx="0">
+            <a:schemeClr val="accent2"/>
+          </a:fillRef>
+          <a:effectRef idx="0">
+            <a:schemeClr val="accent2"/>
+          </a:effectRef>
+          <a:fontRef idx="minor">
+            <a:schemeClr val="tx1"/>
+          </a:fontRef>
+        </p:style>
+      </p:cxnSp>
+      <p:cxnSp>
+        <p:nvCxnSpPr>
+          <p:cNvPr id="28" name="直接箭头连接符 27">
+            <a:extLst>
+              <a:ext uri="{FF2B5EF4-FFF2-40B4-BE49-F238E27FC236}">
+                <a16:creationId xmlns:a16="http://schemas.microsoft.com/office/drawing/2014/main" id="{189EC3A8-E9BD-4C48-888F-84DA9FF8430A}"/>
+              </a:ext>
+            </a:extLst>
+          </p:cNvPr>
+          <p:cNvCxnSpPr>
+            <a:cxnSpLocks/>
+          </p:cNvCxnSpPr>
+          <p:nvPr/>
+        </p:nvCxnSpPr>
+        <p:spPr>
+          <a:xfrm flipV="1">
+            <a:off x="3875276" y="1388609"/>
+            <a:ext cx="0" cy="409686"/>
+          </a:xfrm>
+          <a:prstGeom prst="straightConnector1">
+            <a:avLst/>
+          </a:prstGeom>
+          <a:ln>
+            <a:tailEnd type="triangle"/>
+          </a:ln>
+        </p:spPr>
+        <p:style>
+          <a:lnRef idx="1">
+            <a:schemeClr val="accent1"/>
+          </a:lnRef>
+          <a:fillRef idx="0">
+            <a:schemeClr val="accent1"/>
+          </a:fillRef>
+          <a:effectRef idx="0">
+            <a:schemeClr val="accent1"/>
+          </a:effectRef>
+          <a:fontRef idx="minor">
+            <a:schemeClr val="tx1"/>
+          </a:fontRef>
+        </p:style>
+      </p:cxnSp>
+      <p:cxnSp>
+        <p:nvCxnSpPr>
+          <p:cNvPr id="29" name="直接箭头连接符 28">
+            <a:extLst>
+              <a:ext uri="{FF2B5EF4-FFF2-40B4-BE49-F238E27FC236}">
+                <a16:creationId xmlns:a16="http://schemas.microsoft.com/office/drawing/2014/main" id="{72A86753-02D6-4A02-BD4A-DB62D1652D54}"/>
+              </a:ext>
+            </a:extLst>
+          </p:cNvPr>
+          <p:cNvCxnSpPr>
+            <a:cxnSpLocks/>
+          </p:cNvCxnSpPr>
+          <p:nvPr/>
+        </p:nvCxnSpPr>
+        <p:spPr>
+          <a:xfrm>
+            <a:off x="3956808" y="1519805"/>
+            <a:ext cx="0" cy="394282"/>
+          </a:xfrm>
+          <a:prstGeom prst="straightConnector1">
+            <a:avLst/>
+          </a:prstGeom>
+          <a:ln>
+            <a:tailEnd type="triangle"/>
+          </a:ln>
+        </p:spPr>
+        <p:style>
+          <a:lnRef idx="1">
+            <a:schemeClr val="accent1"/>
+          </a:lnRef>
+          <a:fillRef idx="0">
+            <a:schemeClr val="accent1"/>
+          </a:fillRef>
+          <a:effectRef idx="0">
+            <a:schemeClr val="accent1"/>
+          </a:effectRef>
+          <a:fontRef idx="minor">
+            <a:schemeClr val="tx1"/>
+          </a:fontRef>
+        </p:style>
+      </p:cxnSp>
+      <p:sp>
+        <p:nvSpPr>
+          <p:cNvPr id="30" name="文本框 29">
+            <a:extLst>
+              <a:ext uri="{FF2B5EF4-FFF2-40B4-BE49-F238E27FC236}">
+                <a16:creationId xmlns:a16="http://schemas.microsoft.com/office/drawing/2014/main" id="{82638C08-84E7-40EC-A38E-473CB35FCB5A}"/>
+              </a:ext>
+            </a:extLst>
+          </p:cNvPr>
+          <p:cNvSpPr txBox="1"/>
+          <p:nvPr/>
+        </p:nvSpPr>
+        <p:spPr>
+          <a:xfrm>
+            <a:off x="4597690" y="2004969"/>
+            <a:ext cx="303288" cy="369332"/>
+          </a:xfrm>
+          <a:prstGeom prst="rect">
+            <a:avLst/>
+          </a:prstGeom>
+          <a:noFill/>
+        </p:spPr>
+        <p:txBody>
+          <a:bodyPr wrap="none" rtlCol="0">
+            <a:spAutoFit/>
+          </a:bodyPr>
+          <a:lstStyle/>
+          <a:p>
+            <a:r>
+              <a:rPr lang="en-US" altLang="zh-CN" dirty="0"/>
+              <a:t>e</a:t>
+            </a:r>
+            <a:endParaRPr lang="zh-CN" altLang="en-US" dirty="0"/>
+          </a:p>
+        </p:txBody>
+      </p:sp>
+      <p:cxnSp>
+        <p:nvCxnSpPr>
+          <p:cNvPr id="31" name="直接箭头连接符 30">
+            <a:extLst>
+              <a:ext uri="{FF2B5EF4-FFF2-40B4-BE49-F238E27FC236}">
+                <a16:creationId xmlns:a16="http://schemas.microsoft.com/office/drawing/2014/main" id="{25D09225-5E6F-45D8-A4D2-70A9C9B7EDCC}"/>
+              </a:ext>
+            </a:extLst>
+          </p:cNvPr>
+          <p:cNvCxnSpPr>
+            <a:cxnSpLocks/>
+          </p:cNvCxnSpPr>
+          <p:nvPr/>
+        </p:nvCxnSpPr>
+        <p:spPr>
+          <a:xfrm flipH="1">
+            <a:off x="4651405" y="1413896"/>
+            <a:ext cx="482243" cy="136620"/>
+          </a:xfrm>
+          <a:prstGeom prst="straightConnector1">
+            <a:avLst/>
+          </a:prstGeom>
+          <a:ln>
+            <a:tailEnd type="triangle"/>
+          </a:ln>
+        </p:spPr>
+        <p:style>
+          <a:lnRef idx="1">
+            <a:schemeClr val="accent1"/>
+          </a:lnRef>
+          <a:fillRef idx="0">
+            <a:schemeClr val="accent1"/>
+          </a:fillRef>
+          <a:effectRef idx="0">
+            <a:schemeClr val="accent1"/>
+          </a:effectRef>
+          <a:fontRef idx="minor">
+            <a:schemeClr val="tx1"/>
+          </a:fontRef>
+        </p:style>
+      </p:cxnSp>
+      <p:cxnSp>
+        <p:nvCxnSpPr>
+          <p:cNvPr id="32" name="直接箭头连接符 31">
+            <a:extLst>
+              <a:ext uri="{FF2B5EF4-FFF2-40B4-BE49-F238E27FC236}">
+                <a16:creationId xmlns:a16="http://schemas.microsoft.com/office/drawing/2014/main" id="{94D7ED7A-E2A6-4076-AC7A-A5CDA73B0B53}"/>
+              </a:ext>
+            </a:extLst>
+          </p:cNvPr>
+          <p:cNvCxnSpPr>
+            <a:cxnSpLocks/>
+          </p:cNvCxnSpPr>
+          <p:nvPr/>
+        </p:nvCxnSpPr>
+        <p:spPr>
+          <a:xfrm flipV="1">
+            <a:off x="4665833" y="1500051"/>
+            <a:ext cx="480523" cy="145806"/>
+          </a:xfrm>
+          <a:prstGeom prst="straightConnector1">
+            <a:avLst/>
+          </a:prstGeom>
+          <a:ln>
+            <a:tailEnd type="triangle"/>
+          </a:ln>
+        </p:spPr>
+        <p:style>
+          <a:lnRef idx="1">
+            <a:schemeClr val="accent2"/>
+          </a:lnRef>
+          <a:fillRef idx="0">
+            <a:schemeClr val="accent2"/>
+          </a:fillRef>
+          <a:effectRef idx="0">
+            <a:schemeClr val="accent2"/>
+          </a:effectRef>
+          <a:fontRef idx="minor">
+            <a:schemeClr val="tx1"/>
+          </a:fontRef>
+        </p:style>
+      </p:cxnSp>
+      <p:cxnSp>
+        <p:nvCxnSpPr>
+          <p:cNvPr id="33" name="直接箭头连接符 32">
+            <a:extLst>
+              <a:ext uri="{FF2B5EF4-FFF2-40B4-BE49-F238E27FC236}">
+                <a16:creationId xmlns:a16="http://schemas.microsoft.com/office/drawing/2014/main" id="{AE6DEC35-36DB-4691-BA33-E3624E191323}"/>
+              </a:ext>
+            </a:extLst>
+          </p:cNvPr>
+          <p:cNvCxnSpPr>
+            <a:cxnSpLocks/>
+          </p:cNvCxnSpPr>
+          <p:nvPr/>
+        </p:nvCxnSpPr>
+        <p:spPr>
+          <a:xfrm>
+            <a:off x="4591659" y="1519805"/>
+            <a:ext cx="0" cy="394282"/>
+          </a:xfrm>
+          <a:prstGeom prst="straightConnector1">
+            <a:avLst/>
+          </a:prstGeom>
+          <a:ln>
+            <a:tailEnd type="triangle"/>
+          </a:ln>
+        </p:spPr>
+        <p:style>
+          <a:lnRef idx="1">
+            <a:schemeClr val="accent1"/>
+          </a:lnRef>
+          <a:fillRef idx="0">
+            <a:schemeClr val="accent1"/>
+          </a:fillRef>
+          <a:effectRef idx="0">
+            <a:schemeClr val="accent1"/>
+          </a:effectRef>
+          <a:fontRef idx="minor">
+            <a:schemeClr val="tx1"/>
+          </a:fontRef>
+        </p:style>
+      </p:cxnSp>
+      <p:sp>
+        <p:nvSpPr>
+          <p:cNvPr id="35" name="文本框 34">
+            <a:extLst>
+              <a:ext uri="{FF2B5EF4-FFF2-40B4-BE49-F238E27FC236}">
+                <a16:creationId xmlns:a16="http://schemas.microsoft.com/office/drawing/2014/main" id="{48BC2F60-3741-4FD8-BF3A-B660659D33C5}"/>
+              </a:ext>
+            </a:extLst>
+          </p:cNvPr>
+          <p:cNvSpPr txBox="1"/>
+          <p:nvPr/>
+        </p:nvSpPr>
+        <p:spPr>
+          <a:xfrm>
+            <a:off x="5618360" y="2004969"/>
+            <a:ext cx="251992" cy="369332"/>
+          </a:xfrm>
+          <a:prstGeom prst="rect">
+            <a:avLst/>
+          </a:prstGeom>
+          <a:noFill/>
+        </p:spPr>
+        <p:txBody>
+          <a:bodyPr wrap="none" rtlCol="0">
+            <a:spAutoFit/>
+          </a:bodyPr>
+          <a:lstStyle/>
+          <a:p>
+            <a:r>
+              <a:rPr lang="en-US" altLang="zh-CN" dirty="0"/>
+              <a:t>f</a:t>
+            </a:r>
+            <a:endParaRPr lang="zh-CN" altLang="en-US" dirty="0"/>
+          </a:p>
+        </p:txBody>
+      </p:sp>
+      <p:cxnSp>
+        <p:nvCxnSpPr>
+          <p:cNvPr id="36" name="直接箭头连接符 35">
+            <a:extLst>
+              <a:ext uri="{FF2B5EF4-FFF2-40B4-BE49-F238E27FC236}">
+                <a16:creationId xmlns:a16="http://schemas.microsoft.com/office/drawing/2014/main" id="{81E70450-73B2-4447-B833-061C679A36D3}"/>
+              </a:ext>
+            </a:extLst>
+          </p:cNvPr>
+          <p:cNvCxnSpPr>
+            <a:cxnSpLocks/>
+          </p:cNvCxnSpPr>
+          <p:nvPr/>
+        </p:nvCxnSpPr>
+        <p:spPr>
+          <a:xfrm flipH="1">
+            <a:off x="5692357" y="1296163"/>
+            <a:ext cx="431408" cy="223642"/>
+          </a:xfrm>
+          <a:prstGeom prst="straightConnector1">
+            <a:avLst/>
+          </a:prstGeom>
+          <a:ln>
+            <a:tailEnd type="triangle"/>
+          </a:ln>
+        </p:spPr>
+        <p:style>
+          <a:lnRef idx="1">
+            <a:schemeClr val="accent2"/>
+          </a:lnRef>
+          <a:fillRef idx="0">
+            <a:schemeClr val="accent2"/>
+          </a:fillRef>
+          <a:effectRef idx="0">
+            <a:schemeClr val="accent2"/>
+          </a:effectRef>
+          <a:fontRef idx="minor">
+            <a:schemeClr val="tx1"/>
+          </a:fontRef>
+        </p:style>
+      </p:cxnSp>
+      <p:cxnSp>
+        <p:nvCxnSpPr>
+          <p:cNvPr id="37" name="直接箭头连接符 36">
+            <a:extLst>
+              <a:ext uri="{FF2B5EF4-FFF2-40B4-BE49-F238E27FC236}">
+                <a16:creationId xmlns:a16="http://schemas.microsoft.com/office/drawing/2014/main" id="{2889763A-D462-443C-842E-DD1254E426D4}"/>
+              </a:ext>
+            </a:extLst>
+          </p:cNvPr>
+          <p:cNvCxnSpPr>
+            <a:cxnSpLocks/>
+          </p:cNvCxnSpPr>
+          <p:nvPr/>
+        </p:nvCxnSpPr>
+        <p:spPr>
+          <a:xfrm flipV="1">
+            <a:off x="5688162" y="1450051"/>
+            <a:ext cx="475972" cy="212367"/>
+          </a:xfrm>
+          <a:prstGeom prst="straightConnector1">
+            <a:avLst/>
+          </a:prstGeom>
+          <a:ln>
+            <a:tailEnd type="triangle"/>
+          </a:ln>
+        </p:spPr>
+        <p:style>
+          <a:lnRef idx="1">
+            <a:schemeClr val="accent1"/>
+          </a:lnRef>
+          <a:fillRef idx="0">
+            <a:schemeClr val="accent1"/>
+          </a:fillRef>
+          <a:effectRef idx="0">
+            <a:schemeClr val="accent1"/>
+          </a:effectRef>
+          <a:fontRef idx="minor">
+            <a:schemeClr val="tx1"/>
+          </a:fontRef>
+        </p:style>
+      </p:cxnSp>
+      <p:cxnSp>
+        <p:nvCxnSpPr>
+          <p:cNvPr id="38" name="直接箭头连接符 37">
+            <a:extLst>
+              <a:ext uri="{FF2B5EF4-FFF2-40B4-BE49-F238E27FC236}">
+                <a16:creationId xmlns:a16="http://schemas.microsoft.com/office/drawing/2014/main" id="{25A9DF17-AD9D-4E21-8B1F-A060C2D90883}"/>
+              </a:ext>
+            </a:extLst>
+          </p:cNvPr>
+          <p:cNvCxnSpPr>
+            <a:cxnSpLocks/>
+          </p:cNvCxnSpPr>
+          <p:nvPr/>
+        </p:nvCxnSpPr>
+        <p:spPr>
+          <a:xfrm>
+            <a:off x="5494360" y="1519805"/>
+            <a:ext cx="0" cy="394282"/>
+          </a:xfrm>
+          <a:prstGeom prst="straightConnector1">
+            <a:avLst/>
+          </a:prstGeom>
+          <a:ln>
+            <a:tailEnd type="triangle"/>
+          </a:ln>
+        </p:spPr>
+        <p:style>
+          <a:lnRef idx="1">
+            <a:schemeClr val="accent1"/>
+          </a:lnRef>
+          <a:fillRef idx="0">
+            <a:schemeClr val="accent1"/>
+          </a:fillRef>
+          <a:effectRef idx="0">
+            <a:schemeClr val="accent1"/>
+          </a:effectRef>
+          <a:fontRef idx="minor">
+            <a:schemeClr val="tx1"/>
+          </a:fontRef>
+        </p:style>
+      </p:cxnSp>
+      <p:cxnSp>
+        <p:nvCxnSpPr>
+          <p:cNvPr id="39" name="直接箭头连接符 38">
+            <a:extLst>
+              <a:ext uri="{FF2B5EF4-FFF2-40B4-BE49-F238E27FC236}">
+                <a16:creationId xmlns:a16="http://schemas.microsoft.com/office/drawing/2014/main" id="{8F24327D-DB5E-467F-B9E9-42AC8342E507}"/>
+              </a:ext>
+            </a:extLst>
+          </p:cNvPr>
+          <p:cNvCxnSpPr>
+            <a:cxnSpLocks/>
+          </p:cNvCxnSpPr>
+          <p:nvPr/>
+        </p:nvCxnSpPr>
+        <p:spPr>
+          <a:xfrm flipV="1">
+            <a:off x="5618360" y="1519805"/>
+            <a:ext cx="0" cy="457200"/>
+          </a:xfrm>
+          <a:prstGeom prst="straightConnector1">
+            <a:avLst/>
+          </a:prstGeom>
+          <a:ln>
+            <a:tailEnd type="triangle"/>
+          </a:ln>
+        </p:spPr>
+        <p:style>
+          <a:lnRef idx="1">
+            <a:schemeClr val="accent1"/>
+          </a:lnRef>
+          <a:fillRef idx="0">
+            <a:schemeClr val="accent1"/>
+          </a:fillRef>
+          <a:effectRef idx="0">
+            <a:schemeClr val="accent1"/>
+          </a:effectRef>
+          <a:fontRef idx="minor">
+            <a:schemeClr val="tx1"/>
+          </a:fontRef>
+        </p:style>
+      </p:cxnSp>
+      <p:sp>
+        <p:nvSpPr>
+          <p:cNvPr id="40" name="文本框 39">
+            <a:extLst>
+              <a:ext uri="{FF2B5EF4-FFF2-40B4-BE49-F238E27FC236}">
+                <a16:creationId xmlns:a16="http://schemas.microsoft.com/office/drawing/2014/main" id="{ABD2C309-8BBA-4A96-BEE4-8B136C38A30B}"/>
+              </a:ext>
+            </a:extLst>
+          </p:cNvPr>
+          <p:cNvSpPr txBox="1"/>
+          <p:nvPr/>
+        </p:nvSpPr>
+        <p:spPr>
+          <a:xfrm>
+            <a:off x="6559315" y="2004969"/>
+            <a:ext cx="317716" cy="369332"/>
+          </a:xfrm>
+          <a:prstGeom prst="rect">
+            <a:avLst/>
+          </a:prstGeom>
+          <a:noFill/>
+        </p:spPr>
+        <p:txBody>
+          <a:bodyPr wrap="none" rtlCol="0">
+            <a:spAutoFit/>
+          </a:bodyPr>
+          <a:lstStyle/>
+          <a:p>
+            <a:r>
+              <a:rPr lang="en-US" altLang="zh-CN" dirty="0"/>
+              <a:t>g</a:t>
+            </a:r>
+            <a:endParaRPr lang="zh-CN" altLang="en-US" dirty="0"/>
+          </a:p>
+        </p:txBody>
+      </p:sp>
+      <p:cxnSp>
+        <p:nvCxnSpPr>
+          <p:cNvPr id="41" name="直接箭头连接符 40">
+            <a:extLst>
+              <a:ext uri="{FF2B5EF4-FFF2-40B4-BE49-F238E27FC236}">
+                <a16:creationId xmlns:a16="http://schemas.microsoft.com/office/drawing/2014/main" id="{107A967C-1AF1-46AE-883D-EF5CCBB02506}"/>
+              </a:ext>
+            </a:extLst>
+          </p:cNvPr>
+          <p:cNvCxnSpPr>
+            <a:cxnSpLocks/>
+          </p:cNvCxnSpPr>
+          <p:nvPr/>
+        </p:nvCxnSpPr>
+        <p:spPr>
+          <a:xfrm flipH="1" flipV="1">
+            <a:off x="6470697" y="1348310"/>
+            <a:ext cx="474949" cy="171495"/>
+          </a:xfrm>
+          <a:prstGeom prst="straightConnector1">
+            <a:avLst/>
+          </a:prstGeom>
+          <a:ln>
+            <a:tailEnd type="triangle"/>
+          </a:ln>
+        </p:spPr>
+        <p:style>
+          <a:lnRef idx="1">
+            <a:schemeClr val="accent2"/>
+          </a:lnRef>
+          <a:fillRef idx="0">
+            <a:schemeClr val="accent2"/>
+          </a:fillRef>
+          <a:effectRef idx="0">
+            <a:schemeClr val="accent2"/>
+          </a:effectRef>
+          <a:fontRef idx="minor">
+            <a:schemeClr val="tx1"/>
+          </a:fontRef>
+        </p:style>
+      </p:cxnSp>
+      <p:cxnSp>
+        <p:nvCxnSpPr>
+          <p:cNvPr id="42" name="直接箭头连接符 41">
+            <a:extLst>
+              <a:ext uri="{FF2B5EF4-FFF2-40B4-BE49-F238E27FC236}">
+                <a16:creationId xmlns:a16="http://schemas.microsoft.com/office/drawing/2014/main" id="{C6AFE06C-00A9-4446-BA6D-0E6E39B8E8C4}"/>
+              </a:ext>
+            </a:extLst>
+          </p:cNvPr>
+          <p:cNvCxnSpPr>
+            <a:cxnSpLocks/>
+          </p:cNvCxnSpPr>
+          <p:nvPr/>
+        </p:nvCxnSpPr>
+        <p:spPr>
+          <a:xfrm>
+            <a:off x="6470697" y="1482206"/>
+            <a:ext cx="474949" cy="145258"/>
+          </a:xfrm>
+          <a:prstGeom prst="straightConnector1">
+            <a:avLst/>
+          </a:prstGeom>
+          <a:ln>
+            <a:tailEnd type="triangle"/>
+          </a:ln>
+        </p:spPr>
+        <p:style>
+          <a:lnRef idx="1">
+            <a:schemeClr val="accent1"/>
+          </a:lnRef>
+          <a:fillRef idx="0">
+            <a:schemeClr val="accent1"/>
+          </a:fillRef>
+          <a:effectRef idx="0">
+            <a:schemeClr val="accent1"/>
+          </a:effectRef>
+          <a:fontRef idx="minor">
+            <a:schemeClr val="tx1"/>
+          </a:fontRef>
+        </p:style>
+      </p:cxnSp>
+      <p:cxnSp>
+        <p:nvCxnSpPr>
+          <p:cNvPr id="43" name="直接箭头连接符 42">
+            <a:extLst>
+              <a:ext uri="{FF2B5EF4-FFF2-40B4-BE49-F238E27FC236}">
+                <a16:creationId xmlns:a16="http://schemas.microsoft.com/office/drawing/2014/main" id="{694C0141-B9EF-4044-9ABB-CBCE604F1B9A}"/>
+              </a:ext>
+            </a:extLst>
+          </p:cNvPr>
+          <p:cNvCxnSpPr>
+            <a:cxnSpLocks/>
+          </p:cNvCxnSpPr>
+          <p:nvPr/>
+        </p:nvCxnSpPr>
+        <p:spPr>
+          <a:xfrm>
+            <a:off x="7027178" y="1519805"/>
+            <a:ext cx="0" cy="394282"/>
+          </a:xfrm>
+          <a:prstGeom prst="straightConnector1">
+            <a:avLst/>
+          </a:prstGeom>
+          <a:ln>
+            <a:tailEnd type="triangle"/>
+          </a:ln>
+        </p:spPr>
+        <p:style>
+          <a:lnRef idx="1">
+            <a:schemeClr val="accent1"/>
+          </a:lnRef>
+          <a:fillRef idx="0">
+            <a:schemeClr val="accent1"/>
+          </a:fillRef>
+          <a:effectRef idx="0">
+            <a:schemeClr val="accent1"/>
+          </a:effectRef>
+          <a:fontRef idx="minor">
+            <a:schemeClr val="tx1"/>
+          </a:fontRef>
+        </p:style>
+      </p:cxnSp>
+      <p:sp>
+        <p:nvSpPr>
+          <p:cNvPr id="44" name="文本框 43">
+            <a:extLst>
+              <a:ext uri="{FF2B5EF4-FFF2-40B4-BE49-F238E27FC236}">
+                <a16:creationId xmlns:a16="http://schemas.microsoft.com/office/drawing/2014/main" id="{5B80333D-2EAC-4A3C-BAA8-8B88909AC2CD}"/>
+              </a:ext>
+            </a:extLst>
+          </p:cNvPr>
+          <p:cNvSpPr txBox="1"/>
+          <p:nvPr/>
+        </p:nvSpPr>
+        <p:spPr>
+          <a:xfrm>
+            <a:off x="7668060" y="2004969"/>
+            <a:ext cx="317716" cy="369332"/>
+          </a:xfrm>
+          <a:prstGeom prst="rect">
+            <a:avLst/>
+          </a:prstGeom>
+          <a:noFill/>
+        </p:spPr>
+        <p:txBody>
+          <a:bodyPr wrap="none" rtlCol="0">
+            <a:spAutoFit/>
+          </a:bodyPr>
+          <a:lstStyle/>
+          <a:p>
+            <a:r>
+              <a:rPr lang="en-US" altLang="zh-CN" dirty="0"/>
+              <a:t>h</a:t>
+            </a:r>
+            <a:endParaRPr lang="zh-CN" altLang="en-US" dirty="0"/>
+          </a:p>
+        </p:txBody>
+      </p:sp>
+      <p:cxnSp>
+        <p:nvCxnSpPr>
+          <p:cNvPr id="47" name="直接箭头连接符 46">
+            <a:extLst>
+              <a:ext uri="{FF2B5EF4-FFF2-40B4-BE49-F238E27FC236}">
+                <a16:creationId xmlns:a16="http://schemas.microsoft.com/office/drawing/2014/main" id="{57B80F0B-D539-485F-84CA-346D911735B9}"/>
+              </a:ext>
+            </a:extLst>
+          </p:cNvPr>
+          <p:cNvCxnSpPr>
+            <a:cxnSpLocks/>
+          </p:cNvCxnSpPr>
+          <p:nvPr/>
+        </p:nvCxnSpPr>
+        <p:spPr>
+          <a:xfrm>
+            <a:off x="7544060" y="1519805"/>
+            <a:ext cx="0" cy="394282"/>
+          </a:xfrm>
+          <a:prstGeom prst="straightConnector1">
+            <a:avLst/>
+          </a:prstGeom>
+          <a:ln>
+            <a:tailEnd type="triangle"/>
+          </a:ln>
+        </p:spPr>
+        <p:style>
+          <a:lnRef idx="1">
+            <a:schemeClr val="accent2"/>
+          </a:lnRef>
+          <a:fillRef idx="0">
+            <a:schemeClr val="accent2"/>
+          </a:fillRef>
+          <a:effectRef idx="0">
+            <a:schemeClr val="accent2"/>
+          </a:effectRef>
+          <a:fontRef idx="minor">
+            <a:schemeClr val="tx1"/>
+          </a:fontRef>
+        </p:style>
+      </p:cxnSp>
+      <p:cxnSp>
+        <p:nvCxnSpPr>
+          <p:cNvPr id="48" name="直接箭头连接符 47">
+            <a:extLst>
+              <a:ext uri="{FF2B5EF4-FFF2-40B4-BE49-F238E27FC236}">
+                <a16:creationId xmlns:a16="http://schemas.microsoft.com/office/drawing/2014/main" id="{5189BC5B-396F-4B1C-A602-B1655FA3C114}"/>
+              </a:ext>
+            </a:extLst>
+          </p:cNvPr>
+          <p:cNvCxnSpPr>
+            <a:cxnSpLocks/>
+          </p:cNvCxnSpPr>
+          <p:nvPr/>
+        </p:nvCxnSpPr>
+        <p:spPr>
+          <a:xfrm flipV="1">
+            <a:off x="7643403" y="1549691"/>
+            <a:ext cx="465603" cy="308164"/>
+          </a:xfrm>
+          <a:prstGeom prst="straightConnector1">
+            <a:avLst/>
+          </a:prstGeom>
+          <a:ln>
+            <a:tailEnd type="triangle"/>
+          </a:ln>
+        </p:spPr>
+        <p:style>
+          <a:lnRef idx="1">
+            <a:schemeClr val="accent1"/>
+          </a:lnRef>
+          <a:fillRef idx="0">
+            <a:schemeClr val="accent1"/>
+          </a:fillRef>
+          <a:effectRef idx="0">
+            <a:schemeClr val="accent1"/>
+          </a:effectRef>
+          <a:fontRef idx="minor">
+            <a:schemeClr val="tx1"/>
+          </a:fontRef>
+        </p:style>
+      </p:cxnSp>
+      <p:sp>
+        <p:nvSpPr>
+          <p:cNvPr id="49" name="文本框 48">
+            <a:extLst>
+              <a:ext uri="{FF2B5EF4-FFF2-40B4-BE49-F238E27FC236}">
+                <a16:creationId xmlns:a16="http://schemas.microsoft.com/office/drawing/2014/main" id="{73124C4F-8629-4B4A-B5F2-10781E03FB03}"/>
+              </a:ext>
+            </a:extLst>
+          </p:cNvPr>
+          <p:cNvSpPr txBox="1"/>
+          <p:nvPr/>
+        </p:nvSpPr>
+        <p:spPr>
+          <a:xfrm>
+            <a:off x="8688730" y="2004969"/>
+            <a:ext cx="235962" cy="369332"/>
+          </a:xfrm>
+          <a:prstGeom prst="rect">
+            <a:avLst/>
+          </a:prstGeom>
+          <a:noFill/>
+        </p:spPr>
+        <p:txBody>
+          <a:bodyPr wrap="none" rtlCol="0">
+            <a:spAutoFit/>
+          </a:bodyPr>
+          <a:lstStyle/>
+          <a:p>
+            <a:r>
+              <a:rPr lang="en-US" altLang="zh-CN" dirty="0" err="1"/>
+              <a:t>i</a:t>
+            </a:r>
+            <a:endParaRPr lang="zh-CN" altLang="en-US" dirty="0"/>
+          </a:p>
+        </p:txBody>
+      </p:sp>
+      <p:cxnSp>
+        <p:nvCxnSpPr>
+          <p:cNvPr id="52" name="直接箭头连接符 51">
+            <a:extLst>
+              <a:ext uri="{FF2B5EF4-FFF2-40B4-BE49-F238E27FC236}">
+                <a16:creationId xmlns:a16="http://schemas.microsoft.com/office/drawing/2014/main" id="{EA0872D6-F934-4DE4-827F-44A0D8B585BD}"/>
+              </a:ext>
+            </a:extLst>
+          </p:cNvPr>
+          <p:cNvCxnSpPr>
+            <a:cxnSpLocks/>
+          </p:cNvCxnSpPr>
+          <p:nvPr/>
+        </p:nvCxnSpPr>
+        <p:spPr>
+          <a:xfrm>
+            <a:off x="8696337" y="1519805"/>
+            <a:ext cx="0" cy="394282"/>
+          </a:xfrm>
+          <a:prstGeom prst="straightConnector1">
+            <a:avLst/>
+          </a:prstGeom>
+          <a:ln>
+            <a:tailEnd type="triangle"/>
+          </a:ln>
+        </p:spPr>
+        <p:style>
+          <a:lnRef idx="1">
+            <a:schemeClr val="accent2"/>
+          </a:lnRef>
+          <a:fillRef idx="0">
+            <a:schemeClr val="accent2"/>
+          </a:fillRef>
+          <a:effectRef idx="0">
+            <a:schemeClr val="accent2"/>
+          </a:effectRef>
+          <a:fontRef idx="minor">
+            <a:schemeClr val="tx1"/>
+          </a:fontRef>
+        </p:style>
+      </p:cxnSp>
+      <p:cxnSp>
+        <p:nvCxnSpPr>
+          <p:cNvPr id="53" name="直接箭头连接符 52">
+            <a:extLst>
+              <a:ext uri="{FF2B5EF4-FFF2-40B4-BE49-F238E27FC236}">
+                <a16:creationId xmlns:a16="http://schemas.microsoft.com/office/drawing/2014/main" id="{02C02306-E3A5-41A9-BEE3-DF11B39A3C6C}"/>
+              </a:ext>
+            </a:extLst>
+          </p:cNvPr>
+          <p:cNvCxnSpPr>
+            <a:cxnSpLocks/>
+          </p:cNvCxnSpPr>
+          <p:nvPr/>
+        </p:nvCxnSpPr>
+        <p:spPr>
+          <a:xfrm flipV="1">
+            <a:off x="8820337" y="1519805"/>
+            <a:ext cx="0" cy="457200"/>
+          </a:xfrm>
+          <a:prstGeom prst="straightConnector1">
+            <a:avLst/>
+          </a:prstGeom>
+          <a:ln>
+            <a:tailEnd type="triangle"/>
+          </a:ln>
+        </p:spPr>
+        <p:style>
+          <a:lnRef idx="1">
+            <a:schemeClr val="accent1"/>
+          </a:lnRef>
+          <a:fillRef idx="0">
+            <a:schemeClr val="accent1"/>
+          </a:fillRef>
+          <a:effectRef idx="0">
+            <a:schemeClr val="accent1"/>
+          </a:effectRef>
+          <a:fontRef idx="minor">
+            <a:schemeClr val="tx1"/>
+          </a:fontRef>
+        </p:style>
+      </p:cxnSp>
+      <p:sp>
+        <p:nvSpPr>
+          <p:cNvPr id="54" name="文本框 53">
+            <a:extLst>
+              <a:ext uri="{FF2B5EF4-FFF2-40B4-BE49-F238E27FC236}">
+                <a16:creationId xmlns:a16="http://schemas.microsoft.com/office/drawing/2014/main" id="{F39EE33E-FCF6-4131-AFD8-A57BBD00CE21}"/>
+              </a:ext>
+            </a:extLst>
+          </p:cNvPr>
+          <p:cNvSpPr txBox="1"/>
+          <p:nvPr/>
+        </p:nvSpPr>
+        <p:spPr>
+          <a:xfrm>
+            <a:off x="408787" y="3110807"/>
+            <a:ext cx="235962" cy="369332"/>
+          </a:xfrm>
+          <a:prstGeom prst="rect">
+            <a:avLst/>
+          </a:prstGeom>
+          <a:noFill/>
+        </p:spPr>
+        <p:txBody>
+          <a:bodyPr wrap="none" rtlCol="0">
+            <a:spAutoFit/>
+          </a:bodyPr>
+          <a:lstStyle/>
+          <a:p>
+            <a:r>
+              <a:rPr lang="en-US" altLang="zh-CN" dirty="0"/>
+              <a:t>j</a:t>
+            </a:r>
+            <a:endParaRPr lang="zh-CN" altLang="en-US" dirty="0"/>
+          </a:p>
+        </p:txBody>
+      </p:sp>
+      <p:cxnSp>
+        <p:nvCxnSpPr>
+          <p:cNvPr id="55" name="直接箭头连接符 54">
+            <a:extLst>
+              <a:ext uri="{FF2B5EF4-FFF2-40B4-BE49-F238E27FC236}">
+                <a16:creationId xmlns:a16="http://schemas.microsoft.com/office/drawing/2014/main" id="{F72675F7-23EA-454B-B393-E5156179DC51}"/>
+              </a:ext>
+            </a:extLst>
+          </p:cNvPr>
+          <p:cNvCxnSpPr>
+            <a:cxnSpLocks/>
+          </p:cNvCxnSpPr>
+          <p:nvPr/>
+        </p:nvCxnSpPr>
+        <p:spPr>
+          <a:xfrm flipH="1" flipV="1">
+            <a:off x="379636" y="2840893"/>
+            <a:ext cx="430522" cy="179032"/>
+          </a:xfrm>
+          <a:prstGeom prst="straightConnector1">
+            <a:avLst/>
+          </a:prstGeom>
+          <a:ln>
+            <a:tailEnd type="triangle"/>
+          </a:ln>
+        </p:spPr>
+        <p:style>
+          <a:lnRef idx="1">
+            <a:schemeClr val="accent1"/>
+          </a:lnRef>
+          <a:fillRef idx="0">
+            <a:schemeClr val="accent1"/>
+          </a:fillRef>
+          <a:effectRef idx="0">
+            <a:schemeClr val="accent1"/>
+          </a:effectRef>
+          <a:fontRef idx="minor">
+            <a:schemeClr val="tx1"/>
+          </a:fontRef>
+        </p:style>
+      </p:cxnSp>
+      <p:cxnSp>
+        <p:nvCxnSpPr>
+          <p:cNvPr id="57" name="直接箭头连接符 56">
+            <a:extLst>
+              <a:ext uri="{FF2B5EF4-FFF2-40B4-BE49-F238E27FC236}">
+                <a16:creationId xmlns:a16="http://schemas.microsoft.com/office/drawing/2014/main" id="{E005CB16-51AC-4DFB-BDEF-985D7756F958}"/>
+              </a:ext>
+            </a:extLst>
+          </p:cNvPr>
+          <p:cNvCxnSpPr>
+            <a:cxnSpLocks/>
+          </p:cNvCxnSpPr>
+          <p:nvPr/>
+        </p:nvCxnSpPr>
+        <p:spPr>
+          <a:xfrm>
+            <a:off x="876650" y="2625643"/>
+            <a:ext cx="0" cy="394282"/>
+          </a:xfrm>
+          <a:prstGeom prst="straightConnector1">
+            <a:avLst/>
+          </a:prstGeom>
+          <a:ln>
+            <a:tailEnd type="triangle"/>
+          </a:ln>
+        </p:spPr>
+        <p:style>
+          <a:lnRef idx="1">
+            <a:schemeClr val="accent2"/>
+          </a:lnRef>
+          <a:fillRef idx="0">
+            <a:schemeClr val="accent2"/>
+          </a:fillRef>
+          <a:effectRef idx="0">
+            <a:schemeClr val="accent2"/>
+          </a:effectRef>
+          <a:fontRef idx="minor">
+            <a:schemeClr val="tx1"/>
+          </a:fontRef>
+        </p:style>
+      </p:cxnSp>
+      <p:sp>
+        <p:nvSpPr>
+          <p:cNvPr id="58" name="文本框 57">
+            <a:extLst>
+              <a:ext uri="{FF2B5EF4-FFF2-40B4-BE49-F238E27FC236}">
+                <a16:creationId xmlns:a16="http://schemas.microsoft.com/office/drawing/2014/main" id="{E10268BB-83C3-4462-B67D-D8143360FE13}"/>
+              </a:ext>
+            </a:extLst>
+          </p:cNvPr>
+          <p:cNvSpPr txBox="1"/>
+          <p:nvPr/>
+        </p:nvSpPr>
+        <p:spPr>
+          <a:xfrm>
+            <a:off x="1517532" y="3110807"/>
+            <a:ext cx="293670" cy="369332"/>
+          </a:xfrm>
+          <a:prstGeom prst="rect">
+            <a:avLst/>
+          </a:prstGeom>
+          <a:noFill/>
+        </p:spPr>
+        <p:txBody>
+          <a:bodyPr wrap="none" rtlCol="0">
+            <a:spAutoFit/>
+          </a:bodyPr>
+          <a:lstStyle/>
+          <a:p>
+            <a:r>
+              <a:rPr lang="en-US" altLang="zh-CN" dirty="0"/>
+              <a:t>k</a:t>
+            </a:r>
+            <a:endParaRPr lang="zh-CN" altLang="en-US" dirty="0"/>
+          </a:p>
+        </p:txBody>
+      </p:sp>
+      <p:cxnSp>
+        <p:nvCxnSpPr>
+          <p:cNvPr id="61" name="直接箭头连接符 60">
+            <a:extLst>
+              <a:ext uri="{FF2B5EF4-FFF2-40B4-BE49-F238E27FC236}">
+                <a16:creationId xmlns:a16="http://schemas.microsoft.com/office/drawing/2014/main" id="{50CF6180-17D7-4EEE-AB3E-1308713250E0}"/>
+              </a:ext>
+            </a:extLst>
+          </p:cNvPr>
+          <p:cNvCxnSpPr>
+            <a:cxnSpLocks/>
+          </p:cNvCxnSpPr>
+          <p:nvPr/>
+        </p:nvCxnSpPr>
+        <p:spPr>
+          <a:xfrm>
+            <a:off x="1393532" y="2625643"/>
+            <a:ext cx="0" cy="394282"/>
+          </a:xfrm>
+          <a:prstGeom prst="straightConnector1">
+            <a:avLst/>
+          </a:prstGeom>
+          <a:ln>
+            <a:tailEnd type="triangle"/>
+          </a:ln>
+        </p:spPr>
+        <p:style>
+          <a:lnRef idx="1">
+            <a:schemeClr val="accent2"/>
+          </a:lnRef>
+          <a:fillRef idx="0">
+            <a:schemeClr val="accent2"/>
+          </a:fillRef>
+          <a:effectRef idx="0">
+            <a:schemeClr val="accent2"/>
+          </a:effectRef>
+          <a:fontRef idx="minor">
+            <a:schemeClr val="tx1"/>
+          </a:fontRef>
+        </p:style>
+      </p:cxnSp>
+      <p:cxnSp>
+        <p:nvCxnSpPr>
+          <p:cNvPr id="62" name="直接箭头连接符 61">
+            <a:extLst>
+              <a:ext uri="{FF2B5EF4-FFF2-40B4-BE49-F238E27FC236}">
+                <a16:creationId xmlns:a16="http://schemas.microsoft.com/office/drawing/2014/main" id="{C9820213-7918-49F1-A887-917BCFDAB5E0}"/>
+              </a:ext>
+            </a:extLst>
+          </p:cNvPr>
+          <p:cNvCxnSpPr>
+            <a:cxnSpLocks/>
+          </p:cNvCxnSpPr>
+          <p:nvPr/>
+        </p:nvCxnSpPr>
+        <p:spPr>
+          <a:xfrm flipV="1">
+            <a:off x="1449279" y="2628220"/>
+            <a:ext cx="541823" cy="359784"/>
+          </a:xfrm>
+          <a:prstGeom prst="straightConnector1">
+            <a:avLst/>
+          </a:prstGeom>
+          <a:ln>
+            <a:tailEnd type="triangle"/>
+          </a:ln>
+        </p:spPr>
+        <p:style>
+          <a:lnRef idx="1">
+            <a:schemeClr val="accent1"/>
+          </a:lnRef>
+          <a:fillRef idx="0">
+            <a:schemeClr val="accent1"/>
+          </a:fillRef>
+          <a:effectRef idx="0">
+            <a:schemeClr val="accent1"/>
+          </a:effectRef>
+          <a:fontRef idx="minor">
+            <a:schemeClr val="tx1"/>
+          </a:fontRef>
+        </p:style>
+      </p:cxnSp>
+      <p:sp>
+        <p:nvSpPr>
+          <p:cNvPr id="63" name="文本框 62">
+            <a:extLst>
+              <a:ext uri="{FF2B5EF4-FFF2-40B4-BE49-F238E27FC236}">
+                <a16:creationId xmlns:a16="http://schemas.microsoft.com/office/drawing/2014/main" id="{20818D46-2F3C-4D48-B19B-64CF6B25CA89}"/>
+              </a:ext>
+            </a:extLst>
+          </p:cNvPr>
+          <p:cNvSpPr txBox="1"/>
+          <p:nvPr/>
+        </p:nvSpPr>
+        <p:spPr>
+          <a:xfrm>
+            <a:off x="2538202" y="3110807"/>
+            <a:ext cx="235962" cy="369332"/>
+          </a:xfrm>
+          <a:prstGeom prst="rect">
+            <a:avLst/>
+          </a:prstGeom>
+          <a:noFill/>
+        </p:spPr>
+        <p:txBody>
+          <a:bodyPr wrap="none" rtlCol="0">
+            <a:spAutoFit/>
+          </a:bodyPr>
+          <a:lstStyle/>
+          <a:p>
+            <a:r>
+              <a:rPr lang="en-US" altLang="zh-CN" dirty="0"/>
+              <a:t>l</a:t>
+            </a:r>
+            <a:endParaRPr lang="zh-CN" altLang="en-US" dirty="0"/>
+          </a:p>
+        </p:txBody>
+      </p:sp>
+      <p:cxnSp>
+        <p:nvCxnSpPr>
+          <p:cNvPr id="66" name="直接箭头连接符 65">
+            <a:extLst>
+              <a:ext uri="{FF2B5EF4-FFF2-40B4-BE49-F238E27FC236}">
+                <a16:creationId xmlns:a16="http://schemas.microsoft.com/office/drawing/2014/main" id="{AC339F5D-0EC5-473A-9FCE-BC68C0C51558}"/>
+              </a:ext>
+            </a:extLst>
+          </p:cNvPr>
+          <p:cNvCxnSpPr>
+            <a:cxnSpLocks/>
+          </p:cNvCxnSpPr>
+          <p:nvPr/>
+        </p:nvCxnSpPr>
+        <p:spPr>
+          <a:xfrm>
+            <a:off x="2670066" y="2625643"/>
+            <a:ext cx="0" cy="394282"/>
+          </a:xfrm>
+          <a:prstGeom prst="straightConnector1">
+            <a:avLst/>
+          </a:prstGeom>
+          <a:ln>
+            <a:tailEnd type="triangle"/>
+          </a:ln>
+        </p:spPr>
+        <p:style>
+          <a:lnRef idx="1">
+            <a:schemeClr val="accent2"/>
+          </a:lnRef>
+          <a:fillRef idx="0">
+            <a:schemeClr val="accent2"/>
+          </a:fillRef>
+          <a:effectRef idx="0">
+            <a:schemeClr val="accent2"/>
+          </a:effectRef>
+          <a:fontRef idx="minor">
+            <a:schemeClr val="tx1"/>
+          </a:fontRef>
+        </p:style>
+      </p:cxnSp>
+      <p:sp>
+        <p:nvSpPr>
+          <p:cNvPr id="68" name="文本框 67">
+            <a:extLst>
+              <a:ext uri="{FF2B5EF4-FFF2-40B4-BE49-F238E27FC236}">
+                <a16:creationId xmlns:a16="http://schemas.microsoft.com/office/drawing/2014/main" id="{229CCF77-3897-4F53-BC08-FF5BF92F62E9}"/>
+              </a:ext>
+            </a:extLst>
+          </p:cNvPr>
+          <p:cNvSpPr txBox="1"/>
+          <p:nvPr/>
+        </p:nvSpPr>
+        <p:spPr>
+          <a:xfrm>
+            <a:off x="3488945" y="3110807"/>
+            <a:ext cx="378630" cy="369332"/>
+          </a:xfrm>
+          <a:prstGeom prst="rect">
+            <a:avLst/>
+          </a:prstGeom>
+          <a:noFill/>
+        </p:spPr>
+        <p:txBody>
+          <a:bodyPr wrap="none" rtlCol="0">
+            <a:spAutoFit/>
+          </a:bodyPr>
+          <a:lstStyle/>
+          <a:p>
+            <a:r>
+              <a:rPr lang="en-US" altLang="zh-CN" dirty="0"/>
+              <a:t>m</a:t>
+            </a:r>
+            <a:endParaRPr lang="zh-CN" altLang="en-US" dirty="0"/>
+          </a:p>
+        </p:txBody>
+      </p:sp>
+      <p:cxnSp>
+        <p:nvCxnSpPr>
+          <p:cNvPr id="71" name="直接箭头连接符 70">
+            <a:extLst>
+              <a:ext uri="{FF2B5EF4-FFF2-40B4-BE49-F238E27FC236}">
+                <a16:creationId xmlns:a16="http://schemas.microsoft.com/office/drawing/2014/main" id="{C2D72FC3-C696-409C-B129-89BDD2D040CE}"/>
+              </a:ext>
+            </a:extLst>
+          </p:cNvPr>
+          <p:cNvCxnSpPr>
+            <a:cxnSpLocks/>
+          </p:cNvCxnSpPr>
+          <p:nvPr/>
+        </p:nvCxnSpPr>
+        <p:spPr>
+          <a:xfrm>
+            <a:off x="3488945" y="2625643"/>
+            <a:ext cx="0" cy="394282"/>
+          </a:xfrm>
+          <a:prstGeom prst="straightConnector1">
+            <a:avLst/>
+          </a:prstGeom>
+          <a:ln>
+            <a:tailEnd type="triangle"/>
+          </a:ln>
+        </p:spPr>
+        <p:style>
+          <a:lnRef idx="1">
+            <a:schemeClr val="accent2"/>
+          </a:lnRef>
+          <a:fillRef idx="0">
+            <a:schemeClr val="accent2"/>
+          </a:fillRef>
+          <a:effectRef idx="0">
+            <a:schemeClr val="accent2"/>
+          </a:effectRef>
+          <a:fontRef idx="minor">
+            <a:schemeClr val="tx1"/>
+          </a:fontRef>
+        </p:style>
+      </p:cxnSp>
+      <p:sp>
+        <p:nvSpPr>
+          <p:cNvPr id="72" name="文本框 71">
+            <a:extLst>
+              <a:ext uri="{FF2B5EF4-FFF2-40B4-BE49-F238E27FC236}">
+                <a16:creationId xmlns:a16="http://schemas.microsoft.com/office/drawing/2014/main" id="{13041F7A-0FC4-45F5-80E2-5099614972A6}"/>
+              </a:ext>
+            </a:extLst>
+          </p:cNvPr>
+          <p:cNvSpPr txBox="1"/>
+          <p:nvPr/>
+        </p:nvSpPr>
+        <p:spPr>
+          <a:xfrm>
+            <a:off x="4597690" y="3110807"/>
+            <a:ext cx="317716" cy="369332"/>
+          </a:xfrm>
+          <a:prstGeom prst="rect">
+            <a:avLst/>
+          </a:prstGeom>
+          <a:noFill/>
+        </p:spPr>
+        <p:txBody>
+          <a:bodyPr wrap="none" rtlCol="0">
+            <a:spAutoFit/>
+          </a:bodyPr>
+          <a:lstStyle/>
+          <a:p>
+            <a:r>
+              <a:rPr lang="en-US" altLang="zh-CN" dirty="0"/>
+              <a:t>n</a:t>
+            </a:r>
+            <a:endParaRPr lang="zh-CN" altLang="en-US" dirty="0"/>
+          </a:p>
+        </p:txBody>
+      </p:sp>
+      <p:sp>
+        <p:nvSpPr>
+          <p:cNvPr id="77" name="文本框 76">
+            <a:extLst>
+              <a:ext uri="{FF2B5EF4-FFF2-40B4-BE49-F238E27FC236}">
+                <a16:creationId xmlns:a16="http://schemas.microsoft.com/office/drawing/2014/main" id="{A9BB7FFF-A1FF-417D-80CC-7D633F213CD1}"/>
+              </a:ext>
+            </a:extLst>
+          </p:cNvPr>
+          <p:cNvSpPr txBox="1"/>
+          <p:nvPr/>
+        </p:nvSpPr>
+        <p:spPr>
+          <a:xfrm>
+            <a:off x="5618360" y="3110807"/>
+            <a:ext cx="317716" cy="369332"/>
+          </a:xfrm>
+          <a:prstGeom prst="rect">
+            <a:avLst/>
+          </a:prstGeom>
+          <a:noFill/>
+        </p:spPr>
+        <p:txBody>
+          <a:bodyPr wrap="none" rtlCol="0">
+            <a:spAutoFit/>
+          </a:bodyPr>
+          <a:lstStyle/>
+          <a:p>
+            <a:r>
+              <a:rPr lang="en-US" altLang="zh-CN" dirty="0"/>
+              <a:t>o</a:t>
+            </a:r>
+            <a:endParaRPr lang="zh-CN" altLang="en-US" dirty="0"/>
+          </a:p>
+        </p:txBody>
+      </p:sp>
+      <p:cxnSp>
+        <p:nvCxnSpPr>
+          <p:cNvPr id="78" name="直接箭头连接符 77">
+            <a:extLst>
+              <a:ext uri="{FF2B5EF4-FFF2-40B4-BE49-F238E27FC236}">
+                <a16:creationId xmlns:a16="http://schemas.microsoft.com/office/drawing/2014/main" id="{9BF059F1-57A7-4984-856A-88091B54EDC2}"/>
+              </a:ext>
+            </a:extLst>
+          </p:cNvPr>
+          <p:cNvCxnSpPr>
+            <a:cxnSpLocks/>
+          </p:cNvCxnSpPr>
+          <p:nvPr/>
+        </p:nvCxnSpPr>
+        <p:spPr>
+          <a:xfrm flipH="1">
+            <a:off x="5494360" y="2653607"/>
+            <a:ext cx="565064" cy="178975"/>
+          </a:xfrm>
+          <a:prstGeom prst="straightConnector1">
+            <a:avLst/>
+          </a:prstGeom>
+          <a:ln>
+            <a:tailEnd type="triangle"/>
+          </a:ln>
+        </p:spPr>
+        <p:style>
+          <a:lnRef idx="1">
+            <a:schemeClr val="accent2"/>
+          </a:lnRef>
+          <a:fillRef idx="0">
+            <a:schemeClr val="accent2"/>
+          </a:fillRef>
+          <a:effectRef idx="0">
+            <a:schemeClr val="accent2"/>
+          </a:effectRef>
+          <a:fontRef idx="minor">
+            <a:schemeClr val="tx1"/>
+          </a:fontRef>
+        </p:style>
+      </p:cxnSp>
+      <p:cxnSp>
+        <p:nvCxnSpPr>
+          <p:cNvPr id="79" name="直接箭头连接符 78">
+            <a:extLst>
+              <a:ext uri="{FF2B5EF4-FFF2-40B4-BE49-F238E27FC236}">
+                <a16:creationId xmlns:a16="http://schemas.microsoft.com/office/drawing/2014/main" id="{2B81387A-F5D9-4F2E-932D-84E1C4A18024}"/>
+              </a:ext>
+            </a:extLst>
+          </p:cNvPr>
+          <p:cNvCxnSpPr>
+            <a:cxnSpLocks/>
+          </p:cNvCxnSpPr>
+          <p:nvPr/>
+        </p:nvCxnSpPr>
+        <p:spPr>
+          <a:xfrm>
+            <a:off x="5521558" y="2931043"/>
+            <a:ext cx="574442" cy="179764"/>
+          </a:xfrm>
+          <a:prstGeom prst="straightConnector1">
+            <a:avLst/>
+          </a:prstGeom>
+          <a:ln>
+            <a:tailEnd type="triangle"/>
+          </a:ln>
+        </p:spPr>
+        <p:style>
+          <a:lnRef idx="1">
+            <a:schemeClr val="accent1"/>
+          </a:lnRef>
+          <a:fillRef idx="0">
+            <a:schemeClr val="accent1"/>
+          </a:fillRef>
+          <a:effectRef idx="0">
+            <a:schemeClr val="accent1"/>
+          </a:effectRef>
+          <a:fontRef idx="minor">
+            <a:schemeClr val="tx1"/>
+          </a:fontRef>
+        </p:style>
+      </p:cxnSp>
+      <p:cxnSp>
+        <p:nvCxnSpPr>
+          <p:cNvPr id="81" name="直接箭头连接符 80">
+            <a:extLst>
+              <a:ext uri="{FF2B5EF4-FFF2-40B4-BE49-F238E27FC236}">
+                <a16:creationId xmlns:a16="http://schemas.microsoft.com/office/drawing/2014/main" id="{F89EAF68-E108-4040-B40A-88A0E34E7399}"/>
+              </a:ext>
+            </a:extLst>
+          </p:cNvPr>
+          <p:cNvCxnSpPr>
+            <a:cxnSpLocks/>
+          </p:cNvCxnSpPr>
+          <p:nvPr/>
+        </p:nvCxnSpPr>
+        <p:spPr>
+          <a:xfrm flipV="1">
+            <a:off x="6102125" y="2653607"/>
+            <a:ext cx="0" cy="457200"/>
+          </a:xfrm>
+          <a:prstGeom prst="straightConnector1">
+            <a:avLst/>
+          </a:prstGeom>
+          <a:ln>
+            <a:tailEnd type="triangle"/>
+          </a:ln>
+        </p:spPr>
+        <p:style>
+          <a:lnRef idx="1">
+            <a:schemeClr val="accent1"/>
+          </a:lnRef>
+          <a:fillRef idx="0">
+            <a:schemeClr val="accent1"/>
+          </a:fillRef>
+          <a:effectRef idx="0">
+            <a:schemeClr val="accent1"/>
+          </a:effectRef>
+          <a:fontRef idx="minor">
+            <a:schemeClr val="tx1"/>
+          </a:fontRef>
+        </p:style>
+      </p:cxnSp>
+      <p:sp>
+        <p:nvSpPr>
+          <p:cNvPr id="82" name="文本框 81">
+            <a:extLst>
+              <a:ext uri="{FF2B5EF4-FFF2-40B4-BE49-F238E27FC236}">
+                <a16:creationId xmlns:a16="http://schemas.microsoft.com/office/drawing/2014/main" id="{55FDFA5C-F666-419C-8CDD-594F9BF9815E}"/>
+              </a:ext>
+            </a:extLst>
+          </p:cNvPr>
+          <p:cNvSpPr txBox="1"/>
+          <p:nvPr/>
+        </p:nvSpPr>
+        <p:spPr>
+          <a:xfrm>
+            <a:off x="6559315" y="3110807"/>
+            <a:ext cx="317716" cy="369332"/>
+          </a:xfrm>
+          <a:prstGeom prst="rect">
+            <a:avLst/>
+          </a:prstGeom>
+          <a:noFill/>
+        </p:spPr>
+        <p:txBody>
+          <a:bodyPr wrap="none" rtlCol="0">
+            <a:spAutoFit/>
+          </a:bodyPr>
+          <a:lstStyle/>
+          <a:p>
+            <a:r>
+              <a:rPr lang="en-US" altLang="zh-CN" dirty="0"/>
+              <a:t>p</a:t>
+            </a:r>
+            <a:endParaRPr lang="zh-CN" altLang="en-US" dirty="0"/>
+          </a:p>
+        </p:txBody>
+      </p:sp>
+      <p:cxnSp>
+        <p:nvCxnSpPr>
+          <p:cNvPr id="83" name="直接箭头连接符 82">
+            <a:extLst>
+              <a:ext uri="{FF2B5EF4-FFF2-40B4-BE49-F238E27FC236}">
+                <a16:creationId xmlns:a16="http://schemas.microsoft.com/office/drawing/2014/main" id="{E45037F7-4224-4473-9EC1-A6A4BDAEA530}"/>
+              </a:ext>
+            </a:extLst>
+          </p:cNvPr>
+          <p:cNvCxnSpPr>
+            <a:cxnSpLocks/>
+          </p:cNvCxnSpPr>
+          <p:nvPr/>
+        </p:nvCxnSpPr>
+        <p:spPr>
+          <a:xfrm flipH="1" flipV="1">
+            <a:off x="6611921" y="2766346"/>
+            <a:ext cx="493586" cy="204209"/>
+          </a:xfrm>
+          <a:prstGeom prst="straightConnector1">
+            <a:avLst/>
+          </a:prstGeom>
+          <a:ln>
+            <a:tailEnd type="triangle"/>
+          </a:ln>
+        </p:spPr>
+        <p:style>
+          <a:lnRef idx="1">
+            <a:schemeClr val="accent1"/>
+          </a:lnRef>
+          <a:fillRef idx="0">
+            <a:schemeClr val="accent1"/>
+          </a:fillRef>
+          <a:effectRef idx="0">
+            <a:schemeClr val="accent1"/>
+          </a:effectRef>
+          <a:fontRef idx="minor">
+            <a:schemeClr val="tx1"/>
+          </a:fontRef>
+        </p:style>
+      </p:cxnSp>
+      <p:cxnSp>
+        <p:nvCxnSpPr>
+          <p:cNvPr id="84" name="直接箭头连接符 83">
+            <a:extLst>
+              <a:ext uri="{FF2B5EF4-FFF2-40B4-BE49-F238E27FC236}">
+                <a16:creationId xmlns:a16="http://schemas.microsoft.com/office/drawing/2014/main" id="{3A55DF59-A752-4713-81B0-6391174463B9}"/>
+              </a:ext>
+            </a:extLst>
+          </p:cNvPr>
+          <p:cNvCxnSpPr>
+            <a:cxnSpLocks/>
+          </p:cNvCxnSpPr>
+          <p:nvPr/>
+        </p:nvCxnSpPr>
+        <p:spPr>
+          <a:xfrm>
+            <a:off x="6627458" y="2657579"/>
+            <a:ext cx="494951" cy="217535"/>
+          </a:xfrm>
+          <a:prstGeom prst="straightConnector1">
+            <a:avLst/>
+          </a:prstGeom>
+          <a:ln>
+            <a:tailEnd type="triangle"/>
+          </a:ln>
+        </p:spPr>
+        <p:style>
+          <a:lnRef idx="1">
+            <a:schemeClr val="accent1"/>
+          </a:lnRef>
+          <a:fillRef idx="0">
+            <a:schemeClr val="accent1"/>
+          </a:fillRef>
+          <a:effectRef idx="0">
+            <a:schemeClr val="accent1"/>
+          </a:effectRef>
+          <a:fontRef idx="minor">
+            <a:schemeClr val="tx1"/>
+          </a:fontRef>
+        </p:style>
+      </p:cxnSp>
+      <p:cxnSp>
+        <p:nvCxnSpPr>
+          <p:cNvPr id="85" name="直接箭头连接符 84">
+            <a:extLst>
+              <a:ext uri="{FF2B5EF4-FFF2-40B4-BE49-F238E27FC236}">
+                <a16:creationId xmlns:a16="http://schemas.microsoft.com/office/drawing/2014/main" id="{7103576A-BAA0-47E8-A472-987BB591DEAA}"/>
+              </a:ext>
+            </a:extLst>
+          </p:cNvPr>
+          <p:cNvCxnSpPr>
+            <a:cxnSpLocks/>
+          </p:cNvCxnSpPr>
+          <p:nvPr/>
+        </p:nvCxnSpPr>
+        <p:spPr>
+          <a:xfrm>
+            <a:off x="6470697" y="2685066"/>
+            <a:ext cx="0" cy="394282"/>
+          </a:xfrm>
+          <a:prstGeom prst="straightConnector1">
+            <a:avLst/>
+          </a:prstGeom>
+          <a:ln>
+            <a:tailEnd type="triangle"/>
+          </a:ln>
+        </p:spPr>
+        <p:style>
+          <a:lnRef idx="1">
+            <a:schemeClr val="accent2"/>
+          </a:lnRef>
+          <a:fillRef idx="0">
+            <a:schemeClr val="accent2"/>
+          </a:fillRef>
+          <a:effectRef idx="0">
+            <a:schemeClr val="accent2"/>
+          </a:effectRef>
+          <a:fontRef idx="minor">
+            <a:schemeClr val="tx1"/>
+          </a:fontRef>
+        </p:style>
+      </p:cxnSp>
+      <p:sp>
+        <p:nvSpPr>
+          <p:cNvPr id="86" name="文本框 85">
+            <a:extLst>
+              <a:ext uri="{FF2B5EF4-FFF2-40B4-BE49-F238E27FC236}">
+                <a16:creationId xmlns:a16="http://schemas.microsoft.com/office/drawing/2014/main" id="{A712A811-44B8-48AD-8ED5-34F9AC93AEEE}"/>
+              </a:ext>
+            </a:extLst>
+          </p:cNvPr>
+          <p:cNvSpPr txBox="1"/>
+          <p:nvPr/>
+        </p:nvSpPr>
+        <p:spPr>
+          <a:xfrm>
+            <a:off x="7668060" y="3110807"/>
+            <a:ext cx="317716" cy="369332"/>
+          </a:xfrm>
+          <a:prstGeom prst="rect">
+            <a:avLst/>
+          </a:prstGeom>
+          <a:noFill/>
+        </p:spPr>
+        <p:txBody>
+          <a:bodyPr wrap="none" rtlCol="0">
+            <a:spAutoFit/>
+          </a:bodyPr>
+          <a:lstStyle/>
+          <a:p>
+            <a:r>
+              <a:rPr lang="en-US" altLang="zh-CN" dirty="0"/>
+              <a:t>q</a:t>
+            </a:r>
+            <a:endParaRPr lang="zh-CN" altLang="en-US" dirty="0"/>
+          </a:p>
+        </p:txBody>
+      </p:sp>
+      <p:sp>
+        <p:nvSpPr>
+          <p:cNvPr id="91" name="文本框 90">
+            <a:extLst>
+              <a:ext uri="{FF2B5EF4-FFF2-40B4-BE49-F238E27FC236}">
+                <a16:creationId xmlns:a16="http://schemas.microsoft.com/office/drawing/2014/main" id="{D1D635C6-107D-491E-8E38-88626D9ACEE9}"/>
+              </a:ext>
+            </a:extLst>
+          </p:cNvPr>
+          <p:cNvSpPr txBox="1"/>
+          <p:nvPr/>
+        </p:nvSpPr>
+        <p:spPr>
+          <a:xfrm>
+            <a:off x="8688730" y="3110807"/>
+            <a:ext cx="263214" cy="369332"/>
+          </a:xfrm>
+          <a:prstGeom prst="rect">
+            <a:avLst/>
+          </a:prstGeom>
+          <a:noFill/>
+        </p:spPr>
+        <p:txBody>
+          <a:bodyPr wrap="none" rtlCol="0">
+            <a:spAutoFit/>
+          </a:bodyPr>
+          <a:lstStyle/>
+          <a:p>
+            <a:r>
+              <a:rPr lang="en-US" altLang="zh-CN" dirty="0"/>
+              <a:t>r</a:t>
+            </a:r>
+            <a:endParaRPr lang="zh-CN" altLang="en-US" dirty="0"/>
+          </a:p>
+        </p:txBody>
+      </p:sp>
+      <p:cxnSp>
+        <p:nvCxnSpPr>
+          <p:cNvPr id="93" name="直接箭头连接符 92">
+            <a:extLst>
+              <a:ext uri="{FF2B5EF4-FFF2-40B4-BE49-F238E27FC236}">
+                <a16:creationId xmlns:a16="http://schemas.microsoft.com/office/drawing/2014/main" id="{6EED47F2-437D-4FFF-97A6-DE8786BA3F77}"/>
+              </a:ext>
+            </a:extLst>
+          </p:cNvPr>
+          <p:cNvCxnSpPr>
+            <a:cxnSpLocks/>
+          </p:cNvCxnSpPr>
+          <p:nvPr/>
+        </p:nvCxnSpPr>
+        <p:spPr>
+          <a:xfrm flipV="1">
+            <a:off x="8758532" y="2438400"/>
+            <a:ext cx="476908" cy="187243"/>
+          </a:xfrm>
+          <a:prstGeom prst="straightConnector1">
+            <a:avLst/>
+          </a:prstGeom>
+          <a:ln>
+            <a:tailEnd type="triangle"/>
+          </a:ln>
+        </p:spPr>
+        <p:style>
+          <a:lnRef idx="1">
+            <a:schemeClr val="accent1"/>
+          </a:lnRef>
+          <a:fillRef idx="0">
+            <a:schemeClr val="accent1"/>
+          </a:fillRef>
+          <a:effectRef idx="0">
+            <a:schemeClr val="accent1"/>
+          </a:effectRef>
+          <a:fontRef idx="minor">
+            <a:schemeClr val="tx1"/>
+          </a:fontRef>
+        </p:style>
+      </p:cxnSp>
+      <p:cxnSp>
+        <p:nvCxnSpPr>
+          <p:cNvPr id="94" name="直接箭头连接符 93">
+            <a:extLst>
+              <a:ext uri="{FF2B5EF4-FFF2-40B4-BE49-F238E27FC236}">
+                <a16:creationId xmlns:a16="http://schemas.microsoft.com/office/drawing/2014/main" id="{90D5CC83-3CA0-403D-BE01-15219C84CD6B}"/>
+              </a:ext>
+            </a:extLst>
+          </p:cNvPr>
+          <p:cNvCxnSpPr>
+            <a:cxnSpLocks/>
+          </p:cNvCxnSpPr>
+          <p:nvPr/>
+        </p:nvCxnSpPr>
+        <p:spPr>
+          <a:xfrm>
+            <a:off x="8564730" y="2625643"/>
+            <a:ext cx="0" cy="394282"/>
+          </a:xfrm>
+          <a:prstGeom prst="straightConnector1">
+            <a:avLst/>
+          </a:prstGeom>
+          <a:ln>
+            <a:tailEnd type="triangle"/>
+          </a:ln>
+        </p:spPr>
+        <p:style>
+          <a:lnRef idx="1">
+            <a:schemeClr val="accent2"/>
+          </a:lnRef>
+          <a:fillRef idx="0">
+            <a:schemeClr val="accent2"/>
+          </a:fillRef>
+          <a:effectRef idx="0">
+            <a:schemeClr val="accent2"/>
+          </a:effectRef>
+          <a:fontRef idx="minor">
+            <a:schemeClr val="tx1"/>
+          </a:fontRef>
+        </p:style>
+      </p:cxnSp>
+      <p:cxnSp>
+        <p:nvCxnSpPr>
+          <p:cNvPr id="95" name="直接箭头连接符 94">
+            <a:extLst>
+              <a:ext uri="{FF2B5EF4-FFF2-40B4-BE49-F238E27FC236}">
+                <a16:creationId xmlns:a16="http://schemas.microsoft.com/office/drawing/2014/main" id="{67E09DE7-3E94-411D-8375-F24143C6B84D}"/>
+              </a:ext>
+            </a:extLst>
+          </p:cNvPr>
+          <p:cNvCxnSpPr>
+            <a:cxnSpLocks/>
+          </p:cNvCxnSpPr>
+          <p:nvPr/>
+        </p:nvCxnSpPr>
+        <p:spPr>
+          <a:xfrm flipV="1">
+            <a:off x="8688730" y="2625643"/>
+            <a:ext cx="0" cy="457200"/>
+          </a:xfrm>
+          <a:prstGeom prst="straightConnector1">
+            <a:avLst/>
+          </a:prstGeom>
+          <a:ln>
+            <a:tailEnd type="triangle"/>
+          </a:ln>
+        </p:spPr>
+        <p:style>
+          <a:lnRef idx="1">
+            <a:schemeClr val="accent1"/>
+          </a:lnRef>
+          <a:fillRef idx="0">
+            <a:schemeClr val="accent1"/>
+          </a:fillRef>
+          <a:effectRef idx="0">
+            <a:schemeClr val="accent1"/>
+          </a:effectRef>
+          <a:fontRef idx="minor">
+            <a:schemeClr val="tx1"/>
+          </a:fontRef>
+        </p:style>
+      </p:cxnSp>
+      <p:sp>
+        <p:nvSpPr>
+          <p:cNvPr id="96" name="文本框 95">
+            <a:extLst>
+              <a:ext uri="{FF2B5EF4-FFF2-40B4-BE49-F238E27FC236}">
+                <a16:creationId xmlns:a16="http://schemas.microsoft.com/office/drawing/2014/main" id="{B6DC81A9-DD3A-44C6-BA66-406B697F709E}"/>
+              </a:ext>
+            </a:extLst>
+          </p:cNvPr>
+          <p:cNvSpPr txBox="1"/>
+          <p:nvPr/>
+        </p:nvSpPr>
+        <p:spPr>
+          <a:xfrm>
+            <a:off x="408787" y="4299034"/>
+            <a:ext cx="279244" cy="369332"/>
+          </a:xfrm>
+          <a:prstGeom prst="rect">
+            <a:avLst/>
+          </a:prstGeom>
+          <a:noFill/>
+        </p:spPr>
+        <p:txBody>
+          <a:bodyPr wrap="none" rtlCol="0">
+            <a:spAutoFit/>
+          </a:bodyPr>
+          <a:lstStyle/>
+          <a:p>
+            <a:r>
+              <a:rPr lang="en-US" altLang="zh-CN" dirty="0"/>
+              <a:t>s</a:t>
+            </a:r>
+            <a:endParaRPr lang="zh-CN" altLang="en-US" dirty="0"/>
+          </a:p>
+        </p:txBody>
+      </p:sp>
+      <p:cxnSp>
+        <p:nvCxnSpPr>
+          <p:cNvPr id="97" name="直接箭头连接符 96">
+            <a:extLst>
+              <a:ext uri="{FF2B5EF4-FFF2-40B4-BE49-F238E27FC236}">
+                <a16:creationId xmlns:a16="http://schemas.microsoft.com/office/drawing/2014/main" id="{CC61CC9F-B62C-4E60-B512-2A0DD1B9317C}"/>
+              </a:ext>
+            </a:extLst>
+          </p:cNvPr>
+          <p:cNvCxnSpPr>
+            <a:cxnSpLocks/>
+          </p:cNvCxnSpPr>
+          <p:nvPr/>
+        </p:nvCxnSpPr>
+        <p:spPr>
+          <a:xfrm flipH="1">
+            <a:off x="297216" y="3708630"/>
+            <a:ext cx="474076" cy="204300"/>
+          </a:xfrm>
+          <a:prstGeom prst="straightConnector1">
+            <a:avLst/>
+          </a:prstGeom>
+          <a:ln>
+            <a:tailEnd type="triangle"/>
+          </a:ln>
+        </p:spPr>
+        <p:style>
+          <a:lnRef idx="1">
+            <a:schemeClr val="accent2"/>
+          </a:lnRef>
+          <a:fillRef idx="0">
+            <a:schemeClr val="accent2"/>
+          </a:fillRef>
+          <a:effectRef idx="0">
+            <a:schemeClr val="accent2"/>
+          </a:effectRef>
+          <a:fontRef idx="minor">
+            <a:schemeClr val="tx1"/>
+          </a:fontRef>
+        </p:style>
+      </p:cxnSp>
+      <p:cxnSp>
+        <p:nvCxnSpPr>
+          <p:cNvPr id="98" name="直接箭头连接符 97">
+            <a:extLst>
+              <a:ext uri="{FF2B5EF4-FFF2-40B4-BE49-F238E27FC236}">
+                <a16:creationId xmlns:a16="http://schemas.microsoft.com/office/drawing/2014/main" id="{5D67B8EE-0437-467D-BCCB-8D32D72DCC30}"/>
+              </a:ext>
+            </a:extLst>
+          </p:cNvPr>
+          <p:cNvCxnSpPr>
+            <a:cxnSpLocks/>
+          </p:cNvCxnSpPr>
+          <p:nvPr/>
+        </p:nvCxnSpPr>
+        <p:spPr>
+          <a:xfrm>
+            <a:off x="293021" y="4020589"/>
+            <a:ext cx="401055" cy="111838"/>
+          </a:xfrm>
+          <a:prstGeom prst="straightConnector1">
+            <a:avLst/>
+          </a:prstGeom>
+          <a:ln>
+            <a:tailEnd type="triangle"/>
+          </a:ln>
+        </p:spPr>
+        <p:style>
+          <a:lnRef idx="1">
+            <a:schemeClr val="accent1"/>
+          </a:lnRef>
+          <a:fillRef idx="0">
+            <a:schemeClr val="accent1"/>
+          </a:fillRef>
+          <a:effectRef idx="0">
+            <a:schemeClr val="accent1"/>
+          </a:effectRef>
+          <a:fontRef idx="minor">
+            <a:schemeClr val="tx1"/>
+          </a:fontRef>
+        </p:style>
+      </p:cxnSp>
+      <p:sp>
+        <p:nvSpPr>
+          <p:cNvPr id="100" name="文本框 99">
+            <a:extLst>
+              <a:ext uri="{FF2B5EF4-FFF2-40B4-BE49-F238E27FC236}">
+                <a16:creationId xmlns:a16="http://schemas.microsoft.com/office/drawing/2014/main" id="{7E8F3B4B-4D28-4ADD-8431-090658997A05}"/>
+              </a:ext>
+            </a:extLst>
+          </p:cNvPr>
+          <p:cNvSpPr txBox="1"/>
+          <p:nvPr/>
+        </p:nvSpPr>
+        <p:spPr>
+          <a:xfrm>
+            <a:off x="1517532" y="4299034"/>
+            <a:ext cx="258404" cy="369332"/>
+          </a:xfrm>
+          <a:prstGeom prst="rect">
+            <a:avLst/>
+          </a:prstGeom>
+          <a:noFill/>
+        </p:spPr>
+        <p:txBody>
+          <a:bodyPr wrap="none" rtlCol="0">
+            <a:spAutoFit/>
+          </a:bodyPr>
+          <a:lstStyle/>
+          <a:p>
+            <a:r>
+              <a:rPr lang="en-US" altLang="zh-CN" dirty="0"/>
+              <a:t>t</a:t>
+            </a:r>
+            <a:endParaRPr lang="zh-CN" altLang="en-US" dirty="0"/>
+          </a:p>
+        </p:txBody>
+      </p:sp>
+      <p:cxnSp>
+        <p:nvCxnSpPr>
+          <p:cNvPr id="102" name="直接箭头连接符 101">
+            <a:extLst>
+              <a:ext uri="{FF2B5EF4-FFF2-40B4-BE49-F238E27FC236}">
+                <a16:creationId xmlns:a16="http://schemas.microsoft.com/office/drawing/2014/main" id="{4B2B874A-B88A-4EEC-9BA8-670042218B36}"/>
+              </a:ext>
+            </a:extLst>
+          </p:cNvPr>
+          <p:cNvCxnSpPr>
+            <a:cxnSpLocks/>
+          </p:cNvCxnSpPr>
+          <p:nvPr/>
+        </p:nvCxnSpPr>
+        <p:spPr>
+          <a:xfrm>
+            <a:off x="1247641" y="3909180"/>
+            <a:ext cx="499146" cy="0"/>
+          </a:xfrm>
+          <a:prstGeom prst="straightConnector1">
+            <a:avLst/>
+          </a:prstGeom>
+          <a:ln>
+            <a:tailEnd type="triangle"/>
+          </a:ln>
+        </p:spPr>
+        <p:style>
+          <a:lnRef idx="1">
+            <a:schemeClr val="accent2"/>
+          </a:lnRef>
+          <a:fillRef idx="0">
+            <a:schemeClr val="accent2"/>
+          </a:fillRef>
+          <a:effectRef idx="0">
+            <a:schemeClr val="accent2"/>
+          </a:effectRef>
+          <a:fontRef idx="minor">
+            <a:schemeClr val="tx1"/>
+          </a:fontRef>
+        </p:style>
+      </p:cxnSp>
+      <p:cxnSp>
+        <p:nvCxnSpPr>
+          <p:cNvPr id="103" name="直接箭头连接符 102">
+            <a:extLst>
+              <a:ext uri="{FF2B5EF4-FFF2-40B4-BE49-F238E27FC236}">
+                <a16:creationId xmlns:a16="http://schemas.microsoft.com/office/drawing/2014/main" id="{AC6DFB27-A701-426E-B954-E308D1CA0666}"/>
+              </a:ext>
+            </a:extLst>
+          </p:cNvPr>
+          <p:cNvCxnSpPr>
+            <a:cxnSpLocks/>
+          </p:cNvCxnSpPr>
+          <p:nvPr/>
+        </p:nvCxnSpPr>
+        <p:spPr>
+          <a:xfrm>
+            <a:off x="1548921" y="3794681"/>
+            <a:ext cx="0" cy="394282"/>
+          </a:xfrm>
+          <a:prstGeom prst="straightConnector1">
+            <a:avLst/>
+          </a:prstGeom>
+          <a:ln>
+            <a:tailEnd type="triangle"/>
+          </a:ln>
+        </p:spPr>
+        <p:style>
+          <a:lnRef idx="1">
+            <a:schemeClr val="accent1"/>
+          </a:lnRef>
+          <a:fillRef idx="0">
+            <a:schemeClr val="accent1"/>
+          </a:fillRef>
+          <a:effectRef idx="0">
+            <a:schemeClr val="accent1"/>
+          </a:effectRef>
+          <a:fontRef idx="minor">
+            <a:schemeClr val="tx1"/>
+          </a:fontRef>
+        </p:style>
+      </p:cxnSp>
+      <p:cxnSp>
+        <p:nvCxnSpPr>
+          <p:cNvPr id="104" name="直接箭头连接符 103">
+            <a:extLst>
+              <a:ext uri="{FF2B5EF4-FFF2-40B4-BE49-F238E27FC236}">
+                <a16:creationId xmlns:a16="http://schemas.microsoft.com/office/drawing/2014/main" id="{F41F0693-EFA8-4A8F-B5A5-C5FA7969A602}"/>
+              </a:ext>
+            </a:extLst>
+          </p:cNvPr>
+          <p:cNvCxnSpPr>
+            <a:cxnSpLocks/>
+          </p:cNvCxnSpPr>
+          <p:nvPr/>
+        </p:nvCxnSpPr>
+        <p:spPr>
+          <a:xfrm flipH="1" flipV="1">
+            <a:off x="1448867" y="3669590"/>
+            <a:ext cx="348546" cy="227338"/>
+          </a:xfrm>
+          <a:prstGeom prst="straightConnector1">
+            <a:avLst/>
+          </a:prstGeom>
+          <a:ln>
+            <a:tailEnd type="triangle"/>
+          </a:ln>
+        </p:spPr>
+        <p:style>
+          <a:lnRef idx="1">
+            <a:schemeClr val="accent1"/>
+          </a:lnRef>
+          <a:fillRef idx="0">
+            <a:schemeClr val="accent1"/>
+          </a:fillRef>
+          <a:effectRef idx="0">
+            <a:schemeClr val="accent1"/>
+          </a:effectRef>
+          <a:fontRef idx="minor">
+            <a:schemeClr val="tx1"/>
+          </a:fontRef>
+        </p:style>
+      </p:cxnSp>
+      <p:sp>
+        <p:nvSpPr>
+          <p:cNvPr id="105" name="文本框 104">
+            <a:extLst>
+              <a:ext uri="{FF2B5EF4-FFF2-40B4-BE49-F238E27FC236}">
+                <a16:creationId xmlns:a16="http://schemas.microsoft.com/office/drawing/2014/main" id="{0B22CF72-4BF9-4F9A-9199-169ED00E9311}"/>
+              </a:ext>
+            </a:extLst>
+          </p:cNvPr>
+          <p:cNvSpPr txBox="1"/>
+          <p:nvPr/>
+        </p:nvSpPr>
+        <p:spPr>
+          <a:xfrm>
+            <a:off x="2538202" y="4299034"/>
+            <a:ext cx="317716" cy="369332"/>
+          </a:xfrm>
+          <a:prstGeom prst="rect">
+            <a:avLst/>
+          </a:prstGeom>
+          <a:noFill/>
+        </p:spPr>
+        <p:txBody>
+          <a:bodyPr wrap="none" rtlCol="0">
+            <a:spAutoFit/>
+          </a:bodyPr>
+          <a:lstStyle/>
+          <a:p>
+            <a:r>
+              <a:rPr lang="en-US" altLang="zh-CN" dirty="0"/>
+              <a:t>u</a:t>
+            </a:r>
+            <a:endParaRPr lang="zh-CN" altLang="en-US" dirty="0"/>
+          </a:p>
+        </p:txBody>
+      </p:sp>
+      <p:cxnSp>
+        <p:nvCxnSpPr>
+          <p:cNvPr id="107" name="直接箭头连接符 106">
+            <a:extLst>
+              <a:ext uri="{FF2B5EF4-FFF2-40B4-BE49-F238E27FC236}">
+                <a16:creationId xmlns:a16="http://schemas.microsoft.com/office/drawing/2014/main" id="{35D0A0E2-4FA0-4E9D-84C4-F45C9FDA24F3}"/>
+              </a:ext>
+            </a:extLst>
+          </p:cNvPr>
+          <p:cNvCxnSpPr>
+            <a:cxnSpLocks/>
+          </p:cNvCxnSpPr>
+          <p:nvPr/>
+        </p:nvCxnSpPr>
+        <p:spPr>
+          <a:xfrm>
+            <a:off x="2522391" y="4193219"/>
+            <a:ext cx="456540" cy="204944"/>
+          </a:xfrm>
+          <a:prstGeom prst="straightConnector1">
+            <a:avLst/>
+          </a:prstGeom>
+          <a:ln>
+            <a:tailEnd type="triangle"/>
+          </a:ln>
+        </p:spPr>
+        <p:style>
+          <a:lnRef idx="1">
+            <a:schemeClr val="accent1"/>
+          </a:lnRef>
+          <a:fillRef idx="0">
+            <a:schemeClr val="accent1"/>
+          </a:fillRef>
+          <a:effectRef idx="0">
+            <a:schemeClr val="accent1"/>
+          </a:effectRef>
+          <a:fontRef idx="minor">
+            <a:schemeClr val="tx1"/>
+          </a:fontRef>
+        </p:style>
+      </p:cxnSp>
+      <p:cxnSp>
+        <p:nvCxnSpPr>
+          <p:cNvPr id="108" name="直接箭头连接符 107">
+            <a:extLst>
+              <a:ext uri="{FF2B5EF4-FFF2-40B4-BE49-F238E27FC236}">
+                <a16:creationId xmlns:a16="http://schemas.microsoft.com/office/drawing/2014/main" id="{2B23FF88-8CA3-4678-AD3A-464CA6CB0E39}"/>
+              </a:ext>
+            </a:extLst>
+          </p:cNvPr>
+          <p:cNvCxnSpPr>
+            <a:cxnSpLocks/>
+          </p:cNvCxnSpPr>
+          <p:nvPr/>
+        </p:nvCxnSpPr>
+        <p:spPr>
+          <a:xfrm>
+            <a:off x="2490905" y="3823448"/>
+            <a:ext cx="0" cy="394282"/>
+          </a:xfrm>
+          <a:prstGeom prst="straightConnector1">
+            <a:avLst/>
+          </a:prstGeom>
+          <a:ln>
+            <a:tailEnd type="triangle"/>
+          </a:ln>
+        </p:spPr>
+        <p:style>
+          <a:lnRef idx="1">
+            <a:schemeClr val="accent2"/>
+          </a:lnRef>
+          <a:fillRef idx="0">
+            <a:schemeClr val="accent2"/>
+          </a:fillRef>
+          <a:effectRef idx="0">
+            <a:schemeClr val="accent2"/>
+          </a:effectRef>
+          <a:fontRef idx="minor">
+            <a:schemeClr val="tx1"/>
+          </a:fontRef>
+        </p:style>
+      </p:cxnSp>
+      <p:cxnSp>
+        <p:nvCxnSpPr>
+          <p:cNvPr id="109" name="直接箭头连接符 108">
+            <a:extLst>
+              <a:ext uri="{FF2B5EF4-FFF2-40B4-BE49-F238E27FC236}">
+                <a16:creationId xmlns:a16="http://schemas.microsoft.com/office/drawing/2014/main" id="{1E9E3EB6-4B4F-41BF-8C50-2C086A8637C1}"/>
+              </a:ext>
+            </a:extLst>
+          </p:cNvPr>
+          <p:cNvCxnSpPr>
+            <a:cxnSpLocks/>
+          </p:cNvCxnSpPr>
+          <p:nvPr/>
+        </p:nvCxnSpPr>
+        <p:spPr>
+          <a:xfrm flipV="1">
+            <a:off x="2983099" y="3912930"/>
+            <a:ext cx="0" cy="457200"/>
+          </a:xfrm>
+          <a:prstGeom prst="straightConnector1">
+            <a:avLst/>
+          </a:prstGeom>
+          <a:ln>
+            <a:tailEnd type="triangle"/>
+          </a:ln>
+        </p:spPr>
+        <p:style>
+          <a:lnRef idx="1">
+            <a:schemeClr val="accent1"/>
+          </a:lnRef>
+          <a:fillRef idx="0">
+            <a:schemeClr val="accent1"/>
+          </a:fillRef>
+          <a:effectRef idx="0">
+            <a:schemeClr val="accent1"/>
+          </a:effectRef>
+          <a:fontRef idx="minor">
+            <a:schemeClr val="tx1"/>
+          </a:fontRef>
+        </p:style>
+      </p:cxnSp>
+      <p:sp>
+        <p:nvSpPr>
+          <p:cNvPr id="110" name="文本框 109">
+            <a:extLst>
+              <a:ext uri="{FF2B5EF4-FFF2-40B4-BE49-F238E27FC236}">
+                <a16:creationId xmlns:a16="http://schemas.microsoft.com/office/drawing/2014/main" id="{C8A80E19-AE1F-45DA-8E6E-9C03374387DC}"/>
+              </a:ext>
+            </a:extLst>
+          </p:cNvPr>
+          <p:cNvSpPr txBox="1"/>
+          <p:nvPr/>
+        </p:nvSpPr>
+        <p:spPr>
+          <a:xfrm>
+            <a:off x="3488945" y="4299034"/>
+            <a:ext cx="300082" cy="369332"/>
+          </a:xfrm>
+          <a:prstGeom prst="rect">
+            <a:avLst/>
+          </a:prstGeom>
+          <a:noFill/>
+        </p:spPr>
+        <p:txBody>
+          <a:bodyPr wrap="none" rtlCol="0">
+            <a:spAutoFit/>
+          </a:bodyPr>
+          <a:lstStyle/>
+          <a:p>
+            <a:r>
+              <a:rPr lang="en-US" altLang="zh-CN" dirty="0"/>
+              <a:t>v</a:t>
+            </a:r>
+            <a:endParaRPr lang="zh-CN" altLang="en-US" dirty="0"/>
+          </a:p>
+        </p:txBody>
+      </p:sp>
+      <p:cxnSp>
+        <p:nvCxnSpPr>
+          <p:cNvPr id="113" name="直接箭头连接符 112">
+            <a:extLst>
+              <a:ext uri="{FF2B5EF4-FFF2-40B4-BE49-F238E27FC236}">
+                <a16:creationId xmlns:a16="http://schemas.microsoft.com/office/drawing/2014/main" id="{30021CAB-C870-43C4-B84A-A6677349959C}"/>
+              </a:ext>
+            </a:extLst>
+          </p:cNvPr>
+          <p:cNvCxnSpPr>
+            <a:cxnSpLocks/>
+          </p:cNvCxnSpPr>
+          <p:nvPr/>
+        </p:nvCxnSpPr>
+        <p:spPr>
+          <a:xfrm>
+            <a:off x="3381547" y="3789397"/>
+            <a:ext cx="339871" cy="274527"/>
+          </a:xfrm>
+          <a:prstGeom prst="straightConnector1">
+            <a:avLst/>
+          </a:prstGeom>
+          <a:ln>
+            <a:tailEnd type="triangle"/>
+          </a:ln>
+        </p:spPr>
+        <p:style>
+          <a:lnRef idx="1">
+            <a:schemeClr val="accent2"/>
+          </a:lnRef>
+          <a:fillRef idx="0">
+            <a:schemeClr val="accent2"/>
+          </a:fillRef>
+          <a:effectRef idx="0">
+            <a:schemeClr val="accent2"/>
+          </a:effectRef>
+          <a:fontRef idx="minor">
+            <a:schemeClr val="tx1"/>
+          </a:fontRef>
+        </p:style>
+      </p:cxnSp>
+      <p:sp>
+        <p:nvSpPr>
+          <p:cNvPr id="114" name="文本框 113">
+            <a:extLst>
+              <a:ext uri="{FF2B5EF4-FFF2-40B4-BE49-F238E27FC236}">
+                <a16:creationId xmlns:a16="http://schemas.microsoft.com/office/drawing/2014/main" id="{46257965-0F26-4162-BE96-776DAB87E56B}"/>
+              </a:ext>
+            </a:extLst>
+          </p:cNvPr>
+          <p:cNvSpPr txBox="1"/>
+          <p:nvPr/>
+        </p:nvSpPr>
+        <p:spPr>
+          <a:xfrm>
+            <a:off x="4597690" y="4299034"/>
+            <a:ext cx="346570" cy="369332"/>
+          </a:xfrm>
+          <a:prstGeom prst="rect">
+            <a:avLst/>
+          </a:prstGeom>
+          <a:noFill/>
+        </p:spPr>
+        <p:txBody>
+          <a:bodyPr wrap="none" rtlCol="0">
+            <a:spAutoFit/>
+          </a:bodyPr>
+          <a:lstStyle/>
+          <a:p>
+            <a:r>
+              <a:rPr lang="en-US" altLang="zh-CN" dirty="0"/>
+              <a:t>w</a:t>
+            </a:r>
+            <a:endParaRPr lang="zh-CN" altLang="en-US" dirty="0"/>
+          </a:p>
+        </p:txBody>
+      </p:sp>
+      <p:cxnSp>
+        <p:nvCxnSpPr>
+          <p:cNvPr id="117" name="直接箭头连接符 116">
+            <a:extLst>
+              <a:ext uri="{FF2B5EF4-FFF2-40B4-BE49-F238E27FC236}">
+                <a16:creationId xmlns:a16="http://schemas.microsoft.com/office/drawing/2014/main" id="{0FFAADBA-64D2-4C49-BFE1-F32EB57DBC42}"/>
+              </a:ext>
+            </a:extLst>
+          </p:cNvPr>
+          <p:cNvCxnSpPr>
+            <a:cxnSpLocks/>
+          </p:cNvCxnSpPr>
+          <p:nvPr/>
+        </p:nvCxnSpPr>
+        <p:spPr>
+          <a:xfrm>
+            <a:off x="4531839" y="3813870"/>
+            <a:ext cx="0" cy="394282"/>
+          </a:xfrm>
+          <a:prstGeom prst="straightConnector1">
+            <a:avLst/>
+          </a:prstGeom>
+          <a:ln>
+            <a:tailEnd type="triangle"/>
+          </a:ln>
+        </p:spPr>
+        <p:style>
+          <a:lnRef idx="1">
+            <a:schemeClr val="accent2"/>
+          </a:lnRef>
+          <a:fillRef idx="0">
+            <a:schemeClr val="accent2"/>
+          </a:fillRef>
+          <a:effectRef idx="0">
+            <a:schemeClr val="accent2"/>
+          </a:effectRef>
+          <a:fontRef idx="minor">
+            <a:schemeClr val="tx1"/>
+          </a:fontRef>
+        </p:style>
+      </p:cxnSp>
+      <p:cxnSp>
+        <p:nvCxnSpPr>
+          <p:cNvPr id="118" name="直接箭头连接符 117">
+            <a:extLst>
+              <a:ext uri="{FF2B5EF4-FFF2-40B4-BE49-F238E27FC236}">
+                <a16:creationId xmlns:a16="http://schemas.microsoft.com/office/drawing/2014/main" id="{FC43FDD0-6ABD-4278-8122-5D676136C0C7}"/>
+              </a:ext>
+            </a:extLst>
+          </p:cNvPr>
+          <p:cNvCxnSpPr>
+            <a:cxnSpLocks/>
+          </p:cNvCxnSpPr>
+          <p:nvPr/>
+        </p:nvCxnSpPr>
+        <p:spPr>
+          <a:xfrm flipV="1">
+            <a:off x="4655839" y="3813870"/>
+            <a:ext cx="0" cy="457200"/>
+          </a:xfrm>
+          <a:prstGeom prst="straightConnector1">
+            <a:avLst/>
+          </a:prstGeom>
+          <a:ln>
+            <a:tailEnd type="triangle"/>
+          </a:ln>
+        </p:spPr>
+        <p:style>
+          <a:lnRef idx="1">
+            <a:schemeClr val="accent1"/>
+          </a:lnRef>
+          <a:fillRef idx="0">
+            <a:schemeClr val="accent1"/>
+          </a:fillRef>
+          <a:effectRef idx="0">
+            <a:schemeClr val="accent1"/>
+          </a:effectRef>
+          <a:fontRef idx="minor">
+            <a:schemeClr val="tx1"/>
+          </a:fontRef>
+        </p:style>
+      </p:cxnSp>
+      <p:sp>
+        <p:nvSpPr>
+          <p:cNvPr id="119" name="文本框 118">
+            <a:extLst>
+              <a:ext uri="{FF2B5EF4-FFF2-40B4-BE49-F238E27FC236}">
+                <a16:creationId xmlns:a16="http://schemas.microsoft.com/office/drawing/2014/main" id="{15342BA6-C4C9-4678-B108-9B4A2BE1AD34}"/>
+              </a:ext>
+            </a:extLst>
+          </p:cNvPr>
+          <p:cNvSpPr txBox="1"/>
+          <p:nvPr/>
+        </p:nvSpPr>
+        <p:spPr>
+          <a:xfrm>
+            <a:off x="5618360" y="4299034"/>
+            <a:ext cx="285656" cy="369332"/>
+          </a:xfrm>
+          <a:prstGeom prst="rect">
+            <a:avLst/>
+          </a:prstGeom>
+          <a:noFill/>
+        </p:spPr>
+        <p:txBody>
+          <a:bodyPr wrap="none" rtlCol="0">
+            <a:spAutoFit/>
+          </a:bodyPr>
+          <a:lstStyle/>
+          <a:p>
+            <a:r>
+              <a:rPr lang="en-US" altLang="zh-CN" dirty="0"/>
+              <a:t>x</a:t>
+            </a:r>
+            <a:endParaRPr lang="zh-CN" altLang="en-US" dirty="0"/>
+          </a:p>
+        </p:txBody>
+      </p:sp>
+      <p:cxnSp>
+        <p:nvCxnSpPr>
+          <p:cNvPr id="120" name="直接箭头连接符 119">
+            <a:extLst>
+              <a:ext uri="{FF2B5EF4-FFF2-40B4-BE49-F238E27FC236}">
+                <a16:creationId xmlns:a16="http://schemas.microsoft.com/office/drawing/2014/main" id="{40833795-6ED4-47F9-B83D-7DFC6685EF54}"/>
+              </a:ext>
+            </a:extLst>
+          </p:cNvPr>
+          <p:cNvCxnSpPr>
+            <a:cxnSpLocks/>
+          </p:cNvCxnSpPr>
+          <p:nvPr/>
+        </p:nvCxnSpPr>
+        <p:spPr>
+          <a:xfrm flipH="1">
+            <a:off x="5380754" y="3728130"/>
+            <a:ext cx="601916" cy="374171"/>
+          </a:xfrm>
+          <a:prstGeom prst="straightConnector1">
+            <a:avLst/>
+          </a:prstGeom>
+          <a:ln>
+            <a:tailEnd type="triangle"/>
+          </a:ln>
+        </p:spPr>
+        <p:style>
+          <a:lnRef idx="1">
+            <a:schemeClr val="accent1"/>
+          </a:lnRef>
+          <a:fillRef idx="0">
+            <a:schemeClr val="accent1"/>
+          </a:fillRef>
+          <a:effectRef idx="0">
+            <a:schemeClr val="accent1"/>
+          </a:effectRef>
+          <a:fontRef idx="minor">
+            <a:schemeClr val="tx1"/>
+          </a:fontRef>
+        </p:style>
+      </p:cxnSp>
+      <p:cxnSp>
+        <p:nvCxnSpPr>
+          <p:cNvPr id="121" name="直接箭头连接符 120">
+            <a:extLst>
+              <a:ext uri="{FF2B5EF4-FFF2-40B4-BE49-F238E27FC236}">
+                <a16:creationId xmlns:a16="http://schemas.microsoft.com/office/drawing/2014/main" id="{3B901849-8397-488E-8970-A2A47A97743F}"/>
+              </a:ext>
+            </a:extLst>
+          </p:cNvPr>
+          <p:cNvCxnSpPr>
+            <a:cxnSpLocks/>
+          </p:cNvCxnSpPr>
+          <p:nvPr/>
+        </p:nvCxnSpPr>
+        <p:spPr>
+          <a:xfrm>
+            <a:off x="5399490" y="3820072"/>
+            <a:ext cx="602665" cy="349895"/>
+          </a:xfrm>
+          <a:prstGeom prst="straightConnector1">
+            <a:avLst/>
+          </a:prstGeom>
+          <a:ln>
+            <a:tailEnd type="triangle"/>
+          </a:ln>
+        </p:spPr>
+        <p:style>
+          <a:lnRef idx="1">
+            <a:schemeClr val="accent2"/>
+          </a:lnRef>
+          <a:fillRef idx="0">
+            <a:schemeClr val="accent2"/>
+          </a:fillRef>
+          <a:effectRef idx="0">
+            <a:schemeClr val="accent2"/>
+          </a:effectRef>
+          <a:fontRef idx="minor">
+            <a:schemeClr val="tx1"/>
+          </a:fontRef>
+        </p:style>
+      </p:cxnSp>
+      <p:cxnSp>
+        <p:nvCxnSpPr>
+          <p:cNvPr id="123" name="直接箭头连接符 122">
+            <a:extLst>
+              <a:ext uri="{FF2B5EF4-FFF2-40B4-BE49-F238E27FC236}">
+                <a16:creationId xmlns:a16="http://schemas.microsoft.com/office/drawing/2014/main" id="{F9C06C2F-ADFC-498F-8A50-663137AC71C3}"/>
+              </a:ext>
+            </a:extLst>
+          </p:cNvPr>
+          <p:cNvCxnSpPr>
+            <a:cxnSpLocks/>
+          </p:cNvCxnSpPr>
+          <p:nvPr/>
+        </p:nvCxnSpPr>
+        <p:spPr>
+          <a:xfrm flipV="1">
+            <a:off x="6034487" y="3707699"/>
+            <a:ext cx="0" cy="457200"/>
+          </a:xfrm>
+          <a:prstGeom prst="straightConnector1">
+            <a:avLst/>
+          </a:prstGeom>
+          <a:ln>
+            <a:tailEnd type="triangle"/>
+          </a:ln>
+        </p:spPr>
+        <p:style>
+          <a:lnRef idx="1">
+            <a:schemeClr val="accent1"/>
+          </a:lnRef>
+          <a:fillRef idx="0">
+            <a:schemeClr val="accent1"/>
+          </a:fillRef>
+          <a:effectRef idx="0">
+            <a:schemeClr val="accent1"/>
+          </a:effectRef>
+          <a:fontRef idx="minor">
+            <a:schemeClr val="tx1"/>
+          </a:fontRef>
+        </p:style>
+      </p:cxnSp>
+      <p:sp>
+        <p:nvSpPr>
+          <p:cNvPr id="124" name="文本框 123">
+            <a:extLst>
+              <a:ext uri="{FF2B5EF4-FFF2-40B4-BE49-F238E27FC236}">
+                <a16:creationId xmlns:a16="http://schemas.microsoft.com/office/drawing/2014/main" id="{D22A7AEF-38DC-4119-BC74-0AF093730D85}"/>
+              </a:ext>
+            </a:extLst>
+          </p:cNvPr>
+          <p:cNvSpPr txBox="1"/>
+          <p:nvPr/>
+        </p:nvSpPr>
+        <p:spPr>
+          <a:xfrm>
+            <a:off x="6559315" y="4299034"/>
+            <a:ext cx="300082" cy="369332"/>
+          </a:xfrm>
+          <a:prstGeom prst="rect">
+            <a:avLst/>
+          </a:prstGeom>
+          <a:noFill/>
+        </p:spPr>
+        <p:txBody>
+          <a:bodyPr wrap="none" rtlCol="0">
+            <a:spAutoFit/>
+          </a:bodyPr>
+          <a:lstStyle/>
+          <a:p>
+            <a:r>
+              <a:rPr lang="en-US" altLang="zh-CN" dirty="0"/>
+              <a:t>y</a:t>
+            </a:r>
+            <a:endParaRPr lang="zh-CN" altLang="en-US" dirty="0"/>
+          </a:p>
+        </p:txBody>
+      </p:sp>
+      <p:cxnSp>
+        <p:nvCxnSpPr>
+          <p:cNvPr id="125" name="直接箭头连接符 124">
+            <a:extLst>
+              <a:ext uri="{FF2B5EF4-FFF2-40B4-BE49-F238E27FC236}">
+                <a16:creationId xmlns:a16="http://schemas.microsoft.com/office/drawing/2014/main" id="{80CFF60B-1179-45CA-8906-6FC99C8144AC}"/>
+              </a:ext>
+            </a:extLst>
+          </p:cNvPr>
+          <p:cNvCxnSpPr>
+            <a:cxnSpLocks/>
+          </p:cNvCxnSpPr>
+          <p:nvPr/>
+        </p:nvCxnSpPr>
+        <p:spPr>
+          <a:xfrm flipH="1">
+            <a:off x="6550074" y="3810780"/>
+            <a:ext cx="736551" cy="458402"/>
+          </a:xfrm>
+          <a:prstGeom prst="straightConnector1">
+            <a:avLst/>
+          </a:prstGeom>
+          <a:ln>
+            <a:tailEnd type="triangle"/>
+          </a:ln>
+        </p:spPr>
+        <p:style>
+          <a:lnRef idx="1">
+            <a:schemeClr val="accent1"/>
+          </a:lnRef>
+          <a:fillRef idx="0">
+            <a:schemeClr val="accent1"/>
+          </a:fillRef>
+          <a:effectRef idx="0">
+            <a:schemeClr val="accent1"/>
+          </a:effectRef>
+          <a:fontRef idx="minor">
+            <a:schemeClr val="tx1"/>
+          </a:fontRef>
+        </p:style>
+      </p:cxnSp>
+      <p:cxnSp>
+        <p:nvCxnSpPr>
+          <p:cNvPr id="127" name="直接箭头连接符 126">
+            <a:extLst>
+              <a:ext uri="{FF2B5EF4-FFF2-40B4-BE49-F238E27FC236}">
+                <a16:creationId xmlns:a16="http://schemas.microsoft.com/office/drawing/2014/main" id="{88F8902E-6216-4A0D-8542-761164E61F39}"/>
+              </a:ext>
+            </a:extLst>
+          </p:cNvPr>
+          <p:cNvCxnSpPr>
+            <a:cxnSpLocks/>
+          </p:cNvCxnSpPr>
+          <p:nvPr/>
+        </p:nvCxnSpPr>
+        <p:spPr>
+          <a:xfrm>
+            <a:off x="6354191" y="3679979"/>
+            <a:ext cx="475614" cy="331031"/>
+          </a:xfrm>
+          <a:prstGeom prst="straightConnector1">
+            <a:avLst/>
+          </a:prstGeom>
+          <a:ln>
+            <a:tailEnd type="triangle"/>
+          </a:ln>
+        </p:spPr>
+        <p:style>
+          <a:lnRef idx="1">
+            <a:schemeClr val="accent2"/>
+          </a:lnRef>
+          <a:fillRef idx="0">
+            <a:schemeClr val="accent2"/>
+          </a:fillRef>
+          <a:effectRef idx="0">
+            <a:schemeClr val="accent2"/>
+          </a:effectRef>
+          <a:fontRef idx="minor">
+            <a:schemeClr val="tx1"/>
+          </a:fontRef>
+        </p:style>
+      </p:cxnSp>
+      <p:sp>
+        <p:nvSpPr>
+          <p:cNvPr id="128" name="文本框 127">
+            <a:extLst>
+              <a:ext uri="{FF2B5EF4-FFF2-40B4-BE49-F238E27FC236}">
+                <a16:creationId xmlns:a16="http://schemas.microsoft.com/office/drawing/2014/main" id="{BE959900-52BB-4748-90E0-7A2626306688}"/>
+              </a:ext>
+            </a:extLst>
+          </p:cNvPr>
+          <p:cNvSpPr txBox="1"/>
+          <p:nvPr/>
+        </p:nvSpPr>
+        <p:spPr>
+          <a:xfrm>
+            <a:off x="7668060" y="4299034"/>
+            <a:ext cx="290464" cy="369332"/>
+          </a:xfrm>
+          <a:prstGeom prst="rect">
+            <a:avLst/>
+          </a:prstGeom>
+          <a:noFill/>
+        </p:spPr>
+        <p:txBody>
+          <a:bodyPr wrap="none" rtlCol="0">
+            <a:spAutoFit/>
+          </a:bodyPr>
+          <a:lstStyle/>
+          <a:p>
+            <a:r>
+              <a:rPr lang="en-US" altLang="zh-CN" dirty="0"/>
+              <a:t>z</a:t>
+            </a:r>
+            <a:endParaRPr lang="zh-CN" altLang="en-US" dirty="0"/>
+          </a:p>
+        </p:txBody>
+      </p:sp>
+      <p:cxnSp>
+        <p:nvCxnSpPr>
+          <p:cNvPr id="129" name="直接箭头连接符 128">
+            <a:extLst>
+              <a:ext uri="{FF2B5EF4-FFF2-40B4-BE49-F238E27FC236}">
+                <a16:creationId xmlns:a16="http://schemas.microsoft.com/office/drawing/2014/main" id="{40513ADE-E073-441D-A7AB-230D534E3AB9}"/>
+              </a:ext>
+            </a:extLst>
+          </p:cNvPr>
+          <p:cNvCxnSpPr>
+            <a:cxnSpLocks/>
+          </p:cNvCxnSpPr>
+          <p:nvPr/>
+        </p:nvCxnSpPr>
+        <p:spPr>
+          <a:xfrm flipH="1">
+            <a:off x="7581540" y="3711902"/>
+            <a:ext cx="501736" cy="220812"/>
+          </a:xfrm>
+          <a:prstGeom prst="straightConnector1">
+            <a:avLst/>
+          </a:prstGeom>
+          <a:ln>
+            <a:tailEnd type="triangle"/>
+          </a:ln>
+        </p:spPr>
+        <p:style>
+          <a:lnRef idx="1">
+            <a:schemeClr val="accent1"/>
+          </a:lnRef>
+          <a:fillRef idx="0">
+            <a:schemeClr val="accent1"/>
+          </a:fillRef>
+          <a:effectRef idx="0">
+            <a:schemeClr val="accent1"/>
+          </a:effectRef>
+          <a:fontRef idx="minor">
+            <a:schemeClr val="tx1"/>
+          </a:fontRef>
+        </p:style>
+      </p:cxnSp>
+      <p:cxnSp>
+        <p:nvCxnSpPr>
+          <p:cNvPr id="130" name="直接箭头连接符 129">
+            <a:extLst>
+              <a:ext uri="{FF2B5EF4-FFF2-40B4-BE49-F238E27FC236}">
+                <a16:creationId xmlns:a16="http://schemas.microsoft.com/office/drawing/2014/main" id="{19DBE712-7D0B-460E-9B21-89D9585AA430}"/>
+              </a:ext>
+            </a:extLst>
+          </p:cNvPr>
+          <p:cNvCxnSpPr>
+            <a:cxnSpLocks/>
+          </p:cNvCxnSpPr>
+          <p:nvPr/>
+        </p:nvCxnSpPr>
+        <p:spPr>
+          <a:xfrm flipV="1">
+            <a:off x="7577345" y="3594735"/>
+            <a:ext cx="499146" cy="219135"/>
+          </a:xfrm>
+          <a:prstGeom prst="straightConnector1">
+            <a:avLst/>
+          </a:prstGeom>
+          <a:ln>
+            <a:tailEnd type="triangle"/>
+          </a:ln>
+        </p:spPr>
+        <p:style>
+          <a:lnRef idx="1">
+            <a:schemeClr val="accent2"/>
+          </a:lnRef>
+          <a:fillRef idx="0">
+            <a:schemeClr val="accent2"/>
+          </a:fillRef>
+          <a:effectRef idx="0">
+            <a:schemeClr val="accent2"/>
+          </a:effectRef>
+          <a:fontRef idx="minor">
+            <a:schemeClr val="tx1"/>
+          </a:fontRef>
+        </p:style>
+      </p:cxnSp>
+      <p:cxnSp>
+        <p:nvCxnSpPr>
+          <p:cNvPr id="138" name="直接箭头连接符 137">
+            <a:extLst>
+              <a:ext uri="{FF2B5EF4-FFF2-40B4-BE49-F238E27FC236}">
+                <a16:creationId xmlns:a16="http://schemas.microsoft.com/office/drawing/2014/main" id="{8C57D710-19D0-4240-B45E-E245ECFCF1FB}"/>
+              </a:ext>
+            </a:extLst>
+          </p:cNvPr>
+          <p:cNvCxnSpPr>
+            <a:cxnSpLocks/>
+          </p:cNvCxnSpPr>
+          <p:nvPr/>
+        </p:nvCxnSpPr>
+        <p:spPr>
+          <a:xfrm flipV="1">
+            <a:off x="3418096" y="1826316"/>
+            <a:ext cx="404709" cy="178653"/>
+          </a:xfrm>
+          <a:prstGeom prst="straightConnector1">
+            <a:avLst/>
+          </a:prstGeom>
+          <a:ln>
+            <a:tailEnd type="triangle"/>
+          </a:ln>
+        </p:spPr>
+        <p:style>
+          <a:lnRef idx="1">
+            <a:schemeClr val="accent1"/>
+          </a:lnRef>
+          <a:fillRef idx="0">
+            <a:schemeClr val="accent1"/>
+          </a:fillRef>
+          <a:effectRef idx="0">
+            <a:schemeClr val="accent1"/>
+          </a:effectRef>
+          <a:fontRef idx="minor">
+            <a:schemeClr val="tx1"/>
+          </a:fontRef>
+        </p:style>
+      </p:cxnSp>
+      <p:cxnSp>
+        <p:nvCxnSpPr>
+          <p:cNvPr id="139" name="直接箭头连接符 138">
+            <a:extLst>
+              <a:ext uri="{FF2B5EF4-FFF2-40B4-BE49-F238E27FC236}">
+                <a16:creationId xmlns:a16="http://schemas.microsoft.com/office/drawing/2014/main" id="{029B8A42-1A5C-4507-A388-A84F72E60775}"/>
+              </a:ext>
+            </a:extLst>
+          </p:cNvPr>
+          <p:cNvCxnSpPr>
+            <a:cxnSpLocks/>
+          </p:cNvCxnSpPr>
+          <p:nvPr/>
+        </p:nvCxnSpPr>
+        <p:spPr>
+          <a:xfrm flipV="1">
+            <a:off x="4651405" y="1770966"/>
+            <a:ext cx="482243" cy="143121"/>
+          </a:xfrm>
+          <a:prstGeom prst="straightConnector1">
+            <a:avLst/>
+          </a:prstGeom>
+          <a:ln>
+            <a:tailEnd type="triangle"/>
+          </a:ln>
+        </p:spPr>
+        <p:style>
+          <a:lnRef idx="1">
+            <a:schemeClr val="accent1"/>
+          </a:lnRef>
+          <a:fillRef idx="0">
+            <a:schemeClr val="accent1"/>
+          </a:fillRef>
+          <a:effectRef idx="0">
+            <a:schemeClr val="accent1"/>
+          </a:effectRef>
+          <a:fontRef idx="minor">
+            <a:schemeClr val="tx1"/>
+          </a:fontRef>
+        </p:style>
+      </p:cxnSp>
+      <p:cxnSp>
+        <p:nvCxnSpPr>
+          <p:cNvPr id="140" name="直接箭头连接符 139">
+            <a:extLst>
+              <a:ext uri="{FF2B5EF4-FFF2-40B4-BE49-F238E27FC236}">
+                <a16:creationId xmlns:a16="http://schemas.microsoft.com/office/drawing/2014/main" id="{F75A97D9-9545-421A-A8D7-D0B6D085E8C8}"/>
+              </a:ext>
+            </a:extLst>
+          </p:cNvPr>
+          <p:cNvCxnSpPr>
+            <a:cxnSpLocks/>
+          </p:cNvCxnSpPr>
+          <p:nvPr/>
+        </p:nvCxnSpPr>
+        <p:spPr>
+          <a:xfrm flipH="1" flipV="1">
+            <a:off x="6446500" y="1747340"/>
+            <a:ext cx="519148" cy="166747"/>
+          </a:xfrm>
+          <a:prstGeom prst="straightConnector1">
+            <a:avLst/>
+          </a:prstGeom>
+          <a:ln>
+            <a:tailEnd type="triangle"/>
+          </a:ln>
+        </p:spPr>
+        <p:style>
+          <a:lnRef idx="1">
+            <a:schemeClr val="accent1"/>
+          </a:lnRef>
+          <a:fillRef idx="0">
+            <a:schemeClr val="accent1"/>
+          </a:fillRef>
+          <a:effectRef idx="0">
+            <a:schemeClr val="accent1"/>
+          </a:effectRef>
+          <a:fontRef idx="minor">
+            <a:schemeClr val="tx1"/>
+          </a:fontRef>
+        </p:style>
+      </p:cxnSp>
+      <p:cxnSp>
+        <p:nvCxnSpPr>
+          <p:cNvPr id="141" name="直接箭头连接符 140">
+            <a:extLst>
+              <a:ext uri="{FF2B5EF4-FFF2-40B4-BE49-F238E27FC236}">
+                <a16:creationId xmlns:a16="http://schemas.microsoft.com/office/drawing/2014/main" id="{C36D39AC-D3C6-4D3C-93A4-BE33F9637EB1}"/>
+              </a:ext>
+            </a:extLst>
+          </p:cNvPr>
+          <p:cNvCxnSpPr>
+            <a:cxnSpLocks/>
+          </p:cNvCxnSpPr>
+          <p:nvPr/>
+        </p:nvCxnSpPr>
+        <p:spPr>
+          <a:xfrm>
+            <a:off x="8160340" y="1596019"/>
+            <a:ext cx="0" cy="394282"/>
+          </a:xfrm>
+          <a:prstGeom prst="straightConnector1">
+            <a:avLst/>
+          </a:prstGeom>
+          <a:ln>
+            <a:tailEnd type="triangle"/>
+          </a:ln>
+        </p:spPr>
+        <p:style>
+          <a:lnRef idx="1">
+            <a:schemeClr val="accent1"/>
+          </a:lnRef>
+          <a:fillRef idx="0">
+            <a:schemeClr val="accent1"/>
+          </a:fillRef>
+          <a:effectRef idx="0">
+            <a:schemeClr val="accent1"/>
+          </a:effectRef>
+          <a:fontRef idx="minor">
+            <a:schemeClr val="tx1"/>
+          </a:fontRef>
+        </p:style>
+      </p:cxnSp>
+      <p:cxnSp>
+        <p:nvCxnSpPr>
+          <p:cNvPr id="142" name="直接箭头连接符 141">
+            <a:extLst>
+              <a:ext uri="{FF2B5EF4-FFF2-40B4-BE49-F238E27FC236}">
+                <a16:creationId xmlns:a16="http://schemas.microsoft.com/office/drawing/2014/main" id="{41FDE2CA-C3AA-4920-ABA9-98EC4FEA0165}"/>
+              </a:ext>
+            </a:extLst>
+          </p:cNvPr>
+          <p:cNvCxnSpPr>
+            <a:cxnSpLocks/>
+          </p:cNvCxnSpPr>
+          <p:nvPr/>
+        </p:nvCxnSpPr>
+        <p:spPr>
+          <a:xfrm>
+            <a:off x="1471164" y="3024302"/>
+            <a:ext cx="535695" cy="179632"/>
+          </a:xfrm>
+          <a:prstGeom prst="straightConnector1">
+            <a:avLst/>
+          </a:prstGeom>
+          <a:ln>
+            <a:tailEnd type="triangle"/>
+          </a:ln>
+        </p:spPr>
+        <p:style>
+          <a:lnRef idx="1">
+            <a:schemeClr val="accent1"/>
+          </a:lnRef>
+          <a:fillRef idx="0">
+            <a:schemeClr val="accent1"/>
+          </a:fillRef>
+          <a:effectRef idx="0">
+            <a:schemeClr val="accent1"/>
+          </a:effectRef>
+          <a:fontRef idx="minor">
+            <a:schemeClr val="tx1"/>
+          </a:fontRef>
+        </p:style>
+      </p:cxnSp>
+      <p:cxnSp>
+        <p:nvCxnSpPr>
+          <p:cNvPr id="143" name="直接箭头连接符 142">
+            <a:extLst>
+              <a:ext uri="{FF2B5EF4-FFF2-40B4-BE49-F238E27FC236}">
+                <a16:creationId xmlns:a16="http://schemas.microsoft.com/office/drawing/2014/main" id="{477E3877-9F88-4678-9B6A-4CCB48E37313}"/>
+              </a:ext>
+            </a:extLst>
+          </p:cNvPr>
+          <p:cNvCxnSpPr>
+            <a:cxnSpLocks/>
+          </p:cNvCxnSpPr>
+          <p:nvPr/>
+        </p:nvCxnSpPr>
+        <p:spPr>
+          <a:xfrm flipV="1">
+            <a:off x="3614517" y="2625643"/>
+            <a:ext cx="0" cy="457200"/>
+          </a:xfrm>
+          <a:prstGeom prst="straightConnector1">
+            <a:avLst/>
+          </a:prstGeom>
+          <a:ln>
+            <a:tailEnd type="triangle"/>
+          </a:ln>
+        </p:spPr>
+        <p:style>
+          <a:lnRef idx="1">
+            <a:schemeClr val="accent1"/>
+          </a:lnRef>
+          <a:fillRef idx="0">
+            <a:schemeClr val="accent1"/>
+          </a:fillRef>
+          <a:effectRef idx="0">
+            <a:schemeClr val="accent1"/>
+          </a:effectRef>
+          <a:fontRef idx="minor">
+            <a:schemeClr val="tx1"/>
+          </a:fontRef>
+        </p:style>
+      </p:cxnSp>
+      <p:cxnSp>
+        <p:nvCxnSpPr>
+          <p:cNvPr id="144" name="直接箭头连接符 143">
+            <a:extLst>
+              <a:ext uri="{FF2B5EF4-FFF2-40B4-BE49-F238E27FC236}">
+                <a16:creationId xmlns:a16="http://schemas.microsoft.com/office/drawing/2014/main" id="{3E73FAC0-8613-41E8-93CE-D365A6FF50F1}"/>
+              </a:ext>
+            </a:extLst>
+          </p:cNvPr>
+          <p:cNvCxnSpPr>
+            <a:cxnSpLocks/>
+          </p:cNvCxnSpPr>
+          <p:nvPr/>
+        </p:nvCxnSpPr>
+        <p:spPr>
+          <a:xfrm>
+            <a:off x="3742003" y="2625643"/>
+            <a:ext cx="0" cy="394282"/>
+          </a:xfrm>
+          <a:prstGeom prst="straightConnector1">
+            <a:avLst/>
+          </a:prstGeom>
+          <a:ln>
+            <a:tailEnd type="triangle"/>
+          </a:ln>
+        </p:spPr>
+        <p:style>
+          <a:lnRef idx="1">
+            <a:schemeClr val="accent1"/>
+          </a:lnRef>
+          <a:fillRef idx="0">
+            <a:schemeClr val="accent1"/>
+          </a:fillRef>
+          <a:effectRef idx="0">
+            <a:schemeClr val="accent1"/>
+          </a:effectRef>
+          <a:fontRef idx="minor">
+            <a:schemeClr val="tx1"/>
+          </a:fontRef>
+        </p:style>
+      </p:cxnSp>
+      <p:cxnSp>
+        <p:nvCxnSpPr>
+          <p:cNvPr id="145" name="直接箭头连接符 144">
+            <a:extLst>
+              <a:ext uri="{FF2B5EF4-FFF2-40B4-BE49-F238E27FC236}">
+                <a16:creationId xmlns:a16="http://schemas.microsoft.com/office/drawing/2014/main" id="{446B6808-7B23-4934-9900-2C74ACDB6FCF}"/>
+              </a:ext>
+            </a:extLst>
+          </p:cNvPr>
+          <p:cNvCxnSpPr>
+            <a:cxnSpLocks/>
+          </p:cNvCxnSpPr>
+          <p:nvPr/>
+        </p:nvCxnSpPr>
+        <p:spPr>
+          <a:xfrm flipV="1">
+            <a:off x="3867575" y="2625643"/>
+            <a:ext cx="0" cy="457200"/>
+          </a:xfrm>
+          <a:prstGeom prst="straightConnector1">
+            <a:avLst/>
+          </a:prstGeom>
+          <a:ln>
+            <a:tailEnd type="triangle"/>
+          </a:ln>
+        </p:spPr>
+        <p:style>
+          <a:lnRef idx="1">
+            <a:schemeClr val="accent1"/>
+          </a:lnRef>
+          <a:fillRef idx="0">
+            <a:schemeClr val="accent1"/>
+          </a:fillRef>
+          <a:effectRef idx="0">
+            <a:schemeClr val="accent1"/>
+          </a:effectRef>
+          <a:fontRef idx="minor">
+            <a:schemeClr val="tx1"/>
+          </a:fontRef>
+        </p:style>
+      </p:cxnSp>
+      <p:cxnSp>
+        <p:nvCxnSpPr>
+          <p:cNvPr id="146" name="直接箭头连接符 145">
+            <a:extLst>
+              <a:ext uri="{FF2B5EF4-FFF2-40B4-BE49-F238E27FC236}">
+                <a16:creationId xmlns:a16="http://schemas.microsoft.com/office/drawing/2014/main" id="{B9D0A409-77A0-469F-973B-C1DA694D866F}"/>
+              </a:ext>
+            </a:extLst>
+          </p:cNvPr>
+          <p:cNvCxnSpPr>
+            <a:cxnSpLocks/>
+          </p:cNvCxnSpPr>
+          <p:nvPr/>
+        </p:nvCxnSpPr>
+        <p:spPr>
+          <a:xfrm>
+            <a:off x="4019726" y="2625532"/>
+            <a:ext cx="0" cy="394282"/>
+          </a:xfrm>
+          <a:prstGeom prst="straightConnector1">
+            <a:avLst/>
+          </a:prstGeom>
+          <a:ln>
+            <a:tailEnd type="triangle"/>
+          </a:ln>
+        </p:spPr>
+        <p:style>
+          <a:lnRef idx="1">
+            <a:schemeClr val="accent1"/>
+          </a:lnRef>
+          <a:fillRef idx="0">
+            <a:schemeClr val="accent1"/>
+          </a:fillRef>
+          <a:effectRef idx="0">
+            <a:schemeClr val="accent1"/>
+          </a:effectRef>
+          <a:fontRef idx="minor">
+            <a:schemeClr val="tx1"/>
+          </a:fontRef>
+        </p:style>
+      </p:cxnSp>
+      <p:cxnSp>
+        <p:nvCxnSpPr>
+          <p:cNvPr id="147" name="直接箭头连接符 146">
+            <a:extLst>
+              <a:ext uri="{FF2B5EF4-FFF2-40B4-BE49-F238E27FC236}">
+                <a16:creationId xmlns:a16="http://schemas.microsoft.com/office/drawing/2014/main" id="{2559337B-1536-4AAC-A5CF-656E5CEACCF5}"/>
+              </a:ext>
+            </a:extLst>
+          </p:cNvPr>
+          <p:cNvCxnSpPr>
+            <a:cxnSpLocks/>
+          </p:cNvCxnSpPr>
+          <p:nvPr/>
+        </p:nvCxnSpPr>
+        <p:spPr>
+          <a:xfrm>
+            <a:off x="4633053" y="2625532"/>
+            <a:ext cx="0" cy="394282"/>
+          </a:xfrm>
+          <a:prstGeom prst="straightConnector1">
+            <a:avLst/>
+          </a:prstGeom>
+          <a:ln>
+            <a:tailEnd type="triangle"/>
+          </a:ln>
+        </p:spPr>
+        <p:style>
+          <a:lnRef idx="1">
+            <a:schemeClr val="accent2"/>
+          </a:lnRef>
+          <a:fillRef idx="0">
+            <a:schemeClr val="accent2"/>
+          </a:fillRef>
+          <a:effectRef idx="0">
+            <a:schemeClr val="accent2"/>
+          </a:effectRef>
+          <a:fontRef idx="minor">
+            <a:schemeClr val="tx1"/>
+          </a:fontRef>
+        </p:style>
+      </p:cxnSp>
+      <p:cxnSp>
+        <p:nvCxnSpPr>
+          <p:cNvPr id="148" name="直接箭头连接符 147">
+            <a:extLst>
+              <a:ext uri="{FF2B5EF4-FFF2-40B4-BE49-F238E27FC236}">
+                <a16:creationId xmlns:a16="http://schemas.microsoft.com/office/drawing/2014/main" id="{C8872622-60EE-42EF-B488-377EF9B3A28F}"/>
+              </a:ext>
+            </a:extLst>
+          </p:cNvPr>
+          <p:cNvCxnSpPr>
+            <a:cxnSpLocks/>
+          </p:cNvCxnSpPr>
+          <p:nvPr/>
+        </p:nvCxnSpPr>
+        <p:spPr>
+          <a:xfrm flipV="1">
+            <a:off x="4758625" y="2625532"/>
+            <a:ext cx="0" cy="457200"/>
+          </a:xfrm>
+          <a:prstGeom prst="straightConnector1">
+            <a:avLst/>
+          </a:prstGeom>
+          <a:ln>
+            <a:tailEnd type="triangle"/>
+          </a:ln>
+        </p:spPr>
+        <p:style>
+          <a:lnRef idx="1">
+            <a:schemeClr val="accent1"/>
+          </a:lnRef>
+          <a:fillRef idx="0">
+            <a:schemeClr val="accent1"/>
+          </a:fillRef>
+          <a:effectRef idx="0">
+            <a:schemeClr val="accent1"/>
+          </a:effectRef>
+          <a:fontRef idx="minor">
+            <a:schemeClr val="tx1"/>
+          </a:fontRef>
+        </p:style>
+      </p:cxnSp>
+      <p:cxnSp>
+        <p:nvCxnSpPr>
+          <p:cNvPr id="149" name="直接箭头连接符 148">
+            <a:extLst>
+              <a:ext uri="{FF2B5EF4-FFF2-40B4-BE49-F238E27FC236}">
+                <a16:creationId xmlns:a16="http://schemas.microsoft.com/office/drawing/2014/main" id="{7CA0AE19-956B-4F9A-9B4E-648B401BC65E}"/>
+              </a:ext>
+            </a:extLst>
+          </p:cNvPr>
+          <p:cNvCxnSpPr>
+            <a:cxnSpLocks/>
+          </p:cNvCxnSpPr>
+          <p:nvPr/>
+        </p:nvCxnSpPr>
+        <p:spPr>
+          <a:xfrm>
+            <a:off x="4886111" y="2625532"/>
+            <a:ext cx="0" cy="394282"/>
+          </a:xfrm>
+          <a:prstGeom prst="straightConnector1">
+            <a:avLst/>
+          </a:prstGeom>
+          <a:ln>
+            <a:tailEnd type="triangle"/>
+          </a:ln>
+        </p:spPr>
+        <p:style>
+          <a:lnRef idx="1">
+            <a:schemeClr val="accent1"/>
+          </a:lnRef>
+          <a:fillRef idx="0">
+            <a:schemeClr val="accent1"/>
+          </a:fillRef>
+          <a:effectRef idx="0">
+            <a:schemeClr val="accent1"/>
+          </a:effectRef>
+          <a:fontRef idx="minor">
+            <a:schemeClr val="tx1"/>
+          </a:fontRef>
+        </p:style>
+      </p:cxnSp>
+      <p:cxnSp>
+        <p:nvCxnSpPr>
+          <p:cNvPr id="150" name="直接箭头连接符 149">
+            <a:extLst>
+              <a:ext uri="{FF2B5EF4-FFF2-40B4-BE49-F238E27FC236}">
+                <a16:creationId xmlns:a16="http://schemas.microsoft.com/office/drawing/2014/main" id="{22606CBA-4EEB-487B-838D-074361AB96FB}"/>
+              </a:ext>
+            </a:extLst>
+          </p:cNvPr>
+          <p:cNvCxnSpPr>
+            <a:cxnSpLocks/>
+          </p:cNvCxnSpPr>
+          <p:nvPr/>
+        </p:nvCxnSpPr>
+        <p:spPr>
+          <a:xfrm flipV="1">
+            <a:off x="6564907" y="2653607"/>
+            <a:ext cx="0" cy="457200"/>
+          </a:xfrm>
+          <a:prstGeom prst="straightConnector1">
+            <a:avLst/>
+          </a:prstGeom>
+          <a:ln>
+            <a:tailEnd type="triangle"/>
+          </a:ln>
+        </p:spPr>
+        <p:style>
+          <a:lnRef idx="1">
+            <a:schemeClr val="accent1"/>
+          </a:lnRef>
+          <a:fillRef idx="0">
+            <a:schemeClr val="accent1"/>
+          </a:fillRef>
+          <a:effectRef idx="0">
+            <a:schemeClr val="accent1"/>
+          </a:effectRef>
+          <a:fontRef idx="minor">
+            <a:schemeClr val="tx1"/>
+          </a:fontRef>
+        </p:style>
+      </p:cxnSp>
+      <p:cxnSp>
+        <p:nvCxnSpPr>
+          <p:cNvPr id="152" name="直接箭头连接符 151">
+            <a:extLst>
+              <a:ext uri="{FF2B5EF4-FFF2-40B4-BE49-F238E27FC236}">
+                <a16:creationId xmlns:a16="http://schemas.microsoft.com/office/drawing/2014/main" id="{F70B0757-4108-4C6F-A4EF-F134ECD9509F}"/>
+              </a:ext>
+            </a:extLst>
+          </p:cNvPr>
+          <p:cNvCxnSpPr>
+            <a:cxnSpLocks/>
+          </p:cNvCxnSpPr>
+          <p:nvPr/>
+        </p:nvCxnSpPr>
+        <p:spPr>
+          <a:xfrm flipH="1" flipV="1">
+            <a:off x="7566269" y="2499453"/>
+            <a:ext cx="510222" cy="182625"/>
+          </a:xfrm>
+          <a:prstGeom prst="straightConnector1">
+            <a:avLst/>
+          </a:prstGeom>
+          <a:ln>
+            <a:tailEnd type="triangle"/>
+          </a:ln>
+        </p:spPr>
+        <p:style>
+          <a:lnRef idx="1">
+            <a:schemeClr val="accent2"/>
+          </a:lnRef>
+          <a:fillRef idx="0">
+            <a:schemeClr val="accent2"/>
+          </a:fillRef>
+          <a:effectRef idx="0">
+            <a:schemeClr val="accent2"/>
+          </a:effectRef>
+          <a:fontRef idx="minor">
+            <a:schemeClr val="tx1"/>
+          </a:fontRef>
+        </p:style>
+      </p:cxnSp>
+      <p:cxnSp>
+        <p:nvCxnSpPr>
+          <p:cNvPr id="153" name="直接箭头连接符 152">
+            <a:extLst>
+              <a:ext uri="{FF2B5EF4-FFF2-40B4-BE49-F238E27FC236}">
+                <a16:creationId xmlns:a16="http://schemas.microsoft.com/office/drawing/2014/main" id="{155FED8F-F355-477E-BB8F-875130378ED4}"/>
+              </a:ext>
+            </a:extLst>
+          </p:cNvPr>
+          <p:cNvCxnSpPr>
+            <a:cxnSpLocks/>
+          </p:cNvCxnSpPr>
+          <p:nvPr/>
+        </p:nvCxnSpPr>
+        <p:spPr>
+          <a:xfrm flipV="1">
+            <a:off x="7595482" y="2780605"/>
+            <a:ext cx="487794" cy="149804"/>
+          </a:xfrm>
+          <a:prstGeom prst="straightConnector1">
+            <a:avLst/>
+          </a:prstGeom>
+          <a:ln>
+            <a:tailEnd type="triangle"/>
+          </a:ln>
+        </p:spPr>
+        <p:style>
+          <a:lnRef idx="1">
+            <a:schemeClr val="accent1"/>
+          </a:lnRef>
+          <a:fillRef idx="0">
+            <a:schemeClr val="accent1"/>
+          </a:fillRef>
+          <a:effectRef idx="0">
+            <a:schemeClr val="accent1"/>
+          </a:effectRef>
+          <a:fontRef idx="minor">
+            <a:schemeClr val="tx1"/>
+          </a:fontRef>
+        </p:style>
+      </p:cxnSp>
+      <p:cxnSp>
+        <p:nvCxnSpPr>
+          <p:cNvPr id="154" name="直接箭头连接符 153">
+            <a:extLst>
+              <a:ext uri="{FF2B5EF4-FFF2-40B4-BE49-F238E27FC236}">
+                <a16:creationId xmlns:a16="http://schemas.microsoft.com/office/drawing/2014/main" id="{D0CADDE2-CC36-461D-8868-CE7876A3DE35}"/>
+              </a:ext>
+            </a:extLst>
+          </p:cNvPr>
+          <p:cNvCxnSpPr>
+            <a:cxnSpLocks/>
+          </p:cNvCxnSpPr>
+          <p:nvPr/>
+        </p:nvCxnSpPr>
+        <p:spPr>
+          <a:xfrm>
+            <a:off x="8109006" y="2716525"/>
+            <a:ext cx="0" cy="394282"/>
+          </a:xfrm>
+          <a:prstGeom prst="straightConnector1">
+            <a:avLst/>
+          </a:prstGeom>
+          <a:ln>
+            <a:tailEnd type="triangle"/>
+          </a:ln>
+        </p:spPr>
+        <p:style>
+          <a:lnRef idx="1">
+            <a:schemeClr val="accent1"/>
+          </a:lnRef>
+          <a:fillRef idx="0">
+            <a:schemeClr val="accent1"/>
+          </a:fillRef>
+          <a:effectRef idx="0">
+            <a:schemeClr val="accent1"/>
+          </a:effectRef>
+          <a:fontRef idx="minor">
+            <a:schemeClr val="tx1"/>
+          </a:fontRef>
+        </p:style>
+      </p:cxnSp>
+      <p:cxnSp>
+        <p:nvCxnSpPr>
+          <p:cNvPr id="156" name="直接箭头连接符 155">
+            <a:extLst>
+              <a:ext uri="{FF2B5EF4-FFF2-40B4-BE49-F238E27FC236}">
+                <a16:creationId xmlns:a16="http://schemas.microsoft.com/office/drawing/2014/main" id="{9BCC7769-A592-45D3-8CE7-E51D48A35009}"/>
+              </a:ext>
+            </a:extLst>
+          </p:cNvPr>
+          <p:cNvCxnSpPr>
+            <a:cxnSpLocks/>
+          </p:cNvCxnSpPr>
+          <p:nvPr/>
+        </p:nvCxnSpPr>
+        <p:spPr>
+          <a:xfrm>
+            <a:off x="7509523" y="2512820"/>
+            <a:ext cx="0" cy="394282"/>
+          </a:xfrm>
+          <a:prstGeom prst="straightConnector1">
+            <a:avLst/>
+          </a:prstGeom>
+          <a:ln>
+            <a:tailEnd type="triangle"/>
+          </a:ln>
+        </p:spPr>
+        <p:style>
+          <a:lnRef idx="1">
+            <a:schemeClr val="accent1"/>
+          </a:lnRef>
+          <a:fillRef idx="0">
+            <a:schemeClr val="accent1"/>
+          </a:fillRef>
+          <a:effectRef idx="0">
+            <a:schemeClr val="accent1"/>
+          </a:effectRef>
+          <a:fontRef idx="minor">
+            <a:schemeClr val="tx1"/>
+          </a:fontRef>
+        </p:style>
+      </p:cxnSp>
+      <p:cxnSp>
+        <p:nvCxnSpPr>
+          <p:cNvPr id="157" name="直接箭头连接符 156">
+            <a:extLst>
+              <a:ext uri="{FF2B5EF4-FFF2-40B4-BE49-F238E27FC236}">
+                <a16:creationId xmlns:a16="http://schemas.microsoft.com/office/drawing/2014/main" id="{D780DD3D-28E5-4DC8-9488-398941673B40}"/>
+              </a:ext>
+            </a:extLst>
+          </p:cNvPr>
+          <p:cNvCxnSpPr>
+            <a:cxnSpLocks/>
+          </p:cNvCxnSpPr>
+          <p:nvPr/>
+        </p:nvCxnSpPr>
+        <p:spPr>
+          <a:xfrm flipH="1">
+            <a:off x="293021" y="4141530"/>
+            <a:ext cx="478271" cy="209627"/>
+          </a:xfrm>
+          <a:prstGeom prst="straightConnector1">
+            <a:avLst/>
+          </a:prstGeom>
+          <a:ln>
+            <a:tailEnd type="triangle"/>
+          </a:ln>
+        </p:spPr>
+        <p:style>
+          <a:lnRef idx="1">
+            <a:schemeClr val="accent1"/>
+          </a:lnRef>
+          <a:fillRef idx="0">
+            <a:schemeClr val="accent1"/>
+          </a:fillRef>
+          <a:effectRef idx="0">
+            <a:schemeClr val="accent1"/>
+          </a:effectRef>
+          <a:fontRef idx="minor">
+            <a:schemeClr val="tx1"/>
+          </a:fontRef>
+        </p:style>
+      </p:cxnSp>
+      <p:cxnSp>
+        <p:nvCxnSpPr>
+          <p:cNvPr id="159" name="直接箭头连接符 158">
+            <a:extLst>
+              <a:ext uri="{FF2B5EF4-FFF2-40B4-BE49-F238E27FC236}">
+                <a16:creationId xmlns:a16="http://schemas.microsoft.com/office/drawing/2014/main" id="{B85087F8-F6FA-4AF5-8B4E-2BA2FCFB3232}"/>
+              </a:ext>
+            </a:extLst>
+          </p:cNvPr>
+          <p:cNvCxnSpPr>
+            <a:cxnSpLocks/>
+          </p:cNvCxnSpPr>
+          <p:nvPr/>
+        </p:nvCxnSpPr>
+        <p:spPr>
+          <a:xfrm flipV="1">
+            <a:off x="3741518" y="3810780"/>
+            <a:ext cx="345158" cy="273519"/>
+          </a:xfrm>
+          <a:prstGeom prst="straightConnector1">
+            <a:avLst/>
+          </a:prstGeom>
+          <a:ln>
+            <a:tailEnd type="triangle"/>
+          </a:ln>
+        </p:spPr>
+        <p:style>
+          <a:lnRef idx="1">
+            <a:schemeClr val="accent1"/>
+          </a:lnRef>
+          <a:fillRef idx="0">
+            <a:schemeClr val="accent1"/>
+          </a:fillRef>
+          <a:effectRef idx="0">
+            <a:schemeClr val="accent1"/>
+          </a:effectRef>
+          <a:fontRef idx="minor">
+            <a:schemeClr val="tx1"/>
+          </a:fontRef>
+        </p:style>
+      </p:cxnSp>
+      <p:cxnSp>
+        <p:nvCxnSpPr>
+          <p:cNvPr id="160" name="直接箭头连接符 159">
+            <a:extLst>
+              <a:ext uri="{FF2B5EF4-FFF2-40B4-BE49-F238E27FC236}">
+                <a16:creationId xmlns:a16="http://schemas.microsoft.com/office/drawing/2014/main" id="{D03D5CCC-7A83-40F8-A72F-773EC582F068}"/>
+              </a:ext>
+            </a:extLst>
+          </p:cNvPr>
+          <p:cNvCxnSpPr>
+            <a:cxnSpLocks/>
+          </p:cNvCxnSpPr>
+          <p:nvPr/>
+        </p:nvCxnSpPr>
+        <p:spPr>
+          <a:xfrm>
+            <a:off x="4807483" y="3832980"/>
+            <a:ext cx="0" cy="394282"/>
+          </a:xfrm>
+          <a:prstGeom prst="straightConnector1">
+            <a:avLst/>
+          </a:prstGeom>
+          <a:ln>
+            <a:tailEnd type="triangle"/>
+          </a:ln>
+        </p:spPr>
+        <p:style>
+          <a:lnRef idx="1">
+            <a:schemeClr val="accent1"/>
+          </a:lnRef>
+          <a:fillRef idx="0">
+            <a:schemeClr val="accent1"/>
+          </a:fillRef>
+          <a:effectRef idx="0">
+            <a:schemeClr val="accent1"/>
+          </a:effectRef>
+          <a:fontRef idx="minor">
+            <a:schemeClr val="tx1"/>
+          </a:fontRef>
+        </p:style>
+      </p:cxnSp>
+      <p:cxnSp>
+        <p:nvCxnSpPr>
+          <p:cNvPr id="161" name="直接箭头连接符 160">
+            <a:extLst>
+              <a:ext uri="{FF2B5EF4-FFF2-40B4-BE49-F238E27FC236}">
+                <a16:creationId xmlns:a16="http://schemas.microsoft.com/office/drawing/2014/main" id="{1B6F2F0E-7EB4-49B0-AFBE-35DFE2E41A6E}"/>
+              </a:ext>
+            </a:extLst>
+          </p:cNvPr>
+          <p:cNvCxnSpPr>
+            <a:cxnSpLocks/>
+          </p:cNvCxnSpPr>
+          <p:nvPr/>
+        </p:nvCxnSpPr>
+        <p:spPr>
+          <a:xfrm flipV="1">
+            <a:off x="4944260" y="3813870"/>
+            <a:ext cx="0" cy="457200"/>
+          </a:xfrm>
+          <a:prstGeom prst="straightConnector1">
+            <a:avLst/>
+          </a:prstGeom>
+          <a:ln>
+            <a:tailEnd type="triangle"/>
+          </a:ln>
+        </p:spPr>
+        <p:style>
+          <a:lnRef idx="1">
+            <a:schemeClr val="accent1"/>
+          </a:lnRef>
+          <a:fillRef idx="0">
+            <a:schemeClr val="accent1"/>
+          </a:fillRef>
+          <a:effectRef idx="0">
+            <a:schemeClr val="accent1"/>
+          </a:effectRef>
+          <a:fontRef idx="minor">
+            <a:schemeClr val="tx1"/>
+          </a:fontRef>
+        </p:style>
+      </p:cxnSp>
+      <p:cxnSp>
+        <p:nvCxnSpPr>
+          <p:cNvPr id="165" name="直接箭头连接符 164">
+            <a:extLst>
+              <a:ext uri="{FF2B5EF4-FFF2-40B4-BE49-F238E27FC236}">
+                <a16:creationId xmlns:a16="http://schemas.microsoft.com/office/drawing/2014/main" id="{AE9AC49F-1545-4FCC-881E-74CC5BBBAE15}"/>
+              </a:ext>
+            </a:extLst>
+          </p:cNvPr>
+          <p:cNvCxnSpPr>
+            <a:cxnSpLocks/>
+          </p:cNvCxnSpPr>
+          <p:nvPr/>
+        </p:nvCxnSpPr>
+        <p:spPr>
+          <a:xfrm flipV="1">
+            <a:off x="6868905" y="3720553"/>
+            <a:ext cx="460514" cy="290457"/>
+          </a:xfrm>
+          <a:prstGeom prst="straightConnector1">
+            <a:avLst/>
+          </a:prstGeom>
+          <a:ln>
+            <a:tailEnd type="triangle"/>
+          </a:ln>
+        </p:spPr>
+        <p:style>
+          <a:lnRef idx="1">
+            <a:schemeClr val="accent1"/>
+          </a:lnRef>
+          <a:fillRef idx="0">
+            <a:schemeClr val="accent1"/>
+          </a:fillRef>
+          <a:effectRef idx="0">
+            <a:schemeClr val="accent1"/>
+          </a:effectRef>
+          <a:fontRef idx="minor">
+            <a:schemeClr val="tx1"/>
+          </a:fontRef>
+        </p:style>
+      </p:cxnSp>
+      <p:cxnSp>
+        <p:nvCxnSpPr>
+          <p:cNvPr id="166" name="直接箭头连接符 165">
+            <a:extLst>
+              <a:ext uri="{FF2B5EF4-FFF2-40B4-BE49-F238E27FC236}">
+                <a16:creationId xmlns:a16="http://schemas.microsoft.com/office/drawing/2014/main" id="{49A50BDC-A09F-4643-B803-47215850B622}"/>
+              </a:ext>
+            </a:extLst>
+          </p:cNvPr>
+          <p:cNvCxnSpPr>
+            <a:cxnSpLocks/>
+          </p:cNvCxnSpPr>
+          <p:nvPr/>
+        </p:nvCxnSpPr>
+        <p:spPr>
+          <a:xfrm flipV="1">
+            <a:off x="7577345" y="3832980"/>
+            <a:ext cx="505931" cy="209490"/>
+          </a:xfrm>
+          <a:prstGeom prst="straightConnector1">
+            <a:avLst/>
+          </a:prstGeom>
+          <a:ln>
+            <a:tailEnd type="triangle"/>
+          </a:ln>
+        </p:spPr>
+        <p:style>
+          <a:lnRef idx="1">
+            <a:schemeClr val="accent1"/>
+          </a:lnRef>
+          <a:fillRef idx="0">
+            <a:schemeClr val="accent1"/>
+          </a:fillRef>
+          <a:effectRef idx="0">
+            <a:schemeClr val="accent1"/>
+          </a:effectRef>
+          <a:fontRef idx="minor">
+            <a:schemeClr val="tx1"/>
+          </a:fontRef>
+        </p:style>
+      </p:cxnSp>
+      <p:sp>
+        <p:nvSpPr>
+          <p:cNvPr id="167" name="文本框 166">
+            <a:extLst>
+              <a:ext uri="{FF2B5EF4-FFF2-40B4-BE49-F238E27FC236}">
+                <a16:creationId xmlns:a16="http://schemas.microsoft.com/office/drawing/2014/main" id="{56F55625-909B-475E-9DD1-0793F771377E}"/>
+              </a:ext>
+            </a:extLst>
+          </p:cNvPr>
+          <p:cNvSpPr txBox="1"/>
+          <p:nvPr/>
+        </p:nvSpPr>
+        <p:spPr>
+          <a:xfrm>
+            <a:off x="419868" y="1223340"/>
+            <a:ext cx="279244" cy="307777"/>
+          </a:xfrm>
+          <a:prstGeom prst="rect">
+            <a:avLst/>
+          </a:prstGeom>
+          <a:noFill/>
+        </p:spPr>
+        <p:txBody>
+          <a:bodyPr wrap="none" rtlCol="0">
+            <a:spAutoFit/>
+          </a:bodyPr>
+          <a:lstStyle/>
+          <a:p>
+            <a:r>
+              <a:rPr lang="en-US" altLang="zh-CN" sz="1400" dirty="0"/>
+              <a:t>1</a:t>
+            </a:r>
+            <a:endParaRPr lang="zh-CN" altLang="en-US" sz="1400" dirty="0"/>
+          </a:p>
+        </p:txBody>
+      </p:sp>
+      <p:sp>
+        <p:nvSpPr>
+          <p:cNvPr id="168" name="文本框 167">
+            <a:extLst>
+              <a:ext uri="{FF2B5EF4-FFF2-40B4-BE49-F238E27FC236}">
+                <a16:creationId xmlns:a16="http://schemas.microsoft.com/office/drawing/2014/main" id="{F9CB2F8A-7F27-43E6-B747-B180E6E3CC28}"/>
+              </a:ext>
+            </a:extLst>
+          </p:cNvPr>
+          <p:cNvSpPr txBox="1"/>
+          <p:nvPr/>
+        </p:nvSpPr>
+        <p:spPr>
+          <a:xfrm>
+            <a:off x="437918" y="1853536"/>
+            <a:ext cx="279244" cy="307777"/>
+          </a:xfrm>
+          <a:prstGeom prst="rect">
+            <a:avLst/>
+          </a:prstGeom>
+          <a:noFill/>
+        </p:spPr>
+        <p:txBody>
+          <a:bodyPr wrap="none" rtlCol="0">
+            <a:spAutoFit/>
+          </a:bodyPr>
+          <a:lstStyle/>
+          <a:p>
+            <a:r>
+              <a:rPr lang="en-US" altLang="zh-CN" sz="1400" dirty="0"/>
+              <a:t>2</a:t>
+            </a:r>
+            <a:endParaRPr lang="zh-CN" altLang="en-US" sz="1400" dirty="0"/>
+          </a:p>
+        </p:txBody>
+      </p:sp>
+      <p:sp>
+        <p:nvSpPr>
+          <p:cNvPr id="169" name="文本框 168">
+            <a:extLst>
+              <a:ext uri="{FF2B5EF4-FFF2-40B4-BE49-F238E27FC236}">
+                <a16:creationId xmlns:a16="http://schemas.microsoft.com/office/drawing/2014/main" id="{6F422DED-DCDB-4460-8920-4D345A9223BA}"/>
+              </a:ext>
+            </a:extLst>
+          </p:cNvPr>
+          <p:cNvSpPr txBox="1"/>
+          <p:nvPr/>
+        </p:nvSpPr>
+        <p:spPr>
+          <a:xfrm>
+            <a:off x="840226" y="1500051"/>
+            <a:ext cx="279244" cy="307777"/>
+          </a:xfrm>
+          <a:prstGeom prst="rect">
+            <a:avLst/>
+          </a:prstGeom>
+          <a:noFill/>
+        </p:spPr>
+        <p:txBody>
+          <a:bodyPr wrap="none" rtlCol="0">
+            <a:spAutoFit/>
+          </a:bodyPr>
+          <a:lstStyle/>
+          <a:p>
+            <a:r>
+              <a:rPr lang="en-US" altLang="zh-CN" sz="1400" dirty="0"/>
+              <a:t>3</a:t>
+            </a:r>
+            <a:endParaRPr lang="zh-CN" altLang="en-US" sz="1400" dirty="0"/>
+          </a:p>
+        </p:txBody>
+      </p:sp>
+      <p:sp>
+        <p:nvSpPr>
+          <p:cNvPr id="170" name="文本框 169">
+            <a:extLst>
+              <a:ext uri="{FF2B5EF4-FFF2-40B4-BE49-F238E27FC236}">
+                <a16:creationId xmlns:a16="http://schemas.microsoft.com/office/drawing/2014/main" id="{FD97F9AB-2520-444F-8D3E-AFADD37FDC25}"/>
+              </a:ext>
+            </a:extLst>
+          </p:cNvPr>
+          <p:cNvSpPr txBox="1"/>
+          <p:nvPr/>
+        </p:nvSpPr>
+        <p:spPr>
+          <a:xfrm>
+            <a:off x="1158588" y="1348310"/>
+            <a:ext cx="279244" cy="307777"/>
+          </a:xfrm>
+          <a:prstGeom prst="rect">
+            <a:avLst/>
+          </a:prstGeom>
+          <a:noFill/>
+        </p:spPr>
+        <p:txBody>
+          <a:bodyPr wrap="none" rtlCol="0">
+            <a:spAutoFit/>
+          </a:bodyPr>
+          <a:lstStyle/>
+          <a:p>
+            <a:r>
+              <a:rPr lang="en-US" altLang="zh-CN" sz="1400" dirty="0"/>
+              <a:t>1</a:t>
+            </a:r>
+            <a:endParaRPr lang="zh-CN" altLang="en-US" sz="1400" dirty="0"/>
+          </a:p>
+        </p:txBody>
+      </p:sp>
+      <p:sp>
+        <p:nvSpPr>
+          <p:cNvPr id="171" name="文本框 170">
+            <a:extLst>
+              <a:ext uri="{FF2B5EF4-FFF2-40B4-BE49-F238E27FC236}">
+                <a16:creationId xmlns:a16="http://schemas.microsoft.com/office/drawing/2014/main" id="{2309E69A-F752-493F-B017-7E59159B35D3}"/>
+              </a:ext>
+            </a:extLst>
+          </p:cNvPr>
+          <p:cNvSpPr txBox="1"/>
+          <p:nvPr/>
+        </p:nvSpPr>
+        <p:spPr>
+          <a:xfrm>
+            <a:off x="1331542" y="1912938"/>
+            <a:ext cx="279244" cy="307777"/>
+          </a:xfrm>
+          <a:prstGeom prst="rect">
+            <a:avLst/>
+          </a:prstGeom>
+          <a:noFill/>
+        </p:spPr>
+        <p:txBody>
+          <a:bodyPr wrap="none" rtlCol="0">
+            <a:spAutoFit/>
+          </a:bodyPr>
+          <a:lstStyle/>
+          <a:p>
+            <a:r>
+              <a:rPr lang="en-US" altLang="zh-CN" sz="1400" dirty="0"/>
+              <a:t>2</a:t>
+            </a:r>
+            <a:endParaRPr lang="zh-CN" altLang="en-US" sz="1400" dirty="0"/>
+          </a:p>
+        </p:txBody>
+      </p:sp>
+      <p:sp>
+        <p:nvSpPr>
+          <p:cNvPr id="172" name="文本框 171">
+            <a:extLst>
+              <a:ext uri="{FF2B5EF4-FFF2-40B4-BE49-F238E27FC236}">
+                <a16:creationId xmlns:a16="http://schemas.microsoft.com/office/drawing/2014/main" id="{4FDDE8FA-5105-4E86-86DC-27327C4EA964}"/>
+              </a:ext>
+            </a:extLst>
+          </p:cNvPr>
+          <p:cNvSpPr txBox="1"/>
+          <p:nvPr/>
+        </p:nvSpPr>
+        <p:spPr>
+          <a:xfrm>
+            <a:off x="1787907" y="1266229"/>
+            <a:ext cx="279244" cy="307777"/>
+          </a:xfrm>
+          <a:prstGeom prst="rect">
+            <a:avLst/>
+          </a:prstGeom>
+          <a:noFill/>
+        </p:spPr>
+        <p:txBody>
+          <a:bodyPr wrap="none" rtlCol="0">
+            <a:spAutoFit/>
+          </a:bodyPr>
+          <a:lstStyle/>
+          <a:p>
+            <a:r>
+              <a:rPr lang="en-US" altLang="zh-CN" sz="1400" dirty="0"/>
+              <a:t>3</a:t>
+            </a:r>
+            <a:endParaRPr lang="zh-CN" altLang="en-US" sz="1400" dirty="0"/>
+          </a:p>
+        </p:txBody>
+      </p:sp>
+      <p:sp>
+        <p:nvSpPr>
+          <p:cNvPr id="173" name="文本框 172">
+            <a:extLst>
+              <a:ext uri="{FF2B5EF4-FFF2-40B4-BE49-F238E27FC236}">
+                <a16:creationId xmlns:a16="http://schemas.microsoft.com/office/drawing/2014/main" id="{001F76D9-B1C6-4332-8D50-9C044543920E}"/>
+              </a:ext>
+            </a:extLst>
+          </p:cNvPr>
+          <p:cNvSpPr txBox="1"/>
+          <p:nvPr/>
+        </p:nvSpPr>
+        <p:spPr>
+          <a:xfrm>
+            <a:off x="1938453" y="1898000"/>
+            <a:ext cx="279244" cy="307777"/>
+          </a:xfrm>
+          <a:prstGeom prst="rect">
+            <a:avLst/>
+          </a:prstGeom>
+          <a:noFill/>
+        </p:spPr>
+        <p:txBody>
+          <a:bodyPr wrap="none" rtlCol="0">
+            <a:spAutoFit/>
+          </a:bodyPr>
+          <a:lstStyle/>
+          <a:p>
+            <a:r>
+              <a:rPr lang="en-US" altLang="zh-CN" sz="1400" dirty="0"/>
+              <a:t>4</a:t>
+            </a:r>
+            <a:endParaRPr lang="zh-CN" altLang="en-US" sz="1400" dirty="0"/>
+          </a:p>
+        </p:txBody>
+      </p:sp>
+      <p:sp>
+        <p:nvSpPr>
+          <p:cNvPr id="174" name="文本框 173">
+            <a:extLst>
+              <a:ext uri="{FF2B5EF4-FFF2-40B4-BE49-F238E27FC236}">
+                <a16:creationId xmlns:a16="http://schemas.microsoft.com/office/drawing/2014/main" id="{F0F7525F-F6E9-4AEF-9EB5-88416AB631ED}"/>
+              </a:ext>
+            </a:extLst>
+          </p:cNvPr>
+          <p:cNvSpPr txBox="1"/>
+          <p:nvPr/>
+        </p:nvSpPr>
+        <p:spPr>
+          <a:xfrm>
+            <a:off x="2548797" y="1417633"/>
+            <a:ext cx="279244" cy="307777"/>
+          </a:xfrm>
+          <a:prstGeom prst="rect">
+            <a:avLst/>
+          </a:prstGeom>
+          <a:noFill/>
+        </p:spPr>
+        <p:txBody>
+          <a:bodyPr wrap="none" rtlCol="0">
+            <a:spAutoFit/>
+          </a:bodyPr>
+          <a:lstStyle/>
+          <a:p>
+            <a:r>
+              <a:rPr lang="en-US" altLang="zh-CN" sz="1400" dirty="0"/>
+              <a:t>1</a:t>
+            </a:r>
+            <a:endParaRPr lang="zh-CN" altLang="en-US" sz="1400" dirty="0"/>
+          </a:p>
+        </p:txBody>
+      </p:sp>
+      <p:sp>
+        <p:nvSpPr>
+          <p:cNvPr id="177" name="文本框 176">
+            <a:extLst>
+              <a:ext uri="{FF2B5EF4-FFF2-40B4-BE49-F238E27FC236}">
+                <a16:creationId xmlns:a16="http://schemas.microsoft.com/office/drawing/2014/main" id="{5CC43589-5EA0-4A0C-AC43-B140131CA61E}"/>
+              </a:ext>
+            </a:extLst>
+          </p:cNvPr>
+          <p:cNvSpPr txBox="1"/>
+          <p:nvPr/>
+        </p:nvSpPr>
+        <p:spPr>
+          <a:xfrm>
+            <a:off x="2546462" y="1748405"/>
+            <a:ext cx="279244" cy="307777"/>
+          </a:xfrm>
+          <a:prstGeom prst="rect">
+            <a:avLst/>
+          </a:prstGeom>
+          <a:noFill/>
+        </p:spPr>
+        <p:txBody>
+          <a:bodyPr wrap="none" rtlCol="0">
+            <a:spAutoFit/>
+          </a:bodyPr>
+          <a:lstStyle/>
+          <a:p>
+            <a:r>
+              <a:rPr lang="en-US" altLang="zh-CN" sz="1400" dirty="0"/>
+              <a:t>2</a:t>
+            </a:r>
+            <a:endParaRPr lang="zh-CN" altLang="en-US" sz="1400" dirty="0"/>
+          </a:p>
+        </p:txBody>
+      </p:sp>
+      <p:sp>
+        <p:nvSpPr>
+          <p:cNvPr id="178" name="文本框 177">
+            <a:extLst>
+              <a:ext uri="{FF2B5EF4-FFF2-40B4-BE49-F238E27FC236}">
+                <a16:creationId xmlns:a16="http://schemas.microsoft.com/office/drawing/2014/main" id="{CC365164-D64B-4120-B28D-429B8D463A7C}"/>
+              </a:ext>
+            </a:extLst>
+          </p:cNvPr>
+          <p:cNvSpPr txBox="1"/>
+          <p:nvPr/>
+        </p:nvSpPr>
+        <p:spPr>
+          <a:xfrm>
+            <a:off x="3381547" y="1581368"/>
+            <a:ext cx="279244" cy="307777"/>
+          </a:xfrm>
+          <a:prstGeom prst="rect">
+            <a:avLst/>
+          </a:prstGeom>
+          <a:noFill/>
+        </p:spPr>
+        <p:txBody>
+          <a:bodyPr wrap="none" rtlCol="0">
+            <a:spAutoFit/>
+          </a:bodyPr>
+          <a:lstStyle/>
+          <a:p>
+            <a:r>
+              <a:rPr lang="en-US" altLang="zh-CN" sz="1400" dirty="0"/>
+              <a:t>1</a:t>
+            </a:r>
+            <a:endParaRPr lang="zh-CN" altLang="en-US" sz="1400" dirty="0"/>
+          </a:p>
+        </p:txBody>
+      </p:sp>
+      <p:sp>
+        <p:nvSpPr>
+          <p:cNvPr id="179" name="文本框 178">
+            <a:extLst>
+              <a:ext uri="{FF2B5EF4-FFF2-40B4-BE49-F238E27FC236}">
+                <a16:creationId xmlns:a16="http://schemas.microsoft.com/office/drawing/2014/main" id="{AAD94B14-F024-45D1-9C24-6CDE6212E0D3}"/>
+              </a:ext>
+            </a:extLst>
+          </p:cNvPr>
+          <p:cNvSpPr txBox="1"/>
+          <p:nvPr/>
+        </p:nvSpPr>
+        <p:spPr>
+          <a:xfrm>
+            <a:off x="3385802" y="1932242"/>
+            <a:ext cx="279244" cy="307777"/>
+          </a:xfrm>
+          <a:prstGeom prst="rect">
+            <a:avLst/>
+          </a:prstGeom>
+          <a:noFill/>
+        </p:spPr>
+        <p:txBody>
+          <a:bodyPr wrap="none" rtlCol="0">
+            <a:spAutoFit/>
+          </a:bodyPr>
+          <a:lstStyle/>
+          <a:p>
+            <a:r>
+              <a:rPr lang="en-US" altLang="zh-CN" sz="1400" dirty="0"/>
+              <a:t>2</a:t>
+            </a:r>
+            <a:endParaRPr lang="zh-CN" altLang="en-US" sz="1400" dirty="0"/>
+          </a:p>
+        </p:txBody>
+      </p:sp>
+      <p:sp>
+        <p:nvSpPr>
+          <p:cNvPr id="180" name="文本框 179">
+            <a:extLst>
+              <a:ext uri="{FF2B5EF4-FFF2-40B4-BE49-F238E27FC236}">
+                <a16:creationId xmlns:a16="http://schemas.microsoft.com/office/drawing/2014/main" id="{7C37E224-80C1-4D9B-8751-36AF4755E1C4}"/>
+              </a:ext>
+            </a:extLst>
+          </p:cNvPr>
+          <p:cNvSpPr txBox="1"/>
+          <p:nvPr/>
+        </p:nvSpPr>
+        <p:spPr>
+          <a:xfrm>
+            <a:off x="3747104" y="1748183"/>
+            <a:ext cx="279244" cy="307777"/>
+          </a:xfrm>
+          <a:prstGeom prst="rect">
+            <a:avLst/>
+          </a:prstGeom>
+          <a:noFill/>
+        </p:spPr>
+        <p:txBody>
+          <a:bodyPr wrap="none" rtlCol="0">
+            <a:spAutoFit/>
+          </a:bodyPr>
+          <a:lstStyle/>
+          <a:p>
+            <a:r>
+              <a:rPr lang="en-US" altLang="zh-CN" sz="1400" dirty="0"/>
+              <a:t>3</a:t>
+            </a:r>
+            <a:endParaRPr lang="zh-CN" altLang="en-US" sz="1400" dirty="0"/>
+          </a:p>
+        </p:txBody>
+      </p:sp>
+      <p:sp>
+        <p:nvSpPr>
+          <p:cNvPr id="181" name="文本框 180">
+            <a:extLst>
+              <a:ext uri="{FF2B5EF4-FFF2-40B4-BE49-F238E27FC236}">
+                <a16:creationId xmlns:a16="http://schemas.microsoft.com/office/drawing/2014/main" id="{562DAD8D-2B76-477F-887A-EA9F4EF41CC5}"/>
+              </a:ext>
+            </a:extLst>
+          </p:cNvPr>
+          <p:cNvSpPr txBox="1"/>
+          <p:nvPr/>
+        </p:nvSpPr>
+        <p:spPr>
+          <a:xfrm>
+            <a:off x="3911173" y="1576254"/>
+            <a:ext cx="279244" cy="307777"/>
+          </a:xfrm>
+          <a:prstGeom prst="rect">
+            <a:avLst/>
+          </a:prstGeom>
+          <a:noFill/>
+        </p:spPr>
+        <p:txBody>
+          <a:bodyPr wrap="none" rtlCol="0">
+            <a:spAutoFit/>
+          </a:bodyPr>
+          <a:lstStyle/>
+          <a:p>
+            <a:r>
+              <a:rPr lang="en-US" altLang="zh-CN" sz="1400" dirty="0"/>
+              <a:t>4</a:t>
+            </a:r>
+            <a:endParaRPr lang="zh-CN" altLang="en-US" sz="1400" dirty="0"/>
+          </a:p>
+        </p:txBody>
+      </p:sp>
+      <p:sp>
+        <p:nvSpPr>
+          <p:cNvPr id="182" name="文本框 181">
+            <a:extLst>
+              <a:ext uri="{FF2B5EF4-FFF2-40B4-BE49-F238E27FC236}">
+                <a16:creationId xmlns:a16="http://schemas.microsoft.com/office/drawing/2014/main" id="{66E84E7D-B998-4DDF-9B36-2572FEA2FAC6}"/>
+              </a:ext>
+            </a:extLst>
+          </p:cNvPr>
+          <p:cNvSpPr txBox="1"/>
+          <p:nvPr/>
+        </p:nvSpPr>
+        <p:spPr>
+          <a:xfrm>
+            <a:off x="4795847" y="1575667"/>
+            <a:ext cx="279244" cy="307777"/>
+          </a:xfrm>
+          <a:prstGeom prst="rect">
+            <a:avLst/>
+          </a:prstGeom>
+          <a:noFill/>
+        </p:spPr>
+        <p:txBody>
+          <a:bodyPr wrap="none" rtlCol="0">
+            <a:spAutoFit/>
+          </a:bodyPr>
+          <a:lstStyle/>
+          <a:p>
+            <a:r>
+              <a:rPr lang="en-US" altLang="zh-CN" sz="1400" dirty="0"/>
+              <a:t>1</a:t>
+            </a:r>
+            <a:endParaRPr lang="zh-CN" altLang="en-US" sz="1400" dirty="0"/>
+          </a:p>
+        </p:txBody>
+      </p:sp>
+      <p:sp>
+        <p:nvSpPr>
+          <p:cNvPr id="183" name="文本框 182">
+            <a:extLst>
+              <a:ext uri="{FF2B5EF4-FFF2-40B4-BE49-F238E27FC236}">
+                <a16:creationId xmlns:a16="http://schemas.microsoft.com/office/drawing/2014/main" id="{F17CC537-974E-43F4-888D-70FB8963E573}"/>
+              </a:ext>
+            </a:extLst>
+          </p:cNvPr>
+          <p:cNvSpPr txBox="1"/>
+          <p:nvPr/>
+        </p:nvSpPr>
+        <p:spPr>
+          <a:xfrm>
+            <a:off x="4764964" y="1296163"/>
+            <a:ext cx="279244" cy="307777"/>
+          </a:xfrm>
+          <a:prstGeom prst="rect">
+            <a:avLst/>
+          </a:prstGeom>
+          <a:noFill/>
+        </p:spPr>
+        <p:txBody>
+          <a:bodyPr wrap="none" rtlCol="0">
+            <a:spAutoFit/>
+          </a:bodyPr>
+          <a:lstStyle/>
+          <a:p>
+            <a:r>
+              <a:rPr lang="en-US" altLang="zh-CN" sz="1400" dirty="0"/>
+              <a:t>2</a:t>
+            </a:r>
+            <a:endParaRPr lang="zh-CN" altLang="en-US" sz="1400" dirty="0"/>
+          </a:p>
+        </p:txBody>
+      </p:sp>
+      <p:sp>
+        <p:nvSpPr>
+          <p:cNvPr id="184" name="文本框 183">
+            <a:extLst>
+              <a:ext uri="{FF2B5EF4-FFF2-40B4-BE49-F238E27FC236}">
+                <a16:creationId xmlns:a16="http://schemas.microsoft.com/office/drawing/2014/main" id="{6B14E591-47B7-4D18-92BB-2AF2F75D7AED}"/>
+              </a:ext>
+            </a:extLst>
+          </p:cNvPr>
+          <p:cNvSpPr txBox="1"/>
+          <p:nvPr/>
+        </p:nvSpPr>
+        <p:spPr>
+          <a:xfrm>
+            <a:off x="4395541" y="1570424"/>
+            <a:ext cx="279244" cy="307777"/>
+          </a:xfrm>
+          <a:prstGeom prst="rect">
+            <a:avLst/>
+          </a:prstGeom>
+          <a:noFill/>
+        </p:spPr>
+        <p:txBody>
+          <a:bodyPr wrap="none" rtlCol="0">
+            <a:spAutoFit/>
+          </a:bodyPr>
+          <a:lstStyle/>
+          <a:p>
+            <a:r>
+              <a:rPr lang="en-US" altLang="zh-CN" sz="1400" dirty="0"/>
+              <a:t>3</a:t>
+            </a:r>
+            <a:endParaRPr lang="zh-CN" altLang="en-US" sz="1400" dirty="0"/>
+          </a:p>
+        </p:txBody>
+      </p:sp>
+      <p:sp>
+        <p:nvSpPr>
+          <p:cNvPr id="185" name="文本框 184">
+            <a:extLst>
+              <a:ext uri="{FF2B5EF4-FFF2-40B4-BE49-F238E27FC236}">
+                <a16:creationId xmlns:a16="http://schemas.microsoft.com/office/drawing/2014/main" id="{37FDB3F6-38F7-4362-A787-CF282B8EDB0C}"/>
+              </a:ext>
+            </a:extLst>
+          </p:cNvPr>
+          <p:cNvSpPr txBox="1"/>
+          <p:nvPr/>
+        </p:nvSpPr>
+        <p:spPr>
+          <a:xfrm>
+            <a:off x="4786215" y="1849274"/>
+            <a:ext cx="279244" cy="307777"/>
+          </a:xfrm>
+          <a:prstGeom prst="rect">
+            <a:avLst/>
+          </a:prstGeom>
+          <a:noFill/>
+        </p:spPr>
+        <p:txBody>
+          <a:bodyPr wrap="none" rtlCol="0">
+            <a:spAutoFit/>
+          </a:bodyPr>
+          <a:lstStyle/>
+          <a:p>
+            <a:r>
+              <a:rPr lang="en-US" altLang="zh-CN" sz="1400" dirty="0"/>
+              <a:t>4</a:t>
+            </a:r>
+            <a:endParaRPr lang="zh-CN" altLang="en-US" sz="1400" dirty="0"/>
+          </a:p>
+        </p:txBody>
+      </p:sp>
+      <p:sp>
+        <p:nvSpPr>
+          <p:cNvPr id="186" name="文本框 185">
+            <a:extLst>
+              <a:ext uri="{FF2B5EF4-FFF2-40B4-BE49-F238E27FC236}">
+                <a16:creationId xmlns:a16="http://schemas.microsoft.com/office/drawing/2014/main" id="{62741294-9853-4D94-AAA5-50C8EB61D956}"/>
+              </a:ext>
+            </a:extLst>
+          </p:cNvPr>
+          <p:cNvSpPr txBox="1"/>
+          <p:nvPr/>
+        </p:nvSpPr>
+        <p:spPr>
+          <a:xfrm>
+            <a:off x="5791189" y="1274246"/>
+            <a:ext cx="279244" cy="307777"/>
+          </a:xfrm>
+          <a:prstGeom prst="rect">
+            <a:avLst/>
+          </a:prstGeom>
+          <a:noFill/>
+        </p:spPr>
+        <p:txBody>
+          <a:bodyPr wrap="none" rtlCol="0">
+            <a:spAutoFit/>
+          </a:bodyPr>
+          <a:lstStyle/>
+          <a:p>
+            <a:r>
+              <a:rPr lang="en-US" altLang="zh-CN" sz="1400" dirty="0"/>
+              <a:t>1</a:t>
+            </a:r>
+            <a:endParaRPr lang="zh-CN" altLang="en-US" sz="1400" dirty="0"/>
+          </a:p>
+        </p:txBody>
+      </p:sp>
+      <p:sp>
+        <p:nvSpPr>
+          <p:cNvPr id="187" name="文本框 186">
+            <a:extLst>
+              <a:ext uri="{FF2B5EF4-FFF2-40B4-BE49-F238E27FC236}">
+                <a16:creationId xmlns:a16="http://schemas.microsoft.com/office/drawing/2014/main" id="{8D78E922-1CA4-4FEF-9479-B185AF680248}"/>
+              </a:ext>
+            </a:extLst>
+          </p:cNvPr>
+          <p:cNvSpPr txBox="1"/>
+          <p:nvPr/>
+        </p:nvSpPr>
+        <p:spPr>
+          <a:xfrm>
+            <a:off x="5303478" y="1550078"/>
+            <a:ext cx="279244" cy="307777"/>
+          </a:xfrm>
+          <a:prstGeom prst="rect">
+            <a:avLst/>
+          </a:prstGeom>
+          <a:noFill/>
+        </p:spPr>
+        <p:txBody>
+          <a:bodyPr wrap="none" rtlCol="0">
+            <a:spAutoFit/>
+          </a:bodyPr>
+          <a:lstStyle/>
+          <a:p>
+            <a:r>
+              <a:rPr lang="en-US" altLang="zh-CN" sz="1400" dirty="0"/>
+              <a:t>2</a:t>
+            </a:r>
+            <a:endParaRPr lang="zh-CN" altLang="en-US" sz="1400" dirty="0"/>
+          </a:p>
+        </p:txBody>
+      </p:sp>
+      <p:sp>
+        <p:nvSpPr>
+          <p:cNvPr id="188" name="文本框 187">
+            <a:extLst>
+              <a:ext uri="{FF2B5EF4-FFF2-40B4-BE49-F238E27FC236}">
+                <a16:creationId xmlns:a16="http://schemas.microsoft.com/office/drawing/2014/main" id="{65CC13A6-7073-405A-BB02-74FC2933903F}"/>
+              </a:ext>
+            </a:extLst>
+          </p:cNvPr>
+          <p:cNvSpPr txBox="1"/>
+          <p:nvPr/>
+        </p:nvSpPr>
+        <p:spPr>
+          <a:xfrm>
+            <a:off x="5566323" y="1699648"/>
+            <a:ext cx="279244" cy="307777"/>
+          </a:xfrm>
+          <a:prstGeom prst="rect">
+            <a:avLst/>
+          </a:prstGeom>
+          <a:noFill/>
+        </p:spPr>
+        <p:txBody>
+          <a:bodyPr wrap="none" rtlCol="0">
+            <a:spAutoFit/>
+          </a:bodyPr>
+          <a:lstStyle/>
+          <a:p>
+            <a:r>
+              <a:rPr lang="en-US" altLang="zh-CN" sz="1400" dirty="0"/>
+              <a:t>3</a:t>
+            </a:r>
+            <a:endParaRPr lang="zh-CN" altLang="en-US" sz="1400" dirty="0"/>
+          </a:p>
+        </p:txBody>
+      </p:sp>
+      <p:sp>
+        <p:nvSpPr>
+          <p:cNvPr id="189" name="文本框 188">
+            <a:extLst>
+              <a:ext uri="{FF2B5EF4-FFF2-40B4-BE49-F238E27FC236}">
+                <a16:creationId xmlns:a16="http://schemas.microsoft.com/office/drawing/2014/main" id="{1752F906-70CE-42B6-8941-BA020FE4E9F2}"/>
+              </a:ext>
+            </a:extLst>
+          </p:cNvPr>
+          <p:cNvSpPr txBox="1"/>
+          <p:nvPr/>
+        </p:nvSpPr>
+        <p:spPr>
+          <a:xfrm>
+            <a:off x="5824763" y="1577704"/>
+            <a:ext cx="279244" cy="307777"/>
+          </a:xfrm>
+          <a:prstGeom prst="rect">
+            <a:avLst/>
+          </a:prstGeom>
+          <a:noFill/>
+        </p:spPr>
+        <p:txBody>
+          <a:bodyPr wrap="none" rtlCol="0">
+            <a:spAutoFit/>
+          </a:bodyPr>
+          <a:lstStyle/>
+          <a:p>
+            <a:r>
+              <a:rPr lang="en-US" altLang="zh-CN" sz="1400" dirty="0"/>
+              <a:t>4</a:t>
+            </a:r>
+            <a:endParaRPr lang="zh-CN" altLang="en-US" sz="1400" dirty="0"/>
+          </a:p>
+        </p:txBody>
+      </p:sp>
+      <p:sp>
+        <p:nvSpPr>
+          <p:cNvPr id="190" name="文本框 189">
+            <a:extLst>
+              <a:ext uri="{FF2B5EF4-FFF2-40B4-BE49-F238E27FC236}">
+                <a16:creationId xmlns:a16="http://schemas.microsoft.com/office/drawing/2014/main" id="{76E37C80-220B-44F9-91E1-04A3A8716254}"/>
+              </a:ext>
+            </a:extLst>
+          </p:cNvPr>
+          <p:cNvSpPr txBox="1"/>
+          <p:nvPr/>
+        </p:nvSpPr>
+        <p:spPr>
+          <a:xfrm>
+            <a:off x="6605266" y="1279049"/>
+            <a:ext cx="279244" cy="307777"/>
+          </a:xfrm>
+          <a:prstGeom prst="rect">
+            <a:avLst/>
+          </a:prstGeom>
+          <a:noFill/>
+        </p:spPr>
+        <p:txBody>
+          <a:bodyPr wrap="none" rtlCol="0">
+            <a:spAutoFit/>
+          </a:bodyPr>
+          <a:lstStyle/>
+          <a:p>
+            <a:r>
+              <a:rPr lang="en-US" altLang="zh-CN" sz="1400" dirty="0"/>
+              <a:t>1</a:t>
+            </a:r>
+            <a:endParaRPr lang="zh-CN" altLang="en-US" sz="1400" dirty="0"/>
+          </a:p>
+        </p:txBody>
+      </p:sp>
+      <p:sp>
+        <p:nvSpPr>
+          <p:cNvPr id="191" name="文本框 190">
+            <a:extLst>
+              <a:ext uri="{FF2B5EF4-FFF2-40B4-BE49-F238E27FC236}">
+                <a16:creationId xmlns:a16="http://schemas.microsoft.com/office/drawing/2014/main" id="{10C54F7E-AFE5-4CE7-B709-1610F6D95B41}"/>
+              </a:ext>
+            </a:extLst>
+          </p:cNvPr>
+          <p:cNvSpPr txBox="1"/>
+          <p:nvPr/>
+        </p:nvSpPr>
+        <p:spPr>
+          <a:xfrm>
+            <a:off x="6589661" y="1555553"/>
+            <a:ext cx="279244" cy="307777"/>
+          </a:xfrm>
+          <a:prstGeom prst="rect">
+            <a:avLst/>
+          </a:prstGeom>
+          <a:noFill/>
+        </p:spPr>
+        <p:txBody>
+          <a:bodyPr wrap="none" rtlCol="0">
+            <a:spAutoFit/>
+          </a:bodyPr>
+          <a:lstStyle/>
+          <a:p>
+            <a:r>
+              <a:rPr lang="en-US" altLang="zh-CN" sz="1400" dirty="0"/>
+              <a:t>2</a:t>
+            </a:r>
+            <a:endParaRPr lang="zh-CN" altLang="en-US" sz="1400" dirty="0"/>
+          </a:p>
+        </p:txBody>
+      </p:sp>
+      <p:sp>
+        <p:nvSpPr>
+          <p:cNvPr id="192" name="文本框 191">
+            <a:extLst>
+              <a:ext uri="{FF2B5EF4-FFF2-40B4-BE49-F238E27FC236}">
+                <a16:creationId xmlns:a16="http://schemas.microsoft.com/office/drawing/2014/main" id="{60073AC5-8854-472C-9FF5-3B92DDA55986}"/>
+              </a:ext>
+            </a:extLst>
+          </p:cNvPr>
+          <p:cNvSpPr txBox="1"/>
+          <p:nvPr/>
+        </p:nvSpPr>
+        <p:spPr>
+          <a:xfrm>
+            <a:off x="6965885" y="1541497"/>
+            <a:ext cx="279244" cy="307777"/>
+          </a:xfrm>
+          <a:prstGeom prst="rect">
+            <a:avLst/>
+          </a:prstGeom>
+          <a:noFill/>
+        </p:spPr>
+        <p:txBody>
+          <a:bodyPr wrap="none" rtlCol="0">
+            <a:spAutoFit/>
+          </a:bodyPr>
+          <a:lstStyle/>
+          <a:p>
+            <a:r>
+              <a:rPr lang="en-US" altLang="zh-CN" sz="1400" dirty="0"/>
+              <a:t>3</a:t>
+            </a:r>
+            <a:endParaRPr lang="zh-CN" altLang="en-US" sz="1400" dirty="0"/>
+          </a:p>
+        </p:txBody>
+      </p:sp>
+      <p:sp>
+        <p:nvSpPr>
+          <p:cNvPr id="193" name="文本框 192">
+            <a:extLst>
+              <a:ext uri="{FF2B5EF4-FFF2-40B4-BE49-F238E27FC236}">
+                <a16:creationId xmlns:a16="http://schemas.microsoft.com/office/drawing/2014/main" id="{F805BE77-83FF-4CDF-BF4D-B9AFDC0A20A7}"/>
+              </a:ext>
+            </a:extLst>
+          </p:cNvPr>
+          <p:cNvSpPr txBox="1"/>
+          <p:nvPr/>
+        </p:nvSpPr>
+        <p:spPr>
+          <a:xfrm>
+            <a:off x="6634814" y="1847038"/>
+            <a:ext cx="279244" cy="307777"/>
+          </a:xfrm>
+          <a:prstGeom prst="rect">
+            <a:avLst/>
+          </a:prstGeom>
+          <a:noFill/>
+        </p:spPr>
+        <p:txBody>
+          <a:bodyPr wrap="none" rtlCol="0">
+            <a:spAutoFit/>
+          </a:bodyPr>
+          <a:lstStyle/>
+          <a:p>
+            <a:r>
+              <a:rPr lang="en-US" altLang="zh-CN" sz="1400" dirty="0"/>
+              <a:t>4</a:t>
+            </a:r>
+            <a:endParaRPr lang="zh-CN" altLang="en-US" sz="1400" dirty="0"/>
+          </a:p>
+        </p:txBody>
+      </p:sp>
+      <p:sp>
+        <p:nvSpPr>
+          <p:cNvPr id="194" name="文本框 193">
+            <a:extLst>
+              <a:ext uri="{FF2B5EF4-FFF2-40B4-BE49-F238E27FC236}">
+                <a16:creationId xmlns:a16="http://schemas.microsoft.com/office/drawing/2014/main" id="{1EC4A7F5-F3BB-4ACB-995B-6DDDC773FCA7}"/>
+              </a:ext>
+            </a:extLst>
+          </p:cNvPr>
+          <p:cNvSpPr txBox="1"/>
+          <p:nvPr/>
+        </p:nvSpPr>
+        <p:spPr>
+          <a:xfrm>
+            <a:off x="829288" y="2605037"/>
+            <a:ext cx="279244" cy="307777"/>
+          </a:xfrm>
+          <a:prstGeom prst="rect">
+            <a:avLst/>
+          </a:prstGeom>
+          <a:noFill/>
+        </p:spPr>
+        <p:txBody>
+          <a:bodyPr wrap="none" rtlCol="0">
+            <a:spAutoFit/>
+          </a:bodyPr>
+          <a:lstStyle/>
+          <a:p>
+            <a:r>
+              <a:rPr lang="en-US" altLang="zh-CN" sz="1400" dirty="0"/>
+              <a:t>1</a:t>
+            </a:r>
+            <a:endParaRPr lang="zh-CN" altLang="en-US" sz="1400" dirty="0"/>
+          </a:p>
+        </p:txBody>
+      </p:sp>
+      <p:sp>
+        <p:nvSpPr>
+          <p:cNvPr id="195" name="文本框 194">
+            <a:extLst>
+              <a:ext uri="{FF2B5EF4-FFF2-40B4-BE49-F238E27FC236}">
+                <a16:creationId xmlns:a16="http://schemas.microsoft.com/office/drawing/2014/main" id="{AE6C3DB8-3030-437A-AB26-6FA0588768CD}"/>
+              </a:ext>
+            </a:extLst>
+          </p:cNvPr>
+          <p:cNvSpPr txBox="1"/>
+          <p:nvPr/>
+        </p:nvSpPr>
+        <p:spPr>
+          <a:xfrm>
+            <a:off x="461479" y="2953304"/>
+            <a:ext cx="279244" cy="307777"/>
+          </a:xfrm>
+          <a:prstGeom prst="rect">
+            <a:avLst/>
+          </a:prstGeom>
+          <a:noFill/>
+        </p:spPr>
+        <p:txBody>
+          <a:bodyPr wrap="none" rtlCol="0">
+            <a:spAutoFit/>
+          </a:bodyPr>
+          <a:lstStyle/>
+          <a:p>
+            <a:r>
+              <a:rPr lang="en-US" altLang="zh-CN" sz="1400" dirty="0"/>
+              <a:t>2</a:t>
+            </a:r>
+            <a:endParaRPr lang="zh-CN" altLang="en-US" sz="1400" dirty="0"/>
+          </a:p>
+        </p:txBody>
+      </p:sp>
+      <p:sp>
+        <p:nvSpPr>
+          <p:cNvPr id="196" name="文本框 195">
+            <a:extLst>
+              <a:ext uri="{FF2B5EF4-FFF2-40B4-BE49-F238E27FC236}">
+                <a16:creationId xmlns:a16="http://schemas.microsoft.com/office/drawing/2014/main" id="{F3C16701-7DAA-4743-A3CC-A221F3828FCE}"/>
+              </a:ext>
+            </a:extLst>
+          </p:cNvPr>
+          <p:cNvSpPr txBox="1"/>
+          <p:nvPr/>
+        </p:nvSpPr>
+        <p:spPr>
+          <a:xfrm>
+            <a:off x="7332907" y="1593452"/>
+            <a:ext cx="279244" cy="307777"/>
+          </a:xfrm>
+          <a:prstGeom prst="rect">
+            <a:avLst/>
+          </a:prstGeom>
+          <a:noFill/>
+        </p:spPr>
+        <p:txBody>
+          <a:bodyPr wrap="none" rtlCol="0">
+            <a:spAutoFit/>
+          </a:bodyPr>
+          <a:lstStyle/>
+          <a:p>
+            <a:r>
+              <a:rPr lang="en-US" altLang="zh-CN" sz="1400" dirty="0"/>
+              <a:t>1</a:t>
+            </a:r>
+            <a:endParaRPr lang="zh-CN" altLang="en-US" sz="1400" dirty="0"/>
+          </a:p>
+        </p:txBody>
+      </p:sp>
+      <p:sp>
+        <p:nvSpPr>
+          <p:cNvPr id="197" name="文本框 196">
+            <a:extLst>
+              <a:ext uri="{FF2B5EF4-FFF2-40B4-BE49-F238E27FC236}">
+                <a16:creationId xmlns:a16="http://schemas.microsoft.com/office/drawing/2014/main" id="{906C357F-3F80-45AE-9F56-5D132BCDF933}"/>
+              </a:ext>
+            </a:extLst>
+          </p:cNvPr>
+          <p:cNvSpPr txBox="1"/>
+          <p:nvPr/>
+        </p:nvSpPr>
+        <p:spPr>
+          <a:xfrm>
+            <a:off x="7733065" y="1241914"/>
+            <a:ext cx="279244" cy="307777"/>
+          </a:xfrm>
+          <a:prstGeom prst="rect">
+            <a:avLst/>
+          </a:prstGeom>
+          <a:noFill/>
+        </p:spPr>
+        <p:txBody>
+          <a:bodyPr wrap="none" rtlCol="0">
+            <a:spAutoFit/>
+          </a:bodyPr>
+          <a:lstStyle/>
+          <a:p>
+            <a:r>
+              <a:rPr lang="en-US" altLang="zh-CN" sz="1400" dirty="0"/>
+              <a:t>2</a:t>
+            </a:r>
+            <a:endParaRPr lang="zh-CN" altLang="en-US" sz="1400" dirty="0"/>
+          </a:p>
+        </p:txBody>
+      </p:sp>
+      <p:sp>
+        <p:nvSpPr>
+          <p:cNvPr id="199" name="文本框 198">
+            <a:extLst>
+              <a:ext uri="{FF2B5EF4-FFF2-40B4-BE49-F238E27FC236}">
+                <a16:creationId xmlns:a16="http://schemas.microsoft.com/office/drawing/2014/main" id="{6F4C6C5D-FDDE-48E7-AA37-9BAAB9EE55A4}"/>
+              </a:ext>
+            </a:extLst>
+          </p:cNvPr>
+          <p:cNvSpPr txBox="1"/>
+          <p:nvPr/>
+        </p:nvSpPr>
+        <p:spPr>
+          <a:xfrm>
+            <a:off x="7856160" y="1747230"/>
+            <a:ext cx="279244" cy="307777"/>
+          </a:xfrm>
+          <a:prstGeom prst="rect">
+            <a:avLst/>
+          </a:prstGeom>
+          <a:noFill/>
+        </p:spPr>
+        <p:txBody>
+          <a:bodyPr wrap="none" rtlCol="0">
+            <a:spAutoFit/>
+          </a:bodyPr>
+          <a:lstStyle/>
+          <a:p>
+            <a:r>
+              <a:rPr lang="en-US" altLang="zh-CN" sz="1400" dirty="0"/>
+              <a:t>3</a:t>
+            </a:r>
+            <a:endParaRPr lang="zh-CN" altLang="en-US" sz="1400" dirty="0"/>
+          </a:p>
+        </p:txBody>
+      </p:sp>
+      <p:sp>
+        <p:nvSpPr>
+          <p:cNvPr id="200" name="文本框 199">
+            <a:extLst>
+              <a:ext uri="{FF2B5EF4-FFF2-40B4-BE49-F238E27FC236}">
+                <a16:creationId xmlns:a16="http://schemas.microsoft.com/office/drawing/2014/main" id="{F8D831D5-AFC9-46C3-AC81-E50D0DDF76C8}"/>
+              </a:ext>
+            </a:extLst>
+          </p:cNvPr>
+          <p:cNvSpPr txBox="1"/>
+          <p:nvPr/>
+        </p:nvSpPr>
+        <p:spPr>
+          <a:xfrm>
+            <a:off x="8507333" y="1550078"/>
+            <a:ext cx="279244" cy="307777"/>
+          </a:xfrm>
+          <a:prstGeom prst="rect">
+            <a:avLst/>
+          </a:prstGeom>
+          <a:noFill/>
+        </p:spPr>
+        <p:txBody>
+          <a:bodyPr wrap="none" rtlCol="0">
+            <a:spAutoFit/>
+          </a:bodyPr>
+          <a:lstStyle/>
+          <a:p>
+            <a:r>
+              <a:rPr lang="en-US" altLang="zh-CN" sz="1400" dirty="0"/>
+              <a:t>1</a:t>
+            </a:r>
+            <a:endParaRPr lang="zh-CN" altLang="en-US" sz="1400" dirty="0"/>
+          </a:p>
+        </p:txBody>
+      </p:sp>
+      <p:sp>
+        <p:nvSpPr>
+          <p:cNvPr id="201" name="文本框 200">
+            <a:extLst>
+              <a:ext uri="{FF2B5EF4-FFF2-40B4-BE49-F238E27FC236}">
+                <a16:creationId xmlns:a16="http://schemas.microsoft.com/office/drawing/2014/main" id="{642B7A9D-9572-49C4-B423-63B19DAF1540}"/>
+              </a:ext>
+            </a:extLst>
+          </p:cNvPr>
+          <p:cNvSpPr txBox="1"/>
+          <p:nvPr/>
+        </p:nvSpPr>
+        <p:spPr>
+          <a:xfrm>
+            <a:off x="8809611" y="1593452"/>
+            <a:ext cx="279244" cy="307777"/>
+          </a:xfrm>
+          <a:prstGeom prst="rect">
+            <a:avLst/>
+          </a:prstGeom>
+          <a:noFill/>
+        </p:spPr>
+        <p:txBody>
+          <a:bodyPr wrap="none" rtlCol="0">
+            <a:spAutoFit/>
+          </a:bodyPr>
+          <a:lstStyle/>
+          <a:p>
+            <a:r>
+              <a:rPr lang="en-US" altLang="zh-CN" sz="1400" dirty="0"/>
+              <a:t>2</a:t>
+            </a:r>
+            <a:endParaRPr lang="zh-CN" altLang="en-US" sz="1400" dirty="0"/>
+          </a:p>
+        </p:txBody>
+      </p:sp>
+      <p:sp>
+        <p:nvSpPr>
+          <p:cNvPr id="202" name="文本框 201">
+            <a:extLst>
+              <a:ext uri="{FF2B5EF4-FFF2-40B4-BE49-F238E27FC236}">
+                <a16:creationId xmlns:a16="http://schemas.microsoft.com/office/drawing/2014/main" id="{62D097EB-5C36-4BAE-B097-563E7907618F}"/>
+              </a:ext>
+            </a:extLst>
+          </p:cNvPr>
+          <p:cNvSpPr txBox="1"/>
+          <p:nvPr/>
+        </p:nvSpPr>
+        <p:spPr>
+          <a:xfrm>
+            <a:off x="1196525" y="2643549"/>
+            <a:ext cx="279244" cy="307777"/>
+          </a:xfrm>
+          <a:prstGeom prst="rect">
+            <a:avLst/>
+          </a:prstGeom>
+          <a:noFill/>
+        </p:spPr>
+        <p:txBody>
+          <a:bodyPr wrap="none" rtlCol="0">
+            <a:spAutoFit/>
+          </a:bodyPr>
+          <a:lstStyle/>
+          <a:p>
+            <a:r>
+              <a:rPr lang="en-US" altLang="zh-CN" sz="1400" dirty="0"/>
+              <a:t>1</a:t>
+            </a:r>
+            <a:endParaRPr lang="zh-CN" altLang="en-US" sz="1400" dirty="0"/>
+          </a:p>
+        </p:txBody>
+      </p:sp>
+      <p:sp>
+        <p:nvSpPr>
+          <p:cNvPr id="203" name="文本框 202">
+            <a:extLst>
+              <a:ext uri="{FF2B5EF4-FFF2-40B4-BE49-F238E27FC236}">
+                <a16:creationId xmlns:a16="http://schemas.microsoft.com/office/drawing/2014/main" id="{BA80A457-D651-4786-9E8D-B6E182F6C6DF}"/>
+              </a:ext>
+            </a:extLst>
+          </p:cNvPr>
+          <p:cNvSpPr txBox="1"/>
+          <p:nvPr/>
+        </p:nvSpPr>
+        <p:spPr>
+          <a:xfrm>
+            <a:off x="1409089" y="2636836"/>
+            <a:ext cx="279244" cy="307777"/>
+          </a:xfrm>
+          <a:prstGeom prst="rect">
+            <a:avLst/>
+          </a:prstGeom>
+          <a:noFill/>
+        </p:spPr>
+        <p:txBody>
+          <a:bodyPr wrap="none" rtlCol="0">
+            <a:spAutoFit/>
+          </a:bodyPr>
+          <a:lstStyle/>
+          <a:p>
+            <a:r>
+              <a:rPr lang="en-US" altLang="zh-CN" sz="1400" dirty="0"/>
+              <a:t>2</a:t>
+            </a:r>
+            <a:endParaRPr lang="zh-CN" altLang="en-US" sz="1400" dirty="0"/>
+          </a:p>
+        </p:txBody>
+      </p:sp>
+      <p:sp>
+        <p:nvSpPr>
+          <p:cNvPr id="204" name="文本框 203">
+            <a:extLst>
+              <a:ext uri="{FF2B5EF4-FFF2-40B4-BE49-F238E27FC236}">
+                <a16:creationId xmlns:a16="http://schemas.microsoft.com/office/drawing/2014/main" id="{A427577D-E411-44FA-8B2F-6EAC493E9078}"/>
+              </a:ext>
+            </a:extLst>
+          </p:cNvPr>
+          <p:cNvSpPr txBox="1"/>
+          <p:nvPr/>
+        </p:nvSpPr>
+        <p:spPr>
+          <a:xfrm>
+            <a:off x="1909879" y="2592500"/>
+            <a:ext cx="279244" cy="307777"/>
+          </a:xfrm>
+          <a:prstGeom prst="rect">
+            <a:avLst/>
+          </a:prstGeom>
+          <a:noFill/>
+        </p:spPr>
+        <p:txBody>
+          <a:bodyPr wrap="none" rtlCol="0">
+            <a:spAutoFit/>
+          </a:bodyPr>
+          <a:lstStyle/>
+          <a:p>
+            <a:r>
+              <a:rPr lang="en-US" altLang="zh-CN" sz="1400" dirty="0"/>
+              <a:t>3</a:t>
+            </a:r>
+            <a:endParaRPr lang="zh-CN" altLang="en-US" sz="1400" dirty="0"/>
+          </a:p>
+        </p:txBody>
+      </p:sp>
+      <p:sp>
+        <p:nvSpPr>
+          <p:cNvPr id="205" name="文本框 204">
+            <a:extLst>
+              <a:ext uri="{FF2B5EF4-FFF2-40B4-BE49-F238E27FC236}">
+                <a16:creationId xmlns:a16="http://schemas.microsoft.com/office/drawing/2014/main" id="{28FF89D3-868D-4673-A0CE-173B76700454}"/>
+              </a:ext>
+            </a:extLst>
+          </p:cNvPr>
+          <p:cNvSpPr txBox="1"/>
+          <p:nvPr/>
+        </p:nvSpPr>
+        <p:spPr>
+          <a:xfrm>
+            <a:off x="1947565" y="3080601"/>
+            <a:ext cx="279244" cy="307777"/>
+          </a:xfrm>
+          <a:prstGeom prst="rect">
+            <a:avLst/>
+          </a:prstGeom>
+          <a:noFill/>
+        </p:spPr>
+        <p:txBody>
+          <a:bodyPr wrap="none" rtlCol="0">
+            <a:spAutoFit/>
+          </a:bodyPr>
+          <a:lstStyle/>
+          <a:p>
+            <a:r>
+              <a:rPr lang="en-US" altLang="zh-CN" sz="1400" dirty="0"/>
+              <a:t>4</a:t>
+            </a:r>
+            <a:endParaRPr lang="zh-CN" altLang="en-US" sz="1400" dirty="0"/>
+          </a:p>
+        </p:txBody>
+      </p:sp>
+      <p:sp>
+        <p:nvSpPr>
+          <p:cNvPr id="207" name="文本框 206">
+            <a:extLst>
+              <a:ext uri="{FF2B5EF4-FFF2-40B4-BE49-F238E27FC236}">
+                <a16:creationId xmlns:a16="http://schemas.microsoft.com/office/drawing/2014/main" id="{886C83BA-C8AD-4B4C-A170-F5679315B6BF}"/>
+              </a:ext>
+            </a:extLst>
+          </p:cNvPr>
+          <p:cNvSpPr txBox="1"/>
+          <p:nvPr/>
+        </p:nvSpPr>
+        <p:spPr>
+          <a:xfrm>
+            <a:off x="2634441" y="2638799"/>
+            <a:ext cx="279244" cy="307777"/>
+          </a:xfrm>
+          <a:prstGeom prst="rect">
+            <a:avLst/>
+          </a:prstGeom>
+          <a:noFill/>
+        </p:spPr>
+        <p:txBody>
+          <a:bodyPr wrap="none" rtlCol="0">
+            <a:spAutoFit/>
+          </a:bodyPr>
+          <a:lstStyle/>
+          <a:p>
+            <a:r>
+              <a:rPr lang="en-US" altLang="zh-CN" sz="1400" dirty="0"/>
+              <a:t>1</a:t>
+            </a:r>
+            <a:endParaRPr lang="zh-CN" altLang="en-US" sz="1400" dirty="0"/>
+          </a:p>
+        </p:txBody>
+      </p:sp>
+      <p:sp>
+        <p:nvSpPr>
+          <p:cNvPr id="208" name="文本框 207">
+            <a:extLst>
+              <a:ext uri="{FF2B5EF4-FFF2-40B4-BE49-F238E27FC236}">
+                <a16:creationId xmlns:a16="http://schemas.microsoft.com/office/drawing/2014/main" id="{CF704738-E799-4508-8E97-44CC10923EF0}"/>
+              </a:ext>
+            </a:extLst>
+          </p:cNvPr>
+          <p:cNvSpPr txBox="1"/>
+          <p:nvPr/>
+        </p:nvSpPr>
+        <p:spPr>
+          <a:xfrm>
+            <a:off x="3278474" y="2662778"/>
+            <a:ext cx="279244" cy="307777"/>
+          </a:xfrm>
+          <a:prstGeom prst="rect">
+            <a:avLst/>
+          </a:prstGeom>
+          <a:noFill/>
+        </p:spPr>
+        <p:txBody>
+          <a:bodyPr wrap="none" rtlCol="0">
+            <a:spAutoFit/>
+          </a:bodyPr>
+          <a:lstStyle/>
+          <a:p>
+            <a:r>
+              <a:rPr lang="en-US" altLang="zh-CN" sz="1400" dirty="0"/>
+              <a:t>1</a:t>
+            </a:r>
+            <a:endParaRPr lang="zh-CN" altLang="en-US" sz="1400" dirty="0"/>
+          </a:p>
+        </p:txBody>
+      </p:sp>
+      <p:sp>
+        <p:nvSpPr>
+          <p:cNvPr id="211" name="文本框 210">
+            <a:extLst>
+              <a:ext uri="{FF2B5EF4-FFF2-40B4-BE49-F238E27FC236}">
+                <a16:creationId xmlns:a16="http://schemas.microsoft.com/office/drawing/2014/main" id="{CF105B14-366A-478B-9FB1-05C4B6BF5172}"/>
+              </a:ext>
+            </a:extLst>
+          </p:cNvPr>
+          <p:cNvSpPr txBox="1"/>
+          <p:nvPr/>
+        </p:nvSpPr>
+        <p:spPr>
+          <a:xfrm>
+            <a:off x="3488945" y="2367326"/>
+            <a:ext cx="279244" cy="307777"/>
+          </a:xfrm>
+          <a:prstGeom prst="rect">
+            <a:avLst/>
+          </a:prstGeom>
+          <a:noFill/>
+        </p:spPr>
+        <p:txBody>
+          <a:bodyPr wrap="none" rtlCol="0">
+            <a:spAutoFit/>
+          </a:bodyPr>
+          <a:lstStyle/>
+          <a:p>
+            <a:r>
+              <a:rPr lang="en-US" altLang="zh-CN" sz="1400" dirty="0"/>
+              <a:t>2</a:t>
+            </a:r>
+            <a:endParaRPr lang="zh-CN" altLang="en-US" sz="1400" dirty="0"/>
+          </a:p>
+        </p:txBody>
+      </p:sp>
+      <p:sp>
+        <p:nvSpPr>
+          <p:cNvPr id="212" name="文本框 211">
+            <a:extLst>
+              <a:ext uri="{FF2B5EF4-FFF2-40B4-BE49-F238E27FC236}">
+                <a16:creationId xmlns:a16="http://schemas.microsoft.com/office/drawing/2014/main" id="{0DBF63B0-72F7-4C50-ACEA-2F95BD5F036E}"/>
+              </a:ext>
+            </a:extLst>
+          </p:cNvPr>
+          <p:cNvSpPr txBox="1"/>
+          <p:nvPr/>
+        </p:nvSpPr>
+        <p:spPr>
+          <a:xfrm>
+            <a:off x="3601896" y="3006288"/>
+            <a:ext cx="279244" cy="307777"/>
+          </a:xfrm>
+          <a:prstGeom prst="rect">
+            <a:avLst/>
+          </a:prstGeom>
+          <a:noFill/>
+        </p:spPr>
+        <p:txBody>
+          <a:bodyPr wrap="none" rtlCol="0">
+            <a:spAutoFit/>
+          </a:bodyPr>
+          <a:lstStyle/>
+          <a:p>
+            <a:r>
+              <a:rPr lang="en-US" altLang="zh-CN" sz="1400" dirty="0"/>
+              <a:t>3</a:t>
+            </a:r>
+            <a:endParaRPr lang="zh-CN" altLang="en-US" sz="1400" dirty="0"/>
+          </a:p>
+        </p:txBody>
+      </p:sp>
+      <p:sp>
+        <p:nvSpPr>
+          <p:cNvPr id="213" name="文本框 212">
+            <a:extLst>
+              <a:ext uri="{FF2B5EF4-FFF2-40B4-BE49-F238E27FC236}">
+                <a16:creationId xmlns:a16="http://schemas.microsoft.com/office/drawing/2014/main" id="{0133EB6E-68D4-4F70-8322-3FEED62DF272}"/>
+              </a:ext>
+            </a:extLst>
+          </p:cNvPr>
+          <p:cNvSpPr txBox="1"/>
+          <p:nvPr/>
+        </p:nvSpPr>
+        <p:spPr>
+          <a:xfrm>
+            <a:off x="3709868" y="2363121"/>
+            <a:ext cx="279244" cy="307777"/>
+          </a:xfrm>
+          <a:prstGeom prst="rect">
+            <a:avLst/>
+          </a:prstGeom>
+          <a:noFill/>
+        </p:spPr>
+        <p:txBody>
+          <a:bodyPr wrap="none" rtlCol="0">
+            <a:spAutoFit/>
+          </a:bodyPr>
+          <a:lstStyle/>
+          <a:p>
+            <a:r>
+              <a:rPr lang="en-US" altLang="zh-CN" sz="1400" dirty="0"/>
+              <a:t>4</a:t>
+            </a:r>
+            <a:endParaRPr lang="zh-CN" altLang="en-US" sz="1400" dirty="0"/>
+          </a:p>
+        </p:txBody>
+      </p:sp>
+      <p:sp>
+        <p:nvSpPr>
+          <p:cNvPr id="214" name="文本框 213">
+            <a:extLst>
+              <a:ext uri="{FF2B5EF4-FFF2-40B4-BE49-F238E27FC236}">
+                <a16:creationId xmlns:a16="http://schemas.microsoft.com/office/drawing/2014/main" id="{F5991827-6F5E-4ACC-A0A6-D0FDD547281A}"/>
+              </a:ext>
+            </a:extLst>
+          </p:cNvPr>
+          <p:cNvSpPr txBox="1"/>
+          <p:nvPr/>
+        </p:nvSpPr>
+        <p:spPr>
+          <a:xfrm>
+            <a:off x="3894973" y="2931043"/>
+            <a:ext cx="279244" cy="307777"/>
+          </a:xfrm>
+          <a:prstGeom prst="rect">
+            <a:avLst/>
+          </a:prstGeom>
+          <a:noFill/>
+        </p:spPr>
+        <p:txBody>
+          <a:bodyPr wrap="none" rtlCol="0">
+            <a:spAutoFit/>
+          </a:bodyPr>
+          <a:lstStyle/>
+          <a:p>
+            <a:r>
+              <a:rPr lang="en-US" altLang="zh-CN" sz="1400" dirty="0"/>
+              <a:t>5</a:t>
+            </a:r>
+            <a:endParaRPr lang="zh-CN" altLang="en-US" sz="1400" dirty="0"/>
+          </a:p>
+        </p:txBody>
+      </p:sp>
+      <p:sp>
+        <p:nvSpPr>
+          <p:cNvPr id="215" name="文本框 214">
+            <a:extLst>
+              <a:ext uri="{FF2B5EF4-FFF2-40B4-BE49-F238E27FC236}">
+                <a16:creationId xmlns:a16="http://schemas.microsoft.com/office/drawing/2014/main" id="{4991FE23-7EBA-4829-89CE-E75252F3D186}"/>
+              </a:ext>
+            </a:extLst>
+          </p:cNvPr>
+          <p:cNvSpPr txBox="1"/>
+          <p:nvPr/>
+        </p:nvSpPr>
+        <p:spPr>
+          <a:xfrm>
+            <a:off x="4397062" y="2645489"/>
+            <a:ext cx="279244" cy="307777"/>
+          </a:xfrm>
+          <a:prstGeom prst="rect">
+            <a:avLst/>
+          </a:prstGeom>
+          <a:noFill/>
+        </p:spPr>
+        <p:txBody>
+          <a:bodyPr wrap="none" rtlCol="0">
+            <a:spAutoFit/>
+          </a:bodyPr>
+          <a:lstStyle/>
+          <a:p>
+            <a:r>
+              <a:rPr lang="en-US" altLang="zh-CN" sz="1400" dirty="0"/>
+              <a:t>1</a:t>
+            </a:r>
+            <a:endParaRPr lang="zh-CN" altLang="en-US" sz="1400" dirty="0"/>
+          </a:p>
+        </p:txBody>
+      </p:sp>
+      <p:sp>
+        <p:nvSpPr>
+          <p:cNvPr id="216" name="文本框 215">
+            <a:extLst>
+              <a:ext uri="{FF2B5EF4-FFF2-40B4-BE49-F238E27FC236}">
+                <a16:creationId xmlns:a16="http://schemas.microsoft.com/office/drawing/2014/main" id="{17617C31-03E7-4829-92E2-4034468544B0}"/>
+              </a:ext>
+            </a:extLst>
+          </p:cNvPr>
+          <p:cNvSpPr txBox="1"/>
+          <p:nvPr/>
+        </p:nvSpPr>
+        <p:spPr>
+          <a:xfrm>
+            <a:off x="4633053" y="2365925"/>
+            <a:ext cx="279244" cy="307777"/>
+          </a:xfrm>
+          <a:prstGeom prst="rect">
+            <a:avLst/>
+          </a:prstGeom>
+          <a:noFill/>
+        </p:spPr>
+        <p:txBody>
+          <a:bodyPr wrap="none" rtlCol="0">
+            <a:spAutoFit/>
+          </a:bodyPr>
+          <a:lstStyle/>
+          <a:p>
+            <a:r>
+              <a:rPr lang="en-US" altLang="zh-CN" sz="1400" dirty="0"/>
+              <a:t>2</a:t>
+            </a:r>
+            <a:endParaRPr lang="zh-CN" altLang="en-US" sz="1400" dirty="0"/>
+          </a:p>
+        </p:txBody>
+      </p:sp>
+      <p:sp>
+        <p:nvSpPr>
+          <p:cNvPr id="217" name="文本框 216">
+            <a:extLst>
+              <a:ext uri="{FF2B5EF4-FFF2-40B4-BE49-F238E27FC236}">
+                <a16:creationId xmlns:a16="http://schemas.microsoft.com/office/drawing/2014/main" id="{6F4FFB17-6B3A-4B79-87CB-2DFCE7058CC3}"/>
+              </a:ext>
+            </a:extLst>
+          </p:cNvPr>
+          <p:cNvSpPr txBox="1"/>
+          <p:nvPr/>
+        </p:nvSpPr>
+        <p:spPr>
+          <a:xfrm>
+            <a:off x="4854404" y="2628220"/>
+            <a:ext cx="279244" cy="307777"/>
+          </a:xfrm>
+          <a:prstGeom prst="rect">
+            <a:avLst/>
+          </a:prstGeom>
+          <a:noFill/>
+        </p:spPr>
+        <p:txBody>
+          <a:bodyPr wrap="none" rtlCol="0">
+            <a:spAutoFit/>
+          </a:bodyPr>
+          <a:lstStyle/>
+          <a:p>
+            <a:r>
+              <a:rPr lang="en-US" altLang="zh-CN" sz="1400" dirty="0"/>
+              <a:t>3</a:t>
+            </a:r>
+            <a:endParaRPr lang="zh-CN" altLang="en-US" sz="1400" dirty="0"/>
+          </a:p>
+        </p:txBody>
+      </p:sp>
+      <p:sp>
+        <p:nvSpPr>
+          <p:cNvPr id="218" name="文本框 217">
+            <a:extLst>
+              <a:ext uri="{FF2B5EF4-FFF2-40B4-BE49-F238E27FC236}">
+                <a16:creationId xmlns:a16="http://schemas.microsoft.com/office/drawing/2014/main" id="{B0553EBA-B828-45CF-B26D-0CF260EBBAA2}"/>
+              </a:ext>
+            </a:extLst>
+          </p:cNvPr>
+          <p:cNvSpPr txBox="1"/>
+          <p:nvPr/>
+        </p:nvSpPr>
+        <p:spPr>
+          <a:xfrm>
+            <a:off x="5640997" y="2411174"/>
+            <a:ext cx="279244" cy="307777"/>
+          </a:xfrm>
+          <a:prstGeom prst="rect">
+            <a:avLst/>
+          </a:prstGeom>
+          <a:noFill/>
+        </p:spPr>
+        <p:txBody>
+          <a:bodyPr wrap="none" rtlCol="0">
+            <a:spAutoFit/>
+          </a:bodyPr>
+          <a:lstStyle/>
+          <a:p>
+            <a:r>
+              <a:rPr lang="en-US" altLang="zh-CN" sz="1400" dirty="0"/>
+              <a:t>1</a:t>
+            </a:r>
+            <a:endParaRPr lang="zh-CN" altLang="en-US" sz="1400" dirty="0"/>
+          </a:p>
+        </p:txBody>
+      </p:sp>
+      <p:sp>
+        <p:nvSpPr>
+          <p:cNvPr id="219" name="文本框 218">
+            <a:extLst>
+              <a:ext uri="{FF2B5EF4-FFF2-40B4-BE49-F238E27FC236}">
+                <a16:creationId xmlns:a16="http://schemas.microsoft.com/office/drawing/2014/main" id="{CB4F79AF-0F5D-4985-820E-3B3047493450}"/>
+              </a:ext>
+            </a:extLst>
+          </p:cNvPr>
+          <p:cNvSpPr txBox="1"/>
+          <p:nvPr/>
+        </p:nvSpPr>
+        <p:spPr>
+          <a:xfrm>
+            <a:off x="5441270" y="2894972"/>
+            <a:ext cx="279244" cy="307777"/>
+          </a:xfrm>
+          <a:prstGeom prst="rect">
+            <a:avLst/>
+          </a:prstGeom>
+          <a:noFill/>
+        </p:spPr>
+        <p:txBody>
+          <a:bodyPr wrap="none" rtlCol="0">
+            <a:spAutoFit/>
+          </a:bodyPr>
+          <a:lstStyle/>
+          <a:p>
+            <a:r>
+              <a:rPr lang="en-US" altLang="zh-CN" sz="1400" dirty="0"/>
+              <a:t>2</a:t>
+            </a:r>
+            <a:endParaRPr lang="zh-CN" altLang="en-US" sz="1400" dirty="0"/>
+          </a:p>
+        </p:txBody>
+      </p:sp>
+      <p:sp>
+        <p:nvSpPr>
+          <p:cNvPr id="220" name="文本框 219">
+            <a:extLst>
+              <a:ext uri="{FF2B5EF4-FFF2-40B4-BE49-F238E27FC236}">
+                <a16:creationId xmlns:a16="http://schemas.microsoft.com/office/drawing/2014/main" id="{091179AB-D062-422B-B728-A5038D5B7453}"/>
+              </a:ext>
+            </a:extLst>
+          </p:cNvPr>
+          <p:cNvSpPr txBox="1"/>
+          <p:nvPr/>
+        </p:nvSpPr>
+        <p:spPr>
+          <a:xfrm>
+            <a:off x="5867151" y="2713148"/>
+            <a:ext cx="279244" cy="307777"/>
+          </a:xfrm>
+          <a:prstGeom prst="rect">
+            <a:avLst/>
+          </a:prstGeom>
+          <a:noFill/>
+        </p:spPr>
+        <p:txBody>
+          <a:bodyPr wrap="square" rtlCol="0">
+            <a:spAutoFit/>
+          </a:bodyPr>
+          <a:lstStyle/>
+          <a:p>
+            <a:r>
+              <a:rPr lang="en-US" altLang="zh-CN" sz="1400" dirty="0"/>
+              <a:t>3</a:t>
+            </a:r>
+            <a:endParaRPr lang="zh-CN" altLang="en-US" sz="1400" dirty="0"/>
+          </a:p>
+        </p:txBody>
+      </p:sp>
+      <p:sp>
+        <p:nvSpPr>
+          <p:cNvPr id="222" name="文本框 221">
+            <a:extLst>
+              <a:ext uri="{FF2B5EF4-FFF2-40B4-BE49-F238E27FC236}">
+                <a16:creationId xmlns:a16="http://schemas.microsoft.com/office/drawing/2014/main" id="{3C732F26-03A9-413C-9032-73622FB88B88}"/>
+              </a:ext>
+            </a:extLst>
+          </p:cNvPr>
+          <p:cNvSpPr txBox="1"/>
+          <p:nvPr/>
+        </p:nvSpPr>
+        <p:spPr>
+          <a:xfrm>
+            <a:off x="6259975" y="2716525"/>
+            <a:ext cx="279244" cy="307777"/>
+          </a:xfrm>
+          <a:prstGeom prst="rect">
+            <a:avLst/>
+          </a:prstGeom>
+          <a:noFill/>
+        </p:spPr>
+        <p:txBody>
+          <a:bodyPr wrap="none" rtlCol="0">
+            <a:spAutoFit/>
+          </a:bodyPr>
+          <a:lstStyle/>
+          <a:p>
+            <a:r>
+              <a:rPr lang="en-US" altLang="zh-CN" sz="1400" dirty="0"/>
+              <a:t>1</a:t>
+            </a:r>
+            <a:endParaRPr lang="zh-CN" altLang="en-US" sz="1400" dirty="0"/>
+          </a:p>
+        </p:txBody>
+      </p:sp>
+      <p:sp>
+        <p:nvSpPr>
+          <p:cNvPr id="223" name="文本框 222">
+            <a:extLst>
+              <a:ext uri="{FF2B5EF4-FFF2-40B4-BE49-F238E27FC236}">
+                <a16:creationId xmlns:a16="http://schemas.microsoft.com/office/drawing/2014/main" id="{AF1256F6-0192-4034-A331-FDB89DABC8D3}"/>
+              </a:ext>
+            </a:extLst>
+          </p:cNvPr>
+          <p:cNvSpPr txBox="1"/>
+          <p:nvPr/>
+        </p:nvSpPr>
+        <p:spPr>
+          <a:xfrm>
+            <a:off x="6424900" y="2402184"/>
+            <a:ext cx="279244" cy="307777"/>
+          </a:xfrm>
+          <a:prstGeom prst="rect">
+            <a:avLst/>
+          </a:prstGeom>
+          <a:noFill/>
+        </p:spPr>
+        <p:txBody>
+          <a:bodyPr wrap="none" rtlCol="0">
+            <a:spAutoFit/>
+          </a:bodyPr>
+          <a:lstStyle/>
+          <a:p>
+            <a:r>
+              <a:rPr lang="en-US" altLang="zh-CN" sz="1400" dirty="0"/>
+              <a:t>2</a:t>
+            </a:r>
+            <a:endParaRPr lang="zh-CN" altLang="en-US" sz="1400" dirty="0"/>
+          </a:p>
+        </p:txBody>
+      </p:sp>
+      <p:sp>
+        <p:nvSpPr>
+          <p:cNvPr id="224" name="文本框 223">
+            <a:extLst>
+              <a:ext uri="{FF2B5EF4-FFF2-40B4-BE49-F238E27FC236}">
+                <a16:creationId xmlns:a16="http://schemas.microsoft.com/office/drawing/2014/main" id="{52254840-4EDE-45E1-B0A4-092093F0AE76}"/>
+              </a:ext>
+            </a:extLst>
+          </p:cNvPr>
+          <p:cNvSpPr txBox="1"/>
+          <p:nvPr/>
+        </p:nvSpPr>
+        <p:spPr>
+          <a:xfrm>
+            <a:off x="6712645" y="2415281"/>
+            <a:ext cx="279244" cy="307777"/>
+          </a:xfrm>
+          <a:prstGeom prst="rect">
+            <a:avLst/>
+          </a:prstGeom>
+          <a:noFill/>
+        </p:spPr>
+        <p:txBody>
+          <a:bodyPr wrap="none" rtlCol="0">
+            <a:spAutoFit/>
+          </a:bodyPr>
+          <a:lstStyle/>
+          <a:p>
+            <a:r>
+              <a:rPr lang="en-US" altLang="zh-CN" sz="1400" dirty="0"/>
+              <a:t>3</a:t>
+            </a:r>
+            <a:endParaRPr lang="zh-CN" altLang="en-US" sz="1400" dirty="0"/>
+          </a:p>
+        </p:txBody>
+      </p:sp>
+      <p:sp>
+        <p:nvSpPr>
+          <p:cNvPr id="225" name="文本框 224">
+            <a:extLst>
+              <a:ext uri="{FF2B5EF4-FFF2-40B4-BE49-F238E27FC236}">
+                <a16:creationId xmlns:a16="http://schemas.microsoft.com/office/drawing/2014/main" id="{E0A82336-ADA2-4479-BC66-9E5886B6FB56}"/>
+              </a:ext>
+            </a:extLst>
+          </p:cNvPr>
+          <p:cNvSpPr txBox="1"/>
+          <p:nvPr/>
+        </p:nvSpPr>
+        <p:spPr>
+          <a:xfrm>
+            <a:off x="6918168" y="2894118"/>
+            <a:ext cx="279244" cy="307777"/>
+          </a:xfrm>
+          <a:prstGeom prst="rect">
+            <a:avLst/>
+          </a:prstGeom>
+          <a:noFill/>
+        </p:spPr>
+        <p:txBody>
+          <a:bodyPr wrap="none" rtlCol="0">
+            <a:spAutoFit/>
+          </a:bodyPr>
+          <a:lstStyle/>
+          <a:p>
+            <a:r>
+              <a:rPr lang="en-US" altLang="zh-CN" sz="1400" dirty="0"/>
+              <a:t>4</a:t>
+            </a:r>
+            <a:endParaRPr lang="zh-CN" altLang="en-US" sz="1400" dirty="0"/>
+          </a:p>
+        </p:txBody>
+      </p:sp>
+      <p:sp>
+        <p:nvSpPr>
+          <p:cNvPr id="227" name="文本框 226">
+            <a:extLst>
+              <a:ext uri="{FF2B5EF4-FFF2-40B4-BE49-F238E27FC236}">
+                <a16:creationId xmlns:a16="http://schemas.microsoft.com/office/drawing/2014/main" id="{93E76F20-C6C6-41C5-BD5E-5AB3198E8A72}"/>
+              </a:ext>
+            </a:extLst>
+          </p:cNvPr>
+          <p:cNvSpPr txBox="1"/>
+          <p:nvPr/>
+        </p:nvSpPr>
+        <p:spPr>
+          <a:xfrm>
+            <a:off x="7706532" y="2364200"/>
+            <a:ext cx="279244" cy="307777"/>
+          </a:xfrm>
+          <a:prstGeom prst="rect">
+            <a:avLst/>
+          </a:prstGeom>
+          <a:noFill/>
+        </p:spPr>
+        <p:txBody>
+          <a:bodyPr wrap="none" rtlCol="0">
+            <a:spAutoFit/>
+          </a:bodyPr>
+          <a:lstStyle/>
+          <a:p>
+            <a:r>
+              <a:rPr lang="en-US" altLang="zh-CN" sz="1400" dirty="0"/>
+              <a:t>1</a:t>
+            </a:r>
+            <a:endParaRPr lang="zh-CN" altLang="en-US" sz="1400" dirty="0"/>
+          </a:p>
+        </p:txBody>
+      </p:sp>
+      <p:sp>
+        <p:nvSpPr>
+          <p:cNvPr id="228" name="文本框 227">
+            <a:extLst>
+              <a:ext uri="{FF2B5EF4-FFF2-40B4-BE49-F238E27FC236}">
+                <a16:creationId xmlns:a16="http://schemas.microsoft.com/office/drawing/2014/main" id="{21409155-829C-474F-9A61-F957D59D11A4}"/>
+              </a:ext>
+            </a:extLst>
+          </p:cNvPr>
+          <p:cNvSpPr txBox="1"/>
+          <p:nvPr/>
+        </p:nvSpPr>
+        <p:spPr>
+          <a:xfrm>
+            <a:off x="7316238" y="2571224"/>
+            <a:ext cx="279244" cy="307777"/>
+          </a:xfrm>
+          <a:prstGeom prst="rect">
+            <a:avLst/>
+          </a:prstGeom>
+          <a:noFill/>
+        </p:spPr>
+        <p:txBody>
+          <a:bodyPr wrap="none" rtlCol="0">
+            <a:spAutoFit/>
+          </a:bodyPr>
+          <a:lstStyle/>
+          <a:p>
+            <a:r>
+              <a:rPr lang="en-US" altLang="zh-CN" sz="1400" dirty="0"/>
+              <a:t>2</a:t>
+            </a:r>
+            <a:endParaRPr lang="zh-CN" altLang="en-US" sz="1400" dirty="0"/>
+          </a:p>
+        </p:txBody>
+      </p:sp>
+      <p:sp>
+        <p:nvSpPr>
+          <p:cNvPr id="229" name="文本框 228">
+            <a:extLst>
+              <a:ext uri="{FF2B5EF4-FFF2-40B4-BE49-F238E27FC236}">
+                <a16:creationId xmlns:a16="http://schemas.microsoft.com/office/drawing/2014/main" id="{38CF38DD-36B4-4915-8826-9C1C88911DF2}"/>
+              </a:ext>
+            </a:extLst>
+          </p:cNvPr>
+          <p:cNvSpPr txBox="1"/>
+          <p:nvPr/>
+        </p:nvSpPr>
+        <p:spPr>
+          <a:xfrm>
+            <a:off x="7664848" y="2816666"/>
+            <a:ext cx="279244" cy="307777"/>
+          </a:xfrm>
+          <a:prstGeom prst="rect">
+            <a:avLst/>
+          </a:prstGeom>
+          <a:noFill/>
+        </p:spPr>
+        <p:txBody>
+          <a:bodyPr wrap="none" rtlCol="0">
+            <a:spAutoFit/>
+          </a:bodyPr>
+          <a:lstStyle/>
+          <a:p>
+            <a:r>
+              <a:rPr lang="en-US" altLang="zh-CN" sz="1400" dirty="0"/>
+              <a:t>3</a:t>
+            </a:r>
+            <a:endParaRPr lang="zh-CN" altLang="en-US" sz="1400" dirty="0"/>
+          </a:p>
+        </p:txBody>
+      </p:sp>
+      <p:sp>
+        <p:nvSpPr>
+          <p:cNvPr id="230" name="文本框 229">
+            <a:extLst>
+              <a:ext uri="{FF2B5EF4-FFF2-40B4-BE49-F238E27FC236}">
+                <a16:creationId xmlns:a16="http://schemas.microsoft.com/office/drawing/2014/main" id="{F6B20842-716A-4CA3-AC2E-E2440A384135}"/>
+              </a:ext>
+            </a:extLst>
+          </p:cNvPr>
+          <p:cNvSpPr txBox="1"/>
+          <p:nvPr/>
+        </p:nvSpPr>
+        <p:spPr>
+          <a:xfrm>
+            <a:off x="8083276" y="2777154"/>
+            <a:ext cx="279244" cy="307777"/>
+          </a:xfrm>
+          <a:prstGeom prst="rect">
+            <a:avLst/>
+          </a:prstGeom>
+          <a:noFill/>
+        </p:spPr>
+        <p:txBody>
+          <a:bodyPr wrap="none" rtlCol="0">
+            <a:spAutoFit/>
+          </a:bodyPr>
+          <a:lstStyle/>
+          <a:p>
+            <a:r>
+              <a:rPr lang="en-US" altLang="zh-CN" sz="1400" dirty="0"/>
+              <a:t>4</a:t>
+            </a:r>
+            <a:endParaRPr lang="zh-CN" altLang="en-US" sz="1400" dirty="0"/>
+          </a:p>
+        </p:txBody>
+      </p:sp>
+      <p:sp>
+        <p:nvSpPr>
+          <p:cNvPr id="231" name="文本框 230">
+            <a:extLst>
+              <a:ext uri="{FF2B5EF4-FFF2-40B4-BE49-F238E27FC236}">
+                <a16:creationId xmlns:a16="http://schemas.microsoft.com/office/drawing/2014/main" id="{1123EB37-0E3F-47DF-9C7D-92F66FC2DFA8}"/>
+              </a:ext>
+            </a:extLst>
+          </p:cNvPr>
+          <p:cNvSpPr txBox="1"/>
+          <p:nvPr/>
+        </p:nvSpPr>
+        <p:spPr>
+          <a:xfrm>
+            <a:off x="8389778" y="2597617"/>
+            <a:ext cx="279244" cy="307777"/>
+          </a:xfrm>
+          <a:prstGeom prst="rect">
+            <a:avLst/>
+          </a:prstGeom>
+          <a:noFill/>
+        </p:spPr>
+        <p:txBody>
+          <a:bodyPr wrap="none" rtlCol="0">
+            <a:spAutoFit/>
+          </a:bodyPr>
+          <a:lstStyle/>
+          <a:p>
+            <a:r>
+              <a:rPr lang="en-US" altLang="zh-CN" sz="1400" dirty="0"/>
+              <a:t>1</a:t>
+            </a:r>
+            <a:endParaRPr lang="zh-CN" altLang="en-US" sz="1400" dirty="0"/>
+          </a:p>
+        </p:txBody>
+      </p:sp>
+      <p:sp>
+        <p:nvSpPr>
+          <p:cNvPr id="232" name="文本框 231">
+            <a:extLst>
+              <a:ext uri="{FF2B5EF4-FFF2-40B4-BE49-F238E27FC236}">
+                <a16:creationId xmlns:a16="http://schemas.microsoft.com/office/drawing/2014/main" id="{9DFFE362-64A3-488E-A857-23D0B24B0F73}"/>
+              </a:ext>
+            </a:extLst>
+          </p:cNvPr>
+          <p:cNvSpPr txBox="1"/>
+          <p:nvPr/>
+        </p:nvSpPr>
+        <p:spPr>
+          <a:xfrm>
+            <a:off x="8626900" y="2717798"/>
+            <a:ext cx="279244" cy="307777"/>
+          </a:xfrm>
+          <a:prstGeom prst="rect">
+            <a:avLst/>
+          </a:prstGeom>
+          <a:noFill/>
+        </p:spPr>
+        <p:txBody>
+          <a:bodyPr wrap="none" rtlCol="0">
+            <a:spAutoFit/>
+          </a:bodyPr>
+          <a:lstStyle/>
+          <a:p>
+            <a:r>
+              <a:rPr lang="en-US" altLang="zh-CN" sz="1400" dirty="0"/>
+              <a:t>2</a:t>
+            </a:r>
+            <a:endParaRPr lang="zh-CN" altLang="en-US" sz="1400" dirty="0"/>
+          </a:p>
+        </p:txBody>
+      </p:sp>
+      <p:sp>
+        <p:nvSpPr>
+          <p:cNvPr id="233" name="文本框 232">
+            <a:extLst>
+              <a:ext uri="{FF2B5EF4-FFF2-40B4-BE49-F238E27FC236}">
+                <a16:creationId xmlns:a16="http://schemas.microsoft.com/office/drawing/2014/main" id="{FB784B7D-217C-4DB9-AE79-C6E4731194CA}"/>
+              </a:ext>
+            </a:extLst>
+          </p:cNvPr>
+          <p:cNvSpPr txBox="1"/>
+          <p:nvPr/>
+        </p:nvSpPr>
+        <p:spPr>
+          <a:xfrm>
+            <a:off x="8843974" y="2474069"/>
+            <a:ext cx="279244" cy="307777"/>
+          </a:xfrm>
+          <a:prstGeom prst="rect">
+            <a:avLst/>
+          </a:prstGeom>
+          <a:noFill/>
+        </p:spPr>
+        <p:txBody>
+          <a:bodyPr wrap="none" rtlCol="0">
+            <a:spAutoFit/>
+          </a:bodyPr>
+          <a:lstStyle/>
+          <a:p>
+            <a:r>
+              <a:rPr lang="en-US" altLang="zh-CN" sz="1400" dirty="0"/>
+              <a:t>3</a:t>
+            </a:r>
+            <a:endParaRPr lang="zh-CN" altLang="en-US" sz="1400" dirty="0"/>
+          </a:p>
+        </p:txBody>
+      </p:sp>
+      <p:sp>
+        <p:nvSpPr>
+          <p:cNvPr id="234" name="文本框 233">
+            <a:extLst>
+              <a:ext uri="{FF2B5EF4-FFF2-40B4-BE49-F238E27FC236}">
+                <a16:creationId xmlns:a16="http://schemas.microsoft.com/office/drawing/2014/main" id="{A9A390D6-5667-4962-90B1-11F7D2D3697C}"/>
+              </a:ext>
+            </a:extLst>
+          </p:cNvPr>
+          <p:cNvSpPr txBox="1"/>
+          <p:nvPr/>
+        </p:nvSpPr>
+        <p:spPr>
+          <a:xfrm>
+            <a:off x="384194" y="3658983"/>
+            <a:ext cx="279244" cy="307777"/>
+          </a:xfrm>
+          <a:prstGeom prst="rect">
+            <a:avLst/>
+          </a:prstGeom>
+          <a:noFill/>
+        </p:spPr>
+        <p:txBody>
+          <a:bodyPr wrap="none" rtlCol="0">
+            <a:spAutoFit/>
+          </a:bodyPr>
+          <a:lstStyle/>
+          <a:p>
+            <a:r>
+              <a:rPr lang="en-US" altLang="zh-CN" sz="1400" dirty="0"/>
+              <a:t>1</a:t>
+            </a:r>
+            <a:endParaRPr lang="zh-CN" altLang="en-US" sz="1400" dirty="0"/>
+          </a:p>
+        </p:txBody>
+      </p:sp>
+      <p:sp>
+        <p:nvSpPr>
+          <p:cNvPr id="235" name="文本框 234">
+            <a:extLst>
+              <a:ext uri="{FF2B5EF4-FFF2-40B4-BE49-F238E27FC236}">
+                <a16:creationId xmlns:a16="http://schemas.microsoft.com/office/drawing/2014/main" id="{55031F94-B1AC-4B8F-B11F-C3E3A1477DCE}"/>
+              </a:ext>
+            </a:extLst>
+          </p:cNvPr>
+          <p:cNvSpPr txBox="1"/>
+          <p:nvPr/>
+        </p:nvSpPr>
+        <p:spPr>
+          <a:xfrm>
+            <a:off x="709031" y="3857122"/>
+            <a:ext cx="279244" cy="307777"/>
+          </a:xfrm>
+          <a:prstGeom prst="rect">
+            <a:avLst/>
+          </a:prstGeom>
+          <a:noFill/>
+        </p:spPr>
+        <p:txBody>
+          <a:bodyPr wrap="none" rtlCol="0">
+            <a:spAutoFit/>
+          </a:bodyPr>
+          <a:lstStyle/>
+          <a:p>
+            <a:r>
+              <a:rPr lang="en-US" altLang="zh-CN" sz="1400" dirty="0"/>
+              <a:t>2</a:t>
+            </a:r>
+            <a:endParaRPr lang="zh-CN" altLang="en-US" sz="1400" dirty="0"/>
+          </a:p>
+        </p:txBody>
+      </p:sp>
+      <p:sp>
+        <p:nvSpPr>
+          <p:cNvPr id="236" name="文本框 235">
+            <a:extLst>
+              <a:ext uri="{FF2B5EF4-FFF2-40B4-BE49-F238E27FC236}">
+                <a16:creationId xmlns:a16="http://schemas.microsoft.com/office/drawing/2014/main" id="{B8BF7C53-9B73-4FA9-BCFC-78155C852157}"/>
+              </a:ext>
+            </a:extLst>
+          </p:cNvPr>
+          <p:cNvSpPr txBox="1"/>
+          <p:nvPr/>
+        </p:nvSpPr>
+        <p:spPr>
+          <a:xfrm>
+            <a:off x="453442" y="4184358"/>
+            <a:ext cx="279244" cy="307777"/>
+          </a:xfrm>
+          <a:prstGeom prst="rect">
+            <a:avLst/>
+          </a:prstGeom>
+          <a:noFill/>
+        </p:spPr>
+        <p:txBody>
+          <a:bodyPr wrap="none" rtlCol="0">
+            <a:spAutoFit/>
+          </a:bodyPr>
+          <a:lstStyle/>
+          <a:p>
+            <a:r>
+              <a:rPr lang="en-US" altLang="zh-CN" sz="1400" dirty="0"/>
+              <a:t>3</a:t>
+            </a:r>
+            <a:endParaRPr lang="zh-CN" altLang="en-US" sz="1400" dirty="0"/>
+          </a:p>
+        </p:txBody>
+      </p:sp>
+      <p:sp>
+        <p:nvSpPr>
+          <p:cNvPr id="237" name="文本框 236">
+            <a:extLst>
+              <a:ext uri="{FF2B5EF4-FFF2-40B4-BE49-F238E27FC236}">
+                <a16:creationId xmlns:a16="http://schemas.microsoft.com/office/drawing/2014/main" id="{570FE245-050E-47A9-B1B7-635D7EE5AD7A}"/>
+              </a:ext>
+            </a:extLst>
+          </p:cNvPr>
+          <p:cNvSpPr txBox="1"/>
+          <p:nvPr/>
+        </p:nvSpPr>
+        <p:spPr>
+          <a:xfrm>
+            <a:off x="1348079" y="3659599"/>
+            <a:ext cx="279244" cy="307777"/>
+          </a:xfrm>
+          <a:prstGeom prst="rect">
+            <a:avLst/>
+          </a:prstGeom>
+          <a:noFill/>
+        </p:spPr>
+        <p:txBody>
+          <a:bodyPr wrap="none" rtlCol="0">
+            <a:spAutoFit/>
+          </a:bodyPr>
+          <a:lstStyle/>
+          <a:p>
+            <a:r>
+              <a:rPr lang="en-US" altLang="zh-CN" sz="1400" dirty="0"/>
+              <a:t>1</a:t>
+            </a:r>
+            <a:endParaRPr lang="zh-CN" altLang="en-US" sz="1400" dirty="0"/>
+          </a:p>
+        </p:txBody>
+      </p:sp>
+      <p:sp>
+        <p:nvSpPr>
+          <p:cNvPr id="238" name="文本框 237">
+            <a:extLst>
+              <a:ext uri="{FF2B5EF4-FFF2-40B4-BE49-F238E27FC236}">
+                <a16:creationId xmlns:a16="http://schemas.microsoft.com/office/drawing/2014/main" id="{C07B5F99-0044-4AA3-A4EF-31024857B7E7}"/>
+              </a:ext>
+            </a:extLst>
+          </p:cNvPr>
+          <p:cNvSpPr txBox="1"/>
+          <p:nvPr/>
+        </p:nvSpPr>
+        <p:spPr>
+          <a:xfrm>
+            <a:off x="1173266" y="3404125"/>
+            <a:ext cx="279244" cy="307777"/>
+          </a:xfrm>
+          <a:prstGeom prst="rect">
+            <a:avLst/>
+          </a:prstGeom>
+          <a:noFill/>
+        </p:spPr>
+        <p:txBody>
+          <a:bodyPr wrap="none" rtlCol="0">
+            <a:spAutoFit/>
+          </a:bodyPr>
+          <a:lstStyle/>
+          <a:p>
+            <a:r>
+              <a:rPr lang="en-US" altLang="zh-CN" sz="1400" dirty="0"/>
+              <a:t>2</a:t>
+            </a:r>
+            <a:endParaRPr lang="zh-CN" altLang="en-US" sz="1400" dirty="0"/>
+          </a:p>
+        </p:txBody>
+      </p:sp>
+      <p:sp>
+        <p:nvSpPr>
+          <p:cNvPr id="239" name="文本框 238">
+            <a:extLst>
+              <a:ext uri="{FF2B5EF4-FFF2-40B4-BE49-F238E27FC236}">
+                <a16:creationId xmlns:a16="http://schemas.microsoft.com/office/drawing/2014/main" id="{F93DD15F-EED7-4A52-AF16-4AE96226DE49}"/>
+              </a:ext>
+            </a:extLst>
+          </p:cNvPr>
+          <p:cNvSpPr txBox="1"/>
+          <p:nvPr/>
+        </p:nvSpPr>
+        <p:spPr>
+          <a:xfrm>
+            <a:off x="1244089" y="3930411"/>
+            <a:ext cx="182601" cy="307777"/>
+          </a:xfrm>
+          <a:prstGeom prst="rect">
+            <a:avLst/>
+          </a:prstGeom>
+          <a:noFill/>
+        </p:spPr>
+        <p:txBody>
+          <a:bodyPr wrap="square" rtlCol="0">
+            <a:spAutoFit/>
+          </a:bodyPr>
+          <a:lstStyle/>
+          <a:p>
+            <a:r>
+              <a:rPr lang="en-US" altLang="zh-CN" sz="1400" dirty="0"/>
+              <a:t>3</a:t>
+            </a:r>
+            <a:endParaRPr lang="zh-CN" altLang="en-US" sz="1400" dirty="0"/>
+          </a:p>
+        </p:txBody>
+      </p:sp>
+      <p:sp>
+        <p:nvSpPr>
+          <p:cNvPr id="240" name="文本框 239">
+            <a:extLst>
+              <a:ext uri="{FF2B5EF4-FFF2-40B4-BE49-F238E27FC236}">
+                <a16:creationId xmlns:a16="http://schemas.microsoft.com/office/drawing/2014/main" id="{D7D48ECB-6E59-4E7A-A93A-A2AC9792AF03}"/>
+              </a:ext>
+            </a:extLst>
+          </p:cNvPr>
+          <p:cNvSpPr txBox="1"/>
+          <p:nvPr/>
+        </p:nvSpPr>
+        <p:spPr>
+          <a:xfrm>
+            <a:off x="2271990" y="3845329"/>
+            <a:ext cx="279244" cy="307777"/>
+          </a:xfrm>
+          <a:prstGeom prst="rect">
+            <a:avLst/>
+          </a:prstGeom>
+          <a:noFill/>
+        </p:spPr>
+        <p:txBody>
+          <a:bodyPr wrap="none" rtlCol="0">
+            <a:spAutoFit/>
+          </a:bodyPr>
+          <a:lstStyle/>
+          <a:p>
+            <a:r>
+              <a:rPr lang="en-US" altLang="zh-CN" sz="1400" dirty="0"/>
+              <a:t>1</a:t>
+            </a:r>
+            <a:endParaRPr lang="zh-CN" altLang="en-US" sz="1400" dirty="0"/>
+          </a:p>
+        </p:txBody>
+      </p:sp>
+      <p:sp>
+        <p:nvSpPr>
+          <p:cNvPr id="241" name="文本框 240">
+            <a:extLst>
+              <a:ext uri="{FF2B5EF4-FFF2-40B4-BE49-F238E27FC236}">
+                <a16:creationId xmlns:a16="http://schemas.microsoft.com/office/drawing/2014/main" id="{91317E3E-98D2-4538-82CE-8EF27A92CD78}"/>
+              </a:ext>
+            </a:extLst>
+          </p:cNvPr>
+          <p:cNvSpPr txBox="1"/>
+          <p:nvPr/>
+        </p:nvSpPr>
+        <p:spPr>
+          <a:xfrm>
+            <a:off x="2376253" y="4216025"/>
+            <a:ext cx="279244" cy="307777"/>
+          </a:xfrm>
+          <a:prstGeom prst="rect">
+            <a:avLst/>
+          </a:prstGeom>
+          <a:noFill/>
+        </p:spPr>
+        <p:txBody>
+          <a:bodyPr wrap="none" rtlCol="0">
+            <a:spAutoFit/>
+          </a:bodyPr>
+          <a:lstStyle/>
+          <a:p>
+            <a:r>
+              <a:rPr lang="en-US" altLang="zh-CN" sz="1400" dirty="0"/>
+              <a:t>2</a:t>
+            </a:r>
+            <a:endParaRPr lang="zh-CN" altLang="en-US" sz="1400" dirty="0"/>
+          </a:p>
+        </p:txBody>
+      </p:sp>
+      <p:sp>
+        <p:nvSpPr>
+          <p:cNvPr id="242" name="文本框 241">
+            <a:extLst>
+              <a:ext uri="{FF2B5EF4-FFF2-40B4-BE49-F238E27FC236}">
+                <a16:creationId xmlns:a16="http://schemas.microsoft.com/office/drawing/2014/main" id="{414CA9F6-9CDB-4E8E-96E5-A2DAFF1768DA}"/>
+              </a:ext>
+            </a:extLst>
+          </p:cNvPr>
+          <p:cNvSpPr txBox="1"/>
+          <p:nvPr/>
+        </p:nvSpPr>
+        <p:spPr>
+          <a:xfrm>
+            <a:off x="2762858" y="3926661"/>
+            <a:ext cx="279244" cy="307777"/>
+          </a:xfrm>
+          <a:prstGeom prst="rect">
+            <a:avLst/>
+          </a:prstGeom>
+          <a:noFill/>
+        </p:spPr>
+        <p:txBody>
+          <a:bodyPr wrap="none" rtlCol="0">
+            <a:spAutoFit/>
+          </a:bodyPr>
+          <a:lstStyle/>
+          <a:p>
+            <a:r>
+              <a:rPr lang="en-US" altLang="zh-CN" sz="1400" dirty="0"/>
+              <a:t>3</a:t>
+            </a:r>
+            <a:endParaRPr lang="zh-CN" altLang="en-US" sz="1400" dirty="0"/>
+          </a:p>
+        </p:txBody>
+      </p:sp>
+      <p:sp>
+        <p:nvSpPr>
+          <p:cNvPr id="244" name="文本框 243">
+            <a:extLst>
+              <a:ext uri="{FF2B5EF4-FFF2-40B4-BE49-F238E27FC236}">
+                <a16:creationId xmlns:a16="http://schemas.microsoft.com/office/drawing/2014/main" id="{900C08A7-3A14-49C6-BF0D-5A6E98AD6369}"/>
+              </a:ext>
+            </a:extLst>
+          </p:cNvPr>
+          <p:cNvSpPr txBox="1"/>
+          <p:nvPr/>
+        </p:nvSpPr>
+        <p:spPr>
+          <a:xfrm>
+            <a:off x="3318385" y="3815140"/>
+            <a:ext cx="279244" cy="307777"/>
+          </a:xfrm>
+          <a:prstGeom prst="rect">
+            <a:avLst/>
+          </a:prstGeom>
+          <a:noFill/>
+        </p:spPr>
+        <p:txBody>
+          <a:bodyPr wrap="none" rtlCol="0">
+            <a:spAutoFit/>
+          </a:bodyPr>
+          <a:lstStyle/>
+          <a:p>
+            <a:r>
+              <a:rPr lang="en-US" altLang="zh-CN" sz="1400" dirty="0"/>
+              <a:t>1</a:t>
+            </a:r>
+            <a:endParaRPr lang="zh-CN" altLang="en-US" sz="1400" dirty="0"/>
+          </a:p>
+        </p:txBody>
+      </p:sp>
+      <p:sp>
+        <p:nvSpPr>
+          <p:cNvPr id="245" name="文本框 244">
+            <a:extLst>
+              <a:ext uri="{FF2B5EF4-FFF2-40B4-BE49-F238E27FC236}">
+                <a16:creationId xmlns:a16="http://schemas.microsoft.com/office/drawing/2014/main" id="{65B78DEE-A7A6-4379-8C41-59C94B622160}"/>
+              </a:ext>
+            </a:extLst>
+          </p:cNvPr>
+          <p:cNvSpPr txBox="1"/>
+          <p:nvPr/>
+        </p:nvSpPr>
+        <p:spPr>
+          <a:xfrm>
+            <a:off x="3853204" y="3876232"/>
+            <a:ext cx="279244" cy="307777"/>
+          </a:xfrm>
+          <a:prstGeom prst="rect">
+            <a:avLst/>
+          </a:prstGeom>
+          <a:noFill/>
+        </p:spPr>
+        <p:txBody>
+          <a:bodyPr wrap="none" rtlCol="0">
+            <a:spAutoFit/>
+          </a:bodyPr>
+          <a:lstStyle/>
+          <a:p>
+            <a:r>
+              <a:rPr lang="en-US" altLang="zh-CN" sz="1400" dirty="0"/>
+              <a:t>2</a:t>
+            </a:r>
+            <a:endParaRPr lang="zh-CN" altLang="en-US" sz="1400" dirty="0"/>
+          </a:p>
+        </p:txBody>
+      </p:sp>
+      <p:sp>
+        <p:nvSpPr>
+          <p:cNvPr id="247" name="文本框 246">
+            <a:extLst>
+              <a:ext uri="{FF2B5EF4-FFF2-40B4-BE49-F238E27FC236}">
+                <a16:creationId xmlns:a16="http://schemas.microsoft.com/office/drawing/2014/main" id="{7D8BDFAB-F680-47F0-8132-95E7243B2C6B}"/>
+              </a:ext>
+            </a:extLst>
+          </p:cNvPr>
+          <p:cNvSpPr txBox="1"/>
+          <p:nvPr/>
+        </p:nvSpPr>
+        <p:spPr>
+          <a:xfrm>
+            <a:off x="4302124" y="3837934"/>
+            <a:ext cx="279244" cy="307777"/>
+          </a:xfrm>
+          <a:prstGeom prst="rect">
+            <a:avLst/>
+          </a:prstGeom>
+          <a:noFill/>
+        </p:spPr>
+        <p:txBody>
+          <a:bodyPr wrap="none" rtlCol="0">
+            <a:spAutoFit/>
+          </a:bodyPr>
+          <a:lstStyle/>
+          <a:p>
+            <a:r>
+              <a:rPr lang="en-US" altLang="zh-CN" sz="1400" dirty="0"/>
+              <a:t>1</a:t>
+            </a:r>
+            <a:endParaRPr lang="zh-CN" altLang="en-US" sz="1400" dirty="0"/>
+          </a:p>
+        </p:txBody>
+      </p:sp>
+      <p:sp>
+        <p:nvSpPr>
+          <p:cNvPr id="248" name="文本框 247">
+            <a:extLst>
+              <a:ext uri="{FF2B5EF4-FFF2-40B4-BE49-F238E27FC236}">
+                <a16:creationId xmlns:a16="http://schemas.microsoft.com/office/drawing/2014/main" id="{722AA675-E934-4437-9264-7FAA2F43AA0F}"/>
+              </a:ext>
+            </a:extLst>
+          </p:cNvPr>
+          <p:cNvSpPr txBox="1"/>
+          <p:nvPr/>
+        </p:nvSpPr>
+        <p:spPr>
+          <a:xfrm>
+            <a:off x="4517197" y="3566665"/>
+            <a:ext cx="279244" cy="307777"/>
+          </a:xfrm>
+          <a:prstGeom prst="rect">
+            <a:avLst/>
+          </a:prstGeom>
+          <a:noFill/>
+        </p:spPr>
+        <p:txBody>
+          <a:bodyPr wrap="none" rtlCol="0">
+            <a:spAutoFit/>
+          </a:bodyPr>
+          <a:lstStyle/>
+          <a:p>
+            <a:r>
+              <a:rPr lang="en-US" altLang="zh-CN" sz="1400" dirty="0"/>
+              <a:t>2</a:t>
+            </a:r>
+            <a:endParaRPr lang="zh-CN" altLang="en-US" sz="1400" dirty="0"/>
+          </a:p>
+        </p:txBody>
+      </p:sp>
+      <p:sp>
+        <p:nvSpPr>
+          <p:cNvPr id="249" name="文本框 248">
+            <a:extLst>
+              <a:ext uri="{FF2B5EF4-FFF2-40B4-BE49-F238E27FC236}">
+                <a16:creationId xmlns:a16="http://schemas.microsoft.com/office/drawing/2014/main" id="{8A580B6A-BF0C-4377-9F78-2DE163F08414}"/>
+              </a:ext>
+            </a:extLst>
+          </p:cNvPr>
+          <p:cNvSpPr txBox="1"/>
+          <p:nvPr/>
+        </p:nvSpPr>
+        <p:spPr>
+          <a:xfrm>
+            <a:off x="4677874" y="4145145"/>
+            <a:ext cx="279244" cy="307777"/>
+          </a:xfrm>
+          <a:prstGeom prst="rect">
+            <a:avLst/>
+          </a:prstGeom>
+          <a:noFill/>
+        </p:spPr>
+        <p:txBody>
+          <a:bodyPr wrap="none" rtlCol="0">
+            <a:spAutoFit/>
+          </a:bodyPr>
+          <a:lstStyle/>
+          <a:p>
+            <a:r>
+              <a:rPr lang="en-US" altLang="zh-CN" sz="1400" dirty="0"/>
+              <a:t>3</a:t>
+            </a:r>
+            <a:endParaRPr lang="zh-CN" altLang="en-US" sz="1400" dirty="0"/>
+          </a:p>
+        </p:txBody>
+      </p:sp>
+      <p:sp>
+        <p:nvSpPr>
+          <p:cNvPr id="250" name="文本框 249">
+            <a:extLst>
+              <a:ext uri="{FF2B5EF4-FFF2-40B4-BE49-F238E27FC236}">
+                <a16:creationId xmlns:a16="http://schemas.microsoft.com/office/drawing/2014/main" id="{17401341-4833-4720-B55D-420BEBBCAC9B}"/>
+              </a:ext>
+            </a:extLst>
+          </p:cNvPr>
+          <p:cNvSpPr txBox="1"/>
+          <p:nvPr/>
+        </p:nvSpPr>
+        <p:spPr>
+          <a:xfrm>
+            <a:off x="4899605" y="3845329"/>
+            <a:ext cx="279244" cy="307777"/>
+          </a:xfrm>
+          <a:prstGeom prst="rect">
+            <a:avLst/>
+          </a:prstGeom>
+          <a:noFill/>
+        </p:spPr>
+        <p:txBody>
+          <a:bodyPr wrap="none" rtlCol="0">
+            <a:spAutoFit/>
+          </a:bodyPr>
+          <a:lstStyle/>
+          <a:p>
+            <a:r>
+              <a:rPr lang="en-US" altLang="zh-CN" sz="1400" dirty="0"/>
+              <a:t>4</a:t>
+            </a:r>
+            <a:endParaRPr lang="zh-CN" altLang="en-US" sz="1400" dirty="0"/>
+          </a:p>
+        </p:txBody>
+      </p:sp>
+      <p:sp>
+        <p:nvSpPr>
+          <p:cNvPr id="251" name="文本框 250">
+            <a:extLst>
+              <a:ext uri="{FF2B5EF4-FFF2-40B4-BE49-F238E27FC236}">
+                <a16:creationId xmlns:a16="http://schemas.microsoft.com/office/drawing/2014/main" id="{12B32CA7-5D53-4CB4-BBA7-5B9F7E2643F3}"/>
+              </a:ext>
+            </a:extLst>
+          </p:cNvPr>
+          <p:cNvSpPr txBox="1"/>
+          <p:nvPr/>
+        </p:nvSpPr>
+        <p:spPr>
+          <a:xfrm>
+            <a:off x="5188705" y="3526091"/>
+            <a:ext cx="279244" cy="307777"/>
+          </a:xfrm>
+          <a:prstGeom prst="rect">
+            <a:avLst/>
+          </a:prstGeom>
+          <a:noFill/>
+        </p:spPr>
+        <p:txBody>
+          <a:bodyPr wrap="none" rtlCol="0">
+            <a:spAutoFit/>
+          </a:bodyPr>
+          <a:lstStyle/>
+          <a:p>
+            <a:r>
+              <a:rPr lang="en-US" altLang="zh-CN" sz="1400" dirty="0"/>
+              <a:t>1</a:t>
+            </a:r>
+            <a:endParaRPr lang="zh-CN" altLang="en-US" sz="1400" dirty="0"/>
+          </a:p>
+        </p:txBody>
+      </p:sp>
+      <p:sp>
+        <p:nvSpPr>
+          <p:cNvPr id="252" name="文本框 251">
+            <a:extLst>
+              <a:ext uri="{FF2B5EF4-FFF2-40B4-BE49-F238E27FC236}">
+                <a16:creationId xmlns:a16="http://schemas.microsoft.com/office/drawing/2014/main" id="{B5209340-BB45-45F1-9B15-7D1331F09301}"/>
+              </a:ext>
+            </a:extLst>
+          </p:cNvPr>
+          <p:cNvSpPr txBox="1"/>
+          <p:nvPr/>
+        </p:nvSpPr>
+        <p:spPr>
+          <a:xfrm>
+            <a:off x="5888171" y="3794524"/>
+            <a:ext cx="279244" cy="307777"/>
+          </a:xfrm>
+          <a:prstGeom prst="rect">
+            <a:avLst/>
+          </a:prstGeom>
+          <a:noFill/>
+        </p:spPr>
+        <p:txBody>
+          <a:bodyPr wrap="none" rtlCol="0">
+            <a:spAutoFit/>
+          </a:bodyPr>
+          <a:lstStyle/>
+          <a:p>
+            <a:r>
+              <a:rPr lang="en-US" altLang="zh-CN" sz="1400" dirty="0"/>
+              <a:t>2</a:t>
+            </a:r>
+            <a:endParaRPr lang="zh-CN" altLang="en-US" sz="1400" dirty="0"/>
+          </a:p>
+        </p:txBody>
+      </p:sp>
+      <p:sp>
+        <p:nvSpPr>
+          <p:cNvPr id="253" name="文本框 252">
+            <a:extLst>
+              <a:ext uri="{FF2B5EF4-FFF2-40B4-BE49-F238E27FC236}">
+                <a16:creationId xmlns:a16="http://schemas.microsoft.com/office/drawing/2014/main" id="{562F7339-E8D8-4A9C-AD3E-9173A92BFE12}"/>
+              </a:ext>
+            </a:extLst>
+          </p:cNvPr>
+          <p:cNvSpPr txBox="1"/>
+          <p:nvPr/>
+        </p:nvSpPr>
+        <p:spPr>
+          <a:xfrm>
+            <a:off x="5272934" y="4062136"/>
+            <a:ext cx="279244" cy="307777"/>
+          </a:xfrm>
+          <a:prstGeom prst="rect">
+            <a:avLst/>
+          </a:prstGeom>
+          <a:noFill/>
+        </p:spPr>
+        <p:txBody>
+          <a:bodyPr wrap="none" rtlCol="0">
+            <a:spAutoFit/>
+          </a:bodyPr>
+          <a:lstStyle/>
+          <a:p>
+            <a:r>
+              <a:rPr lang="en-US" altLang="zh-CN" sz="1400" dirty="0"/>
+              <a:t>3</a:t>
+            </a:r>
+            <a:endParaRPr lang="zh-CN" altLang="en-US" sz="1400" dirty="0"/>
+          </a:p>
+        </p:txBody>
+      </p:sp>
+      <p:sp>
+        <p:nvSpPr>
+          <p:cNvPr id="256" name="文本框 255">
+            <a:extLst>
+              <a:ext uri="{FF2B5EF4-FFF2-40B4-BE49-F238E27FC236}">
+                <a16:creationId xmlns:a16="http://schemas.microsoft.com/office/drawing/2014/main" id="{8D745AFF-879B-462A-A422-C7C18B3CA46C}"/>
+              </a:ext>
+            </a:extLst>
+          </p:cNvPr>
+          <p:cNvSpPr txBox="1"/>
+          <p:nvPr/>
+        </p:nvSpPr>
+        <p:spPr>
+          <a:xfrm>
+            <a:off x="6195105" y="3711902"/>
+            <a:ext cx="279244" cy="307777"/>
+          </a:xfrm>
+          <a:prstGeom prst="rect">
+            <a:avLst/>
+          </a:prstGeom>
+          <a:noFill/>
+        </p:spPr>
+        <p:txBody>
+          <a:bodyPr wrap="none" rtlCol="0">
+            <a:spAutoFit/>
+          </a:bodyPr>
+          <a:lstStyle/>
+          <a:p>
+            <a:r>
+              <a:rPr lang="en-US" altLang="zh-CN" sz="1400" dirty="0"/>
+              <a:t>1</a:t>
+            </a:r>
+            <a:endParaRPr lang="zh-CN" altLang="en-US" sz="1400" dirty="0"/>
+          </a:p>
+        </p:txBody>
+      </p:sp>
+      <p:sp>
+        <p:nvSpPr>
+          <p:cNvPr id="259" name="文本框 258">
+            <a:extLst>
+              <a:ext uri="{FF2B5EF4-FFF2-40B4-BE49-F238E27FC236}">
+                <a16:creationId xmlns:a16="http://schemas.microsoft.com/office/drawing/2014/main" id="{ABD4AD93-08FC-4D4D-B96D-119AB6197D59}"/>
+              </a:ext>
+            </a:extLst>
+          </p:cNvPr>
+          <p:cNvSpPr txBox="1"/>
+          <p:nvPr/>
+        </p:nvSpPr>
+        <p:spPr>
+          <a:xfrm>
+            <a:off x="6824567" y="3635508"/>
+            <a:ext cx="279244" cy="307777"/>
+          </a:xfrm>
+          <a:prstGeom prst="rect">
+            <a:avLst/>
+          </a:prstGeom>
+          <a:noFill/>
+        </p:spPr>
+        <p:txBody>
+          <a:bodyPr wrap="none" rtlCol="0">
+            <a:spAutoFit/>
+          </a:bodyPr>
+          <a:lstStyle/>
+          <a:p>
+            <a:r>
+              <a:rPr lang="en-US" altLang="zh-CN" sz="1400" dirty="0"/>
+              <a:t>2</a:t>
+            </a:r>
+            <a:endParaRPr lang="zh-CN" altLang="en-US" sz="1400" dirty="0"/>
+          </a:p>
+        </p:txBody>
+      </p:sp>
+      <p:sp>
+        <p:nvSpPr>
+          <p:cNvPr id="260" name="文本框 259">
+            <a:extLst>
+              <a:ext uri="{FF2B5EF4-FFF2-40B4-BE49-F238E27FC236}">
+                <a16:creationId xmlns:a16="http://schemas.microsoft.com/office/drawing/2014/main" id="{4C1F70C5-F4A3-4262-8D55-F56B1054CC24}"/>
+              </a:ext>
+            </a:extLst>
+          </p:cNvPr>
+          <p:cNvSpPr txBox="1"/>
+          <p:nvPr/>
+        </p:nvSpPr>
+        <p:spPr>
+          <a:xfrm>
+            <a:off x="6704144" y="4062135"/>
+            <a:ext cx="279244" cy="307777"/>
+          </a:xfrm>
+          <a:prstGeom prst="rect">
+            <a:avLst/>
+          </a:prstGeom>
+          <a:noFill/>
+        </p:spPr>
+        <p:txBody>
+          <a:bodyPr wrap="none" rtlCol="0">
+            <a:spAutoFit/>
+          </a:bodyPr>
+          <a:lstStyle/>
+          <a:p>
+            <a:r>
+              <a:rPr lang="en-US" altLang="zh-CN" sz="1400" dirty="0"/>
+              <a:t>3</a:t>
+            </a:r>
+            <a:endParaRPr lang="zh-CN" altLang="en-US" sz="1400" dirty="0"/>
+          </a:p>
+        </p:txBody>
+      </p:sp>
+      <p:sp>
+        <p:nvSpPr>
+          <p:cNvPr id="263" name="文本框 262">
+            <a:extLst>
+              <a:ext uri="{FF2B5EF4-FFF2-40B4-BE49-F238E27FC236}">
+                <a16:creationId xmlns:a16="http://schemas.microsoft.com/office/drawing/2014/main" id="{8C106408-7E39-4783-AA4A-F746ADEF4B4B}"/>
+              </a:ext>
+            </a:extLst>
+          </p:cNvPr>
+          <p:cNvSpPr txBox="1"/>
+          <p:nvPr/>
+        </p:nvSpPr>
+        <p:spPr>
+          <a:xfrm>
+            <a:off x="7584130" y="3566665"/>
+            <a:ext cx="279244" cy="307777"/>
+          </a:xfrm>
+          <a:prstGeom prst="rect">
+            <a:avLst/>
+          </a:prstGeom>
+          <a:noFill/>
+        </p:spPr>
+        <p:txBody>
+          <a:bodyPr wrap="none" rtlCol="0">
+            <a:spAutoFit/>
+          </a:bodyPr>
+          <a:lstStyle/>
+          <a:p>
+            <a:r>
+              <a:rPr lang="en-US" altLang="zh-CN" sz="1400" dirty="0"/>
+              <a:t>1</a:t>
+            </a:r>
+            <a:endParaRPr lang="zh-CN" altLang="en-US" sz="1400" dirty="0"/>
+          </a:p>
+        </p:txBody>
+      </p:sp>
+      <p:sp>
+        <p:nvSpPr>
+          <p:cNvPr id="264" name="文本框 263">
+            <a:extLst>
+              <a:ext uri="{FF2B5EF4-FFF2-40B4-BE49-F238E27FC236}">
+                <a16:creationId xmlns:a16="http://schemas.microsoft.com/office/drawing/2014/main" id="{79A2A316-4C83-4919-8C4A-C0E0064D2C54}"/>
+              </a:ext>
+            </a:extLst>
+          </p:cNvPr>
+          <p:cNvSpPr txBox="1"/>
+          <p:nvPr/>
+        </p:nvSpPr>
+        <p:spPr>
+          <a:xfrm>
+            <a:off x="8114012" y="3684045"/>
+            <a:ext cx="304180" cy="307777"/>
+          </a:xfrm>
+          <a:prstGeom prst="rect">
+            <a:avLst/>
+          </a:prstGeom>
+          <a:noFill/>
+        </p:spPr>
+        <p:txBody>
+          <a:bodyPr wrap="square" rtlCol="0">
+            <a:spAutoFit/>
+          </a:bodyPr>
+          <a:lstStyle/>
+          <a:p>
+            <a:r>
+              <a:rPr lang="en-US" altLang="zh-CN" sz="1400" dirty="0"/>
+              <a:t>2</a:t>
+            </a:r>
+            <a:endParaRPr lang="zh-CN" altLang="en-US" sz="1400" dirty="0"/>
+          </a:p>
+        </p:txBody>
+      </p:sp>
+      <p:sp>
+        <p:nvSpPr>
+          <p:cNvPr id="265" name="文本框 264">
+            <a:extLst>
+              <a:ext uri="{FF2B5EF4-FFF2-40B4-BE49-F238E27FC236}">
+                <a16:creationId xmlns:a16="http://schemas.microsoft.com/office/drawing/2014/main" id="{667C5B6E-A40C-436D-9384-A59B36291FFA}"/>
+              </a:ext>
+            </a:extLst>
+          </p:cNvPr>
+          <p:cNvSpPr txBox="1"/>
+          <p:nvPr/>
+        </p:nvSpPr>
+        <p:spPr>
+          <a:xfrm>
+            <a:off x="7706532" y="3999217"/>
+            <a:ext cx="279244" cy="307777"/>
+          </a:xfrm>
+          <a:prstGeom prst="rect">
+            <a:avLst/>
+          </a:prstGeom>
+          <a:noFill/>
+        </p:spPr>
+        <p:txBody>
+          <a:bodyPr wrap="none" rtlCol="0">
+            <a:spAutoFit/>
+          </a:bodyPr>
+          <a:lstStyle/>
+          <a:p>
+            <a:r>
+              <a:rPr lang="en-US" altLang="zh-CN" sz="1400" dirty="0"/>
+              <a:t>3</a:t>
+            </a:r>
+            <a:endParaRPr lang="zh-CN" altLang="en-US" sz="1400" dirty="0"/>
+          </a:p>
+        </p:txBody>
+      </p:sp>
+      <p:cxnSp>
+        <p:nvCxnSpPr>
+          <p:cNvPr id="4" name="直接箭头连接符 3">
+            <a:extLst>
+              <a:ext uri="{FF2B5EF4-FFF2-40B4-BE49-F238E27FC236}">
+                <a16:creationId xmlns:a16="http://schemas.microsoft.com/office/drawing/2014/main" id="{E960AA54-38B6-D8B9-B28E-4ADCBED5B5CC}"/>
+              </a:ext>
+            </a:extLst>
+          </p:cNvPr>
+          <p:cNvCxnSpPr>
+            <a:cxnSpLocks/>
+          </p:cNvCxnSpPr>
+          <p:nvPr/>
+        </p:nvCxnSpPr>
+        <p:spPr>
+          <a:xfrm>
+            <a:off x="4266930" y="492554"/>
+            <a:ext cx="482404" cy="259963"/>
+          </a:xfrm>
+          <a:prstGeom prst="straightConnector1">
+            <a:avLst/>
+          </a:prstGeom>
+          <a:ln>
+            <a:tailEnd type="triangle"/>
+          </a:ln>
+        </p:spPr>
+        <p:style>
+          <a:lnRef idx="1">
+            <a:schemeClr val="accent1"/>
+          </a:lnRef>
+          <a:fillRef idx="0">
+            <a:schemeClr val="accent1"/>
+          </a:fillRef>
+          <a:effectRef idx="0">
+            <a:schemeClr val="accent1"/>
+          </a:effectRef>
+          <a:fontRef idx="minor">
+            <a:schemeClr val="tx1"/>
+          </a:fontRef>
+        </p:style>
+      </p:cxnSp>
+      <p:cxnSp>
+        <p:nvCxnSpPr>
+          <p:cNvPr id="10" name="直接箭头连接符 9">
+            <a:extLst>
+              <a:ext uri="{FF2B5EF4-FFF2-40B4-BE49-F238E27FC236}">
+                <a16:creationId xmlns:a16="http://schemas.microsoft.com/office/drawing/2014/main" id="{186A72B2-BD2F-E4A1-63BD-1BA2F5DBFC08}"/>
+              </a:ext>
+            </a:extLst>
+          </p:cNvPr>
+          <p:cNvCxnSpPr>
+            <a:cxnSpLocks/>
+          </p:cNvCxnSpPr>
+          <p:nvPr/>
+        </p:nvCxnSpPr>
+        <p:spPr>
+          <a:xfrm flipH="1">
+            <a:off x="3520868" y="472688"/>
+            <a:ext cx="510761" cy="281767"/>
+          </a:xfrm>
+          <a:prstGeom prst="straightConnector1">
+            <a:avLst/>
+          </a:prstGeom>
+          <a:ln>
+            <a:tailEnd type="triangle"/>
+          </a:ln>
+        </p:spPr>
+        <p:style>
+          <a:lnRef idx="1">
+            <a:schemeClr val="accent1"/>
+          </a:lnRef>
+          <a:fillRef idx="0">
+            <a:schemeClr val="accent1"/>
+          </a:fillRef>
+          <a:effectRef idx="0">
+            <a:schemeClr val="accent1"/>
+          </a:effectRef>
+          <a:fontRef idx="minor">
+            <a:schemeClr val="tx1"/>
+          </a:fontRef>
+        </p:style>
+      </p:cxnSp>
+      <p:cxnSp>
+        <p:nvCxnSpPr>
+          <p:cNvPr id="209" name="直接箭头连接符 208">
+            <a:extLst>
+              <a:ext uri="{FF2B5EF4-FFF2-40B4-BE49-F238E27FC236}">
+                <a16:creationId xmlns:a16="http://schemas.microsoft.com/office/drawing/2014/main" id="{CA7900C6-4ED9-17C9-E414-B6168FA07E4E}"/>
+              </a:ext>
+            </a:extLst>
+          </p:cNvPr>
+          <p:cNvCxnSpPr>
+            <a:cxnSpLocks/>
+          </p:cNvCxnSpPr>
+          <p:nvPr/>
+        </p:nvCxnSpPr>
+        <p:spPr>
+          <a:xfrm flipH="1">
+            <a:off x="1539436" y="2733057"/>
+            <a:ext cx="407776" cy="284115"/>
+          </a:xfrm>
+          <a:prstGeom prst="straightConnector1">
+            <a:avLst/>
+          </a:prstGeom>
+          <a:ln>
+            <a:tailEnd type="triangle"/>
+          </a:ln>
+        </p:spPr>
+        <p:style>
+          <a:lnRef idx="1">
+            <a:schemeClr val="accent1"/>
+          </a:lnRef>
+          <a:fillRef idx="0">
+            <a:schemeClr val="accent1"/>
+          </a:fillRef>
+          <a:effectRef idx="0">
+            <a:schemeClr val="accent1"/>
+          </a:effectRef>
+          <a:fontRef idx="minor">
+            <a:schemeClr val="tx1"/>
+          </a:fontRef>
+        </p:style>
+      </p:cxnSp>
+    </p:spTree>
+    <p:extLst>
+      <p:ext uri="{BB962C8B-B14F-4D97-AF65-F5344CB8AC3E}">
+        <p14:creationId xmlns:p14="http://schemas.microsoft.com/office/powerpoint/2010/main" val="1300043233"/>
+      </p:ext>
+    </p:extLst>
+  </p:cSld>
+  <p:clrMapOvr>
+    <a:masterClrMapping/>
+  </p:clrMapOvr>
+</p:sld>
+</file>
+
+<file path=ppt/slides/slide3.xml><?xml version="1.0" encoding="utf-8"?>
 <p:sld xmlns:a="http://schemas.openxmlformats.org/drawingml/2006/main" xmlns:r="http://schemas.openxmlformats.org/officeDocument/2006/relationships" xmlns:p="http://schemas.openxmlformats.org/presentationml/2006/main">
   <p:cSld>
     <p:spTree>

--- a/directions.pptx
+++ b/directions.pptx
@@ -261,7 +261,7 @@
           <a:p>
             <a:fld id="{CDF6C853-F38E-4299-906A-F30AE4A58074}" type="datetimeFigureOut">
               <a:rPr lang="zh-CN" altLang="en-US" smtClean="0"/>
-              <a:t>2022/8/21</a:t>
+              <a:t>2022/8/26</a:t>
             </a:fld>
             <a:endParaRPr lang="zh-CN" altLang="en-US"/>
           </a:p>
@@ -459,7 +459,7 @@
           <a:p>
             <a:fld id="{CDF6C853-F38E-4299-906A-F30AE4A58074}" type="datetimeFigureOut">
               <a:rPr lang="zh-CN" altLang="en-US" smtClean="0"/>
-              <a:t>2022/8/21</a:t>
+              <a:t>2022/8/26</a:t>
             </a:fld>
             <a:endParaRPr lang="zh-CN" altLang="en-US"/>
           </a:p>
@@ -667,7 +667,7 @@
           <a:p>
             <a:fld id="{CDF6C853-F38E-4299-906A-F30AE4A58074}" type="datetimeFigureOut">
               <a:rPr lang="zh-CN" altLang="en-US" smtClean="0"/>
-              <a:t>2022/8/21</a:t>
+              <a:t>2022/8/26</a:t>
             </a:fld>
             <a:endParaRPr lang="zh-CN" altLang="en-US"/>
           </a:p>
@@ -865,7 +865,7 @@
           <a:p>
             <a:fld id="{CDF6C853-F38E-4299-906A-F30AE4A58074}" type="datetimeFigureOut">
               <a:rPr lang="zh-CN" altLang="en-US" smtClean="0"/>
-              <a:t>2022/8/21</a:t>
+              <a:t>2022/8/26</a:t>
             </a:fld>
             <a:endParaRPr lang="zh-CN" altLang="en-US"/>
           </a:p>
@@ -1140,7 +1140,7 @@
           <a:p>
             <a:fld id="{CDF6C853-F38E-4299-906A-F30AE4A58074}" type="datetimeFigureOut">
               <a:rPr lang="zh-CN" altLang="en-US" smtClean="0"/>
-              <a:t>2022/8/21</a:t>
+              <a:t>2022/8/26</a:t>
             </a:fld>
             <a:endParaRPr lang="zh-CN" altLang="en-US"/>
           </a:p>
@@ -1405,7 +1405,7 @@
           <a:p>
             <a:fld id="{CDF6C853-F38E-4299-906A-F30AE4A58074}" type="datetimeFigureOut">
               <a:rPr lang="zh-CN" altLang="en-US" smtClean="0"/>
-              <a:t>2022/8/21</a:t>
+              <a:t>2022/8/26</a:t>
             </a:fld>
             <a:endParaRPr lang="zh-CN" altLang="en-US"/>
           </a:p>
@@ -1817,7 +1817,7 @@
           <a:p>
             <a:fld id="{CDF6C853-F38E-4299-906A-F30AE4A58074}" type="datetimeFigureOut">
               <a:rPr lang="zh-CN" altLang="en-US" smtClean="0"/>
-              <a:t>2022/8/21</a:t>
+              <a:t>2022/8/26</a:t>
             </a:fld>
             <a:endParaRPr lang="zh-CN" altLang="en-US"/>
           </a:p>
@@ -1958,7 +1958,7 @@
           <a:p>
             <a:fld id="{CDF6C853-F38E-4299-906A-F30AE4A58074}" type="datetimeFigureOut">
               <a:rPr lang="zh-CN" altLang="en-US" smtClean="0"/>
-              <a:t>2022/8/21</a:t>
+              <a:t>2022/8/26</a:t>
             </a:fld>
             <a:endParaRPr lang="zh-CN" altLang="en-US"/>
           </a:p>
@@ -2071,7 +2071,7 @@
           <a:p>
             <a:fld id="{CDF6C853-F38E-4299-906A-F30AE4A58074}" type="datetimeFigureOut">
               <a:rPr lang="zh-CN" altLang="en-US" smtClean="0"/>
-              <a:t>2022/8/21</a:t>
+              <a:t>2022/8/26</a:t>
             </a:fld>
             <a:endParaRPr lang="zh-CN" altLang="en-US"/>
           </a:p>
@@ -2382,7 +2382,7 @@
           <a:p>
             <a:fld id="{CDF6C853-F38E-4299-906A-F30AE4A58074}" type="datetimeFigureOut">
               <a:rPr lang="zh-CN" altLang="en-US" smtClean="0"/>
-              <a:t>2022/8/21</a:t>
+              <a:t>2022/8/26</a:t>
             </a:fld>
             <a:endParaRPr lang="zh-CN" altLang="en-US"/>
           </a:p>
@@ -2670,7 +2670,7 @@
           <a:p>
             <a:fld id="{CDF6C853-F38E-4299-906A-F30AE4A58074}" type="datetimeFigureOut">
               <a:rPr lang="zh-CN" altLang="en-US" smtClean="0"/>
-              <a:t>2022/8/21</a:t>
+              <a:t>2022/8/26</a:t>
             </a:fld>
             <a:endParaRPr lang="zh-CN" altLang="en-US"/>
           </a:p>
@@ -2911,7 +2911,7 @@
           <a:p>
             <a:fld id="{CDF6C853-F38E-4299-906A-F30AE4A58074}" type="datetimeFigureOut">
               <a:rPr lang="zh-CN" altLang="en-US" smtClean="0"/>
-              <a:t>2022/8/21</a:t>
+              <a:t>2022/8/26</a:t>
             </a:fld>
             <a:endParaRPr lang="zh-CN" altLang="en-US"/>
           </a:p>
@@ -14165,9 +14165,9 @@
           <p:nvPr/>
         </p:nvCxnSpPr>
         <p:spPr>
-          <a:xfrm>
-            <a:off x="293021" y="4020589"/>
-            <a:ext cx="401055" cy="111838"/>
+          <a:xfrm flipV="1">
+            <a:off x="293021" y="3794524"/>
+            <a:ext cx="534713" cy="289775"/>
           </a:xfrm>
           <a:prstGeom prst="straightConnector1">
             <a:avLst/>
@@ -14243,8 +14243,8 @@
         </p:nvCxnSpPr>
         <p:spPr>
           <a:xfrm>
-            <a:off x="1247641" y="3909180"/>
-            <a:ext cx="499146" cy="0"/>
+            <a:off x="1368509" y="3765267"/>
+            <a:ext cx="404671" cy="252190"/>
           </a:xfrm>
           <a:prstGeom prst="straightConnector1">
             <a:avLst/>
@@ -15812,7 +15812,7 @@
         </p:nvCxnSpPr>
         <p:spPr>
           <a:xfrm flipH="1">
-            <a:off x="293021" y="4141530"/>
+            <a:off x="300219" y="4030899"/>
             <a:ext cx="478271" cy="209627"/>
           </a:xfrm>
           <a:prstGeom prst="straightConnector1">
@@ -18180,7 +18180,7 @@
         </p:nvSpPr>
         <p:spPr>
           <a:xfrm>
-            <a:off x="384194" y="3658983"/>
+            <a:off x="394596" y="3535728"/>
             <a:ext cx="279244" cy="307777"/>
           </a:xfrm>
           <a:prstGeom prst="rect">
@@ -18252,7 +18252,7 @@
         </p:nvSpPr>
         <p:spPr>
           <a:xfrm>
-            <a:off x="453442" y="4184358"/>
+            <a:off x="523439" y="4090386"/>
             <a:ext cx="279244" cy="307777"/>
           </a:xfrm>
           <a:prstGeom prst="rect">

--- a/directions.pptx
+++ b/directions.pptx
@@ -261,7 +261,7 @@
           <a:p>
             <a:fld id="{CDF6C853-F38E-4299-906A-F30AE4A58074}" type="datetimeFigureOut">
               <a:rPr lang="zh-CN" altLang="en-US" smtClean="0"/>
-              <a:t>2022/8/26</a:t>
+              <a:t>2022/9/3</a:t>
             </a:fld>
             <a:endParaRPr lang="zh-CN" altLang="en-US"/>
           </a:p>
@@ -459,7 +459,7 @@
           <a:p>
             <a:fld id="{CDF6C853-F38E-4299-906A-F30AE4A58074}" type="datetimeFigureOut">
               <a:rPr lang="zh-CN" altLang="en-US" smtClean="0"/>
-              <a:t>2022/8/26</a:t>
+              <a:t>2022/9/3</a:t>
             </a:fld>
             <a:endParaRPr lang="zh-CN" altLang="en-US"/>
           </a:p>
@@ -667,7 +667,7 @@
           <a:p>
             <a:fld id="{CDF6C853-F38E-4299-906A-F30AE4A58074}" type="datetimeFigureOut">
               <a:rPr lang="zh-CN" altLang="en-US" smtClean="0"/>
-              <a:t>2022/8/26</a:t>
+              <a:t>2022/9/3</a:t>
             </a:fld>
             <a:endParaRPr lang="zh-CN" altLang="en-US"/>
           </a:p>
@@ -865,7 +865,7 @@
           <a:p>
             <a:fld id="{CDF6C853-F38E-4299-906A-F30AE4A58074}" type="datetimeFigureOut">
               <a:rPr lang="zh-CN" altLang="en-US" smtClean="0"/>
-              <a:t>2022/8/26</a:t>
+              <a:t>2022/9/3</a:t>
             </a:fld>
             <a:endParaRPr lang="zh-CN" altLang="en-US"/>
           </a:p>
@@ -1140,7 +1140,7 @@
           <a:p>
             <a:fld id="{CDF6C853-F38E-4299-906A-F30AE4A58074}" type="datetimeFigureOut">
               <a:rPr lang="zh-CN" altLang="en-US" smtClean="0"/>
-              <a:t>2022/8/26</a:t>
+              <a:t>2022/9/3</a:t>
             </a:fld>
             <a:endParaRPr lang="zh-CN" altLang="en-US"/>
           </a:p>
@@ -1405,7 +1405,7 @@
           <a:p>
             <a:fld id="{CDF6C853-F38E-4299-906A-F30AE4A58074}" type="datetimeFigureOut">
               <a:rPr lang="zh-CN" altLang="en-US" smtClean="0"/>
-              <a:t>2022/8/26</a:t>
+              <a:t>2022/9/3</a:t>
             </a:fld>
             <a:endParaRPr lang="zh-CN" altLang="en-US"/>
           </a:p>
@@ -1817,7 +1817,7 @@
           <a:p>
             <a:fld id="{CDF6C853-F38E-4299-906A-F30AE4A58074}" type="datetimeFigureOut">
               <a:rPr lang="zh-CN" altLang="en-US" smtClean="0"/>
-              <a:t>2022/8/26</a:t>
+              <a:t>2022/9/3</a:t>
             </a:fld>
             <a:endParaRPr lang="zh-CN" altLang="en-US"/>
           </a:p>
@@ -1958,7 +1958,7 @@
           <a:p>
             <a:fld id="{CDF6C853-F38E-4299-906A-F30AE4A58074}" type="datetimeFigureOut">
               <a:rPr lang="zh-CN" altLang="en-US" smtClean="0"/>
-              <a:t>2022/8/26</a:t>
+              <a:t>2022/9/3</a:t>
             </a:fld>
             <a:endParaRPr lang="zh-CN" altLang="en-US"/>
           </a:p>
@@ -2071,7 +2071,7 @@
           <a:p>
             <a:fld id="{CDF6C853-F38E-4299-906A-F30AE4A58074}" type="datetimeFigureOut">
               <a:rPr lang="zh-CN" altLang="en-US" smtClean="0"/>
-              <a:t>2022/8/26</a:t>
+              <a:t>2022/9/3</a:t>
             </a:fld>
             <a:endParaRPr lang="zh-CN" altLang="en-US"/>
           </a:p>
@@ -2382,7 +2382,7 @@
           <a:p>
             <a:fld id="{CDF6C853-F38E-4299-906A-F30AE4A58074}" type="datetimeFigureOut">
               <a:rPr lang="zh-CN" altLang="en-US" smtClean="0"/>
-              <a:t>2022/8/26</a:t>
+              <a:t>2022/9/3</a:t>
             </a:fld>
             <a:endParaRPr lang="zh-CN" altLang="en-US"/>
           </a:p>
@@ -2670,7 +2670,7 @@
           <a:p>
             <a:fld id="{CDF6C853-F38E-4299-906A-F30AE4A58074}" type="datetimeFigureOut">
               <a:rPr lang="zh-CN" altLang="en-US" smtClean="0"/>
-              <a:t>2022/8/26</a:t>
+              <a:t>2022/9/3</a:t>
             </a:fld>
             <a:endParaRPr lang="zh-CN" altLang="en-US"/>
           </a:p>
@@ -2911,7 +2911,7 @@
           <a:p>
             <a:fld id="{CDF6C853-F38E-4299-906A-F30AE4A58074}" type="datetimeFigureOut">
               <a:rPr lang="zh-CN" altLang="en-US" smtClean="0"/>
-              <a:t>2022/8/26</a:t>
+              <a:t>2022/9/3</a:t>
             </a:fld>
             <a:endParaRPr lang="zh-CN" altLang="en-US"/>
           </a:p>
@@ -12155,7 +12155,7 @@
         </p:nvCxnSpPr>
         <p:spPr>
           <a:xfrm flipH="1">
-            <a:off x="2422590" y="1413896"/>
+            <a:off x="2422590" y="1548095"/>
             <a:ext cx="433328" cy="271590"/>
           </a:xfrm>
           <a:prstGeom prst="straightConnector1">
@@ -12195,9 +12195,9 @@
           <p:nvPr/>
         </p:nvCxnSpPr>
         <p:spPr>
-          <a:xfrm>
-            <a:off x="2447487" y="1771505"/>
-            <a:ext cx="470431" cy="205500"/>
+          <a:xfrm flipV="1">
+            <a:off x="2461686" y="1620287"/>
+            <a:ext cx="490336" cy="240388"/>
           </a:xfrm>
           <a:prstGeom prst="straightConnector1">
             <a:avLst/>
@@ -12339,12 +12339,48 @@
           </a:fontRef>
         </p:style>
       </p:cxnSp>
-      <p:cxnSp>
-        <p:nvCxnSpPr>
-          <p:cNvPr id="29" name="直接箭头连接符 28">
-            <a:extLst>
-              <a:ext uri="{FF2B5EF4-FFF2-40B4-BE49-F238E27FC236}">
-                <a16:creationId xmlns:a16="http://schemas.microsoft.com/office/drawing/2014/main" id="{72A86753-02D6-4A02-BD4A-DB62D1652D54}"/>
+      <p:sp>
+        <p:nvSpPr>
+          <p:cNvPr id="30" name="文本框 29">
+            <a:extLst>
+              <a:ext uri="{FF2B5EF4-FFF2-40B4-BE49-F238E27FC236}">
+                <a16:creationId xmlns:a16="http://schemas.microsoft.com/office/drawing/2014/main" id="{82638C08-84E7-40EC-A38E-473CB35FCB5A}"/>
+              </a:ext>
+            </a:extLst>
+          </p:cNvPr>
+          <p:cNvSpPr txBox="1"/>
+          <p:nvPr/>
+        </p:nvSpPr>
+        <p:spPr>
+          <a:xfrm>
+            <a:off x="4597690" y="2004969"/>
+            <a:ext cx="303288" cy="369332"/>
+          </a:xfrm>
+          <a:prstGeom prst="rect">
+            <a:avLst/>
+          </a:prstGeom>
+          <a:noFill/>
+        </p:spPr>
+        <p:txBody>
+          <a:bodyPr wrap="none" rtlCol="0">
+            <a:spAutoFit/>
+          </a:bodyPr>
+          <a:lstStyle/>
+          <a:p>
+            <a:r>
+              <a:rPr lang="en-US" altLang="zh-CN" dirty="0"/>
+              <a:t>e</a:t>
+            </a:r>
+            <a:endParaRPr lang="zh-CN" altLang="en-US" dirty="0"/>
+          </a:p>
+        </p:txBody>
+      </p:sp>
+      <p:cxnSp>
+        <p:nvCxnSpPr>
+          <p:cNvPr id="31" name="直接箭头连接符 30">
+            <a:extLst>
+              <a:ext uri="{FF2B5EF4-FFF2-40B4-BE49-F238E27FC236}">
+                <a16:creationId xmlns:a16="http://schemas.microsoft.com/office/drawing/2014/main" id="{25D09225-5E6F-45D8-A4D2-70A9C9B7EDCC}"/>
               </a:ext>
             </a:extLst>
           </p:cNvPr>
@@ -12354,74 +12390,38 @@
           <p:nvPr/>
         </p:nvCxnSpPr>
         <p:spPr>
-          <a:xfrm>
-            <a:off x="3956808" y="1519805"/>
-            <a:ext cx="0" cy="394282"/>
-          </a:xfrm>
-          <a:prstGeom prst="straightConnector1">
-            <a:avLst/>
-          </a:prstGeom>
-          <a:ln>
-            <a:tailEnd type="triangle"/>
-          </a:ln>
-        </p:spPr>
-        <p:style>
-          <a:lnRef idx="1">
-            <a:schemeClr val="accent1"/>
-          </a:lnRef>
-          <a:fillRef idx="0">
-            <a:schemeClr val="accent1"/>
-          </a:fillRef>
-          <a:effectRef idx="0">
-            <a:schemeClr val="accent1"/>
-          </a:effectRef>
-          <a:fontRef idx="minor">
-            <a:schemeClr val="tx1"/>
-          </a:fontRef>
-        </p:style>
-      </p:cxnSp>
-      <p:sp>
-        <p:nvSpPr>
-          <p:cNvPr id="30" name="文本框 29">
-            <a:extLst>
-              <a:ext uri="{FF2B5EF4-FFF2-40B4-BE49-F238E27FC236}">
-                <a16:creationId xmlns:a16="http://schemas.microsoft.com/office/drawing/2014/main" id="{82638C08-84E7-40EC-A38E-473CB35FCB5A}"/>
-              </a:ext>
-            </a:extLst>
-          </p:cNvPr>
-          <p:cNvSpPr txBox="1"/>
-          <p:nvPr/>
-        </p:nvSpPr>
-        <p:spPr>
-          <a:xfrm>
-            <a:off x="4597690" y="2004969"/>
-            <a:ext cx="303288" cy="369332"/>
-          </a:xfrm>
-          <a:prstGeom prst="rect">
-            <a:avLst/>
-          </a:prstGeom>
-          <a:noFill/>
-        </p:spPr>
-        <p:txBody>
-          <a:bodyPr wrap="none" rtlCol="0">
-            <a:spAutoFit/>
-          </a:bodyPr>
-          <a:lstStyle/>
-          <a:p>
-            <a:r>
-              <a:rPr lang="en-US" altLang="zh-CN" dirty="0"/>
-              <a:t>e</a:t>
-            </a:r>
-            <a:endParaRPr lang="zh-CN" altLang="en-US" dirty="0"/>
-          </a:p>
-        </p:txBody>
-      </p:sp>
-      <p:cxnSp>
-        <p:nvCxnSpPr>
-          <p:cNvPr id="31" name="直接箭头连接符 30">
-            <a:extLst>
-              <a:ext uri="{FF2B5EF4-FFF2-40B4-BE49-F238E27FC236}">
-                <a16:creationId xmlns:a16="http://schemas.microsoft.com/office/drawing/2014/main" id="{25D09225-5E6F-45D8-A4D2-70A9C9B7EDCC}"/>
+          <a:xfrm flipH="1">
+            <a:off x="4651405" y="1413896"/>
+            <a:ext cx="482243" cy="136620"/>
+          </a:xfrm>
+          <a:prstGeom prst="straightConnector1">
+            <a:avLst/>
+          </a:prstGeom>
+          <a:ln>
+            <a:tailEnd type="triangle"/>
+          </a:ln>
+        </p:spPr>
+        <p:style>
+          <a:lnRef idx="1">
+            <a:schemeClr val="accent1"/>
+          </a:lnRef>
+          <a:fillRef idx="0">
+            <a:schemeClr val="accent1"/>
+          </a:fillRef>
+          <a:effectRef idx="0">
+            <a:schemeClr val="accent1"/>
+          </a:effectRef>
+          <a:fontRef idx="minor">
+            <a:schemeClr val="tx1"/>
+          </a:fontRef>
+        </p:style>
+      </p:cxnSp>
+      <p:cxnSp>
+        <p:nvCxnSpPr>
+          <p:cNvPr id="32" name="直接箭头连接符 31">
+            <a:extLst>
+              <a:ext uri="{FF2B5EF4-FFF2-40B4-BE49-F238E27FC236}">
+                <a16:creationId xmlns:a16="http://schemas.microsoft.com/office/drawing/2014/main" id="{94D7ED7A-E2A6-4076-AC7A-A5CDA73B0B53}"/>
               </a:ext>
             </a:extLst>
           </p:cNvPr>
@@ -12431,38 +12431,38 @@
           <p:nvPr/>
         </p:nvCxnSpPr>
         <p:spPr>
-          <a:xfrm flipH="1">
-            <a:off x="4651405" y="1413896"/>
-            <a:ext cx="482243" cy="136620"/>
-          </a:xfrm>
-          <a:prstGeom prst="straightConnector1">
-            <a:avLst/>
-          </a:prstGeom>
-          <a:ln>
-            <a:tailEnd type="triangle"/>
-          </a:ln>
-        </p:spPr>
-        <p:style>
-          <a:lnRef idx="1">
-            <a:schemeClr val="accent1"/>
-          </a:lnRef>
-          <a:fillRef idx="0">
-            <a:schemeClr val="accent1"/>
-          </a:fillRef>
-          <a:effectRef idx="0">
-            <a:schemeClr val="accent1"/>
-          </a:effectRef>
-          <a:fontRef idx="minor">
-            <a:schemeClr val="tx1"/>
-          </a:fontRef>
-        </p:style>
-      </p:cxnSp>
-      <p:cxnSp>
-        <p:nvCxnSpPr>
-          <p:cNvPr id="32" name="直接箭头连接符 31">
-            <a:extLst>
-              <a:ext uri="{FF2B5EF4-FFF2-40B4-BE49-F238E27FC236}">
-                <a16:creationId xmlns:a16="http://schemas.microsoft.com/office/drawing/2014/main" id="{94D7ED7A-E2A6-4076-AC7A-A5CDA73B0B53}"/>
+          <a:xfrm flipV="1">
+            <a:off x="4665833" y="1500051"/>
+            <a:ext cx="480523" cy="145806"/>
+          </a:xfrm>
+          <a:prstGeom prst="straightConnector1">
+            <a:avLst/>
+          </a:prstGeom>
+          <a:ln>
+            <a:tailEnd type="triangle"/>
+          </a:ln>
+        </p:spPr>
+        <p:style>
+          <a:lnRef idx="1">
+            <a:schemeClr val="accent2"/>
+          </a:lnRef>
+          <a:fillRef idx="0">
+            <a:schemeClr val="accent2"/>
+          </a:fillRef>
+          <a:effectRef idx="0">
+            <a:schemeClr val="accent2"/>
+          </a:effectRef>
+          <a:fontRef idx="minor">
+            <a:schemeClr val="tx1"/>
+          </a:fontRef>
+        </p:style>
+      </p:cxnSp>
+      <p:cxnSp>
+        <p:nvCxnSpPr>
+          <p:cNvPr id="33" name="直接箭头连接符 32">
+            <a:extLst>
+              <a:ext uri="{FF2B5EF4-FFF2-40B4-BE49-F238E27FC236}">
+                <a16:creationId xmlns:a16="http://schemas.microsoft.com/office/drawing/2014/main" id="{AE6DEC35-36DB-4691-BA33-E3624E191323}"/>
               </a:ext>
             </a:extLst>
           </p:cNvPr>
@@ -12472,38 +12472,74 @@
           <p:nvPr/>
         </p:nvCxnSpPr>
         <p:spPr>
-          <a:xfrm flipV="1">
-            <a:off x="4665833" y="1500051"/>
-            <a:ext cx="480523" cy="145806"/>
-          </a:xfrm>
-          <a:prstGeom prst="straightConnector1">
-            <a:avLst/>
-          </a:prstGeom>
-          <a:ln>
-            <a:tailEnd type="triangle"/>
-          </a:ln>
-        </p:spPr>
-        <p:style>
-          <a:lnRef idx="1">
-            <a:schemeClr val="accent2"/>
-          </a:lnRef>
-          <a:fillRef idx="0">
-            <a:schemeClr val="accent2"/>
-          </a:fillRef>
-          <a:effectRef idx="0">
-            <a:schemeClr val="accent2"/>
-          </a:effectRef>
-          <a:fontRef idx="minor">
-            <a:schemeClr val="tx1"/>
-          </a:fontRef>
-        </p:style>
-      </p:cxnSp>
-      <p:cxnSp>
-        <p:nvCxnSpPr>
-          <p:cNvPr id="33" name="直接箭头连接符 32">
-            <a:extLst>
-              <a:ext uri="{FF2B5EF4-FFF2-40B4-BE49-F238E27FC236}">
-                <a16:creationId xmlns:a16="http://schemas.microsoft.com/office/drawing/2014/main" id="{AE6DEC35-36DB-4691-BA33-E3624E191323}"/>
+          <a:xfrm>
+            <a:off x="4591659" y="1519805"/>
+            <a:ext cx="0" cy="394282"/>
+          </a:xfrm>
+          <a:prstGeom prst="straightConnector1">
+            <a:avLst/>
+          </a:prstGeom>
+          <a:ln>
+            <a:tailEnd type="triangle"/>
+          </a:ln>
+        </p:spPr>
+        <p:style>
+          <a:lnRef idx="1">
+            <a:schemeClr val="accent1"/>
+          </a:lnRef>
+          <a:fillRef idx="0">
+            <a:schemeClr val="accent1"/>
+          </a:fillRef>
+          <a:effectRef idx="0">
+            <a:schemeClr val="accent1"/>
+          </a:effectRef>
+          <a:fontRef idx="minor">
+            <a:schemeClr val="tx1"/>
+          </a:fontRef>
+        </p:style>
+      </p:cxnSp>
+      <p:sp>
+        <p:nvSpPr>
+          <p:cNvPr id="35" name="文本框 34">
+            <a:extLst>
+              <a:ext uri="{FF2B5EF4-FFF2-40B4-BE49-F238E27FC236}">
+                <a16:creationId xmlns:a16="http://schemas.microsoft.com/office/drawing/2014/main" id="{48BC2F60-3741-4FD8-BF3A-B660659D33C5}"/>
+              </a:ext>
+            </a:extLst>
+          </p:cNvPr>
+          <p:cNvSpPr txBox="1"/>
+          <p:nvPr/>
+        </p:nvSpPr>
+        <p:spPr>
+          <a:xfrm>
+            <a:off x="5618360" y="2004969"/>
+            <a:ext cx="251992" cy="369332"/>
+          </a:xfrm>
+          <a:prstGeom prst="rect">
+            <a:avLst/>
+          </a:prstGeom>
+          <a:noFill/>
+        </p:spPr>
+        <p:txBody>
+          <a:bodyPr wrap="none" rtlCol="0">
+            <a:spAutoFit/>
+          </a:bodyPr>
+          <a:lstStyle/>
+          <a:p>
+            <a:r>
+              <a:rPr lang="en-US" altLang="zh-CN" dirty="0"/>
+              <a:t>f</a:t>
+            </a:r>
+            <a:endParaRPr lang="zh-CN" altLang="en-US" dirty="0"/>
+          </a:p>
+        </p:txBody>
+      </p:sp>
+      <p:cxnSp>
+        <p:nvCxnSpPr>
+          <p:cNvPr id="36" name="直接箭头连接符 35">
+            <a:extLst>
+              <a:ext uri="{FF2B5EF4-FFF2-40B4-BE49-F238E27FC236}">
+                <a16:creationId xmlns:a16="http://schemas.microsoft.com/office/drawing/2014/main" id="{81E70450-73B2-4447-B833-061C679A36D3}"/>
               </a:ext>
             </a:extLst>
           </p:cNvPr>
@@ -12513,74 +12549,38 @@
           <p:nvPr/>
         </p:nvCxnSpPr>
         <p:spPr>
-          <a:xfrm>
-            <a:off x="4591659" y="1519805"/>
-            <a:ext cx="0" cy="394282"/>
-          </a:xfrm>
-          <a:prstGeom prst="straightConnector1">
-            <a:avLst/>
-          </a:prstGeom>
-          <a:ln>
-            <a:tailEnd type="triangle"/>
-          </a:ln>
-        </p:spPr>
-        <p:style>
-          <a:lnRef idx="1">
-            <a:schemeClr val="accent1"/>
-          </a:lnRef>
-          <a:fillRef idx="0">
-            <a:schemeClr val="accent1"/>
-          </a:fillRef>
-          <a:effectRef idx="0">
-            <a:schemeClr val="accent1"/>
-          </a:effectRef>
-          <a:fontRef idx="minor">
-            <a:schemeClr val="tx1"/>
-          </a:fontRef>
-        </p:style>
-      </p:cxnSp>
-      <p:sp>
-        <p:nvSpPr>
-          <p:cNvPr id="35" name="文本框 34">
-            <a:extLst>
-              <a:ext uri="{FF2B5EF4-FFF2-40B4-BE49-F238E27FC236}">
-                <a16:creationId xmlns:a16="http://schemas.microsoft.com/office/drawing/2014/main" id="{48BC2F60-3741-4FD8-BF3A-B660659D33C5}"/>
-              </a:ext>
-            </a:extLst>
-          </p:cNvPr>
-          <p:cNvSpPr txBox="1"/>
-          <p:nvPr/>
-        </p:nvSpPr>
-        <p:spPr>
-          <a:xfrm>
-            <a:off x="5618360" y="2004969"/>
-            <a:ext cx="251992" cy="369332"/>
-          </a:xfrm>
-          <a:prstGeom prst="rect">
-            <a:avLst/>
-          </a:prstGeom>
-          <a:noFill/>
-        </p:spPr>
-        <p:txBody>
-          <a:bodyPr wrap="none" rtlCol="0">
-            <a:spAutoFit/>
-          </a:bodyPr>
-          <a:lstStyle/>
-          <a:p>
-            <a:r>
-              <a:rPr lang="en-US" altLang="zh-CN" dirty="0"/>
-              <a:t>f</a:t>
-            </a:r>
-            <a:endParaRPr lang="zh-CN" altLang="en-US" dirty="0"/>
-          </a:p>
-        </p:txBody>
-      </p:sp>
-      <p:cxnSp>
-        <p:nvCxnSpPr>
-          <p:cNvPr id="36" name="直接箭头连接符 35">
-            <a:extLst>
-              <a:ext uri="{FF2B5EF4-FFF2-40B4-BE49-F238E27FC236}">
-                <a16:creationId xmlns:a16="http://schemas.microsoft.com/office/drawing/2014/main" id="{81E70450-73B2-4447-B833-061C679A36D3}"/>
+          <a:xfrm flipH="1">
+            <a:off x="5692357" y="1296163"/>
+            <a:ext cx="431408" cy="223642"/>
+          </a:xfrm>
+          <a:prstGeom prst="straightConnector1">
+            <a:avLst/>
+          </a:prstGeom>
+          <a:ln>
+            <a:tailEnd type="triangle"/>
+          </a:ln>
+        </p:spPr>
+        <p:style>
+          <a:lnRef idx="1">
+            <a:schemeClr val="accent2"/>
+          </a:lnRef>
+          <a:fillRef idx="0">
+            <a:schemeClr val="accent2"/>
+          </a:fillRef>
+          <a:effectRef idx="0">
+            <a:schemeClr val="accent2"/>
+          </a:effectRef>
+          <a:fontRef idx="minor">
+            <a:schemeClr val="tx1"/>
+          </a:fontRef>
+        </p:style>
+      </p:cxnSp>
+      <p:cxnSp>
+        <p:nvCxnSpPr>
+          <p:cNvPr id="37" name="直接箭头连接符 36">
+            <a:extLst>
+              <a:ext uri="{FF2B5EF4-FFF2-40B4-BE49-F238E27FC236}">
+                <a16:creationId xmlns:a16="http://schemas.microsoft.com/office/drawing/2014/main" id="{2889763A-D462-443C-842E-DD1254E426D4}"/>
               </a:ext>
             </a:extLst>
           </p:cNvPr>
@@ -12590,38 +12590,38 @@
           <p:nvPr/>
         </p:nvCxnSpPr>
         <p:spPr>
-          <a:xfrm flipH="1">
-            <a:off x="5692357" y="1296163"/>
-            <a:ext cx="431408" cy="223642"/>
-          </a:xfrm>
-          <a:prstGeom prst="straightConnector1">
-            <a:avLst/>
-          </a:prstGeom>
-          <a:ln>
-            <a:tailEnd type="triangle"/>
-          </a:ln>
-        </p:spPr>
-        <p:style>
-          <a:lnRef idx="1">
-            <a:schemeClr val="accent2"/>
-          </a:lnRef>
-          <a:fillRef idx="0">
-            <a:schemeClr val="accent2"/>
-          </a:fillRef>
-          <a:effectRef idx="0">
-            <a:schemeClr val="accent2"/>
-          </a:effectRef>
-          <a:fontRef idx="minor">
-            <a:schemeClr val="tx1"/>
-          </a:fontRef>
-        </p:style>
-      </p:cxnSp>
-      <p:cxnSp>
-        <p:nvCxnSpPr>
-          <p:cNvPr id="37" name="直接箭头连接符 36">
-            <a:extLst>
-              <a:ext uri="{FF2B5EF4-FFF2-40B4-BE49-F238E27FC236}">
-                <a16:creationId xmlns:a16="http://schemas.microsoft.com/office/drawing/2014/main" id="{2889763A-D462-443C-842E-DD1254E426D4}"/>
+          <a:xfrm flipV="1">
+            <a:off x="5688162" y="1450051"/>
+            <a:ext cx="475972" cy="212367"/>
+          </a:xfrm>
+          <a:prstGeom prst="straightConnector1">
+            <a:avLst/>
+          </a:prstGeom>
+          <a:ln>
+            <a:tailEnd type="triangle"/>
+          </a:ln>
+        </p:spPr>
+        <p:style>
+          <a:lnRef idx="1">
+            <a:schemeClr val="accent1"/>
+          </a:lnRef>
+          <a:fillRef idx="0">
+            <a:schemeClr val="accent1"/>
+          </a:fillRef>
+          <a:effectRef idx="0">
+            <a:schemeClr val="accent1"/>
+          </a:effectRef>
+          <a:fontRef idx="minor">
+            <a:schemeClr val="tx1"/>
+          </a:fontRef>
+        </p:style>
+      </p:cxnSp>
+      <p:cxnSp>
+        <p:nvCxnSpPr>
+          <p:cNvPr id="38" name="直接箭头连接符 37">
+            <a:extLst>
+              <a:ext uri="{FF2B5EF4-FFF2-40B4-BE49-F238E27FC236}">
+                <a16:creationId xmlns:a16="http://schemas.microsoft.com/office/drawing/2014/main" id="{25A9DF17-AD9D-4E21-8B1F-A060C2D90883}"/>
               </a:ext>
             </a:extLst>
           </p:cNvPr>
@@ -12631,38 +12631,38 @@
           <p:nvPr/>
         </p:nvCxnSpPr>
         <p:spPr>
-          <a:xfrm flipV="1">
-            <a:off x="5688162" y="1450051"/>
-            <a:ext cx="475972" cy="212367"/>
-          </a:xfrm>
-          <a:prstGeom prst="straightConnector1">
-            <a:avLst/>
-          </a:prstGeom>
-          <a:ln>
-            <a:tailEnd type="triangle"/>
-          </a:ln>
-        </p:spPr>
-        <p:style>
-          <a:lnRef idx="1">
-            <a:schemeClr val="accent1"/>
-          </a:lnRef>
-          <a:fillRef idx="0">
-            <a:schemeClr val="accent1"/>
-          </a:fillRef>
-          <a:effectRef idx="0">
-            <a:schemeClr val="accent1"/>
-          </a:effectRef>
-          <a:fontRef idx="minor">
-            <a:schemeClr val="tx1"/>
-          </a:fontRef>
-        </p:style>
-      </p:cxnSp>
-      <p:cxnSp>
-        <p:nvCxnSpPr>
-          <p:cNvPr id="38" name="直接箭头连接符 37">
-            <a:extLst>
-              <a:ext uri="{FF2B5EF4-FFF2-40B4-BE49-F238E27FC236}">
-                <a16:creationId xmlns:a16="http://schemas.microsoft.com/office/drawing/2014/main" id="{25A9DF17-AD9D-4E21-8B1F-A060C2D90883}"/>
+          <a:xfrm>
+            <a:off x="5494360" y="1519805"/>
+            <a:ext cx="0" cy="394282"/>
+          </a:xfrm>
+          <a:prstGeom prst="straightConnector1">
+            <a:avLst/>
+          </a:prstGeom>
+          <a:ln>
+            <a:tailEnd type="triangle"/>
+          </a:ln>
+        </p:spPr>
+        <p:style>
+          <a:lnRef idx="1">
+            <a:schemeClr val="accent1"/>
+          </a:lnRef>
+          <a:fillRef idx="0">
+            <a:schemeClr val="accent1"/>
+          </a:fillRef>
+          <a:effectRef idx="0">
+            <a:schemeClr val="accent1"/>
+          </a:effectRef>
+          <a:fontRef idx="minor">
+            <a:schemeClr val="tx1"/>
+          </a:fontRef>
+        </p:style>
+      </p:cxnSp>
+      <p:cxnSp>
+        <p:nvCxnSpPr>
+          <p:cNvPr id="39" name="直接箭头连接符 38">
+            <a:extLst>
+              <a:ext uri="{FF2B5EF4-FFF2-40B4-BE49-F238E27FC236}">
+                <a16:creationId xmlns:a16="http://schemas.microsoft.com/office/drawing/2014/main" id="{8F24327D-DB5E-467F-B9E9-42AC8342E507}"/>
               </a:ext>
             </a:extLst>
           </p:cNvPr>
@@ -12672,38 +12672,74 @@
           <p:nvPr/>
         </p:nvCxnSpPr>
         <p:spPr>
-          <a:xfrm>
-            <a:off x="5494360" y="1519805"/>
-            <a:ext cx="0" cy="394282"/>
-          </a:xfrm>
-          <a:prstGeom prst="straightConnector1">
-            <a:avLst/>
-          </a:prstGeom>
-          <a:ln>
-            <a:tailEnd type="triangle"/>
-          </a:ln>
-        </p:spPr>
-        <p:style>
-          <a:lnRef idx="1">
-            <a:schemeClr val="accent1"/>
-          </a:lnRef>
-          <a:fillRef idx="0">
-            <a:schemeClr val="accent1"/>
-          </a:fillRef>
-          <a:effectRef idx="0">
-            <a:schemeClr val="accent1"/>
-          </a:effectRef>
-          <a:fontRef idx="minor">
-            <a:schemeClr val="tx1"/>
-          </a:fontRef>
-        </p:style>
-      </p:cxnSp>
-      <p:cxnSp>
-        <p:nvCxnSpPr>
-          <p:cNvPr id="39" name="直接箭头连接符 38">
-            <a:extLst>
-              <a:ext uri="{FF2B5EF4-FFF2-40B4-BE49-F238E27FC236}">
-                <a16:creationId xmlns:a16="http://schemas.microsoft.com/office/drawing/2014/main" id="{8F24327D-DB5E-467F-B9E9-42AC8342E507}"/>
+          <a:xfrm flipV="1">
+            <a:off x="5618360" y="1519805"/>
+            <a:ext cx="0" cy="457200"/>
+          </a:xfrm>
+          <a:prstGeom prst="straightConnector1">
+            <a:avLst/>
+          </a:prstGeom>
+          <a:ln>
+            <a:tailEnd type="triangle"/>
+          </a:ln>
+        </p:spPr>
+        <p:style>
+          <a:lnRef idx="1">
+            <a:schemeClr val="accent1"/>
+          </a:lnRef>
+          <a:fillRef idx="0">
+            <a:schemeClr val="accent1"/>
+          </a:fillRef>
+          <a:effectRef idx="0">
+            <a:schemeClr val="accent1"/>
+          </a:effectRef>
+          <a:fontRef idx="minor">
+            <a:schemeClr val="tx1"/>
+          </a:fontRef>
+        </p:style>
+      </p:cxnSp>
+      <p:sp>
+        <p:nvSpPr>
+          <p:cNvPr id="40" name="文本框 39">
+            <a:extLst>
+              <a:ext uri="{FF2B5EF4-FFF2-40B4-BE49-F238E27FC236}">
+                <a16:creationId xmlns:a16="http://schemas.microsoft.com/office/drawing/2014/main" id="{ABD2C309-8BBA-4A96-BEE4-8B136C38A30B}"/>
+              </a:ext>
+            </a:extLst>
+          </p:cNvPr>
+          <p:cNvSpPr txBox="1"/>
+          <p:nvPr/>
+        </p:nvSpPr>
+        <p:spPr>
+          <a:xfrm>
+            <a:off x="6559315" y="2004969"/>
+            <a:ext cx="317716" cy="369332"/>
+          </a:xfrm>
+          <a:prstGeom prst="rect">
+            <a:avLst/>
+          </a:prstGeom>
+          <a:noFill/>
+        </p:spPr>
+        <p:txBody>
+          <a:bodyPr wrap="none" rtlCol="0">
+            <a:spAutoFit/>
+          </a:bodyPr>
+          <a:lstStyle/>
+          <a:p>
+            <a:r>
+              <a:rPr lang="en-US" altLang="zh-CN" dirty="0"/>
+              <a:t>g</a:t>
+            </a:r>
+            <a:endParaRPr lang="zh-CN" altLang="en-US" dirty="0"/>
+          </a:p>
+        </p:txBody>
+      </p:sp>
+      <p:cxnSp>
+        <p:nvCxnSpPr>
+          <p:cNvPr id="41" name="直接箭头连接符 40">
+            <a:extLst>
+              <a:ext uri="{FF2B5EF4-FFF2-40B4-BE49-F238E27FC236}">
+                <a16:creationId xmlns:a16="http://schemas.microsoft.com/office/drawing/2014/main" id="{107A967C-1AF1-46AE-883D-EF5CCBB02506}"/>
               </a:ext>
             </a:extLst>
           </p:cNvPr>
@@ -12713,74 +12749,38 @@
           <p:nvPr/>
         </p:nvCxnSpPr>
         <p:spPr>
-          <a:xfrm flipV="1">
-            <a:off x="5618360" y="1519805"/>
-            <a:ext cx="0" cy="457200"/>
-          </a:xfrm>
-          <a:prstGeom prst="straightConnector1">
-            <a:avLst/>
-          </a:prstGeom>
-          <a:ln>
-            <a:tailEnd type="triangle"/>
-          </a:ln>
-        </p:spPr>
-        <p:style>
-          <a:lnRef idx="1">
-            <a:schemeClr val="accent1"/>
-          </a:lnRef>
-          <a:fillRef idx="0">
-            <a:schemeClr val="accent1"/>
-          </a:fillRef>
-          <a:effectRef idx="0">
-            <a:schemeClr val="accent1"/>
-          </a:effectRef>
-          <a:fontRef idx="minor">
-            <a:schemeClr val="tx1"/>
-          </a:fontRef>
-        </p:style>
-      </p:cxnSp>
-      <p:sp>
-        <p:nvSpPr>
-          <p:cNvPr id="40" name="文本框 39">
-            <a:extLst>
-              <a:ext uri="{FF2B5EF4-FFF2-40B4-BE49-F238E27FC236}">
-                <a16:creationId xmlns:a16="http://schemas.microsoft.com/office/drawing/2014/main" id="{ABD2C309-8BBA-4A96-BEE4-8B136C38A30B}"/>
-              </a:ext>
-            </a:extLst>
-          </p:cNvPr>
-          <p:cNvSpPr txBox="1"/>
-          <p:nvPr/>
-        </p:nvSpPr>
-        <p:spPr>
-          <a:xfrm>
-            <a:off x="6559315" y="2004969"/>
-            <a:ext cx="317716" cy="369332"/>
-          </a:xfrm>
-          <a:prstGeom prst="rect">
-            <a:avLst/>
-          </a:prstGeom>
-          <a:noFill/>
-        </p:spPr>
-        <p:txBody>
-          <a:bodyPr wrap="none" rtlCol="0">
-            <a:spAutoFit/>
-          </a:bodyPr>
-          <a:lstStyle/>
-          <a:p>
-            <a:r>
-              <a:rPr lang="en-US" altLang="zh-CN" dirty="0"/>
-              <a:t>g</a:t>
-            </a:r>
-            <a:endParaRPr lang="zh-CN" altLang="en-US" dirty="0"/>
-          </a:p>
-        </p:txBody>
-      </p:sp>
-      <p:cxnSp>
-        <p:nvCxnSpPr>
-          <p:cNvPr id="41" name="直接箭头连接符 40">
-            <a:extLst>
-              <a:ext uri="{FF2B5EF4-FFF2-40B4-BE49-F238E27FC236}">
-                <a16:creationId xmlns:a16="http://schemas.microsoft.com/office/drawing/2014/main" id="{107A967C-1AF1-46AE-883D-EF5CCBB02506}"/>
+          <a:xfrm flipH="1" flipV="1">
+            <a:off x="6470697" y="1348310"/>
+            <a:ext cx="474949" cy="171495"/>
+          </a:xfrm>
+          <a:prstGeom prst="straightConnector1">
+            <a:avLst/>
+          </a:prstGeom>
+          <a:ln>
+            <a:tailEnd type="triangle"/>
+          </a:ln>
+        </p:spPr>
+        <p:style>
+          <a:lnRef idx="1">
+            <a:schemeClr val="accent2"/>
+          </a:lnRef>
+          <a:fillRef idx="0">
+            <a:schemeClr val="accent2"/>
+          </a:fillRef>
+          <a:effectRef idx="0">
+            <a:schemeClr val="accent2"/>
+          </a:effectRef>
+          <a:fontRef idx="minor">
+            <a:schemeClr val="tx1"/>
+          </a:fontRef>
+        </p:style>
+      </p:cxnSp>
+      <p:cxnSp>
+        <p:nvCxnSpPr>
+          <p:cNvPr id="42" name="直接箭头连接符 41">
+            <a:extLst>
+              <a:ext uri="{FF2B5EF4-FFF2-40B4-BE49-F238E27FC236}">
+                <a16:creationId xmlns:a16="http://schemas.microsoft.com/office/drawing/2014/main" id="{C6AFE06C-00A9-4446-BA6D-0E6E39B8E8C4}"/>
               </a:ext>
             </a:extLst>
           </p:cNvPr>
@@ -12790,38 +12790,38 @@
           <p:nvPr/>
         </p:nvCxnSpPr>
         <p:spPr>
-          <a:xfrm flipH="1" flipV="1">
-            <a:off x="6470697" y="1348310"/>
-            <a:ext cx="474949" cy="171495"/>
-          </a:xfrm>
-          <a:prstGeom prst="straightConnector1">
-            <a:avLst/>
-          </a:prstGeom>
-          <a:ln>
-            <a:tailEnd type="triangle"/>
-          </a:ln>
-        </p:spPr>
-        <p:style>
-          <a:lnRef idx="1">
-            <a:schemeClr val="accent2"/>
-          </a:lnRef>
-          <a:fillRef idx="0">
-            <a:schemeClr val="accent2"/>
-          </a:fillRef>
-          <a:effectRef idx="0">
-            <a:schemeClr val="accent2"/>
-          </a:effectRef>
-          <a:fontRef idx="minor">
-            <a:schemeClr val="tx1"/>
-          </a:fontRef>
-        </p:style>
-      </p:cxnSp>
-      <p:cxnSp>
-        <p:nvCxnSpPr>
-          <p:cNvPr id="42" name="直接箭头连接符 41">
-            <a:extLst>
-              <a:ext uri="{FF2B5EF4-FFF2-40B4-BE49-F238E27FC236}">
-                <a16:creationId xmlns:a16="http://schemas.microsoft.com/office/drawing/2014/main" id="{C6AFE06C-00A9-4446-BA6D-0E6E39B8E8C4}"/>
+          <a:xfrm>
+            <a:off x="6470697" y="1482206"/>
+            <a:ext cx="474949" cy="145258"/>
+          </a:xfrm>
+          <a:prstGeom prst="straightConnector1">
+            <a:avLst/>
+          </a:prstGeom>
+          <a:ln>
+            <a:tailEnd type="triangle"/>
+          </a:ln>
+        </p:spPr>
+        <p:style>
+          <a:lnRef idx="1">
+            <a:schemeClr val="accent1"/>
+          </a:lnRef>
+          <a:fillRef idx="0">
+            <a:schemeClr val="accent1"/>
+          </a:fillRef>
+          <a:effectRef idx="0">
+            <a:schemeClr val="accent1"/>
+          </a:effectRef>
+          <a:fontRef idx="minor">
+            <a:schemeClr val="tx1"/>
+          </a:fontRef>
+        </p:style>
+      </p:cxnSp>
+      <p:cxnSp>
+        <p:nvCxnSpPr>
+          <p:cNvPr id="43" name="直接箭头连接符 42">
+            <a:extLst>
+              <a:ext uri="{FF2B5EF4-FFF2-40B4-BE49-F238E27FC236}">
+                <a16:creationId xmlns:a16="http://schemas.microsoft.com/office/drawing/2014/main" id="{694C0141-B9EF-4044-9ABB-CBCE604F1B9A}"/>
               </a:ext>
             </a:extLst>
           </p:cNvPr>
@@ -12832,37 +12832,73 @@
         </p:nvCxnSpPr>
         <p:spPr>
           <a:xfrm>
-            <a:off x="6470697" y="1482206"/>
-            <a:ext cx="474949" cy="145258"/>
-          </a:xfrm>
-          <a:prstGeom prst="straightConnector1">
-            <a:avLst/>
-          </a:prstGeom>
-          <a:ln>
-            <a:tailEnd type="triangle"/>
-          </a:ln>
-        </p:spPr>
-        <p:style>
-          <a:lnRef idx="1">
-            <a:schemeClr val="accent1"/>
-          </a:lnRef>
-          <a:fillRef idx="0">
-            <a:schemeClr val="accent1"/>
-          </a:fillRef>
-          <a:effectRef idx="0">
-            <a:schemeClr val="accent1"/>
-          </a:effectRef>
-          <a:fontRef idx="minor">
-            <a:schemeClr val="tx1"/>
-          </a:fontRef>
-        </p:style>
-      </p:cxnSp>
-      <p:cxnSp>
-        <p:nvCxnSpPr>
-          <p:cNvPr id="43" name="直接箭头连接符 42">
-            <a:extLst>
-              <a:ext uri="{FF2B5EF4-FFF2-40B4-BE49-F238E27FC236}">
-                <a16:creationId xmlns:a16="http://schemas.microsoft.com/office/drawing/2014/main" id="{694C0141-B9EF-4044-9ABB-CBCE604F1B9A}"/>
+            <a:off x="7027178" y="1519805"/>
+            <a:ext cx="0" cy="394282"/>
+          </a:xfrm>
+          <a:prstGeom prst="straightConnector1">
+            <a:avLst/>
+          </a:prstGeom>
+          <a:ln>
+            <a:tailEnd type="triangle"/>
+          </a:ln>
+        </p:spPr>
+        <p:style>
+          <a:lnRef idx="1">
+            <a:schemeClr val="accent1"/>
+          </a:lnRef>
+          <a:fillRef idx="0">
+            <a:schemeClr val="accent1"/>
+          </a:fillRef>
+          <a:effectRef idx="0">
+            <a:schemeClr val="accent1"/>
+          </a:effectRef>
+          <a:fontRef idx="minor">
+            <a:schemeClr val="tx1"/>
+          </a:fontRef>
+        </p:style>
+      </p:cxnSp>
+      <p:sp>
+        <p:nvSpPr>
+          <p:cNvPr id="44" name="文本框 43">
+            <a:extLst>
+              <a:ext uri="{FF2B5EF4-FFF2-40B4-BE49-F238E27FC236}">
+                <a16:creationId xmlns:a16="http://schemas.microsoft.com/office/drawing/2014/main" id="{5B80333D-2EAC-4A3C-BAA8-8B88909AC2CD}"/>
+              </a:ext>
+            </a:extLst>
+          </p:cNvPr>
+          <p:cNvSpPr txBox="1"/>
+          <p:nvPr/>
+        </p:nvSpPr>
+        <p:spPr>
+          <a:xfrm>
+            <a:off x="7668060" y="2004969"/>
+            <a:ext cx="317716" cy="369332"/>
+          </a:xfrm>
+          <a:prstGeom prst="rect">
+            <a:avLst/>
+          </a:prstGeom>
+          <a:noFill/>
+        </p:spPr>
+        <p:txBody>
+          <a:bodyPr wrap="none" rtlCol="0">
+            <a:spAutoFit/>
+          </a:bodyPr>
+          <a:lstStyle/>
+          <a:p>
+            <a:r>
+              <a:rPr lang="en-US" altLang="zh-CN" dirty="0"/>
+              <a:t>h</a:t>
+            </a:r>
+            <a:endParaRPr lang="zh-CN" altLang="en-US" dirty="0"/>
+          </a:p>
+        </p:txBody>
+      </p:sp>
+      <p:cxnSp>
+        <p:nvCxnSpPr>
+          <p:cNvPr id="47" name="直接箭头连接符 46">
+            <a:extLst>
+              <a:ext uri="{FF2B5EF4-FFF2-40B4-BE49-F238E27FC236}">
+                <a16:creationId xmlns:a16="http://schemas.microsoft.com/office/drawing/2014/main" id="{57B80F0B-D539-485F-84CA-346D911735B9}"/>
               </a:ext>
             </a:extLst>
           </p:cNvPr>
@@ -12873,7 +12909,7 @@
         </p:nvCxnSpPr>
         <p:spPr>
           <a:xfrm>
-            <a:off x="7027178" y="1519805"/>
+            <a:off x="7544060" y="1519805"/>
             <a:ext cx="0" cy="394282"/>
           </a:xfrm>
           <a:prstGeom prst="straightConnector1">
@@ -12885,61 +12921,25 @@
         </p:spPr>
         <p:style>
           <a:lnRef idx="1">
-            <a:schemeClr val="accent1"/>
-          </a:lnRef>
-          <a:fillRef idx="0">
-            <a:schemeClr val="accent1"/>
-          </a:fillRef>
-          <a:effectRef idx="0">
-            <a:schemeClr val="accent1"/>
-          </a:effectRef>
-          <a:fontRef idx="minor">
-            <a:schemeClr val="tx1"/>
-          </a:fontRef>
-        </p:style>
-      </p:cxnSp>
-      <p:sp>
-        <p:nvSpPr>
-          <p:cNvPr id="44" name="文本框 43">
-            <a:extLst>
-              <a:ext uri="{FF2B5EF4-FFF2-40B4-BE49-F238E27FC236}">
-                <a16:creationId xmlns:a16="http://schemas.microsoft.com/office/drawing/2014/main" id="{5B80333D-2EAC-4A3C-BAA8-8B88909AC2CD}"/>
-              </a:ext>
-            </a:extLst>
-          </p:cNvPr>
-          <p:cNvSpPr txBox="1"/>
-          <p:nvPr/>
-        </p:nvSpPr>
-        <p:spPr>
-          <a:xfrm>
-            <a:off x="7668060" y="2004969"/>
-            <a:ext cx="317716" cy="369332"/>
-          </a:xfrm>
-          <a:prstGeom prst="rect">
-            <a:avLst/>
-          </a:prstGeom>
-          <a:noFill/>
-        </p:spPr>
-        <p:txBody>
-          <a:bodyPr wrap="none" rtlCol="0">
-            <a:spAutoFit/>
-          </a:bodyPr>
-          <a:lstStyle/>
-          <a:p>
-            <a:r>
-              <a:rPr lang="en-US" altLang="zh-CN" dirty="0"/>
-              <a:t>h</a:t>
-            </a:r>
-            <a:endParaRPr lang="zh-CN" altLang="en-US" dirty="0"/>
-          </a:p>
-        </p:txBody>
-      </p:sp>
-      <p:cxnSp>
-        <p:nvCxnSpPr>
-          <p:cNvPr id="47" name="直接箭头连接符 46">
-            <a:extLst>
-              <a:ext uri="{FF2B5EF4-FFF2-40B4-BE49-F238E27FC236}">
-                <a16:creationId xmlns:a16="http://schemas.microsoft.com/office/drawing/2014/main" id="{57B80F0B-D539-485F-84CA-346D911735B9}"/>
+            <a:schemeClr val="accent2"/>
+          </a:lnRef>
+          <a:fillRef idx="0">
+            <a:schemeClr val="accent2"/>
+          </a:fillRef>
+          <a:effectRef idx="0">
+            <a:schemeClr val="accent2"/>
+          </a:effectRef>
+          <a:fontRef idx="minor">
+            <a:schemeClr val="tx1"/>
+          </a:fontRef>
+        </p:style>
+      </p:cxnSp>
+      <p:cxnSp>
+        <p:nvCxnSpPr>
+          <p:cNvPr id="48" name="直接箭头连接符 47">
+            <a:extLst>
+              <a:ext uri="{FF2B5EF4-FFF2-40B4-BE49-F238E27FC236}">
+                <a16:creationId xmlns:a16="http://schemas.microsoft.com/office/drawing/2014/main" id="{5189BC5B-396F-4B1C-A602-B1655FA3C114}"/>
               </a:ext>
             </a:extLst>
           </p:cNvPr>
@@ -12949,38 +12949,74 @@
           <p:nvPr/>
         </p:nvCxnSpPr>
         <p:spPr>
-          <a:xfrm>
-            <a:off x="7544060" y="1519805"/>
-            <a:ext cx="0" cy="394282"/>
-          </a:xfrm>
-          <a:prstGeom prst="straightConnector1">
-            <a:avLst/>
-          </a:prstGeom>
-          <a:ln>
-            <a:tailEnd type="triangle"/>
-          </a:ln>
-        </p:spPr>
-        <p:style>
-          <a:lnRef idx="1">
-            <a:schemeClr val="accent2"/>
-          </a:lnRef>
-          <a:fillRef idx="0">
-            <a:schemeClr val="accent2"/>
-          </a:fillRef>
-          <a:effectRef idx="0">
-            <a:schemeClr val="accent2"/>
-          </a:effectRef>
-          <a:fontRef idx="minor">
-            <a:schemeClr val="tx1"/>
-          </a:fontRef>
-        </p:style>
-      </p:cxnSp>
-      <p:cxnSp>
-        <p:nvCxnSpPr>
-          <p:cNvPr id="48" name="直接箭头连接符 47">
-            <a:extLst>
-              <a:ext uri="{FF2B5EF4-FFF2-40B4-BE49-F238E27FC236}">
-                <a16:creationId xmlns:a16="http://schemas.microsoft.com/office/drawing/2014/main" id="{5189BC5B-396F-4B1C-A602-B1655FA3C114}"/>
+          <a:xfrm flipV="1">
+            <a:off x="7643403" y="1549691"/>
+            <a:ext cx="465603" cy="308164"/>
+          </a:xfrm>
+          <a:prstGeom prst="straightConnector1">
+            <a:avLst/>
+          </a:prstGeom>
+          <a:ln>
+            <a:tailEnd type="triangle"/>
+          </a:ln>
+        </p:spPr>
+        <p:style>
+          <a:lnRef idx="1">
+            <a:schemeClr val="accent1"/>
+          </a:lnRef>
+          <a:fillRef idx="0">
+            <a:schemeClr val="accent1"/>
+          </a:fillRef>
+          <a:effectRef idx="0">
+            <a:schemeClr val="accent1"/>
+          </a:effectRef>
+          <a:fontRef idx="minor">
+            <a:schemeClr val="tx1"/>
+          </a:fontRef>
+        </p:style>
+      </p:cxnSp>
+      <p:sp>
+        <p:nvSpPr>
+          <p:cNvPr id="49" name="文本框 48">
+            <a:extLst>
+              <a:ext uri="{FF2B5EF4-FFF2-40B4-BE49-F238E27FC236}">
+                <a16:creationId xmlns:a16="http://schemas.microsoft.com/office/drawing/2014/main" id="{73124C4F-8629-4B4A-B5F2-10781E03FB03}"/>
+              </a:ext>
+            </a:extLst>
+          </p:cNvPr>
+          <p:cNvSpPr txBox="1"/>
+          <p:nvPr/>
+        </p:nvSpPr>
+        <p:spPr>
+          <a:xfrm>
+            <a:off x="8688730" y="2004969"/>
+            <a:ext cx="235962" cy="369332"/>
+          </a:xfrm>
+          <a:prstGeom prst="rect">
+            <a:avLst/>
+          </a:prstGeom>
+          <a:noFill/>
+        </p:spPr>
+        <p:txBody>
+          <a:bodyPr wrap="none" rtlCol="0">
+            <a:spAutoFit/>
+          </a:bodyPr>
+          <a:lstStyle/>
+          <a:p>
+            <a:r>
+              <a:rPr lang="en-US" altLang="zh-CN" dirty="0" err="1"/>
+              <a:t>i</a:t>
+            </a:r>
+            <a:endParaRPr lang="zh-CN" altLang="en-US" dirty="0"/>
+          </a:p>
+        </p:txBody>
+      </p:sp>
+      <p:cxnSp>
+        <p:nvCxnSpPr>
+          <p:cNvPr id="52" name="直接箭头连接符 51">
+            <a:extLst>
+              <a:ext uri="{FF2B5EF4-FFF2-40B4-BE49-F238E27FC236}">
+                <a16:creationId xmlns:a16="http://schemas.microsoft.com/office/drawing/2014/main" id="{EA0872D6-F934-4DE4-827F-44A0D8B585BD}"/>
               </a:ext>
             </a:extLst>
           </p:cNvPr>
@@ -12990,74 +13026,38 @@
           <p:nvPr/>
         </p:nvCxnSpPr>
         <p:spPr>
-          <a:xfrm flipV="1">
-            <a:off x="7643403" y="1549691"/>
-            <a:ext cx="465603" cy="308164"/>
-          </a:xfrm>
-          <a:prstGeom prst="straightConnector1">
-            <a:avLst/>
-          </a:prstGeom>
-          <a:ln>
-            <a:tailEnd type="triangle"/>
-          </a:ln>
-        </p:spPr>
-        <p:style>
-          <a:lnRef idx="1">
-            <a:schemeClr val="accent1"/>
-          </a:lnRef>
-          <a:fillRef idx="0">
-            <a:schemeClr val="accent1"/>
-          </a:fillRef>
-          <a:effectRef idx="0">
-            <a:schemeClr val="accent1"/>
-          </a:effectRef>
-          <a:fontRef idx="minor">
-            <a:schemeClr val="tx1"/>
-          </a:fontRef>
-        </p:style>
-      </p:cxnSp>
-      <p:sp>
-        <p:nvSpPr>
-          <p:cNvPr id="49" name="文本框 48">
-            <a:extLst>
-              <a:ext uri="{FF2B5EF4-FFF2-40B4-BE49-F238E27FC236}">
-                <a16:creationId xmlns:a16="http://schemas.microsoft.com/office/drawing/2014/main" id="{73124C4F-8629-4B4A-B5F2-10781E03FB03}"/>
-              </a:ext>
-            </a:extLst>
-          </p:cNvPr>
-          <p:cNvSpPr txBox="1"/>
-          <p:nvPr/>
-        </p:nvSpPr>
-        <p:spPr>
-          <a:xfrm>
-            <a:off x="8688730" y="2004969"/>
-            <a:ext cx="235962" cy="369332"/>
-          </a:xfrm>
-          <a:prstGeom prst="rect">
-            <a:avLst/>
-          </a:prstGeom>
-          <a:noFill/>
-        </p:spPr>
-        <p:txBody>
-          <a:bodyPr wrap="none" rtlCol="0">
-            <a:spAutoFit/>
-          </a:bodyPr>
-          <a:lstStyle/>
-          <a:p>
-            <a:r>
-              <a:rPr lang="en-US" altLang="zh-CN" dirty="0" err="1"/>
-              <a:t>i</a:t>
-            </a:r>
-            <a:endParaRPr lang="zh-CN" altLang="en-US" dirty="0"/>
-          </a:p>
-        </p:txBody>
-      </p:sp>
-      <p:cxnSp>
-        <p:nvCxnSpPr>
-          <p:cNvPr id="52" name="直接箭头连接符 51">
-            <a:extLst>
-              <a:ext uri="{FF2B5EF4-FFF2-40B4-BE49-F238E27FC236}">
-                <a16:creationId xmlns:a16="http://schemas.microsoft.com/office/drawing/2014/main" id="{EA0872D6-F934-4DE4-827F-44A0D8B585BD}"/>
+          <a:xfrm>
+            <a:off x="8696337" y="1519805"/>
+            <a:ext cx="0" cy="394282"/>
+          </a:xfrm>
+          <a:prstGeom prst="straightConnector1">
+            <a:avLst/>
+          </a:prstGeom>
+          <a:ln>
+            <a:tailEnd type="triangle"/>
+          </a:ln>
+        </p:spPr>
+        <p:style>
+          <a:lnRef idx="1">
+            <a:schemeClr val="accent2"/>
+          </a:lnRef>
+          <a:fillRef idx="0">
+            <a:schemeClr val="accent2"/>
+          </a:fillRef>
+          <a:effectRef idx="0">
+            <a:schemeClr val="accent2"/>
+          </a:effectRef>
+          <a:fontRef idx="minor">
+            <a:schemeClr val="tx1"/>
+          </a:fontRef>
+        </p:style>
+      </p:cxnSp>
+      <p:cxnSp>
+        <p:nvCxnSpPr>
+          <p:cNvPr id="53" name="直接箭头连接符 52">
+            <a:extLst>
+              <a:ext uri="{FF2B5EF4-FFF2-40B4-BE49-F238E27FC236}">
+                <a16:creationId xmlns:a16="http://schemas.microsoft.com/office/drawing/2014/main" id="{02C02306-E3A5-41A9-BEE3-DF11B39A3C6C}"/>
               </a:ext>
             </a:extLst>
           </p:cNvPr>
@@ -13067,38 +13067,74 @@
           <p:nvPr/>
         </p:nvCxnSpPr>
         <p:spPr>
-          <a:xfrm>
-            <a:off x="8696337" y="1519805"/>
-            <a:ext cx="0" cy="394282"/>
-          </a:xfrm>
-          <a:prstGeom prst="straightConnector1">
-            <a:avLst/>
-          </a:prstGeom>
-          <a:ln>
-            <a:tailEnd type="triangle"/>
-          </a:ln>
-        </p:spPr>
-        <p:style>
-          <a:lnRef idx="1">
-            <a:schemeClr val="accent2"/>
-          </a:lnRef>
-          <a:fillRef idx="0">
-            <a:schemeClr val="accent2"/>
-          </a:fillRef>
-          <a:effectRef idx="0">
-            <a:schemeClr val="accent2"/>
-          </a:effectRef>
-          <a:fontRef idx="minor">
-            <a:schemeClr val="tx1"/>
-          </a:fontRef>
-        </p:style>
-      </p:cxnSp>
-      <p:cxnSp>
-        <p:nvCxnSpPr>
-          <p:cNvPr id="53" name="直接箭头连接符 52">
-            <a:extLst>
-              <a:ext uri="{FF2B5EF4-FFF2-40B4-BE49-F238E27FC236}">
-                <a16:creationId xmlns:a16="http://schemas.microsoft.com/office/drawing/2014/main" id="{02C02306-E3A5-41A9-BEE3-DF11B39A3C6C}"/>
+          <a:xfrm flipV="1">
+            <a:off x="8820337" y="1519805"/>
+            <a:ext cx="0" cy="457200"/>
+          </a:xfrm>
+          <a:prstGeom prst="straightConnector1">
+            <a:avLst/>
+          </a:prstGeom>
+          <a:ln>
+            <a:tailEnd type="triangle"/>
+          </a:ln>
+        </p:spPr>
+        <p:style>
+          <a:lnRef idx="1">
+            <a:schemeClr val="accent1"/>
+          </a:lnRef>
+          <a:fillRef idx="0">
+            <a:schemeClr val="accent1"/>
+          </a:fillRef>
+          <a:effectRef idx="0">
+            <a:schemeClr val="accent1"/>
+          </a:effectRef>
+          <a:fontRef idx="minor">
+            <a:schemeClr val="tx1"/>
+          </a:fontRef>
+        </p:style>
+      </p:cxnSp>
+      <p:sp>
+        <p:nvSpPr>
+          <p:cNvPr id="54" name="文本框 53">
+            <a:extLst>
+              <a:ext uri="{FF2B5EF4-FFF2-40B4-BE49-F238E27FC236}">
+                <a16:creationId xmlns:a16="http://schemas.microsoft.com/office/drawing/2014/main" id="{F39EE33E-FCF6-4131-AFD8-A57BBD00CE21}"/>
+              </a:ext>
+            </a:extLst>
+          </p:cNvPr>
+          <p:cNvSpPr txBox="1"/>
+          <p:nvPr/>
+        </p:nvSpPr>
+        <p:spPr>
+          <a:xfrm>
+            <a:off x="408787" y="3110807"/>
+            <a:ext cx="235962" cy="369332"/>
+          </a:xfrm>
+          <a:prstGeom prst="rect">
+            <a:avLst/>
+          </a:prstGeom>
+          <a:noFill/>
+        </p:spPr>
+        <p:txBody>
+          <a:bodyPr wrap="none" rtlCol="0">
+            <a:spAutoFit/>
+          </a:bodyPr>
+          <a:lstStyle/>
+          <a:p>
+            <a:r>
+              <a:rPr lang="en-US" altLang="zh-CN" dirty="0"/>
+              <a:t>j</a:t>
+            </a:r>
+            <a:endParaRPr lang="zh-CN" altLang="en-US" dirty="0"/>
+          </a:p>
+        </p:txBody>
+      </p:sp>
+      <p:cxnSp>
+        <p:nvCxnSpPr>
+          <p:cNvPr id="55" name="直接箭头连接符 54">
+            <a:extLst>
+              <a:ext uri="{FF2B5EF4-FFF2-40B4-BE49-F238E27FC236}">
+                <a16:creationId xmlns:a16="http://schemas.microsoft.com/office/drawing/2014/main" id="{F72675F7-23EA-454B-B393-E5156179DC51}"/>
               </a:ext>
             </a:extLst>
           </p:cNvPr>
@@ -13108,74 +13144,38 @@
           <p:nvPr/>
         </p:nvCxnSpPr>
         <p:spPr>
-          <a:xfrm flipV="1">
-            <a:off x="8820337" y="1519805"/>
-            <a:ext cx="0" cy="457200"/>
-          </a:xfrm>
-          <a:prstGeom prst="straightConnector1">
-            <a:avLst/>
-          </a:prstGeom>
-          <a:ln>
-            <a:tailEnd type="triangle"/>
-          </a:ln>
-        </p:spPr>
-        <p:style>
-          <a:lnRef idx="1">
-            <a:schemeClr val="accent1"/>
-          </a:lnRef>
-          <a:fillRef idx="0">
-            <a:schemeClr val="accent1"/>
-          </a:fillRef>
-          <a:effectRef idx="0">
-            <a:schemeClr val="accent1"/>
-          </a:effectRef>
-          <a:fontRef idx="minor">
-            <a:schemeClr val="tx1"/>
-          </a:fontRef>
-        </p:style>
-      </p:cxnSp>
-      <p:sp>
-        <p:nvSpPr>
-          <p:cNvPr id="54" name="文本框 53">
-            <a:extLst>
-              <a:ext uri="{FF2B5EF4-FFF2-40B4-BE49-F238E27FC236}">
-                <a16:creationId xmlns:a16="http://schemas.microsoft.com/office/drawing/2014/main" id="{F39EE33E-FCF6-4131-AFD8-A57BBD00CE21}"/>
-              </a:ext>
-            </a:extLst>
-          </p:cNvPr>
-          <p:cNvSpPr txBox="1"/>
-          <p:nvPr/>
-        </p:nvSpPr>
-        <p:spPr>
-          <a:xfrm>
-            <a:off x="408787" y="3110807"/>
-            <a:ext cx="235962" cy="369332"/>
-          </a:xfrm>
-          <a:prstGeom prst="rect">
-            <a:avLst/>
-          </a:prstGeom>
-          <a:noFill/>
-        </p:spPr>
-        <p:txBody>
-          <a:bodyPr wrap="none" rtlCol="0">
-            <a:spAutoFit/>
-          </a:bodyPr>
-          <a:lstStyle/>
-          <a:p>
-            <a:r>
-              <a:rPr lang="en-US" altLang="zh-CN" dirty="0"/>
-              <a:t>j</a:t>
-            </a:r>
-            <a:endParaRPr lang="zh-CN" altLang="en-US" dirty="0"/>
-          </a:p>
-        </p:txBody>
-      </p:sp>
-      <p:cxnSp>
-        <p:nvCxnSpPr>
-          <p:cNvPr id="55" name="直接箭头连接符 54">
-            <a:extLst>
-              <a:ext uri="{FF2B5EF4-FFF2-40B4-BE49-F238E27FC236}">
-                <a16:creationId xmlns:a16="http://schemas.microsoft.com/office/drawing/2014/main" id="{F72675F7-23EA-454B-B393-E5156179DC51}"/>
+          <a:xfrm flipH="1" flipV="1">
+            <a:off x="379636" y="2840893"/>
+            <a:ext cx="430522" cy="179032"/>
+          </a:xfrm>
+          <a:prstGeom prst="straightConnector1">
+            <a:avLst/>
+          </a:prstGeom>
+          <a:ln>
+            <a:tailEnd type="triangle"/>
+          </a:ln>
+        </p:spPr>
+        <p:style>
+          <a:lnRef idx="1">
+            <a:schemeClr val="accent1"/>
+          </a:lnRef>
+          <a:fillRef idx="0">
+            <a:schemeClr val="accent1"/>
+          </a:fillRef>
+          <a:effectRef idx="0">
+            <a:schemeClr val="accent1"/>
+          </a:effectRef>
+          <a:fontRef idx="minor">
+            <a:schemeClr val="tx1"/>
+          </a:fontRef>
+        </p:style>
+      </p:cxnSp>
+      <p:cxnSp>
+        <p:nvCxnSpPr>
+          <p:cNvPr id="57" name="直接箭头连接符 56">
+            <a:extLst>
+              <a:ext uri="{FF2B5EF4-FFF2-40B4-BE49-F238E27FC236}">
+                <a16:creationId xmlns:a16="http://schemas.microsoft.com/office/drawing/2014/main" id="{E005CB16-51AC-4DFB-BDEF-985D7756F958}"/>
               </a:ext>
             </a:extLst>
           </p:cNvPr>
@@ -13185,38 +13185,74 @@
           <p:nvPr/>
         </p:nvCxnSpPr>
         <p:spPr>
-          <a:xfrm flipH="1" flipV="1">
-            <a:off x="379636" y="2840893"/>
-            <a:ext cx="430522" cy="179032"/>
-          </a:xfrm>
-          <a:prstGeom prst="straightConnector1">
-            <a:avLst/>
-          </a:prstGeom>
-          <a:ln>
-            <a:tailEnd type="triangle"/>
-          </a:ln>
-        </p:spPr>
-        <p:style>
-          <a:lnRef idx="1">
-            <a:schemeClr val="accent1"/>
-          </a:lnRef>
-          <a:fillRef idx="0">
-            <a:schemeClr val="accent1"/>
-          </a:fillRef>
-          <a:effectRef idx="0">
-            <a:schemeClr val="accent1"/>
-          </a:effectRef>
-          <a:fontRef idx="minor">
-            <a:schemeClr val="tx1"/>
-          </a:fontRef>
-        </p:style>
-      </p:cxnSp>
-      <p:cxnSp>
-        <p:nvCxnSpPr>
-          <p:cNvPr id="57" name="直接箭头连接符 56">
-            <a:extLst>
-              <a:ext uri="{FF2B5EF4-FFF2-40B4-BE49-F238E27FC236}">
-                <a16:creationId xmlns:a16="http://schemas.microsoft.com/office/drawing/2014/main" id="{E005CB16-51AC-4DFB-BDEF-985D7756F958}"/>
+          <a:xfrm>
+            <a:off x="876650" y="2625643"/>
+            <a:ext cx="0" cy="394282"/>
+          </a:xfrm>
+          <a:prstGeom prst="straightConnector1">
+            <a:avLst/>
+          </a:prstGeom>
+          <a:ln>
+            <a:tailEnd type="triangle"/>
+          </a:ln>
+        </p:spPr>
+        <p:style>
+          <a:lnRef idx="1">
+            <a:schemeClr val="accent2"/>
+          </a:lnRef>
+          <a:fillRef idx="0">
+            <a:schemeClr val="accent2"/>
+          </a:fillRef>
+          <a:effectRef idx="0">
+            <a:schemeClr val="accent2"/>
+          </a:effectRef>
+          <a:fontRef idx="minor">
+            <a:schemeClr val="tx1"/>
+          </a:fontRef>
+        </p:style>
+      </p:cxnSp>
+      <p:sp>
+        <p:nvSpPr>
+          <p:cNvPr id="58" name="文本框 57">
+            <a:extLst>
+              <a:ext uri="{FF2B5EF4-FFF2-40B4-BE49-F238E27FC236}">
+                <a16:creationId xmlns:a16="http://schemas.microsoft.com/office/drawing/2014/main" id="{E10268BB-83C3-4462-B67D-D8143360FE13}"/>
+              </a:ext>
+            </a:extLst>
+          </p:cNvPr>
+          <p:cNvSpPr txBox="1"/>
+          <p:nvPr/>
+        </p:nvSpPr>
+        <p:spPr>
+          <a:xfrm>
+            <a:off x="1517532" y="3110807"/>
+            <a:ext cx="293670" cy="369332"/>
+          </a:xfrm>
+          <a:prstGeom prst="rect">
+            <a:avLst/>
+          </a:prstGeom>
+          <a:noFill/>
+        </p:spPr>
+        <p:txBody>
+          <a:bodyPr wrap="none" rtlCol="0">
+            <a:spAutoFit/>
+          </a:bodyPr>
+          <a:lstStyle/>
+          <a:p>
+            <a:r>
+              <a:rPr lang="en-US" altLang="zh-CN" dirty="0"/>
+              <a:t>k</a:t>
+            </a:r>
+            <a:endParaRPr lang="zh-CN" altLang="en-US" dirty="0"/>
+          </a:p>
+        </p:txBody>
+      </p:sp>
+      <p:cxnSp>
+        <p:nvCxnSpPr>
+          <p:cNvPr id="61" name="直接箭头连接符 60">
+            <a:extLst>
+              <a:ext uri="{FF2B5EF4-FFF2-40B4-BE49-F238E27FC236}">
+                <a16:creationId xmlns:a16="http://schemas.microsoft.com/office/drawing/2014/main" id="{50CF6180-17D7-4EEE-AB3E-1308713250E0}"/>
               </a:ext>
             </a:extLst>
           </p:cNvPr>
@@ -13227,7 +13263,7 @@
         </p:nvCxnSpPr>
         <p:spPr>
           <a:xfrm>
-            <a:off x="876650" y="2625643"/>
+            <a:off x="1393532" y="2625643"/>
             <a:ext cx="0" cy="394282"/>
           </a:xfrm>
           <a:prstGeom prst="straightConnector1">
@@ -13252,48 +13288,12 @@
           </a:fontRef>
         </p:style>
       </p:cxnSp>
-      <p:sp>
-        <p:nvSpPr>
-          <p:cNvPr id="58" name="文本框 57">
-            <a:extLst>
-              <a:ext uri="{FF2B5EF4-FFF2-40B4-BE49-F238E27FC236}">
-                <a16:creationId xmlns:a16="http://schemas.microsoft.com/office/drawing/2014/main" id="{E10268BB-83C3-4462-B67D-D8143360FE13}"/>
-              </a:ext>
-            </a:extLst>
-          </p:cNvPr>
-          <p:cNvSpPr txBox="1"/>
-          <p:nvPr/>
-        </p:nvSpPr>
-        <p:spPr>
-          <a:xfrm>
-            <a:off x="1517532" y="3110807"/>
-            <a:ext cx="293670" cy="369332"/>
-          </a:xfrm>
-          <a:prstGeom prst="rect">
-            <a:avLst/>
-          </a:prstGeom>
-          <a:noFill/>
-        </p:spPr>
-        <p:txBody>
-          <a:bodyPr wrap="none" rtlCol="0">
-            <a:spAutoFit/>
-          </a:bodyPr>
-          <a:lstStyle/>
-          <a:p>
-            <a:r>
-              <a:rPr lang="en-US" altLang="zh-CN" dirty="0"/>
-              <a:t>k</a:t>
-            </a:r>
-            <a:endParaRPr lang="zh-CN" altLang="en-US" dirty="0"/>
-          </a:p>
-        </p:txBody>
-      </p:sp>
-      <p:cxnSp>
-        <p:nvCxnSpPr>
-          <p:cNvPr id="61" name="直接箭头连接符 60">
-            <a:extLst>
-              <a:ext uri="{FF2B5EF4-FFF2-40B4-BE49-F238E27FC236}">
-                <a16:creationId xmlns:a16="http://schemas.microsoft.com/office/drawing/2014/main" id="{50CF6180-17D7-4EEE-AB3E-1308713250E0}"/>
+      <p:cxnSp>
+        <p:nvCxnSpPr>
+          <p:cNvPr id="62" name="直接箭头连接符 61">
+            <a:extLst>
+              <a:ext uri="{FF2B5EF4-FFF2-40B4-BE49-F238E27FC236}">
+                <a16:creationId xmlns:a16="http://schemas.microsoft.com/office/drawing/2014/main" id="{C9820213-7918-49F1-A887-917BCFDAB5E0}"/>
               </a:ext>
             </a:extLst>
           </p:cNvPr>
@@ -13303,38 +13303,74 @@
           <p:nvPr/>
         </p:nvCxnSpPr>
         <p:spPr>
-          <a:xfrm>
-            <a:off x="1393532" y="2625643"/>
-            <a:ext cx="0" cy="394282"/>
-          </a:xfrm>
-          <a:prstGeom prst="straightConnector1">
-            <a:avLst/>
-          </a:prstGeom>
-          <a:ln>
-            <a:tailEnd type="triangle"/>
-          </a:ln>
-        </p:spPr>
-        <p:style>
-          <a:lnRef idx="1">
-            <a:schemeClr val="accent2"/>
-          </a:lnRef>
-          <a:fillRef idx="0">
-            <a:schemeClr val="accent2"/>
-          </a:fillRef>
-          <a:effectRef idx="0">
-            <a:schemeClr val="accent2"/>
-          </a:effectRef>
-          <a:fontRef idx="minor">
-            <a:schemeClr val="tx1"/>
-          </a:fontRef>
-        </p:style>
-      </p:cxnSp>
-      <p:cxnSp>
-        <p:nvCxnSpPr>
-          <p:cNvPr id="62" name="直接箭头连接符 61">
-            <a:extLst>
-              <a:ext uri="{FF2B5EF4-FFF2-40B4-BE49-F238E27FC236}">
-                <a16:creationId xmlns:a16="http://schemas.microsoft.com/office/drawing/2014/main" id="{C9820213-7918-49F1-A887-917BCFDAB5E0}"/>
+          <a:xfrm flipV="1">
+            <a:off x="1449279" y="2628220"/>
+            <a:ext cx="541823" cy="359784"/>
+          </a:xfrm>
+          <a:prstGeom prst="straightConnector1">
+            <a:avLst/>
+          </a:prstGeom>
+          <a:ln>
+            <a:tailEnd type="triangle"/>
+          </a:ln>
+        </p:spPr>
+        <p:style>
+          <a:lnRef idx="1">
+            <a:schemeClr val="accent1"/>
+          </a:lnRef>
+          <a:fillRef idx="0">
+            <a:schemeClr val="accent1"/>
+          </a:fillRef>
+          <a:effectRef idx="0">
+            <a:schemeClr val="accent1"/>
+          </a:effectRef>
+          <a:fontRef idx="minor">
+            <a:schemeClr val="tx1"/>
+          </a:fontRef>
+        </p:style>
+      </p:cxnSp>
+      <p:sp>
+        <p:nvSpPr>
+          <p:cNvPr id="63" name="文本框 62">
+            <a:extLst>
+              <a:ext uri="{FF2B5EF4-FFF2-40B4-BE49-F238E27FC236}">
+                <a16:creationId xmlns:a16="http://schemas.microsoft.com/office/drawing/2014/main" id="{20818D46-2F3C-4D48-B19B-64CF6B25CA89}"/>
+              </a:ext>
+            </a:extLst>
+          </p:cNvPr>
+          <p:cNvSpPr txBox="1"/>
+          <p:nvPr/>
+        </p:nvSpPr>
+        <p:spPr>
+          <a:xfrm>
+            <a:off x="2538202" y="3110807"/>
+            <a:ext cx="235962" cy="369332"/>
+          </a:xfrm>
+          <a:prstGeom prst="rect">
+            <a:avLst/>
+          </a:prstGeom>
+          <a:noFill/>
+        </p:spPr>
+        <p:txBody>
+          <a:bodyPr wrap="none" rtlCol="0">
+            <a:spAutoFit/>
+          </a:bodyPr>
+          <a:lstStyle/>
+          <a:p>
+            <a:r>
+              <a:rPr lang="en-US" altLang="zh-CN" dirty="0"/>
+              <a:t>l</a:t>
+            </a:r>
+            <a:endParaRPr lang="zh-CN" altLang="en-US" dirty="0"/>
+          </a:p>
+        </p:txBody>
+      </p:sp>
+      <p:cxnSp>
+        <p:nvCxnSpPr>
+          <p:cNvPr id="66" name="直接箭头连接符 65">
+            <a:extLst>
+              <a:ext uri="{FF2B5EF4-FFF2-40B4-BE49-F238E27FC236}">
+                <a16:creationId xmlns:a16="http://schemas.microsoft.com/office/drawing/2014/main" id="{AC339F5D-0EC5-473A-9FCE-BC68C0C51558}"/>
               </a:ext>
             </a:extLst>
           </p:cNvPr>
@@ -13344,48 +13380,48 @@
           <p:nvPr/>
         </p:nvCxnSpPr>
         <p:spPr>
-          <a:xfrm flipV="1">
-            <a:off x="1449279" y="2628220"/>
-            <a:ext cx="541823" cy="359784"/>
-          </a:xfrm>
-          <a:prstGeom prst="straightConnector1">
-            <a:avLst/>
-          </a:prstGeom>
-          <a:ln>
-            <a:tailEnd type="triangle"/>
-          </a:ln>
-        </p:spPr>
-        <p:style>
-          <a:lnRef idx="1">
-            <a:schemeClr val="accent1"/>
-          </a:lnRef>
-          <a:fillRef idx="0">
-            <a:schemeClr val="accent1"/>
-          </a:fillRef>
-          <a:effectRef idx="0">
-            <a:schemeClr val="accent1"/>
-          </a:effectRef>
-          <a:fontRef idx="minor">
-            <a:schemeClr val="tx1"/>
-          </a:fontRef>
-        </p:style>
-      </p:cxnSp>
-      <p:sp>
-        <p:nvSpPr>
-          <p:cNvPr id="63" name="文本框 62">
-            <a:extLst>
-              <a:ext uri="{FF2B5EF4-FFF2-40B4-BE49-F238E27FC236}">
-                <a16:creationId xmlns:a16="http://schemas.microsoft.com/office/drawing/2014/main" id="{20818D46-2F3C-4D48-B19B-64CF6B25CA89}"/>
-              </a:ext>
-            </a:extLst>
-          </p:cNvPr>
-          <p:cNvSpPr txBox="1"/>
-          <p:nvPr/>
-        </p:nvSpPr>
-        <p:spPr>
-          <a:xfrm>
-            <a:off x="2538202" y="3110807"/>
-            <a:ext cx="235962" cy="369332"/>
+          <a:xfrm>
+            <a:off x="2670066" y="2625643"/>
+            <a:ext cx="0" cy="394282"/>
+          </a:xfrm>
+          <a:prstGeom prst="straightConnector1">
+            <a:avLst/>
+          </a:prstGeom>
+          <a:ln>
+            <a:tailEnd type="triangle"/>
+          </a:ln>
+        </p:spPr>
+        <p:style>
+          <a:lnRef idx="1">
+            <a:schemeClr val="accent2"/>
+          </a:lnRef>
+          <a:fillRef idx="0">
+            <a:schemeClr val="accent2"/>
+          </a:fillRef>
+          <a:effectRef idx="0">
+            <a:schemeClr val="accent2"/>
+          </a:effectRef>
+          <a:fontRef idx="minor">
+            <a:schemeClr val="tx1"/>
+          </a:fontRef>
+        </p:style>
+      </p:cxnSp>
+      <p:sp>
+        <p:nvSpPr>
+          <p:cNvPr id="68" name="文本框 67">
+            <a:extLst>
+              <a:ext uri="{FF2B5EF4-FFF2-40B4-BE49-F238E27FC236}">
+                <a16:creationId xmlns:a16="http://schemas.microsoft.com/office/drawing/2014/main" id="{229CCF77-3897-4F53-BC08-FF5BF92F62E9}"/>
+              </a:ext>
+            </a:extLst>
+          </p:cNvPr>
+          <p:cNvSpPr txBox="1"/>
+          <p:nvPr/>
+        </p:nvSpPr>
+        <p:spPr>
+          <a:xfrm>
+            <a:off x="3488945" y="3110807"/>
+            <a:ext cx="378630" cy="369332"/>
           </a:xfrm>
           <a:prstGeom prst="rect">
             <a:avLst/>
@@ -13400,7 +13436,7 @@
           <a:p>
             <a:r>
               <a:rPr lang="en-US" altLang="zh-CN" dirty="0"/>
-              <a:t>l</a:t>
+              <a:t>m</a:t>
             </a:r>
             <a:endParaRPr lang="zh-CN" altLang="en-US" dirty="0"/>
           </a:p>
@@ -13408,10 +13444,10 @@
       </p:sp>
       <p:cxnSp>
         <p:nvCxnSpPr>
-          <p:cNvPr id="66" name="直接箭头连接符 65">
-            <a:extLst>
-              <a:ext uri="{FF2B5EF4-FFF2-40B4-BE49-F238E27FC236}">
-                <a16:creationId xmlns:a16="http://schemas.microsoft.com/office/drawing/2014/main" id="{AC339F5D-0EC5-473A-9FCE-BC68C0C51558}"/>
+          <p:cNvPr id="71" name="直接箭头连接符 70">
+            <a:extLst>
+              <a:ext uri="{FF2B5EF4-FFF2-40B4-BE49-F238E27FC236}">
+                <a16:creationId xmlns:a16="http://schemas.microsoft.com/office/drawing/2014/main" id="{C2D72FC3-C696-409C-B129-89BDD2D040CE}"/>
               </a:ext>
             </a:extLst>
           </p:cNvPr>
@@ -13422,7 +13458,7 @@
         </p:nvCxnSpPr>
         <p:spPr>
           <a:xfrm>
-            <a:off x="2670066" y="2625643"/>
+            <a:off x="3488945" y="2625643"/>
             <a:ext cx="0" cy="394282"/>
           </a:xfrm>
           <a:prstGeom prst="straightConnector1">
@@ -13449,20 +13485,20 @@
       </p:cxnSp>
       <p:sp>
         <p:nvSpPr>
-          <p:cNvPr id="68" name="文本框 67">
-            <a:extLst>
-              <a:ext uri="{FF2B5EF4-FFF2-40B4-BE49-F238E27FC236}">
-                <a16:creationId xmlns:a16="http://schemas.microsoft.com/office/drawing/2014/main" id="{229CCF77-3897-4F53-BC08-FF5BF92F62E9}"/>
-              </a:ext>
-            </a:extLst>
-          </p:cNvPr>
-          <p:cNvSpPr txBox="1"/>
-          <p:nvPr/>
-        </p:nvSpPr>
-        <p:spPr>
-          <a:xfrm>
-            <a:off x="3488945" y="3110807"/>
-            <a:ext cx="378630" cy="369332"/>
+          <p:cNvPr id="72" name="文本框 71">
+            <a:extLst>
+              <a:ext uri="{FF2B5EF4-FFF2-40B4-BE49-F238E27FC236}">
+                <a16:creationId xmlns:a16="http://schemas.microsoft.com/office/drawing/2014/main" id="{13041F7A-0FC4-45F5-80E2-5099614972A6}"/>
+              </a:ext>
+            </a:extLst>
+          </p:cNvPr>
+          <p:cNvSpPr txBox="1"/>
+          <p:nvPr/>
+        </p:nvSpPr>
+        <p:spPr>
+          <a:xfrm>
+            <a:off x="4597690" y="3110807"/>
+            <a:ext cx="317716" cy="369332"/>
           </a:xfrm>
           <a:prstGeom prst="rect">
             <a:avLst/>
@@ -13477,18 +13513,54 @@
           <a:p>
             <a:r>
               <a:rPr lang="en-US" altLang="zh-CN" dirty="0"/>
-              <a:t>m</a:t>
+              <a:t>n</a:t>
             </a:r>
             <a:endParaRPr lang="zh-CN" altLang="en-US" dirty="0"/>
           </a:p>
         </p:txBody>
       </p:sp>
-      <p:cxnSp>
-        <p:nvCxnSpPr>
-          <p:cNvPr id="71" name="直接箭头连接符 70">
-            <a:extLst>
-              <a:ext uri="{FF2B5EF4-FFF2-40B4-BE49-F238E27FC236}">
-                <a16:creationId xmlns:a16="http://schemas.microsoft.com/office/drawing/2014/main" id="{C2D72FC3-C696-409C-B129-89BDD2D040CE}"/>
+      <p:sp>
+        <p:nvSpPr>
+          <p:cNvPr id="77" name="文本框 76">
+            <a:extLst>
+              <a:ext uri="{FF2B5EF4-FFF2-40B4-BE49-F238E27FC236}">
+                <a16:creationId xmlns:a16="http://schemas.microsoft.com/office/drawing/2014/main" id="{A9BB7FFF-A1FF-417D-80CC-7D633F213CD1}"/>
+              </a:ext>
+            </a:extLst>
+          </p:cNvPr>
+          <p:cNvSpPr txBox="1"/>
+          <p:nvPr/>
+        </p:nvSpPr>
+        <p:spPr>
+          <a:xfrm>
+            <a:off x="5618360" y="3110807"/>
+            <a:ext cx="317716" cy="369332"/>
+          </a:xfrm>
+          <a:prstGeom prst="rect">
+            <a:avLst/>
+          </a:prstGeom>
+          <a:noFill/>
+        </p:spPr>
+        <p:txBody>
+          <a:bodyPr wrap="none" rtlCol="0">
+            <a:spAutoFit/>
+          </a:bodyPr>
+          <a:lstStyle/>
+          <a:p>
+            <a:r>
+              <a:rPr lang="en-US" altLang="zh-CN" dirty="0"/>
+              <a:t>o</a:t>
+            </a:r>
+            <a:endParaRPr lang="zh-CN" altLang="en-US" dirty="0"/>
+          </a:p>
+        </p:txBody>
+      </p:sp>
+      <p:cxnSp>
+        <p:nvCxnSpPr>
+          <p:cNvPr id="78" name="直接箭头连接符 77">
+            <a:extLst>
+              <a:ext uri="{FF2B5EF4-FFF2-40B4-BE49-F238E27FC236}">
+                <a16:creationId xmlns:a16="http://schemas.microsoft.com/office/drawing/2014/main" id="{9BF059F1-57A7-4984-856A-88091B54EDC2}"/>
               </a:ext>
             </a:extLst>
           </p:cNvPr>
@@ -13498,9 +13570,9 @@
           <p:nvPr/>
         </p:nvCxnSpPr>
         <p:spPr>
-          <a:xfrm>
-            <a:off x="3488945" y="2625643"/>
-            <a:ext cx="0" cy="394282"/>
+          <a:xfrm flipH="1">
+            <a:off x="5494360" y="2653607"/>
+            <a:ext cx="565064" cy="178975"/>
           </a:xfrm>
           <a:prstGeom prst="straightConnector1">
             <a:avLst/>
@@ -13524,84 +13596,12 @@
           </a:fontRef>
         </p:style>
       </p:cxnSp>
-      <p:sp>
-        <p:nvSpPr>
-          <p:cNvPr id="72" name="文本框 71">
-            <a:extLst>
-              <a:ext uri="{FF2B5EF4-FFF2-40B4-BE49-F238E27FC236}">
-                <a16:creationId xmlns:a16="http://schemas.microsoft.com/office/drawing/2014/main" id="{13041F7A-0FC4-45F5-80E2-5099614972A6}"/>
-              </a:ext>
-            </a:extLst>
-          </p:cNvPr>
-          <p:cNvSpPr txBox="1"/>
-          <p:nvPr/>
-        </p:nvSpPr>
-        <p:spPr>
-          <a:xfrm>
-            <a:off x="4597690" y="3110807"/>
-            <a:ext cx="317716" cy="369332"/>
-          </a:xfrm>
-          <a:prstGeom prst="rect">
-            <a:avLst/>
-          </a:prstGeom>
-          <a:noFill/>
-        </p:spPr>
-        <p:txBody>
-          <a:bodyPr wrap="none" rtlCol="0">
-            <a:spAutoFit/>
-          </a:bodyPr>
-          <a:lstStyle/>
-          <a:p>
-            <a:r>
-              <a:rPr lang="en-US" altLang="zh-CN" dirty="0"/>
-              <a:t>n</a:t>
-            </a:r>
-            <a:endParaRPr lang="zh-CN" altLang="en-US" dirty="0"/>
-          </a:p>
-        </p:txBody>
-      </p:sp>
-      <p:sp>
-        <p:nvSpPr>
-          <p:cNvPr id="77" name="文本框 76">
-            <a:extLst>
-              <a:ext uri="{FF2B5EF4-FFF2-40B4-BE49-F238E27FC236}">
-                <a16:creationId xmlns:a16="http://schemas.microsoft.com/office/drawing/2014/main" id="{A9BB7FFF-A1FF-417D-80CC-7D633F213CD1}"/>
-              </a:ext>
-            </a:extLst>
-          </p:cNvPr>
-          <p:cNvSpPr txBox="1"/>
-          <p:nvPr/>
-        </p:nvSpPr>
-        <p:spPr>
-          <a:xfrm>
-            <a:off x="5618360" y="3110807"/>
-            <a:ext cx="317716" cy="369332"/>
-          </a:xfrm>
-          <a:prstGeom prst="rect">
-            <a:avLst/>
-          </a:prstGeom>
-          <a:noFill/>
-        </p:spPr>
-        <p:txBody>
-          <a:bodyPr wrap="none" rtlCol="0">
-            <a:spAutoFit/>
-          </a:bodyPr>
-          <a:lstStyle/>
-          <a:p>
-            <a:r>
-              <a:rPr lang="en-US" altLang="zh-CN" dirty="0"/>
-              <a:t>o</a:t>
-            </a:r>
-            <a:endParaRPr lang="zh-CN" altLang="en-US" dirty="0"/>
-          </a:p>
-        </p:txBody>
-      </p:sp>
-      <p:cxnSp>
-        <p:nvCxnSpPr>
-          <p:cNvPr id="78" name="直接箭头连接符 77">
-            <a:extLst>
-              <a:ext uri="{FF2B5EF4-FFF2-40B4-BE49-F238E27FC236}">
-                <a16:creationId xmlns:a16="http://schemas.microsoft.com/office/drawing/2014/main" id="{9BF059F1-57A7-4984-856A-88091B54EDC2}"/>
+      <p:cxnSp>
+        <p:nvCxnSpPr>
+          <p:cNvPr id="79" name="直接箭头连接符 78">
+            <a:extLst>
+              <a:ext uri="{FF2B5EF4-FFF2-40B4-BE49-F238E27FC236}">
+                <a16:creationId xmlns:a16="http://schemas.microsoft.com/office/drawing/2014/main" id="{2B81387A-F5D9-4F2E-932D-84E1C4A18024}"/>
               </a:ext>
             </a:extLst>
           </p:cNvPr>
@@ -13611,38 +13611,38 @@
           <p:nvPr/>
         </p:nvCxnSpPr>
         <p:spPr>
-          <a:xfrm flipH="1">
-            <a:off x="5494360" y="2653607"/>
-            <a:ext cx="565064" cy="178975"/>
-          </a:xfrm>
-          <a:prstGeom prst="straightConnector1">
-            <a:avLst/>
-          </a:prstGeom>
-          <a:ln>
-            <a:tailEnd type="triangle"/>
-          </a:ln>
-        </p:spPr>
-        <p:style>
-          <a:lnRef idx="1">
-            <a:schemeClr val="accent2"/>
-          </a:lnRef>
-          <a:fillRef idx="0">
-            <a:schemeClr val="accent2"/>
-          </a:fillRef>
-          <a:effectRef idx="0">
-            <a:schemeClr val="accent2"/>
-          </a:effectRef>
-          <a:fontRef idx="minor">
-            <a:schemeClr val="tx1"/>
-          </a:fontRef>
-        </p:style>
-      </p:cxnSp>
-      <p:cxnSp>
-        <p:nvCxnSpPr>
-          <p:cNvPr id="79" name="直接箭头连接符 78">
-            <a:extLst>
-              <a:ext uri="{FF2B5EF4-FFF2-40B4-BE49-F238E27FC236}">
-                <a16:creationId xmlns:a16="http://schemas.microsoft.com/office/drawing/2014/main" id="{2B81387A-F5D9-4F2E-932D-84E1C4A18024}"/>
+          <a:xfrm>
+            <a:off x="5521558" y="2931043"/>
+            <a:ext cx="574442" cy="179764"/>
+          </a:xfrm>
+          <a:prstGeom prst="straightConnector1">
+            <a:avLst/>
+          </a:prstGeom>
+          <a:ln>
+            <a:tailEnd type="triangle"/>
+          </a:ln>
+        </p:spPr>
+        <p:style>
+          <a:lnRef idx="1">
+            <a:schemeClr val="accent1"/>
+          </a:lnRef>
+          <a:fillRef idx="0">
+            <a:schemeClr val="accent1"/>
+          </a:fillRef>
+          <a:effectRef idx="0">
+            <a:schemeClr val="accent1"/>
+          </a:effectRef>
+          <a:fontRef idx="minor">
+            <a:schemeClr val="tx1"/>
+          </a:fontRef>
+        </p:style>
+      </p:cxnSp>
+      <p:cxnSp>
+        <p:nvCxnSpPr>
+          <p:cNvPr id="81" name="直接箭头连接符 80">
+            <a:extLst>
+              <a:ext uri="{FF2B5EF4-FFF2-40B4-BE49-F238E27FC236}">
+                <a16:creationId xmlns:a16="http://schemas.microsoft.com/office/drawing/2014/main" id="{F89EAF68-E108-4040-B40A-88A0E34E7399}"/>
               </a:ext>
             </a:extLst>
           </p:cNvPr>
@@ -13652,38 +13652,74 @@
           <p:nvPr/>
         </p:nvCxnSpPr>
         <p:spPr>
-          <a:xfrm>
-            <a:off x="5521558" y="2931043"/>
-            <a:ext cx="574442" cy="179764"/>
-          </a:xfrm>
-          <a:prstGeom prst="straightConnector1">
-            <a:avLst/>
-          </a:prstGeom>
-          <a:ln>
-            <a:tailEnd type="triangle"/>
-          </a:ln>
-        </p:spPr>
-        <p:style>
-          <a:lnRef idx="1">
-            <a:schemeClr val="accent1"/>
-          </a:lnRef>
-          <a:fillRef idx="0">
-            <a:schemeClr val="accent1"/>
-          </a:fillRef>
-          <a:effectRef idx="0">
-            <a:schemeClr val="accent1"/>
-          </a:effectRef>
-          <a:fontRef idx="minor">
-            <a:schemeClr val="tx1"/>
-          </a:fontRef>
-        </p:style>
-      </p:cxnSp>
-      <p:cxnSp>
-        <p:nvCxnSpPr>
-          <p:cNvPr id="81" name="直接箭头连接符 80">
-            <a:extLst>
-              <a:ext uri="{FF2B5EF4-FFF2-40B4-BE49-F238E27FC236}">
-                <a16:creationId xmlns:a16="http://schemas.microsoft.com/office/drawing/2014/main" id="{F89EAF68-E108-4040-B40A-88A0E34E7399}"/>
+          <a:xfrm flipV="1">
+            <a:off x="6102125" y="2653607"/>
+            <a:ext cx="0" cy="457200"/>
+          </a:xfrm>
+          <a:prstGeom prst="straightConnector1">
+            <a:avLst/>
+          </a:prstGeom>
+          <a:ln>
+            <a:tailEnd type="triangle"/>
+          </a:ln>
+        </p:spPr>
+        <p:style>
+          <a:lnRef idx="1">
+            <a:schemeClr val="accent1"/>
+          </a:lnRef>
+          <a:fillRef idx="0">
+            <a:schemeClr val="accent1"/>
+          </a:fillRef>
+          <a:effectRef idx="0">
+            <a:schemeClr val="accent1"/>
+          </a:effectRef>
+          <a:fontRef idx="minor">
+            <a:schemeClr val="tx1"/>
+          </a:fontRef>
+        </p:style>
+      </p:cxnSp>
+      <p:sp>
+        <p:nvSpPr>
+          <p:cNvPr id="82" name="文本框 81">
+            <a:extLst>
+              <a:ext uri="{FF2B5EF4-FFF2-40B4-BE49-F238E27FC236}">
+                <a16:creationId xmlns:a16="http://schemas.microsoft.com/office/drawing/2014/main" id="{55FDFA5C-F666-419C-8CDD-594F9BF9815E}"/>
+              </a:ext>
+            </a:extLst>
+          </p:cNvPr>
+          <p:cNvSpPr txBox="1"/>
+          <p:nvPr/>
+        </p:nvSpPr>
+        <p:spPr>
+          <a:xfrm>
+            <a:off x="6559315" y="3110807"/>
+            <a:ext cx="317716" cy="369332"/>
+          </a:xfrm>
+          <a:prstGeom prst="rect">
+            <a:avLst/>
+          </a:prstGeom>
+          <a:noFill/>
+        </p:spPr>
+        <p:txBody>
+          <a:bodyPr wrap="none" rtlCol="0">
+            <a:spAutoFit/>
+          </a:bodyPr>
+          <a:lstStyle/>
+          <a:p>
+            <a:r>
+              <a:rPr lang="en-US" altLang="zh-CN" dirty="0"/>
+              <a:t>p</a:t>
+            </a:r>
+            <a:endParaRPr lang="zh-CN" altLang="en-US" dirty="0"/>
+          </a:p>
+        </p:txBody>
+      </p:sp>
+      <p:cxnSp>
+        <p:nvCxnSpPr>
+          <p:cNvPr id="83" name="直接箭头连接符 82">
+            <a:extLst>
+              <a:ext uri="{FF2B5EF4-FFF2-40B4-BE49-F238E27FC236}">
+                <a16:creationId xmlns:a16="http://schemas.microsoft.com/office/drawing/2014/main" id="{E45037F7-4224-4473-9EC1-A6A4BDAEA530}"/>
               </a:ext>
             </a:extLst>
           </p:cNvPr>
@@ -13693,74 +13729,38 @@
           <p:nvPr/>
         </p:nvCxnSpPr>
         <p:spPr>
-          <a:xfrm flipV="1">
-            <a:off x="6102125" y="2653607"/>
-            <a:ext cx="0" cy="457200"/>
-          </a:xfrm>
-          <a:prstGeom prst="straightConnector1">
-            <a:avLst/>
-          </a:prstGeom>
-          <a:ln>
-            <a:tailEnd type="triangle"/>
-          </a:ln>
-        </p:spPr>
-        <p:style>
-          <a:lnRef idx="1">
-            <a:schemeClr val="accent1"/>
-          </a:lnRef>
-          <a:fillRef idx="0">
-            <a:schemeClr val="accent1"/>
-          </a:fillRef>
-          <a:effectRef idx="0">
-            <a:schemeClr val="accent1"/>
-          </a:effectRef>
-          <a:fontRef idx="minor">
-            <a:schemeClr val="tx1"/>
-          </a:fontRef>
-        </p:style>
-      </p:cxnSp>
-      <p:sp>
-        <p:nvSpPr>
-          <p:cNvPr id="82" name="文本框 81">
-            <a:extLst>
-              <a:ext uri="{FF2B5EF4-FFF2-40B4-BE49-F238E27FC236}">
-                <a16:creationId xmlns:a16="http://schemas.microsoft.com/office/drawing/2014/main" id="{55FDFA5C-F666-419C-8CDD-594F9BF9815E}"/>
-              </a:ext>
-            </a:extLst>
-          </p:cNvPr>
-          <p:cNvSpPr txBox="1"/>
-          <p:nvPr/>
-        </p:nvSpPr>
-        <p:spPr>
-          <a:xfrm>
-            <a:off x="6559315" y="3110807"/>
-            <a:ext cx="317716" cy="369332"/>
-          </a:xfrm>
-          <a:prstGeom prst="rect">
-            <a:avLst/>
-          </a:prstGeom>
-          <a:noFill/>
-        </p:spPr>
-        <p:txBody>
-          <a:bodyPr wrap="none" rtlCol="0">
-            <a:spAutoFit/>
-          </a:bodyPr>
-          <a:lstStyle/>
-          <a:p>
-            <a:r>
-              <a:rPr lang="en-US" altLang="zh-CN" dirty="0"/>
-              <a:t>p</a:t>
-            </a:r>
-            <a:endParaRPr lang="zh-CN" altLang="en-US" dirty="0"/>
-          </a:p>
-        </p:txBody>
-      </p:sp>
-      <p:cxnSp>
-        <p:nvCxnSpPr>
-          <p:cNvPr id="83" name="直接箭头连接符 82">
-            <a:extLst>
-              <a:ext uri="{FF2B5EF4-FFF2-40B4-BE49-F238E27FC236}">
-                <a16:creationId xmlns:a16="http://schemas.microsoft.com/office/drawing/2014/main" id="{E45037F7-4224-4473-9EC1-A6A4BDAEA530}"/>
+          <a:xfrm flipH="1" flipV="1">
+            <a:off x="6611921" y="2766346"/>
+            <a:ext cx="493586" cy="204209"/>
+          </a:xfrm>
+          <a:prstGeom prst="straightConnector1">
+            <a:avLst/>
+          </a:prstGeom>
+          <a:ln>
+            <a:tailEnd type="triangle"/>
+          </a:ln>
+        </p:spPr>
+        <p:style>
+          <a:lnRef idx="1">
+            <a:schemeClr val="accent1"/>
+          </a:lnRef>
+          <a:fillRef idx="0">
+            <a:schemeClr val="accent1"/>
+          </a:fillRef>
+          <a:effectRef idx="0">
+            <a:schemeClr val="accent1"/>
+          </a:effectRef>
+          <a:fontRef idx="minor">
+            <a:schemeClr val="tx1"/>
+          </a:fontRef>
+        </p:style>
+      </p:cxnSp>
+      <p:cxnSp>
+        <p:nvCxnSpPr>
+          <p:cNvPr id="84" name="直接箭头连接符 83">
+            <a:extLst>
+              <a:ext uri="{FF2B5EF4-FFF2-40B4-BE49-F238E27FC236}">
+                <a16:creationId xmlns:a16="http://schemas.microsoft.com/office/drawing/2014/main" id="{3A55DF59-A752-4713-81B0-6391174463B9}"/>
               </a:ext>
             </a:extLst>
           </p:cNvPr>
@@ -13770,38 +13770,38 @@
           <p:nvPr/>
         </p:nvCxnSpPr>
         <p:spPr>
-          <a:xfrm flipH="1" flipV="1">
-            <a:off x="6611921" y="2766346"/>
-            <a:ext cx="493586" cy="204209"/>
-          </a:xfrm>
-          <a:prstGeom prst="straightConnector1">
-            <a:avLst/>
-          </a:prstGeom>
-          <a:ln>
-            <a:tailEnd type="triangle"/>
-          </a:ln>
-        </p:spPr>
-        <p:style>
-          <a:lnRef idx="1">
-            <a:schemeClr val="accent1"/>
-          </a:lnRef>
-          <a:fillRef idx="0">
-            <a:schemeClr val="accent1"/>
-          </a:fillRef>
-          <a:effectRef idx="0">
-            <a:schemeClr val="accent1"/>
-          </a:effectRef>
-          <a:fontRef idx="minor">
-            <a:schemeClr val="tx1"/>
-          </a:fontRef>
-        </p:style>
-      </p:cxnSp>
-      <p:cxnSp>
-        <p:nvCxnSpPr>
-          <p:cNvPr id="84" name="直接箭头连接符 83">
-            <a:extLst>
-              <a:ext uri="{FF2B5EF4-FFF2-40B4-BE49-F238E27FC236}">
-                <a16:creationId xmlns:a16="http://schemas.microsoft.com/office/drawing/2014/main" id="{3A55DF59-A752-4713-81B0-6391174463B9}"/>
+          <a:xfrm>
+            <a:off x="6627458" y="2657579"/>
+            <a:ext cx="494951" cy="217535"/>
+          </a:xfrm>
+          <a:prstGeom prst="straightConnector1">
+            <a:avLst/>
+          </a:prstGeom>
+          <a:ln>
+            <a:tailEnd type="triangle"/>
+          </a:ln>
+        </p:spPr>
+        <p:style>
+          <a:lnRef idx="1">
+            <a:schemeClr val="accent1"/>
+          </a:lnRef>
+          <a:fillRef idx="0">
+            <a:schemeClr val="accent1"/>
+          </a:fillRef>
+          <a:effectRef idx="0">
+            <a:schemeClr val="accent1"/>
+          </a:effectRef>
+          <a:fontRef idx="minor">
+            <a:schemeClr val="tx1"/>
+          </a:fontRef>
+        </p:style>
+      </p:cxnSp>
+      <p:cxnSp>
+        <p:nvCxnSpPr>
+          <p:cNvPr id="85" name="直接箭头连接符 84">
+            <a:extLst>
+              <a:ext uri="{FF2B5EF4-FFF2-40B4-BE49-F238E27FC236}">
+                <a16:creationId xmlns:a16="http://schemas.microsoft.com/office/drawing/2014/main" id="{7103576A-BAA0-47E8-A472-987BB591DEAA}"/>
               </a:ext>
             </a:extLst>
           </p:cNvPr>
@@ -13812,37 +13812,109 @@
         </p:nvCxnSpPr>
         <p:spPr>
           <a:xfrm>
-            <a:off x="6627458" y="2657579"/>
-            <a:ext cx="494951" cy="217535"/>
-          </a:xfrm>
-          <a:prstGeom prst="straightConnector1">
-            <a:avLst/>
-          </a:prstGeom>
-          <a:ln>
-            <a:tailEnd type="triangle"/>
-          </a:ln>
-        </p:spPr>
-        <p:style>
-          <a:lnRef idx="1">
-            <a:schemeClr val="accent1"/>
-          </a:lnRef>
-          <a:fillRef idx="0">
-            <a:schemeClr val="accent1"/>
-          </a:fillRef>
-          <a:effectRef idx="0">
-            <a:schemeClr val="accent1"/>
-          </a:effectRef>
-          <a:fontRef idx="minor">
-            <a:schemeClr val="tx1"/>
-          </a:fontRef>
-        </p:style>
-      </p:cxnSp>
-      <p:cxnSp>
-        <p:nvCxnSpPr>
-          <p:cNvPr id="85" name="直接箭头连接符 84">
-            <a:extLst>
-              <a:ext uri="{FF2B5EF4-FFF2-40B4-BE49-F238E27FC236}">
-                <a16:creationId xmlns:a16="http://schemas.microsoft.com/office/drawing/2014/main" id="{7103576A-BAA0-47E8-A472-987BB591DEAA}"/>
+            <a:off x="6470697" y="2685066"/>
+            <a:ext cx="0" cy="394282"/>
+          </a:xfrm>
+          <a:prstGeom prst="straightConnector1">
+            <a:avLst/>
+          </a:prstGeom>
+          <a:ln>
+            <a:tailEnd type="triangle"/>
+          </a:ln>
+        </p:spPr>
+        <p:style>
+          <a:lnRef idx="1">
+            <a:schemeClr val="accent2"/>
+          </a:lnRef>
+          <a:fillRef idx="0">
+            <a:schemeClr val="accent2"/>
+          </a:fillRef>
+          <a:effectRef idx="0">
+            <a:schemeClr val="accent2"/>
+          </a:effectRef>
+          <a:fontRef idx="minor">
+            <a:schemeClr val="tx1"/>
+          </a:fontRef>
+        </p:style>
+      </p:cxnSp>
+      <p:sp>
+        <p:nvSpPr>
+          <p:cNvPr id="86" name="文本框 85">
+            <a:extLst>
+              <a:ext uri="{FF2B5EF4-FFF2-40B4-BE49-F238E27FC236}">
+                <a16:creationId xmlns:a16="http://schemas.microsoft.com/office/drawing/2014/main" id="{A712A811-44B8-48AD-8ED5-34F9AC93AEEE}"/>
+              </a:ext>
+            </a:extLst>
+          </p:cNvPr>
+          <p:cNvSpPr txBox="1"/>
+          <p:nvPr/>
+        </p:nvSpPr>
+        <p:spPr>
+          <a:xfrm>
+            <a:off x="7668060" y="3110807"/>
+            <a:ext cx="317716" cy="369332"/>
+          </a:xfrm>
+          <a:prstGeom prst="rect">
+            <a:avLst/>
+          </a:prstGeom>
+          <a:noFill/>
+        </p:spPr>
+        <p:txBody>
+          <a:bodyPr wrap="none" rtlCol="0">
+            <a:spAutoFit/>
+          </a:bodyPr>
+          <a:lstStyle/>
+          <a:p>
+            <a:r>
+              <a:rPr lang="en-US" altLang="zh-CN" dirty="0"/>
+              <a:t>q</a:t>
+            </a:r>
+            <a:endParaRPr lang="zh-CN" altLang="en-US" dirty="0"/>
+          </a:p>
+        </p:txBody>
+      </p:sp>
+      <p:sp>
+        <p:nvSpPr>
+          <p:cNvPr id="91" name="文本框 90">
+            <a:extLst>
+              <a:ext uri="{FF2B5EF4-FFF2-40B4-BE49-F238E27FC236}">
+                <a16:creationId xmlns:a16="http://schemas.microsoft.com/office/drawing/2014/main" id="{D1D635C6-107D-491E-8E38-88626D9ACEE9}"/>
+              </a:ext>
+            </a:extLst>
+          </p:cNvPr>
+          <p:cNvSpPr txBox="1"/>
+          <p:nvPr/>
+        </p:nvSpPr>
+        <p:spPr>
+          <a:xfrm>
+            <a:off x="8688730" y="3110807"/>
+            <a:ext cx="263214" cy="369332"/>
+          </a:xfrm>
+          <a:prstGeom prst="rect">
+            <a:avLst/>
+          </a:prstGeom>
+          <a:noFill/>
+        </p:spPr>
+        <p:txBody>
+          <a:bodyPr wrap="none" rtlCol="0">
+            <a:spAutoFit/>
+          </a:bodyPr>
+          <a:lstStyle/>
+          <a:p>
+            <a:r>
+              <a:rPr lang="en-US" altLang="zh-CN" dirty="0"/>
+              <a:t>r</a:t>
+            </a:r>
+            <a:endParaRPr lang="zh-CN" altLang="en-US" dirty="0"/>
+          </a:p>
+        </p:txBody>
+      </p:sp>
+      <p:cxnSp>
+        <p:nvCxnSpPr>
+          <p:cNvPr id="93" name="直接箭头连接符 92">
+            <a:extLst>
+              <a:ext uri="{FF2B5EF4-FFF2-40B4-BE49-F238E27FC236}">
+                <a16:creationId xmlns:a16="http://schemas.microsoft.com/office/drawing/2014/main" id="{6EED47F2-437D-4FFF-97A6-DE8786BA3F77}"/>
               </a:ext>
             </a:extLst>
           </p:cNvPr>
@@ -13853,109 +13925,37 @@
         </p:nvCxnSpPr>
         <p:spPr>
           <a:xfrm>
-            <a:off x="6470697" y="2685066"/>
-            <a:ext cx="0" cy="394282"/>
-          </a:xfrm>
-          <a:prstGeom prst="straightConnector1">
-            <a:avLst/>
-          </a:prstGeom>
-          <a:ln>
-            <a:tailEnd type="triangle"/>
-          </a:ln>
-        </p:spPr>
-        <p:style>
-          <a:lnRef idx="1">
-            <a:schemeClr val="accent2"/>
-          </a:lnRef>
-          <a:fillRef idx="0">
-            <a:schemeClr val="accent2"/>
-          </a:fillRef>
-          <a:effectRef idx="0">
-            <a:schemeClr val="accent2"/>
-          </a:effectRef>
-          <a:fontRef idx="minor">
-            <a:schemeClr val="tx1"/>
-          </a:fontRef>
-        </p:style>
-      </p:cxnSp>
-      <p:sp>
-        <p:nvSpPr>
-          <p:cNvPr id="86" name="文本框 85">
-            <a:extLst>
-              <a:ext uri="{FF2B5EF4-FFF2-40B4-BE49-F238E27FC236}">
-                <a16:creationId xmlns:a16="http://schemas.microsoft.com/office/drawing/2014/main" id="{A712A811-44B8-48AD-8ED5-34F9AC93AEEE}"/>
-              </a:ext>
-            </a:extLst>
-          </p:cNvPr>
-          <p:cNvSpPr txBox="1"/>
-          <p:nvPr/>
-        </p:nvSpPr>
-        <p:spPr>
-          <a:xfrm>
-            <a:off x="7668060" y="3110807"/>
-            <a:ext cx="317716" cy="369332"/>
-          </a:xfrm>
-          <a:prstGeom prst="rect">
-            <a:avLst/>
-          </a:prstGeom>
-          <a:noFill/>
-        </p:spPr>
-        <p:txBody>
-          <a:bodyPr wrap="none" rtlCol="0">
-            <a:spAutoFit/>
-          </a:bodyPr>
-          <a:lstStyle/>
-          <a:p>
-            <a:r>
-              <a:rPr lang="en-US" altLang="zh-CN" dirty="0"/>
-              <a:t>q</a:t>
-            </a:r>
-            <a:endParaRPr lang="zh-CN" altLang="en-US" dirty="0"/>
-          </a:p>
-        </p:txBody>
-      </p:sp>
-      <p:sp>
-        <p:nvSpPr>
-          <p:cNvPr id="91" name="文本框 90">
-            <a:extLst>
-              <a:ext uri="{FF2B5EF4-FFF2-40B4-BE49-F238E27FC236}">
-                <a16:creationId xmlns:a16="http://schemas.microsoft.com/office/drawing/2014/main" id="{D1D635C6-107D-491E-8E38-88626D9ACEE9}"/>
-              </a:ext>
-            </a:extLst>
-          </p:cNvPr>
-          <p:cNvSpPr txBox="1"/>
-          <p:nvPr/>
-        </p:nvSpPr>
-        <p:spPr>
-          <a:xfrm>
-            <a:off x="8688730" y="3110807"/>
-            <a:ext cx="263214" cy="369332"/>
-          </a:xfrm>
-          <a:prstGeom prst="rect">
-            <a:avLst/>
-          </a:prstGeom>
-          <a:noFill/>
-        </p:spPr>
-        <p:txBody>
-          <a:bodyPr wrap="none" rtlCol="0">
-            <a:spAutoFit/>
-          </a:bodyPr>
-          <a:lstStyle/>
-          <a:p>
-            <a:r>
-              <a:rPr lang="en-US" altLang="zh-CN" dirty="0"/>
-              <a:t>r</a:t>
-            </a:r>
-            <a:endParaRPr lang="zh-CN" altLang="en-US" dirty="0"/>
-          </a:p>
-        </p:txBody>
-      </p:sp>
-      <p:cxnSp>
-        <p:nvCxnSpPr>
-          <p:cNvPr id="93" name="直接箭头连接符 92">
-            <a:extLst>
-              <a:ext uri="{FF2B5EF4-FFF2-40B4-BE49-F238E27FC236}">
-                <a16:creationId xmlns:a16="http://schemas.microsoft.com/office/drawing/2014/main" id="{6EED47F2-437D-4FFF-97A6-DE8786BA3F77}"/>
+            <a:off x="8758532" y="2625643"/>
+            <a:ext cx="526717" cy="140703"/>
+          </a:xfrm>
+          <a:prstGeom prst="straightConnector1">
+            <a:avLst/>
+          </a:prstGeom>
+          <a:ln>
+            <a:tailEnd type="triangle"/>
+          </a:ln>
+        </p:spPr>
+        <p:style>
+          <a:lnRef idx="1">
+            <a:schemeClr val="accent1"/>
+          </a:lnRef>
+          <a:fillRef idx="0">
+            <a:schemeClr val="accent1"/>
+          </a:fillRef>
+          <a:effectRef idx="0">
+            <a:schemeClr val="accent1"/>
+          </a:effectRef>
+          <a:fontRef idx="minor">
+            <a:schemeClr val="tx1"/>
+          </a:fontRef>
+        </p:style>
+      </p:cxnSp>
+      <p:cxnSp>
+        <p:nvCxnSpPr>
+          <p:cNvPr id="94" name="直接箭头连接符 93">
+            <a:extLst>
+              <a:ext uri="{FF2B5EF4-FFF2-40B4-BE49-F238E27FC236}">
+                <a16:creationId xmlns:a16="http://schemas.microsoft.com/office/drawing/2014/main" id="{90D5CC83-3CA0-403D-BE01-15219C84CD6B}"/>
               </a:ext>
             </a:extLst>
           </p:cNvPr>
@@ -13965,38 +13965,38 @@
           <p:nvPr/>
         </p:nvCxnSpPr>
         <p:spPr>
-          <a:xfrm flipV="1">
-            <a:off x="8758532" y="2438400"/>
-            <a:ext cx="476908" cy="187243"/>
-          </a:xfrm>
-          <a:prstGeom prst="straightConnector1">
-            <a:avLst/>
-          </a:prstGeom>
-          <a:ln>
-            <a:tailEnd type="triangle"/>
-          </a:ln>
-        </p:spPr>
-        <p:style>
-          <a:lnRef idx="1">
-            <a:schemeClr val="accent1"/>
-          </a:lnRef>
-          <a:fillRef idx="0">
-            <a:schemeClr val="accent1"/>
-          </a:fillRef>
-          <a:effectRef idx="0">
-            <a:schemeClr val="accent1"/>
-          </a:effectRef>
-          <a:fontRef idx="minor">
-            <a:schemeClr val="tx1"/>
-          </a:fontRef>
-        </p:style>
-      </p:cxnSp>
-      <p:cxnSp>
-        <p:nvCxnSpPr>
-          <p:cNvPr id="94" name="直接箭头连接符 93">
-            <a:extLst>
-              <a:ext uri="{FF2B5EF4-FFF2-40B4-BE49-F238E27FC236}">
-                <a16:creationId xmlns:a16="http://schemas.microsoft.com/office/drawing/2014/main" id="{90D5CC83-3CA0-403D-BE01-15219C84CD6B}"/>
+          <a:xfrm>
+            <a:off x="8564730" y="2625643"/>
+            <a:ext cx="0" cy="394282"/>
+          </a:xfrm>
+          <a:prstGeom prst="straightConnector1">
+            <a:avLst/>
+          </a:prstGeom>
+          <a:ln>
+            <a:tailEnd type="triangle"/>
+          </a:ln>
+        </p:spPr>
+        <p:style>
+          <a:lnRef idx="1">
+            <a:schemeClr val="accent2"/>
+          </a:lnRef>
+          <a:fillRef idx="0">
+            <a:schemeClr val="accent2"/>
+          </a:fillRef>
+          <a:effectRef idx="0">
+            <a:schemeClr val="accent2"/>
+          </a:effectRef>
+          <a:fontRef idx="minor">
+            <a:schemeClr val="tx1"/>
+          </a:fontRef>
+        </p:style>
+      </p:cxnSp>
+      <p:cxnSp>
+        <p:nvCxnSpPr>
+          <p:cNvPr id="95" name="直接箭头连接符 94">
+            <a:extLst>
+              <a:ext uri="{FF2B5EF4-FFF2-40B4-BE49-F238E27FC236}">
+                <a16:creationId xmlns:a16="http://schemas.microsoft.com/office/drawing/2014/main" id="{67E09DE7-3E94-411D-8375-F24143C6B84D}"/>
               </a:ext>
             </a:extLst>
           </p:cNvPr>
@@ -14006,38 +14006,74 @@
           <p:nvPr/>
         </p:nvCxnSpPr>
         <p:spPr>
-          <a:xfrm>
-            <a:off x="8564730" y="2625643"/>
-            <a:ext cx="0" cy="394282"/>
-          </a:xfrm>
-          <a:prstGeom prst="straightConnector1">
-            <a:avLst/>
-          </a:prstGeom>
-          <a:ln>
-            <a:tailEnd type="triangle"/>
-          </a:ln>
-        </p:spPr>
-        <p:style>
-          <a:lnRef idx="1">
-            <a:schemeClr val="accent2"/>
-          </a:lnRef>
-          <a:fillRef idx="0">
-            <a:schemeClr val="accent2"/>
-          </a:fillRef>
-          <a:effectRef idx="0">
-            <a:schemeClr val="accent2"/>
-          </a:effectRef>
-          <a:fontRef idx="minor">
-            <a:schemeClr val="tx1"/>
-          </a:fontRef>
-        </p:style>
-      </p:cxnSp>
-      <p:cxnSp>
-        <p:nvCxnSpPr>
-          <p:cNvPr id="95" name="直接箭头连接符 94">
-            <a:extLst>
-              <a:ext uri="{FF2B5EF4-FFF2-40B4-BE49-F238E27FC236}">
-                <a16:creationId xmlns:a16="http://schemas.microsoft.com/office/drawing/2014/main" id="{67E09DE7-3E94-411D-8375-F24143C6B84D}"/>
+          <a:xfrm flipV="1">
+            <a:off x="8688730" y="2625643"/>
+            <a:ext cx="0" cy="457200"/>
+          </a:xfrm>
+          <a:prstGeom prst="straightConnector1">
+            <a:avLst/>
+          </a:prstGeom>
+          <a:ln>
+            <a:tailEnd type="triangle"/>
+          </a:ln>
+        </p:spPr>
+        <p:style>
+          <a:lnRef idx="1">
+            <a:schemeClr val="accent1"/>
+          </a:lnRef>
+          <a:fillRef idx="0">
+            <a:schemeClr val="accent1"/>
+          </a:fillRef>
+          <a:effectRef idx="0">
+            <a:schemeClr val="accent1"/>
+          </a:effectRef>
+          <a:fontRef idx="minor">
+            <a:schemeClr val="tx1"/>
+          </a:fontRef>
+        </p:style>
+      </p:cxnSp>
+      <p:sp>
+        <p:nvSpPr>
+          <p:cNvPr id="96" name="文本框 95">
+            <a:extLst>
+              <a:ext uri="{FF2B5EF4-FFF2-40B4-BE49-F238E27FC236}">
+                <a16:creationId xmlns:a16="http://schemas.microsoft.com/office/drawing/2014/main" id="{B6DC81A9-DD3A-44C6-BA66-406B697F709E}"/>
+              </a:ext>
+            </a:extLst>
+          </p:cNvPr>
+          <p:cNvSpPr txBox="1"/>
+          <p:nvPr/>
+        </p:nvSpPr>
+        <p:spPr>
+          <a:xfrm>
+            <a:off x="408787" y="4299034"/>
+            <a:ext cx="279244" cy="369332"/>
+          </a:xfrm>
+          <a:prstGeom prst="rect">
+            <a:avLst/>
+          </a:prstGeom>
+          <a:noFill/>
+        </p:spPr>
+        <p:txBody>
+          <a:bodyPr wrap="none" rtlCol="0">
+            <a:spAutoFit/>
+          </a:bodyPr>
+          <a:lstStyle/>
+          <a:p>
+            <a:r>
+              <a:rPr lang="en-US" altLang="zh-CN" dirty="0"/>
+              <a:t>s</a:t>
+            </a:r>
+            <a:endParaRPr lang="zh-CN" altLang="en-US" dirty="0"/>
+          </a:p>
+        </p:txBody>
+      </p:sp>
+      <p:cxnSp>
+        <p:nvCxnSpPr>
+          <p:cNvPr id="97" name="直接箭头连接符 96">
+            <a:extLst>
+              <a:ext uri="{FF2B5EF4-FFF2-40B4-BE49-F238E27FC236}">
+                <a16:creationId xmlns:a16="http://schemas.microsoft.com/office/drawing/2014/main" id="{CC61CC9F-B62C-4E60-B512-2A0DD1B9317C}"/>
               </a:ext>
             </a:extLst>
           </p:cNvPr>
@@ -14047,74 +14083,38 @@
           <p:nvPr/>
         </p:nvCxnSpPr>
         <p:spPr>
-          <a:xfrm flipV="1">
-            <a:off x="8688730" y="2625643"/>
-            <a:ext cx="0" cy="457200"/>
-          </a:xfrm>
-          <a:prstGeom prst="straightConnector1">
-            <a:avLst/>
-          </a:prstGeom>
-          <a:ln>
-            <a:tailEnd type="triangle"/>
-          </a:ln>
-        </p:spPr>
-        <p:style>
-          <a:lnRef idx="1">
-            <a:schemeClr val="accent1"/>
-          </a:lnRef>
-          <a:fillRef idx="0">
-            <a:schemeClr val="accent1"/>
-          </a:fillRef>
-          <a:effectRef idx="0">
-            <a:schemeClr val="accent1"/>
-          </a:effectRef>
-          <a:fontRef idx="minor">
-            <a:schemeClr val="tx1"/>
-          </a:fontRef>
-        </p:style>
-      </p:cxnSp>
-      <p:sp>
-        <p:nvSpPr>
-          <p:cNvPr id="96" name="文本框 95">
-            <a:extLst>
-              <a:ext uri="{FF2B5EF4-FFF2-40B4-BE49-F238E27FC236}">
-                <a16:creationId xmlns:a16="http://schemas.microsoft.com/office/drawing/2014/main" id="{B6DC81A9-DD3A-44C6-BA66-406B697F709E}"/>
-              </a:ext>
-            </a:extLst>
-          </p:cNvPr>
-          <p:cNvSpPr txBox="1"/>
-          <p:nvPr/>
-        </p:nvSpPr>
-        <p:spPr>
-          <a:xfrm>
-            <a:off x="408787" y="4299034"/>
-            <a:ext cx="279244" cy="369332"/>
-          </a:xfrm>
-          <a:prstGeom prst="rect">
-            <a:avLst/>
-          </a:prstGeom>
-          <a:noFill/>
-        </p:spPr>
-        <p:txBody>
-          <a:bodyPr wrap="none" rtlCol="0">
-            <a:spAutoFit/>
-          </a:bodyPr>
-          <a:lstStyle/>
-          <a:p>
-            <a:r>
-              <a:rPr lang="en-US" altLang="zh-CN" dirty="0"/>
-              <a:t>s</a:t>
-            </a:r>
-            <a:endParaRPr lang="zh-CN" altLang="en-US" dirty="0"/>
-          </a:p>
-        </p:txBody>
-      </p:sp>
-      <p:cxnSp>
-        <p:nvCxnSpPr>
-          <p:cNvPr id="97" name="直接箭头连接符 96">
-            <a:extLst>
-              <a:ext uri="{FF2B5EF4-FFF2-40B4-BE49-F238E27FC236}">
-                <a16:creationId xmlns:a16="http://schemas.microsoft.com/office/drawing/2014/main" id="{CC61CC9F-B62C-4E60-B512-2A0DD1B9317C}"/>
+          <a:xfrm flipH="1">
+            <a:off x="297216" y="3708630"/>
+            <a:ext cx="474076" cy="204300"/>
+          </a:xfrm>
+          <a:prstGeom prst="straightConnector1">
+            <a:avLst/>
+          </a:prstGeom>
+          <a:ln>
+            <a:tailEnd type="triangle"/>
+          </a:ln>
+        </p:spPr>
+        <p:style>
+          <a:lnRef idx="1">
+            <a:schemeClr val="accent2"/>
+          </a:lnRef>
+          <a:fillRef idx="0">
+            <a:schemeClr val="accent2"/>
+          </a:fillRef>
+          <a:effectRef idx="0">
+            <a:schemeClr val="accent2"/>
+          </a:effectRef>
+          <a:fontRef idx="minor">
+            <a:schemeClr val="tx1"/>
+          </a:fontRef>
+        </p:style>
+      </p:cxnSp>
+      <p:cxnSp>
+        <p:nvCxnSpPr>
+          <p:cNvPr id="98" name="直接箭头连接符 97">
+            <a:extLst>
+              <a:ext uri="{FF2B5EF4-FFF2-40B4-BE49-F238E27FC236}">
+                <a16:creationId xmlns:a16="http://schemas.microsoft.com/office/drawing/2014/main" id="{5D67B8EE-0437-467D-BCCB-8D32D72DCC30}"/>
               </a:ext>
             </a:extLst>
           </p:cNvPr>
@@ -14124,38 +14124,74 @@
           <p:nvPr/>
         </p:nvCxnSpPr>
         <p:spPr>
-          <a:xfrm flipH="1">
-            <a:off x="297216" y="3708630"/>
-            <a:ext cx="474076" cy="204300"/>
-          </a:xfrm>
-          <a:prstGeom prst="straightConnector1">
-            <a:avLst/>
-          </a:prstGeom>
-          <a:ln>
-            <a:tailEnd type="triangle"/>
-          </a:ln>
-        </p:spPr>
-        <p:style>
-          <a:lnRef idx="1">
-            <a:schemeClr val="accent2"/>
-          </a:lnRef>
-          <a:fillRef idx="0">
-            <a:schemeClr val="accent2"/>
-          </a:fillRef>
-          <a:effectRef idx="0">
-            <a:schemeClr val="accent2"/>
-          </a:effectRef>
-          <a:fontRef idx="minor">
-            <a:schemeClr val="tx1"/>
-          </a:fontRef>
-        </p:style>
-      </p:cxnSp>
-      <p:cxnSp>
-        <p:nvCxnSpPr>
-          <p:cNvPr id="98" name="直接箭头连接符 97">
-            <a:extLst>
-              <a:ext uri="{FF2B5EF4-FFF2-40B4-BE49-F238E27FC236}">
-                <a16:creationId xmlns:a16="http://schemas.microsoft.com/office/drawing/2014/main" id="{5D67B8EE-0437-467D-BCCB-8D32D72DCC30}"/>
+          <a:xfrm flipV="1">
+            <a:off x="293021" y="3794524"/>
+            <a:ext cx="534713" cy="289775"/>
+          </a:xfrm>
+          <a:prstGeom prst="straightConnector1">
+            <a:avLst/>
+          </a:prstGeom>
+          <a:ln>
+            <a:tailEnd type="triangle"/>
+          </a:ln>
+        </p:spPr>
+        <p:style>
+          <a:lnRef idx="1">
+            <a:schemeClr val="accent1"/>
+          </a:lnRef>
+          <a:fillRef idx="0">
+            <a:schemeClr val="accent1"/>
+          </a:fillRef>
+          <a:effectRef idx="0">
+            <a:schemeClr val="accent1"/>
+          </a:effectRef>
+          <a:fontRef idx="minor">
+            <a:schemeClr val="tx1"/>
+          </a:fontRef>
+        </p:style>
+      </p:cxnSp>
+      <p:sp>
+        <p:nvSpPr>
+          <p:cNvPr id="100" name="文本框 99">
+            <a:extLst>
+              <a:ext uri="{FF2B5EF4-FFF2-40B4-BE49-F238E27FC236}">
+                <a16:creationId xmlns:a16="http://schemas.microsoft.com/office/drawing/2014/main" id="{7E8F3B4B-4D28-4ADD-8431-090658997A05}"/>
+              </a:ext>
+            </a:extLst>
+          </p:cNvPr>
+          <p:cNvSpPr txBox="1"/>
+          <p:nvPr/>
+        </p:nvSpPr>
+        <p:spPr>
+          <a:xfrm>
+            <a:off x="1517532" y="4299034"/>
+            <a:ext cx="258404" cy="369332"/>
+          </a:xfrm>
+          <a:prstGeom prst="rect">
+            <a:avLst/>
+          </a:prstGeom>
+          <a:noFill/>
+        </p:spPr>
+        <p:txBody>
+          <a:bodyPr wrap="none" rtlCol="0">
+            <a:spAutoFit/>
+          </a:bodyPr>
+          <a:lstStyle/>
+          <a:p>
+            <a:r>
+              <a:rPr lang="en-US" altLang="zh-CN" dirty="0"/>
+              <a:t>t</a:t>
+            </a:r>
+            <a:endParaRPr lang="zh-CN" altLang="en-US" dirty="0"/>
+          </a:p>
+        </p:txBody>
+      </p:sp>
+      <p:cxnSp>
+        <p:nvCxnSpPr>
+          <p:cNvPr id="102" name="直接箭头连接符 101">
+            <a:extLst>
+              <a:ext uri="{FF2B5EF4-FFF2-40B4-BE49-F238E27FC236}">
+                <a16:creationId xmlns:a16="http://schemas.microsoft.com/office/drawing/2014/main" id="{4B2B874A-B88A-4EEC-9BA8-670042218B36}"/>
               </a:ext>
             </a:extLst>
           </p:cNvPr>
@@ -14165,74 +14201,38 @@
           <p:nvPr/>
         </p:nvCxnSpPr>
         <p:spPr>
-          <a:xfrm flipV="1">
-            <a:off x="293021" y="3794524"/>
-            <a:ext cx="534713" cy="289775"/>
-          </a:xfrm>
-          <a:prstGeom prst="straightConnector1">
-            <a:avLst/>
-          </a:prstGeom>
-          <a:ln>
-            <a:tailEnd type="triangle"/>
-          </a:ln>
-        </p:spPr>
-        <p:style>
-          <a:lnRef idx="1">
-            <a:schemeClr val="accent1"/>
-          </a:lnRef>
-          <a:fillRef idx="0">
-            <a:schemeClr val="accent1"/>
-          </a:fillRef>
-          <a:effectRef idx="0">
-            <a:schemeClr val="accent1"/>
-          </a:effectRef>
-          <a:fontRef idx="minor">
-            <a:schemeClr val="tx1"/>
-          </a:fontRef>
-        </p:style>
-      </p:cxnSp>
-      <p:sp>
-        <p:nvSpPr>
-          <p:cNvPr id="100" name="文本框 99">
-            <a:extLst>
-              <a:ext uri="{FF2B5EF4-FFF2-40B4-BE49-F238E27FC236}">
-                <a16:creationId xmlns:a16="http://schemas.microsoft.com/office/drawing/2014/main" id="{7E8F3B4B-4D28-4ADD-8431-090658997A05}"/>
-              </a:ext>
-            </a:extLst>
-          </p:cNvPr>
-          <p:cNvSpPr txBox="1"/>
-          <p:nvPr/>
-        </p:nvSpPr>
-        <p:spPr>
-          <a:xfrm>
-            <a:off x="1517532" y="4299034"/>
-            <a:ext cx="258404" cy="369332"/>
-          </a:xfrm>
-          <a:prstGeom prst="rect">
-            <a:avLst/>
-          </a:prstGeom>
-          <a:noFill/>
-        </p:spPr>
-        <p:txBody>
-          <a:bodyPr wrap="none" rtlCol="0">
-            <a:spAutoFit/>
-          </a:bodyPr>
-          <a:lstStyle/>
-          <a:p>
-            <a:r>
-              <a:rPr lang="en-US" altLang="zh-CN" dirty="0"/>
-              <a:t>t</a:t>
-            </a:r>
-            <a:endParaRPr lang="zh-CN" altLang="en-US" dirty="0"/>
-          </a:p>
-        </p:txBody>
-      </p:sp>
-      <p:cxnSp>
-        <p:nvCxnSpPr>
-          <p:cNvPr id="102" name="直接箭头连接符 101">
-            <a:extLst>
-              <a:ext uri="{FF2B5EF4-FFF2-40B4-BE49-F238E27FC236}">
-                <a16:creationId xmlns:a16="http://schemas.microsoft.com/office/drawing/2014/main" id="{4B2B874A-B88A-4EEC-9BA8-670042218B36}"/>
+          <a:xfrm>
+            <a:off x="1368509" y="3765267"/>
+            <a:ext cx="404671" cy="252190"/>
+          </a:xfrm>
+          <a:prstGeom prst="straightConnector1">
+            <a:avLst/>
+          </a:prstGeom>
+          <a:ln>
+            <a:tailEnd type="triangle"/>
+          </a:ln>
+        </p:spPr>
+        <p:style>
+          <a:lnRef idx="1">
+            <a:schemeClr val="accent2"/>
+          </a:lnRef>
+          <a:fillRef idx="0">
+            <a:schemeClr val="accent2"/>
+          </a:fillRef>
+          <a:effectRef idx="0">
+            <a:schemeClr val="accent2"/>
+          </a:effectRef>
+          <a:fontRef idx="minor">
+            <a:schemeClr val="tx1"/>
+          </a:fontRef>
+        </p:style>
+      </p:cxnSp>
+      <p:cxnSp>
+        <p:nvCxnSpPr>
+          <p:cNvPr id="103" name="直接箭头连接符 102">
+            <a:extLst>
+              <a:ext uri="{FF2B5EF4-FFF2-40B4-BE49-F238E27FC236}">
+                <a16:creationId xmlns:a16="http://schemas.microsoft.com/office/drawing/2014/main" id="{AC6DFB27-A701-426E-B954-E308D1CA0666}"/>
               </a:ext>
             </a:extLst>
           </p:cNvPr>
@@ -14243,37 +14243,37 @@
         </p:nvCxnSpPr>
         <p:spPr>
           <a:xfrm>
-            <a:off x="1368509" y="3765267"/>
-            <a:ext cx="404671" cy="252190"/>
-          </a:xfrm>
-          <a:prstGeom prst="straightConnector1">
-            <a:avLst/>
-          </a:prstGeom>
-          <a:ln>
-            <a:tailEnd type="triangle"/>
-          </a:ln>
-        </p:spPr>
-        <p:style>
-          <a:lnRef idx="1">
-            <a:schemeClr val="accent2"/>
-          </a:lnRef>
-          <a:fillRef idx="0">
-            <a:schemeClr val="accent2"/>
-          </a:fillRef>
-          <a:effectRef idx="0">
-            <a:schemeClr val="accent2"/>
-          </a:effectRef>
-          <a:fontRef idx="minor">
-            <a:schemeClr val="tx1"/>
-          </a:fontRef>
-        </p:style>
-      </p:cxnSp>
-      <p:cxnSp>
-        <p:nvCxnSpPr>
-          <p:cNvPr id="103" name="直接箭头连接符 102">
-            <a:extLst>
-              <a:ext uri="{FF2B5EF4-FFF2-40B4-BE49-F238E27FC236}">
-                <a16:creationId xmlns:a16="http://schemas.microsoft.com/office/drawing/2014/main" id="{AC6DFB27-A701-426E-B954-E308D1CA0666}"/>
+            <a:off x="1548921" y="3794681"/>
+            <a:ext cx="0" cy="394282"/>
+          </a:xfrm>
+          <a:prstGeom prst="straightConnector1">
+            <a:avLst/>
+          </a:prstGeom>
+          <a:ln>
+            <a:tailEnd type="triangle"/>
+          </a:ln>
+        </p:spPr>
+        <p:style>
+          <a:lnRef idx="1">
+            <a:schemeClr val="accent1"/>
+          </a:lnRef>
+          <a:fillRef idx="0">
+            <a:schemeClr val="accent1"/>
+          </a:fillRef>
+          <a:effectRef idx="0">
+            <a:schemeClr val="accent1"/>
+          </a:effectRef>
+          <a:fontRef idx="minor">
+            <a:schemeClr val="tx1"/>
+          </a:fontRef>
+        </p:style>
+      </p:cxnSp>
+      <p:cxnSp>
+        <p:nvCxnSpPr>
+          <p:cNvPr id="104" name="直接箭头连接符 103">
+            <a:extLst>
+              <a:ext uri="{FF2B5EF4-FFF2-40B4-BE49-F238E27FC236}">
+                <a16:creationId xmlns:a16="http://schemas.microsoft.com/office/drawing/2014/main" id="{F41F0693-EFA8-4A8F-B5A5-C5FA7969A602}"/>
               </a:ext>
             </a:extLst>
           </p:cNvPr>
@@ -14283,38 +14283,74 @@
           <p:nvPr/>
         </p:nvCxnSpPr>
         <p:spPr>
-          <a:xfrm>
-            <a:off x="1548921" y="3794681"/>
-            <a:ext cx="0" cy="394282"/>
-          </a:xfrm>
-          <a:prstGeom prst="straightConnector1">
-            <a:avLst/>
-          </a:prstGeom>
-          <a:ln>
-            <a:tailEnd type="triangle"/>
-          </a:ln>
-        </p:spPr>
-        <p:style>
-          <a:lnRef idx="1">
-            <a:schemeClr val="accent1"/>
-          </a:lnRef>
-          <a:fillRef idx="0">
-            <a:schemeClr val="accent1"/>
-          </a:fillRef>
-          <a:effectRef idx="0">
-            <a:schemeClr val="accent1"/>
-          </a:effectRef>
-          <a:fontRef idx="minor">
-            <a:schemeClr val="tx1"/>
-          </a:fontRef>
-        </p:style>
-      </p:cxnSp>
-      <p:cxnSp>
-        <p:nvCxnSpPr>
-          <p:cNvPr id="104" name="直接箭头连接符 103">
-            <a:extLst>
-              <a:ext uri="{FF2B5EF4-FFF2-40B4-BE49-F238E27FC236}">
-                <a16:creationId xmlns:a16="http://schemas.microsoft.com/office/drawing/2014/main" id="{F41F0693-EFA8-4A8F-B5A5-C5FA7969A602}"/>
+          <a:xfrm flipH="1" flipV="1">
+            <a:off x="1448867" y="3669590"/>
+            <a:ext cx="348546" cy="227338"/>
+          </a:xfrm>
+          <a:prstGeom prst="straightConnector1">
+            <a:avLst/>
+          </a:prstGeom>
+          <a:ln>
+            <a:tailEnd type="triangle"/>
+          </a:ln>
+        </p:spPr>
+        <p:style>
+          <a:lnRef idx="1">
+            <a:schemeClr val="accent1"/>
+          </a:lnRef>
+          <a:fillRef idx="0">
+            <a:schemeClr val="accent1"/>
+          </a:fillRef>
+          <a:effectRef idx="0">
+            <a:schemeClr val="accent1"/>
+          </a:effectRef>
+          <a:fontRef idx="minor">
+            <a:schemeClr val="tx1"/>
+          </a:fontRef>
+        </p:style>
+      </p:cxnSp>
+      <p:sp>
+        <p:nvSpPr>
+          <p:cNvPr id="105" name="文本框 104">
+            <a:extLst>
+              <a:ext uri="{FF2B5EF4-FFF2-40B4-BE49-F238E27FC236}">
+                <a16:creationId xmlns:a16="http://schemas.microsoft.com/office/drawing/2014/main" id="{0B22CF72-4BF9-4F9A-9199-169ED00E9311}"/>
+              </a:ext>
+            </a:extLst>
+          </p:cNvPr>
+          <p:cNvSpPr txBox="1"/>
+          <p:nvPr/>
+        </p:nvSpPr>
+        <p:spPr>
+          <a:xfrm>
+            <a:off x="2538202" y="4299034"/>
+            <a:ext cx="317716" cy="369332"/>
+          </a:xfrm>
+          <a:prstGeom prst="rect">
+            <a:avLst/>
+          </a:prstGeom>
+          <a:noFill/>
+        </p:spPr>
+        <p:txBody>
+          <a:bodyPr wrap="none" rtlCol="0">
+            <a:spAutoFit/>
+          </a:bodyPr>
+          <a:lstStyle/>
+          <a:p>
+            <a:r>
+              <a:rPr lang="en-US" altLang="zh-CN" dirty="0"/>
+              <a:t>u</a:t>
+            </a:r>
+            <a:endParaRPr lang="zh-CN" altLang="en-US" dirty="0"/>
+          </a:p>
+        </p:txBody>
+      </p:sp>
+      <p:cxnSp>
+        <p:nvCxnSpPr>
+          <p:cNvPr id="107" name="直接箭头连接符 106">
+            <a:extLst>
+              <a:ext uri="{FF2B5EF4-FFF2-40B4-BE49-F238E27FC236}">
+                <a16:creationId xmlns:a16="http://schemas.microsoft.com/office/drawing/2014/main" id="{35D0A0E2-4FA0-4E9D-84C4-F45C9FDA24F3}"/>
               </a:ext>
             </a:extLst>
           </p:cNvPr>
@@ -14324,74 +14360,38 @@
           <p:nvPr/>
         </p:nvCxnSpPr>
         <p:spPr>
-          <a:xfrm flipH="1" flipV="1">
-            <a:off x="1448867" y="3669590"/>
-            <a:ext cx="348546" cy="227338"/>
-          </a:xfrm>
-          <a:prstGeom prst="straightConnector1">
-            <a:avLst/>
-          </a:prstGeom>
-          <a:ln>
-            <a:tailEnd type="triangle"/>
-          </a:ln>
-        </p:spPr>
-        <p:style>
-          <a:lnRef idx="1">
-            <a:schemeClr val="accent1"/>
-          </a:lnRef>
-          <a:fillRef idx="0">
-            <a:schemeClr val="accent1"/>
-          </a:fillRef>
-          <a:effectRef idx="0">
-            <a:schemeClr val="accent1"/>
-          </a:effectRef>
-          <a:fontRef idx="minor">
-            <a:schemeClr val="tx1"/>
-          </a:fontRef>
-        </p:style>
-      </p:cxnSp>
-      <p:sp>
-        <p:nvSpPr>
-          <p:cNvPr id="105" name="文本框 104">
-            <a:extLst>
-              <a:ext uri="{FF2B5EF4-FFF2-40B4-BE49-F238E27FC236}">
-                <a16:creationId xmlns:a16="http://schemas.microsoft.com/office/drawing/2014/main" id="{0B22CF72-4BF9-4F9A-9199-169ED00E9311}"/>
-              </a:ext>
-            </a:extLst>
-          </p:cNvPr>
-          <p:cNvSpPr txBox="1"/>
-          <p:nvPr/>
-        </p:nvSpPr>
-        <p:spPr>
-          <a:xfrm>
-            <a:off x="2538202" y="4299034"/>
-            <a:ext cx="317716" cy="369332"/>
-          </a:xfrm>
-          <a:prstGeom prst="rect">
-            <a:avLst/>
-          </a:prstGeom>
-          <a:noFill/>
-        </p:spPr>
-        <p:txBody>
-          <a:bodyPr wrap="none" rtlCol="0">
-            <a:spAutoFit/>
-          </a:bodyPr>
-          <a:lstStyle/>
-          <a:p>
-            <a:r>
-              <a:rPr lang="en-US" altLang="zh-CN" dirty="0"/>
-              <a:t>u</a:t>
-            </a:r>
-            <a:endParaRPr lang="zh-CN" altLang="en-US" dirty="0"/>
-          </a:p>
-        </p:txBody>
-      </p:sp>
-      <p:cxnSp>
-        <p:nvCxnSpPr>
-          <p:cNvPr id="107" name="直接箭头连接符 106">
-            <a:extLst>
-              <a:ext uri="{FF2B5EF4-FFF2-40B4-BE49-F238E27FC236}">
-                <a16:creationId xmlns:a16="http://schemas.microsoft.com/office/drawing/2014/main" id="{35D0A0E2-4FA0-4E9D-84C4-F45C9FDA24F3}"/>
+          <a:xfrm flipV="1">
+            <a:off x="2521786" y="4030120"/>
+            <a:ext cx="430901" cy="219988"/>
+          </a:xfrm>
+          <a:prstGeom prst="straightConnector1">
+            <a:avLst/>
+          </a:prstGeom>
+          <a:ln>
+            <a:tailEnd type="triangle"/>
+          </a:ln>
+        </p:spPr>
+        <p:style>
+          <a:lnRef idx="1">
+            <a:schemeClr val="accent1"/>
+          </a:lnRef>
+          <a:fillRef idx="0">
+            <a:schemeClr val="accent1"/>
+          </a:fillRef>
+          <a:effectRef idx="0">
+            <a:schemeClr val="accent1"/>
+          </a:effectRef>
+          <a:fontRef idx="minor">
+            <a:schemeClr val="tx1"/>
+          </a:fontRef>
+        </p:style>
+      </p:cxnSp>
+      <p:cxnSp>
+        <p:nvCxnSpPr>
+          <p:cNvPr id="108" name="直接箭头连接符 107">
+            <a:extLst>
+              <a:ext uri="{FF2B5EF4-FFF2-40B4-BE49-F238E27FC236}">
+                <a16:creationId xmlns:a16="http://schemas.microsoft.com/office/drawing/2014/main" id="{2B23FF88-8CA3-4678-AD3A-464CA6CB0E39}"/>
               </a:ext>
             </a:extLst>
           </p:cNvPr>
@@ -14402,37 +14402,37 @@
         </p:nvCxnSpPr>
         <p:spPr>
           <a:xfrm>
-            <a:off x="2522391" y="4193219"/>
-            <a:ext cx="456540" cy="204944"/>
-          </a:xfrm>
-          <a:prstGeom prst="straightConnector1">
-            <a:avLst/>
-          </a:prstGeom>
-          <a:ln>
-            <a:tailEnd type="triangle"/>
-          </a:ln>
-        </p:spPr>
-        <p:style>
-          <a:lnRef idx="1">
-            <a:schemeClr val="accent1"/>
-          </a:lnRef>
-          <a:fillRef idx="0">
-            <a:schemeClr val="accent1"/>
-          </a:fillRef>
-          <a:effectRef idx="0">
-            <a:schemeClr val="accent1"/>
-          </a:effectRef>
-          <a:fontRef idx="minor">
-            <a:schemeClr val="tx1"/>
-          </a:fontRef>
-        </p:style>
-      </p:cxnSp>
-      <p:cxnSp>
-        <p:nvCxnSpPr>
-          <p:cNvPr id="108" name="直接箭头连接符 107">
-            <a:extLst>
-              <a:ext uri="{FF2B5EF4-FFF2-40B4-BE49-F238E27FC236}">
-                <a16:creationId xmlns:a16="http://schemas.microsoft.com/office/drawing/2014/main" id="{2B23FF88-8CA3-4678-AD3A-464CA6CB0E39}"/>
+            <a:off x="2490905" y="3823448"/>
+            <a:ext cx="0" cy="394282"/>
+          </a:xfrm>
+          <a:prstGeom prst="straightConnector1">
+            <a:avLst/>
+          </a:prstGeom>
+          <a:ln>
+            <a:tailEnd type="triangle"/>
+          </a:ln>
+        </p:spPr>
+        <p:style>
+          <a:lnRef idx="1">
+            <a:schemeClr val="accent2"/>
+          </a:lnRef>
+          <a:fillRef idx="0">
+            <a:schemeClr val="accent2"/>
+          </a:fillRef>
+          <a:effectRef idx="0">
+            <a:schemeClr val="accent2"/>
+          </a:effectRef>
+          <a:fontRef idx="minor">
+            <a:schemeClr val="tx1"/>
+          </a:fontRef>
+        </p:style>
+      </p:cxnSp>
+      <p:cxnSp>
+        <p:nvCxnSpPr>
+          <p:cNvPr id="109" name="直接箭头连接符 108">
+            <a:extLst>
+              <a:ext uri="{FF2B5EF4-FFF2-40B4-BE49-F238E27FC236}">
+                <a16:creationId xmlns:a16="http://schemas.microsoft.com/office/drawing/2014/main" id="{1E9E3EB6-4B4F-41BF-8C50-2C086A8637C1}"/>
               </a:ext>
             </a:extLst>
           </p:cNvPr>
@@ -14442,38 +14442,74 @@
           <p:nvPr/>
         </p:nvCxnSpPr>
         <p:spPr>
-          <a:xfrm>
-            <a:off x="2490905" y="3823448"/>
-            <a:ext cx="0" cy="394282"/>
-          </a:xfrm>
-          <a:prstGeom prst="straightConnector1">
-            <a:avLst/>
-          </a:prstGeom>
-          <a:ln>
-            <a:tailEnd type="triangle"/>
-          </a:ln>
-        </p:spPr>
-        <p:style>
-          <a:lnRef idx="1">
-            <a:schemeClr val="accent2"/>
-          </a:lnRef>
-          <a:fillRef idx="0">
-            <a:schemeClr val="accent2"/>
-          </a:fillRef>
-          <a:effectRef idx="0">
-            <a:schemeClr val="accent2"/>
-          </a:effectRef>
-          <a:fontRef idx="minor">
-            <a:schemeClr val="tx1"/>
-          </a:fontRef>
-        </p:style>
-      </p:cxnSp>
-      <p:cxnSp>
-        <p:nvCxnSpPr>
-          <p:cNvPr id="109" name="直接箭头连接符 108">
-            <a:extLst>
-              <a:ext uri="{FF2B5EF4-FFF2-40B4-BE49-F238E27FC236}">
-                <a16:creationId xmlns:a16="http://schemas.microsoft.com/office/drawing/2014/main" id="{1E9E3EB6-4B4F-41BF-8C50-2C086A8637C1}"/>
+          <a:xfrm flipV="1">
+            <a:off x="3000260" y="3572920"/>
+            <a:ext cx="0" cy="457200"/>
+          </a:xfrm>
+          <a:prstGeom prst="straightConnector1">
+            <a:avLst/>
+          </a:prstGeom>
+          <a:ln>
+            <a:tailEnd type="triangle"/>
+          </a:ln>
+        </p:spPr>
+        <p:style>
+          <a:lnRef idx="1">
+            <a:schemeClr val="accent1"/>
+          </a:lnRef>
+          <a:fillRef idx="0">
+            <a:schemeClr val="accent1"/>
+          </a:fillRef>
+          <a:effectRef idx="0">
+            <a:schemeClr val="accent1"/>
+          </a:effectRef>
+          <a:fontRef idx="minor">
+            <a:schemeClr val="tx1"/>
+          </a:fontRef>
+        </p:style>
+      </p:cxnSp>
+      <p:sp>
+        <p:nvSpPr>
+          <p:cNvPr id="110" name="文本框 109">
+            <a:extLst>
+              <a:ext uri="{FF2B5EF4-FFF2-40B4-BE49-F238E27FC236}">
+                <a16:creationId xmlns:a16="http://schemas.microsoft.com/office/drawing/2014/main" id="{C8A80E19-AE1F-45DA-8E6E-9C03374387DC}"/>
+              </a:ext>
+            </a:extLst>
+          </p:cNvPr>
+          <p:cNvSpPr txBox="1"/>
+          <p:nvPr/>
+        </p:nvSpPr>
+        <p:spPr>
+          <a:xfrm>
+            <a:off x="3488945" y="4299034"/>
+            <a:ext cx="300082" cy="369332"/>
+          </a:xfrm>
+          <a:prstGeom prst="rect">
+            <a:avLst/>
+          </a:prstGeom>
+          <a:noFill/>
+        </p:spPr>
+        <p:txBody>
+          <a:bodyPr wrap="none" rtlCol="0">
+            <a:spAutoFit/>
+          </a:bodyPr>
+          <a:lstStyle/>
+          <a:p>
+            <a:r>
+              <a:rPr lang="en-US" altLang="zh-CN" dirty="0"/>
+              <a:t>v</a:t>
+            </a:r>
+            <a:endParaRPr lang="zh-CN" altLang="en-US" dirty="0"/>
+          </a:p>
+        </p:txBody>
+      </p:sp>
+      <p:cxnSp>
+        <p:nvCxnSpPr>
+          <p:cNvPr id="113" name="直接箭头连接符 112">
+            <a:extLst>
+              <a:ext uri="{FF2B5EF4-FFF2-40B4-BE49-F238E27FC236}">
+                <a16:creationId xmlns:a16="http://schemas.microsoft.com/office/drawing/2014/main" id="{30021CAB-C870-43C4-B84A-A6677349959C}"/>
               </a:ext>
             </a:extLst>
           </p:cNvPr>
@@ -14483,48 +14519,48 @@
           <p:nvPr/>
         </p:nvCxnSpPr>
         <p:spPr>
-          <a:xfrm flipV="1">
-            <a:off x="2983099" y="3912930"/>
-            <a:ext cx="0" cy="457200"/>
-          </a:xfrm>
-          <a:prstGeom prst="straightConnector1">
-            <a:avLst/>
-          </a:prstGeom>
-          <a:ln>
-            <a:tailEnd type="triangle"/>
-          </a:ln>
-        </p:spPr>
-        <p:style>
-          <a:lnRef idx="1">
-            <a:schemeClr val="accent1"/>
-          </a:lnRef>
-          <a:fillRef idx="0">
-            <a:schemeClr val="accent1"/>
-          </a:fillRef>
-          <a:effectRef idx="0">
-            <a:schemeClr val="accent1"/>
-          </a:effectRef>
-          <a:fontRef idx="minor">
-            <a:schemeClr val="tx1"/>
-          </a:fontRef>
-        </p:style>
-      </p:cxnSp>
-      <p:sp>
-        <p:nvSpPr>
-          <p:cNvPr id="110" name="文本框 109">
-            <a:extLst>
-              <a:ext uri="{FF2B5EF4-FFF2-40B4-BE49-F238E27FC236}">
-                <a16:creationId xmlns:a16="http://schemas.microsoft.com/office/drawing/2014/main" id="{C8A80E19-AE1F-45DA-8E6E-9C03374387DC}"/>
-              </a:ext>
-            </a:extLst>
-          </p:cNvPr>
-          <p:cNvSpPr txBox="1"/>
-          <p:nvPr/>
-        </p:nvSpPr>
-        <p:spPr>
-          <a:xfrm>
-            <a:off x="3488945" y="4299034"/>
-            <a:ext cx="300082" cy="369332"/>
+          <a:xfrm>
+            <a:off x="3381547" y="3789397"/>
+            <a:ext cx="339871" cy="274527"/>
+          </a:xfrm>
+          <a:prstGeom prst="straightConnector1">
+            <a:avLst/>
+          </a:prstGeom>
+          <a:ln>
+            <a:tailEnd type="triangle"/>
+          </a:ln>
+        </p:spPr>
+        <p:style>
+          <a:lnRef idx="1">
+            <a:schemeClr val="accent2"/>
+          </a:lnRef>
+          <a:fillRef idx="0">
+            <a:schemeClr val="accent2"/>
+          </a:fillRef>
+          <a:effectRef idx="0">
+            <a:schemeClr val="accent2"/>
+          </a:effectRef>
+          <a:fontRef idx="minor">
+            <a:schemeClr val="tx1"/>
+          </a:fontRef>
+        </p:style>
+      </p:cxnSp>
+      <p:sp>
+        <p:nvSpPr>
+          <p:cNvPr id="114" name="文本框 113">
+            <a:extLst>
+              <a:ext uri="{FF2B5EF4-FFF2-40B4-BE49-F238E27FC236}">
+                <a16:creationId xmlns:a16="http://schemas.microsoft.com/office/drawing/2014/main" id="{46257965-0F26-4162-BE96-776DAB87E56B}"/>
+              </a:ext>
+            </a:extLst>
+          </p:cNvPr>
+          <p:cNvSpPr txBox="1"/>
+          <p:nvPr/>
+        </p:nvSpPr>
+        <p:spPr>
+          <a:xfrm>
+            <a:off x="4597690" y="4299034"/>
+            <a:ext cx="346570" cy="369332"/>
           </a:xfrm>
           <a:prstGeom prst="rect">
             <a:avLst/>
@@ -14539,7 +14575,7 @@
           <a:p>
             <a:r>
               <a:rPr lang="en-US" altLang="zh-CN" dirty="0"/>
-              <a:t>v</a:t>
+              <a:t>w</a:t>
             </a:r>
             <a:endParaRPr lang="zh-CN" altLang="en-US" dirty="0"/>
           </a:p>
@@ -14547,10 +14583,10 @@
       </p:sp>
       <p:cxnSp>
         <p:nvCxnSpPr>
-          <p:cNvPr id="113" name="直接箭头连接符 112">
-            <a:extLst>
-              <a:ext uri="{FF2B5EF4-FFF2-40B4-BE49-F238E27FC236}">
-                <a16:creationId xmlns:a16="http://schemas.microsoft.com/office/drawing/2014/main" id="{30021CAB-C870-43C4-B84A-A6677349959C}"/>
+          <p:cNvPr id="117" name="直接箭头连接符 116">
+            <a:extLst>
+              <a:ext uri="{FF2B5EF4-FFF2-40B4-BE49-F238E27FC236}">
+                <a16:creationId xmlns:a16="http://schemas.microsoft.com/office/drawing/2014/main" id="{0FFAADBA-64D2-4C49-BFE1-F32EB57DBC42}"/>
               </a:ext>
             </a:extLst>
           </p:cNvPr>
@@ -14561,8 +14597,8 @@
         </p:nvCxnSpPr>
         <p:spPr>
           <a:xfrm>
-            <a:off x="3381547" y="3789397"/>
-            <a:ext cx="339871" cy="274527"/>
+            <a:off x="4531839" y="3813870"/>
+            <a:ext cx="0" cy="394282"/>
           </a:xfrm>
           <a:prstGeom prst="straightConnector1">
             <a:avLst/>
@@ -14586,48 +14622,12 @@
           </a:fontRef>
         </p:style>
       </p:cxnSp>
-      <p:sp>
-        <p:nvSpPr>
-          <p:cNvPr id="114" name="文本框 113">
-            <a:extLst>
-              <a:ext uri="{FF2B5EF4-FFF2-40B4-BE49-F238E27FC236}">
-                <a16:creationId xmlns:a16="http://schemas.microsoft.com/office/drawing/2014/main" id="{46257965-0F26-4162-BE96-776DAB87E56B}"/>
-              </a:ext>
-            </a:extLst>
-          </p:cNvPr>
-          <p:cNvSpPr txBox="1"/>
-          <p:nvPr/>
-        </p:nvSpPr>
-        <p:spPr>
-          <a:xfrm>
-            <a:off x="4597690" y="4299034"/>
-            <a:ext cx="346570" cy="369332"/>
-          </a:xfrm>
-          <a:prstGeom prst="rect">
-            <a:avLst/>
-          </a:prstGeom>
-          <a:noFill/>
-        </p:spPr>
-        <p:txBody>
-          <a:bodyPr wrap="none" rtlCol="0">
-            <a:spAutoFit/>
-          </a:bodyPr>
-          <a:lstStyle/>
-          <a:p>
-            <a:r>
-              <a:rPr lang="en-US" altLang="zh-CN" dirty="0"/>
-              <a:t>w</a:t>
-            </a:r>
-            <a:endParaRPr lang="zh-CN" altLang="en-US" dirty="0"/>
-          </a:p>
-        </p:txBody>
-      </p:sp>
-      <p:cxnSp>
-        <p:nvCxnSpPr>
-          <p:cNvPr id="117" name="直接箭头连接符 116">
-            <a:extLst>
-              <a:ext uri="{FF2B5EF4-FFF2-40B4-BE49-F238E27FC236}">
-                <a16:creationId xmlns:a16="http://schemas.microsoft.com/office/drawing/2014/main" id="{0FFAADBA-64D2-4C49-BFE1-F32EB57DBC42}"/>
+      <p:cxnSp>
+        <p:nvCxnSpPr>
+          <p:cNvPr id="118" name="直接箭头连接符 117">
+            <a:extLst>
+              <a:ext uri="{FF2B5EF4-FFF2-40B4-BE49-F238E27FC236}">
+                <a16:creationId xmlns:a16="http://schemas.microsoft.com/office/drawing/2014/main" id="{FC43FDD0-6ABD-4278-8122-5D676136C0C7}"/>
               </a:ext>
             </a:extLst>
           </p:cNvPr>
@@ -14637,38 +14637,74 @@
           <p:nvPr/>
         </p:nvCxnSpPr>
         <p:spPr>
-          <a:xfrm>
-            <a:off x="4531839" y="3813870"/>
-            <a:ext cx="0" cy="394282"/>
-          </a:xfrm>
-          <a:prstGeom prst="straightConnector1">
-            <a:avLst/>
-          </a:prstGeom>
-          <a:ln>
-            <a:tailEnd type="triangle"/>
-          </a:ln>
-        </p:spPr>
-        <p:style>
-          <a:lnRef idx="1">
-            <a:schemeClr val="accent2"/>
-          </a:lnRef>
-          <a:fillRef idx="0">
-            <a:schemeClr val="accent2"/>
-          </a:fillRef>
-          <a:effectRef idx="0">
-            <a:schemeClr val="accent2"/>
-          </a:effectRef>
-          <a:fontRef idx="minor">
-            <a:schemeClr val="tx1"/>
-          </a:fontRef>
-        </p:style>
-      </p:cxnSp>
-      <p:cxnSp>
-        <p:nvCxnSpPr>
-          <p:cNvPr id="118" name="直接箭头连接符 117">
-            <a:extLst>
-              <a:ext uri="{FF2B5EF4-FFF2-40B4-BE49-F238E27FC236}">
-                <a16:creationId xmlns:a16="http://schemas.microsoft.com/office/drawing/2014/main" id="{FC43FDD0-6ABD-4278-8122-5D676136C0C7}"/>
+          <a:xfrm flipV="1">
+            <a:off x="4655839" y="3813870"/>
+            <a:ext cx="0" cy="457200"/>
+          </a:xfrm>
+          <a:prstGeom prst="straightConnector1">
+            <a:avLst/>
+          </a:prstGeom>
+          <a:ln>
+            <a:tailEnd type="triangle"/>
+          </a:ln>
+        </p:spPr>
+        <p:style>
+          <a:lnRef idx="1">
+            <a:schemeClr val="accent1"/>
+          </a:lnRef>
+          <a:fillRef idx="0">
+            <a:schemeClr val="accent1"/>
+          </a:fillRef>
+          <a:effectRef idx="0">
+            <a:schemeClr val="accent1"/>
+          </a:effectRef>
+          <a:fontRef idx="minor">
+            <a:schemeClr val="tx1"/>
+          </a:fontRef>
+        </p:style>
+      </p:cxnSp>
+      <p:sp>
+        <p:nvSpPr>
+          <p:cNvPr id="119" name="文本框 118">
+            <a:extLst>
+              <a:ext uri="{FF2B5EF4-FFF2-40B4-BE49-F238E27FC236}">
+                <a16:creationId xmlns:a16="http://schemas.microsoft.com/office/drawing/2014/main" id="{15342BA6-C4C9-4678-B108-9B4A2BE1AD34}"/>
+              </a:ext>
+            </a:extLst>
+          </p:cNvPr>
+          <p:cNvSpPr txBox="1"/>
+          <p:nvPr/>
+        </p:nvSpPr>
+        <p:spPr>
+          <a:xfrm>
+            <a:off x="5618360" y="4299034"/>
+            <a:ext cx="285656" cy="369332"/>
+          </a:xfrm>
+          <a:prstGeom prst="rect">
+            <a:avLst/>
+          </a:prstGeom>
+          <a:noFill/>
+        </p:spPr>
+        <p:txBody>
+          <a:bodyPr wrap="none" rtlCol="0">
+            <a:spAutoFit/>
+          </a:bodyPr>
+          <a:lstStyle/>
+          <a:p>
+            <a:r>
+              <a:rPr lang="en-US" altLang="zh-CN" dirty="0"/>
+              <a:t>x</a:t>
+            </a:r>
+            <a:endParaRPr lang="zh-CN" altLang="en-US" dirty="0"/>
+          </a:p>
+        </p:txBody>
+      </p:sp>
+      <p:cxnSp>
+        <p:nvCxnSpPr>
+          <p:cNvPr id="120" name="直接箭头连接符 119">
+            <a:extLst>
+              <a:ext uri="{FF2B5EF4-FFF2-40B4-BE49-F238E27FC236}">
+                <a16:creationId xmlns:a16="http://schemas.microsoft.com/office/drawing/2014/main" id="{40833795-6ED4-47F9-B83D-7DFC6685EF54}"/>
               </a:ext>
             </a:extLst>
           </p:cNvPr>
@@ -14678,74 +14714,38 @@
           <p:nvPr/>
         </p:nvCxnSpPr>
         <p:spPr>
-          <a:xfrm flipV="1">
-            <a:off x="4655839" y="3813870"/>
-            <a:ext cx="0" cy="457200"/>
-          </a:xfrm>
-          <a:prstGeom prst="straightConnector1">
-            <a:avLst/>
-          </a:prstGeom>
-          <a:ln>
-            <a:tailEnd type="triangle"/>
-          </a:ln>
-        </p:spPr>
-        <p:style>
-          <a:lnRef idx="1">
-            <a:schemeClr val="accent1"/>
-          </a:lnRef>
-          <a:fillRef idx="0">
-            <a:schemeClr val="accent1"/>
-          </a:fillRef>
-          <a:effectRef idx="0">
-            <a:schemeClr val="accent1"/>
-          </a:effectRef>
-          <a:fontRef idx="minor">
-            <a:schemeClr val="tx1"/>
-          </a:fontRef>
-        </p:style>
-      </p:cxnSp>
-      <p:sp>
-        <p:nvSpPr>
-          <p:cNvPr id="119" name="文本框 118">
-            <a:extLst>
-              <a:ext uri="{FF2B5EF4-FFF2-40B4-BE49-F238E27FC236}">
-                <a16:creationId xmlns:a16="http://schemas.microsoft.com/office/drawing/2014/main" id="{15342BA6-C4C9-4678-B108-9B4A2BE1AD34}"/>
-              </a:ext>
-            </a:extLst>
-          </p:cNvPr>
-          <p:cNvSpPr txBox="1"/>
-          <p:nvPr/>
-        </p:nvSpPr>
-        <p:spPr>
-          <a:xfrm>
-            <a:off x="5618360" y="4299034"/>
-            <a:ext cx="285656" cy="369332"/>
-          </a:xfrm>
-          <a:prstGeom prst="rect">
-            <a:avLst/>
-          </a:prstGeom>
-          <a:noFill/>
-        </p:spPr>
-        <p:txBody>
-          <a:bodyPr wrap="none" rtlCol="0">
-            <a:spAutoFit/>
-          </a:bodyPr>
-          <a:lstStyle/>
-          <a:p>
-            <a:r>
-              <a:rPr lang="en-US" altLang="zh-CN" dirty="0"/>
-              <a:t>x</a:t>
-            </a:r>
-            <a:endParaRPr lang="zh-CN" altLang="en-US" dirty="0"/>
-          </a:p>
-        </p:txBody>
-      </p:sp>
-      <p:cxnSp>
-        <p:nvCxnSpPr>
-          <p:cNvPr id="120" name="直接箭头连接符 119">
-            <a:extLst>
-              <a:ext uri="{FF2B5EF4-FFF2-40B4-BE49-F238E27FC236}">
-                <a16:creationId xmlns:a16="http://schemas.microsoft.com/office/drawing/2014/main" id="{40833795-6ED4-47F9-B83D-7DFC6685EF54}"/>
+          <a:xfrm flipH="1">
+            <a:off x="5380754" y="3728130"/>
+            <a:ext cx="601916" cy="374171"/>
+          </a:xfrm>
+          <a:prstGeom prst="straightConnector1">
+            <a:avLst/>
+          </a:prstGeom>
+          <a:ln>
+            <a:tailEnd type="triangle"/>
+          </a:ln>
+        </p:spPr>
+        <p:style>
+          <a:lnRef idx="1">
+            <a:schemeClr val="accent1"/>
+          </a:lnRef>
+          <a:fillRef idx="0">
+            <a:schemeClr val="accent1"/>
+          </a:fillRef>
+          <a:effectRef idx="0">
+            <a:schemeClr val="accent1"/>
+          </a:effectRef>
+          <a:fontRef idx="minor">
+            <a:schemeClr val="tx1"/>
+          </a:fontRef>
+        </p:style>
+      </p:cxnSp>
+      <p:cxnSp>
+        <p:nvCxnSpPr>
+          <p:cNvPr id="121" name="直接箭头连接符 120">
+            <a:extLst>
+              <a:ext uri="{FF2B5EF4-FFF2-40B4-BE49-F238E27FC236}">
+                <a16:creationId xmlns:a16="http://schemas.microsoft.com/office/drawing/2014/main" id="{3B901849-8397-488E-8970-A2A47A97743F}"/>
               </a:ext>
             </a:extLst>
           </p:cNvPr>
@@ -14755,38 +14755,38 @@
           <p:nvPr/>
         </p:nvCxnSpPr>
         <p:spPr>
-          <a:xfrm flipH="1">
-            <a:off x="5380754" y="3728130"/>
-            <a:ext cx="601916" cy="374171"/>
-          </a:xfrm>
-          <a:prstGeom prst="straightConnector1">
-            <a:avLst/>
-          </a:prstGeom>
-          <a:ln>
-            <a:tailEnd type="triangle"/>
-          </a:ln>
-        </p:spPr>
-        <p:style>
-          <a:lnRef idx="1">
-            <a:schemeClr val="accent1"/>
-          </a:lnRef>
-          <a:fillRef idx="0">
-            <a:schemeClr val="accent1"/>
-          </a:fillRef>
-          <a:effectRef idx="0">
-            <a:schemeClr val="accent1"/>
-          </a:effectRef>
-          <a:fontRef idx="minor">
-            <a:schemeClr val="tx1"/>
-          </a:fontRef>
-        </p:style>
-      </p:cxnSp>
-      <p:cxnSp>
-        <p:nvCxnSpPr>
-          <p:cNvPr id="121" name="直接箭头连接符 120">
-            <a:extLst>
-              <a:ext uri="{FF2B5EF4-FFF2-40B4-BE49-F238E27FC236}">
-                <a16:creationId xmlns:a16="http://schemas.microsoft.com/office/drawing/2014/main" id="{3B901849-8397-488E-8970-A2A47A97743F}"/>
+          <a:xfrm>
+            <a:off x="5593181" y="3842509"/>
+            <a:ext cx="602665" cy="349895"/>
+          </a:xfrm>
+          <a:prstGeom prst="straightConnector1">
+            <a:avLst/>
+          </a:prstGeom>
+          <a:ln>
+            <a:tailEnd type="triangle"/>
+          </a:ln>
+        </p:spPr>
+        <p:style>
+          <a:lnRef idx="1">
+            <a:schemeClr val="accent2"/>
+          </a:lnRef>
+          <a:fillRef idx="0">
+            <a:schemeClr val="accent2"/>
+          </a:fillRef>
+          <a:effectRef idx="0">
+            <a:schemeClr val="accent2"/>
+          </a:effectRef>
+          <a:fontRef idx="minor">
+            <a:schemeClr val="tx1"/>
+          </a:fontRef>
+        </p:style>
+      </p:cxnSp>
+      <p:cxnSp>
+        <p:nvCxnSpPr>
+          <p:cNvPr id="123" name="直接箭头连接符 122">
+            <a:extLst>
+              <a:ext uri="{FF2B5EF4-FFF2-40B4-BE49-F238E27FC236}">
+                <a16:creationId xmlns:a16="http://schemas.microsoft.com/office/drawing/2014/main" id="{F9C06C2F-ADFC-498F-8A50-663137AC71C3}"/>
               </a:ext>
             </a:extLst>
           </p:cNvPr>
@@ -14796,38 +14796,74 @@
           <p:nvPr/>
         </p:nvCxnSpPr>
         <p:spPr>
-          <a:xfrm>
-            <a:off x="5399490" y="3820072"/>
-            <a:ext cx="602665" cy="349895"/>
-          </a:xfrm>
-          <a:prstGeom prst="straightConnector1">
-            <a:avLst/>
-          </a:prstGeom>
-          <a:ln>
-            <a:tailEnd type="triangle"/>
-          </a:ln>
-        </p:spPr>
-        <p:style>
-          <a:lnRef idx="1">
-            <a:schemeClr val="accent2"/>
-          </a:lnRef>
-          <a:fillRef idx="0">
-            <a:schemeClr val="accent2"/>
-          </a:fillRef>
-          <a:effectRef idx="0">
-            <a:schemeClr val="accent2"/>
-          </a:effectRef>
-          <a:fontRef idx="minor">
-            <a:schemeClr val="tx1"/>
-          </a:fontRef>
-        </p:style>
-      </p:cxnSp>
-      <p:cxnSp>
-        <p:nvCxnSpPr>
-          <p:cNvPr id="123" name="直接箭头连接符 122">
-            <a:extLst>
-              <a:ext uri="{FF2B5EF4-FFF2-40B4-BE49-F238E27FC236}">
-                <a16:creationId xmlns:a16="http://schemas.microsoft.com/office/drawing/2014/main" id="{F9C06C2F-ADFC-498F-8A50-663137AC71C3}"/>
+          <a:xfrm flipH="1" flipV="1">
+            <a:off x="5683918" y="3795483"/>
+            <a:ext cx="539461" cy="333520"/>
+          </a:xfrm>
+          <a:prstGeom prst="straightConnector1">
+            <a:avLst/>
+          </a:prstGeom>
+          <a:ln>
+            <a:tailEnd type="triangle"/>
+          </a:ln>
+        </p:spPr>
+        <p:style>
+          <a:lnRef idx="1">
+            <a:schemeClr val="accent1"/>
+          </a:lnRef>
+          <a:fillRef idx="0">
+            <a:schemeClr val="accent1"/>
+          </a:fillRef>
+          <a:effectRef idx="0">
+            <a:schemeClr val="accent1"/>
+          </a:effectRef>
+          <a:fontRef idx="minor">
+            <a:schemeClr val="tx1"/>
+          </a:fontRef>
+        </p:style>
+      </p:cxnSp>
+      <p:sp>
+        <p:nvSpPr>
+          <p:cNvPr id="124" name="文本框 123">
+            <a:extLst>
+              <a:ext uri="{FF2B5EF4-FFF2-40B4-BE49-F238E27FC236}">
+                <a16:creationId xmlns:a16="http://schemas.microsoft.com/office/drawing/2014/main" id="{D22A7AEF-38DC-4119-BC74-0AF093730D85}"/>
+              </a:ext>
+            </a:extLst>
+          </p:cNvPr>
+          <p:cNvSpPr txBox="1"/>
+          <p:nvPr/>
+        </p:nvSpPr>
+        <p:spPr>
+          <a:xfrm>
+            <a:off x="6559315" y="4299034"/>
+            <a:ext cx="300082" cy="369332"/>
+          </a:xfrm>
+          <a:prstGeom prst="rect">
+            <a:avLst/>
+          </a:prstGeom>
+          <a:noFill/>
+        </p:spPr>
+        <p:txBody>
+          <a:bodyPr wrap="none" rtlCol="0">
+            <a:spAutoFit/>
+          </a:bodyPr>
+          <a:lstStyle/>
+          <a:p>
+            <a:r>
+              <a:rPr lang="en-US" altLang="zh-CN" dirty="0"/>
+              <a:t>y</a:t>
+            </a:r>
+            <a:endParaRPr lang="zh-CN" altLang="en-US" dirty="0"/>
+          </a:p>
+        </p:txBody>
+      </p:sp>
+      <p:cxnSp>
+        <p:nvCxnSpPr>
+          <p:cNvPr id="125" name="直接箭头连接符 124">
+            <a:extLst>
+              <a:ext uri="{FF2B5EF4-FFF2-40B4-BE49-F238E27FC236}">
+                <a16:creationId xmlns:a16="http://schemas.microsoft.com/office/drawing/2014/main" id="{80CFF60B-1179-45CA-8906-6FC99C8144AC}"/>
               </a:ext>
             </a:extLst>
           </p:cNvPr>
@@ -14837,74 +14873,38 @@
           <p:nvPr/>
         </p:nvCxnSpPr>
         <p:spPr>
-          <a:xfrm flipV="1">
-            <a:off x="6034487" y="3707699"/>
-            <a:ext cx="0" cy="457200"/>
-          </a:xfrm>
-          <a:prstGeom prst="straightConnector1">
-            <a:avLst/>
-          </a:prstGeom>
-          <a:ln>
-            <a:tailEnd type="triangle"/>
-          </a:ln>
-        </p:spPr>
-        <p:style>
-          <a:lnRef idx="1">
-            <a:schemeClr val="accent1"/>
-          </a:lnRef>
-          <a:fillRef idx="0">
-            <a:schemeClr val="accent1"/>
-          </a:fillRef>
-          <a:effectRef idx="0">
-            <a:schemeClr val="accent1"/>
-          </a:effectRef>
-          <a:fontRef idx="minor">
-            <a:schemeClr val="tx1"/>
-          </a:fontRef>
-        </p:style>
-      </p:cxnSp>
-      <p:sp>
-        <p:nvSpPr>
-          <p:cNvPr id="124" name="文本框 123">
-            <a:extLst>
-              <a:ext uri="{FF2B5EF4-FFF2-40B4-BE49-F238E27FC236}">
-                <a16:creationId xmlns:a16="http://schemas.microsoft.com/office/drawing/2014/main" id="{D22A7AEF-38DC-4119-BC74-0AF093730D85}"/>
-              </a:ext>
-            </a:extLst>
-          </p:cNvPr>
-          <p:cNvSpPr txBox="1"/>
-          <p:nvPr/>
-        </p:nvSpPr>
-        <p:spPr>
-          <a:xfrm>
-            <a:off x="6559315" y="4299034"/>
-            <a:ext cx="300082" cy="369332"/>
-          </a:xfrm>
-          <a:prstGeom prst="rect">
-            <a:avLst/>
-          </a:prstGeom>
-          <a:noFill/>
-        </p:spPr>
-        <p:txBody>
-          <a:bodyPr wrap="none" rtlCol="0">
-            <a:spAutoFit/>
-          </a:bodyPr>
-          <a:lstStyle/>
-          <a:p>
-            <a:r>
-              <a:rPr lang="en-US" altLang="zh-CN" dirty="0"/>
-              <a:t>y</a:t>
-            </a:r>
-            <a:endParaRPr lang="zh-CN" altLang="en-US" dirty="0"/>
-          </a:p>
-        </p:txBody>
-      </p:sp>
-      <p:cxnSp>
-        <p:nvCxnSpPr>
-          <p:cNvPr id="125" name="直接箭头连接符 124">
-            <a:extLst>
-              <a:ext uri="{FF2B5EF4-FFF2-40B4-BE49-F238E27FC236}">
-                <a16:creationId xmlns:a16="http://schemas.microsoft.com/office/drawing/2014/main" id="{80CFF60B-1179-45CA-8906-6FC99C8144AC}"/>
+          <a:xfrm flipH="1">
+            <a:off x="6550074" y="3810780"/>
+            <a:ext cx="736551" cy="458402"/>
+          </a:xfrm>
+          <a:prstGeom prst="straightConnector1">
+            <a:avLst/>
+          </a:prstGeom>
+          <a:ln>
+            <a:tailEnd type="triangle"/>
+          </a:ln>
+        </p:spPr>
+        <p:style>
+          <a:lnRef idx="1">
+            <a:schemeClr val="accent1"/>
+          </a:lnRef>
+          <a:fillRef idx="0">
+            <a:schemeClr val="accent1"/>
+          </a:fillRef>
+          <a:effectRef idx="0">
+            <a:schemeClr val="accent1"/>
+          </a:effectRef>
+          <a:fontRef idx="minor">
+            <a:schemeClr val="tx1"/>
+          </a:fontRef>
+        </p:style>
+      </p:cxnSp>
+      <p:cxnSp>
+        <p:nvCxnSpPr>
+          <p:cNvPr id="127" name="直接箭头连接符 126">
+            <a:extLst>
+              <a:ext uri="{FF2B5EF4-FFF2-40B4-BE49-F238E27FC236}">
+                <a16:creationId xmlns:a16="http://schemas.microsoft.com/office/drawing/2014/main" id="{88F8902E-6216-4A0D-8542-761164E61F39}"/>
               </a:ext>
             </a:extLst>
           </p:cNvPr>
@@ -14914,38 +14914,74 @@
           <p:nvPr/>
         </p:nvCxnSpPr>
         <p:spPr>
-          <a:xfrm flipH="1">
-            <a:off x="6550074" y="3810780"/>
-            <a:ext cx="736551" cy="458402"/>
-          </a:xfrm>
-          <a:prstGeom prst="straightConnector1">
-            <a:avLst/>
-          </a:prstGeom>
-          <a:ln>
-            <a:tailEnd type="triangle"/>
-          </a:ln>
-        </p:spPr>
-        <p:style>
-          <a:lnRef idx="1">
-            <a:schemeClr val="accent1"/>
-          </a:lnRef>
-          <a:fillRef idx="0">
-            <a:schemeClr val="accent1"/>
-          </a:fillRef>
-          <a:effectRef idx="0">
-            <a:schemeClr val="accent1"/>
-          </a:effectRef>
-          <a:fontRef idx="minor">
-            <a:schemeClr val="tx1"/>
-          </a:fontRef>
-        </p:style>
-      </p:cxnSp>
-      <p:cxnSp>
-        <p:nvCxnSpPr>
-          <p:cNvPr id="127" name="直接箭头连接符 126">
-            <a:extLst>
-              <a:ext uri="{FF2B5EF4-FFF2-40B4-BE49-F238E27FC236}">
-                <a16:creationId xmlns:a16="http://schemas.microsoft.com/office/drawing/2014/main" id="{88F8902E-6216-4A0D-8542-761164E61F39}"/>
+          <a:xfrm>
+            <a:off x="6354191" y="3679979"/>
+            <a:ext cx="475614" cy="331031"/>
+          </a:xfrm>
+          <a:prstGeom prst="straightConnector1">
+            <a:avLst/>
+          </a:prstGeom>
+          <a:ln>
+            <a:tailEnd type="triangle"/>
+          </a:ln>
+        </p:spPr>
+        <p:style>
+          <a:lnRef idx="1">
+            <a:schemeClr val="accent2"/>
+          </a:lnRef>
+          <a:fillRef idx="0">
+            <a:schemeClr val="accent2"/>
+          </a:fillRef>
+          <a:effectRef idx="0">
+            <a:schemeClr val="accent2"/>
+          </a:effectRef>
+          <a:fontRef idx="minor">
+            <a:schemeClr val="tx1"/>
+          </a:fontRef>
+        </p:style>
+      </p:cxnSp>
+      <p:sp>
+        <p:nvSpPr>
+          <p:cNvPr id="128" name="文本框 127">
+            <a:extLst>
+              <a:ext uri="{FF2B5EF4-FFF2-40B4-BE49-F238E27FC236}">
+                <a16:creationId xmlns:a16="http://schemas.microsoft.com/office/drawing/2014/main" id="{BE959900-52BB-4748-90E0-7A2626306688}"/>
+              </a:ext>
+            </a:extLst>
+          </p:cNvPr>
+          <p:cNvSpPr txBox="1"/>
+          <p:nvPr/>
+        </p:nvSpPr>
+        <p:spPr>
+          <a:xfrm>
+            <a:off x="7668060" y="4299034"/>
+            <a:ext cx="290464" cy="369332"/>
+          </a:xfrm>
+          <a:prstGeom prst="rect">
+            <a:avLst/>
+          </a:prstGeom>
+          <a:noFill/>
+        </p:spPr>
+        <p:txBody>
+          <a:bodyPr wrap="none" rtlCol="0">
+            <a:spAutoFit/>
+          </a:bodyPr>
+          <a:lstStyle/>
+          <a:p>
+            <a:r>
+              <a:rPr lang="en-US" altLang="zh-CN" dirty="0"/>
+              <a:t>z</a:t>
+            </a:r>
+            <a:endParaRPr lang="zh-CN" altLang="en-US" dirty="0"/>
+          </a:p>
+        </p:txBody>
+      </p:sp>
+      <p:cxnSp>
+        <p:nvCxnSpPr>
+          <p:cNvPr id="129" name="直接箭头连接符 128">
+            <a:extLst>
+              <a:ext uri="{FF2B5EF4-FFF2-40B4-BE49-F238E27FC236}">
+                <a16:creationId xmlns:a16="http://schemas.microsoft.com/office/drawing/2014/main" id="{40513ADE-E073-441D-A7AB-230D534E3AB9}"/>
               </a:ext>
             </a:extLst>
           </p:cNvPr>
@@ -14955,74 +14991,38 @@
           <p:nvPr/>
         </p:nvCxnSpPr>
         <p:spPr>
-          <a:xfrm>
-            <a:off x="6354191" y="3679979"/>
-            <a:ext cx="475614" cy="331031"/>
-          </a:xfrm>
-          <a:prstGeom prst="straightConnector1">
-            <a:avLst/>
-          </a:prstGeom>
-          <a:ln>
-            <a:tailEnd type="triangle"/>
-          </a:ln>
-        </p:spPr>
-        <p:style>
-          <a:lnRef idx="1">
-            <a:schemeClr val="accent2"/>
-          </a:lnRef>
-          <a:fillRef idx="0">
-            <a:schemeClr val="accent2"/>
-          </a:fillRef>
-          <a:effectRef idx="0">
-            <a:schemeClr val="accent2"/>
-          </a:effectRef>
-          <a:fontRef idx="minor">
-            <a:schemeClr val="tx1"/>
-          </a:fontRef>
-        </p:style>
-      </p:cxnSp>
-      <p:sp>
-        <p:nvSpPr>
-          <p:cNvPr id="128" name="文本框 127">
-            <a:extLst>
-              <a:ext uri="{FF2B5EF4-FFF2-40B4-BE49-F238E27FC236}">
-                <a16:creationId xmlns:a16="http://schemas.microsoft.com/office/drawing/2014/main" id="{BE959900-52BB-4748-90E0-7A2626306688}"/>
-              </a:ext>
-            </a:extLst>
-          </p:cNvPr>
-          <p:cNvSpPr txBox="1"/>
-          <p:nvPr/>
-        </p:nvSpPr>
-        <p:spPr>
-          <a:xfrm>
-            <a:off x="7668060" y="4299034"/>
-            <a:ext cx="290464" cy="369332"/>
-          </a:xfrm>
-          <a:prstGeom prst="rect">
-            <a:avLst/>
-          </a:prstGeom>
-          <a:noFill/>
-        </p:spPr>
-        <p:txBody>
-          <a:bodyPr wrap="none" rtlCol="0">
-            <a:spAutoFit/>
-          </a:bodyPr>
-          <a:lstStyle/>
-          <a:p>
-            <a:r>
-              <a:rPr lang="en-US" altLang="zh-CN" dirty="0"/>
-              <a:t>z</a:t>
-            </a:r>
-            <a:endParaRPr lang="zh-CN" altLang="en-US" dirty="0"/>
-          </a:p>
-        </p:txBody>
-      </p:sp>
-      <p:cxnSp>
-        <p:nvCxnSpPr>
-          <p:cNvPr id="129" name="直接箭头连接符 128">
-            <a:extLst>
-              <a:ext uri="{FF2B5EF4-FFF2-40B4-BE49-F238E27FC236}">
-                <a16:creationId xmlns:a16="http://schemas.microsoft.com/office/drawing/2014/main" id="{40513ADE-E073-441D-A7AB-230D534E3AB9}"/>
+          <a:xfrm flipH="1">
+            <a:off x="7581540" y="3711902"/>
+            <a:ext cx="501736" cy="220812"/>
+          </a:xfrm>
+          <a:prstGeom prst="straightConnector1">
+            <a:avLst/>
+          </a:prstGeom>
+          <a:ln>
+            <a:tailEnd type="triangle"/>
+          </a:ln>
+        </p:spPr>
+        <p:style>
+          <a:lnRef idx="1">
+            <a:schemeClr val="accent1"/>
+          </a:lnRef>
+          <a:fillRef idx="0">
+            <a:schemeClr val="accent1"/>
+          </a:fillRef>
+          <a:effectRef idx="0">
+            <a:schemeClr val="accent1"/>
+          </a:effectRef>
+          <a:fontRef idx="minor">
+            <a:schemeClr val="tx1"/>
+          </a:fontRef>
+        </p:style>
+      </p:cxnSp>
+      <p:cxnSp>
+        <p:nvCxnSpPr>
+          <p:cNvPr id="130" name="直接箭头连接符 129">
+            <a:extLst>
+              <a:ext uri="{FF2B5EF4-FFF2-40B4-BE49-F238E27FC236}">
+                <a16:creationId xmlns:a16="http://schemas.microsoft.com/office/drawing/2014/main" id="{19DBE712-7D0B-460E-9B21-89D9585AA430}"/>
               </a:ext>
             </a:extLst>
           </p:cNvPr>
@@ -15032,38 +15032,38 @@
           <p:nvPr/>
         </p:nvCxnSpPr>
         <p:spPr>
-          <a:xfrm flipH="1">
-            <a:off x="7581540" y="3711902"/>
-            <a:ext cx="501736" cy="220812"/>
-          </a:xfrm>
-          <a:prstGeom prst="straightConnector1">
-            <a:avLst/>
-          </a:prstGeom>
-          <a:ln>
-            <a:tailEnd type="triangle"/>
-          </a:ln>
-        </p:spPr>
-        <p:style>
-          <a:lnRef idx="1">
-            <a:schemeClr val="accent1"/>
-          </a:lnRef>
-          <a:fillRef idx="0">
-            <a:schemeClr val="accent1"/>
-          </a:fillRef>
-          <a:effectRef idx="0">
-            <a:schemeClr val="accent1"/>
-          </a:effectRef>
-          <a:fontRef idx="minor">
-            <a:schemeClr val="tx1"/>
-          </a:fontRef>
-        </p:style>
-      </p:cxnSp>
-      <p:cxnSp>
-        <p:nvCxnSpPr>
-          <p:cNvPr id="130" name="直接箭头连接符 129">
-            <a:extLst>
-              <a:ext uri="{FF2B5EF4-FFF2-40B4-BE49-F238E27FC236}">
-                <a16:creationId xmlns:a16="http://schemas.microsoft.com/office/drawing/2014/main" id="{19DBE712-7D0B-460E-9B21-89D9585AA430}"/>
+          <a:xfrm flipV="1">
+            <a:off x="7577345" y="3594735"/>
+            <a:ext cx="499146" cy="219135"/>
+          </a:xfrm>
+          <a:prstGeom prst="straightConnector1">
+            <a:avLst/>
+          </a:prstGeom>
+          <a:ln>
+            <a:tailEnd type="triangle"/>
+          </a:ln>
+        </p:spPr>
+        <p:style>
+          <a:lnRef idx="1">
+            <a:schemeClr val="accent2"/>
+          </a:lnRef>
+          <a:fillRef idx="0">
+            <a:schemeClr val="accent2"/>
+          </a:fillRef>
+          <a:effectRef idx="0">
+            <a:schemeClr val="accent2"/>
+          </a:effectRef>
+          <a:fontRef idx="minor">
+            <a:schemeClr val="tx1"/>
+          </a:fontRef>
+        </p:style>
+      </p:cxnSp>
+      <p:cxnSp>
+        <p:nvCxnSpPr>
+          <p:cNvPr id="138" name="直接箭头连接符 137">
+            <a:extLst>
+              <a:ext uri="{FF2B5EF4-FFF2-40B4-BE49-F238E27FC236}">
+                <a16:creationId xmlns:a16="http://schemas.microsoft.com/office/drawing/2014/main" id="{8C57D710-19D0-4240-B45E-E245ECFCF1FB}"/>
               </a:ext>
             </a:extLst>
           </p:cNvPr>
@@ -15074,37 +15074,37 @@
         </p:nvCxnSpPr>
         <p:spPr>
           <a:xfrm flipV="1">
-            <a:off x="7577345" y="3594735"/>
-            <a:ext cx="499146" cy="219135"/>
-          </a:xfrm>
-          <a:prstGeom prst="straightConnector1">
-            <a:avLst/>
-          </a:prstGeom>
-          <a:ln>
-            <a:tailEnd type="triangle"/>
-          </a:ln>
-        </p:spPr>
-        <p:style>
-          <a:lnRef idx="1">
-            <a:schemeClr val="accent2"/>
-          </a:lnRef>
-          <a:fillRef idx="0">
-            <a:schemeClr val="accent2"/>
-          </a:fillRef>
-          <a:effectRef idx="0">
-            <a:schemeClr val="accent2"/>
-          </a:effectRef>
-          <a:fontRef idx="minor">
-            <a:schemeClr val="tx1"/>
-          </a:fontRef>
-        </p:style>
-      </p:cxnSp>
-      <p:cxnSp>
-        <p:nvCxnSpPr>
-          <p:cNvPr id="138" name="直接箭头连接符 137">
-            <a:extLst>
-              <a:ext uri="{FF2B5EF4-FFF2-40B4-BE49-F238E27FC236}">
-                <a16:creationId xmlns:a16="http://schemas.microsoft.com/office/drawing/2014/main" id="{8C57D710-19D0-4240-B45E-E245ECFCF1FB}"/>
+            <a:off x="3418096" y="1826316"/>
+            <a:ext cx="404709" cy="178653"/>
+          </a:xfrm>
+          <a:prstGeom prst="straightConnector1">
+            <a:avLst/>
+          </a:prstGeom>
+          <a:ln>
+            <a:tailEnd type="triangle"/>
+          </a:ln>
+        </p:spPr>
+        <p:style>
+          <a:lnRef idx="1">
+            <a:schemeClr val="accent1"/>
+          </a:lnRef>
+          <a:fillRef idx="0">
+            <a:schemeClr val="accent1"/>
+          </a:fillRef>
+          <a:effectRef idx="0">
+            <a:schemeClr val="accent1"/>
+          </a:effectRef>
+          <a:fontRef idx="minor">
+            <a:schemeClr val="tx1"/>
+          </a:fontRef>
+        </p:style>
+      </p:cxnSp>
+      <p:cxnSp>
+        <p:nvCxnSpPr>
+          <p:cNvPr id="139" name="直接箭头连接符 138">
+            <a:extLst>
+              <a:ext uri="{FF2B5EF4-FFF2-40B4-BE49-F238E27FC236}">
+                <a16:creationId xmlns:a16="http://schemas.microsoft.com/office/drawing/2014/main" id="{029B8A42-1A5C-4507-A388-A84F72E60775}"/>
               </a:ext>
             </a:extLst>
           </p:cNvPr>
@@ -15115,37 +15115,37 @@
         </p:nvCxnSpPr>
         <p:spPr>
           <a:xfrm flipV="1">
-            <a:off x="3418096" y="1826316"/>
-            <a:ext cx="404709" cy="178653"/>
-          </a:xfrm>
-          <a:prstGeom prst="straightConnector1">
-            <a:avLst/>
-          </a:prstGeom>
-          <a:ln>
-            <a:tailEnd type="triangle"/>
-          </a:ln>
-        </p:spPr>
-        <p:style>
-          <a:lnRef idx="1">
-            <a:schemeClr val="accent1"/>
-          </a:lnRef>
-          <a:fillRef idx="0">
-            <a:schemeClr val="accent1"/>
-          </a:fillRef>
-          <a:effectRef idx="0">
-            <a:schemeClr val="accent1"/>
-          </a:effectRef>
-          <a:fontRef idx="minor">
-            <a:schemeClr val="tx1"/>
-          </a:fontRef>
-        </p:style>
-      </p:cxnSp>
-      <p:cxnSp>
-        <p:nvCxnSpPr>
-          <p:cNvPr id="139" name="直接箭头连接符 138">
-            <a:extLst>
-              <a:ext uri="{FF2B5EF4-FFF2-40B4-BE49-F238E27FC236}">
-                <a16:creationId xmlns:a16="http://schemas.microsoft.com/office/drawing/2014/main" id="{029B8A42-1A5C-4507-A388-A84F72E60775}"/>
+            <a:off x="4651405" y="1770966"/>
+            <a:ext cx="482243" cy="143121"/>
+          </a:xfrm>
+          <a:prstGeom prst="straightConnector1">
+            <a:avLst/>
+          </a:prstGeom>
+          <a:ln>
+            <a:tailEnd type="triangle"/>
+          </a:ln>
+        </p:spPr>
+        <p:style>
+          <a:lnRef idx="1">
+            <a:schemeClr val="accent1"/>
+          </a:lnRef>
+          <a:fillRef idx="0">
+            <a:schemeClr val="accent1"/>
+          </a:fillRef>
+          <a:effectRef idx="0">
+            <a:schemeClr val="accent1"/>
+          </a:effectRef>
+          <a:fontRef idx="minor">
+            <a:schemeClr val="tx1"/>
+          </a:fontRef>
+        </p:style>
+      </p:cxnSp>
+      <p:cxnSp>
+        <p:nvCxnSpPr>
+          <p:cNvPr id="140" name="直接箭头连接符 139">
+            <a:extLst>
+              <a:ext uri="{FF2B5EF4-FFF2-40B4-BE49-F238E27FC236}">
+                <a16:creationId xmlns:a16="http://schemas.microsoft.com/office/drawing/2014/main" id="{F75A97D9-9545-421A-A8D7-D0B6D085E8C8}"/>
               </a:ext>
             </a:extLst>
           </p:cNvPr>
@@ -15155,38 +15155,38 @@
           <p:nvPr/>
         </p:nvCxnSpPr>
         <p:spPr>
-          <a:xfrm flipV="1">
-            <a:off x="4651405" y="1770966"/>
-            <a:ext cx="482243" cy="143121"/>
-          </a:xfrm>
-          <a:prstGeom prst="straightConnector1">
-            <a:avLst/>
-          </a:prstGeom>
-          <a:ln>
-            <a:tailEnd type="triangle"/>
-          </a:ln>
-        </p:spPr>
-        <p:style>
-          <a:lnRef idx="1">
-            <a:schemeClr val="accent1"/>
-          </a:lnRef>
-          <a:fillRef idx="0">
-            <a:schemeClr val="accent1"/>
-          </a:fillRef>
-          <a:effectRef idx="0">
-            <a:schemeClr val="accent1"/>
-          </a:effectRef>
-          <a:fontRef idx="minor">
-            <a:schemeClr val="tx1"/>
-          </a:fontRef>
-        </p:style>
-      </p:cxnSp>
-      <p:cxnSp>
-        <p:nvCxnSpPr>
-          <p:cNvPr id="140" name="直接箭头连接符 139">
-            <a:extLst>
-              <a:ext uri="{FF2B5EF4-FFF2-40B4-BE49-F238E27FC236}">
-                <a16:creationId xmlns:a16="http://schemas.microsoft.com/office/drawing/2014/main" id="{F75A97D9-9545-421A-A8D7-D0B6D085E8C8}"/>
+          <a:xfrm flipH="1" flipV="1">
+            <a:off x="6446500" y="1747340"/>
+            <a:ext cx="519148" cy="166747"/>
+          </a:xfrm>
+          <a:prstGeom prst="straightConnector1">
+            <a:avLst/>
+          </a:prstGeom>
+          <a:ln>
+            <a:tailEnd type="triangle"/>
+          </a:ln>
+        </p:spPr>
+        <p:style>
+          <a:lnRef idx="1">
+            <a:schemeClr val="accent1"/>
+          </a:lnRef>
+          <a:fillRef idx="0">
+            <a:schemeClr val="accent1"/>
+          </a:fillRef>
+          <a:effectRef idx="0">
+            <a:schemeClr val="accent1"/>
+          </a:effectRef>
+          <a:fontRef idx="minor">
+            <a:schemeClr val="tx1"/>
+          </a:fontRef>
+        </p:style>
+      </p:cxnSp>
+      <p:cxnSp>
+        <p:nvCxnSpPr>
+          <p:cNvPr id="141" name="直接箭头连接符 140">
+            <a:extLst>
+              <a:ext uri="{FF2B5EF4-FFF2-40B4-BE49-F238E27FC236}">
+                <a16:creationId xmlns:a16="http://schemas.microsoft.com/office/drawing/2014/main" id="{C36D39AC-D3C6-4D3C-93A4-BE33F9637EB1}"/>
               </a:ext>
             </a:extLst>
           </p:cNvPr>
@@ -15196,38 +15196,38 @@
           <p:nvPr/>
         </p:nvCxnSpPr>
         <p:spPr>
-          <a:xfrm flipH="1" flipV="1">
-            <a:off x="6446500" y="1747340"/>
-            <a:ext cx="519148" cy="166747"/>
-          </a:xfrm>
-          <a:prstGeom prst="straightConnector1">
-            <a:avLst/>
-          </a:prstGeom>
-          <a:ln>
-            <a:tailEnd type="triangle"/>
-          </a:ln>
-        </p:spPr>
-        <p:style>
-          <a:lnRef idx="1">
-            <a:schemeClr val="accent1"/>
-          </a:lnRef>
-          <a:fillRef idx="0">
-            <a:schemeClr val="accent1"/>
-          </a:fillRef>
-          <a:effectRef idx="0">
-            <a:schemeClr val="accent1"/>
-          </a:effectRef>
-          <a:fontRef idx="minor">
-            <a:schemeClr val="tx1"/>
-          </a:fontRef>
-        </p:style>
-      </p:cxnSp>
-      <p:cxnSp>
-        <p:nvCxnSpPr>
-          <p:cNvPr id="141" name="直接箭头连接符 140">
-            <a:extLst>
-              <a:ext uri="{FF2B5EF4-FFF2-40B4-BE49-F238E27FC236}">
-                <a16:creationId xmlns:a16="http://schemas.microsoft.com/office/drawing/2014/main" id="{C36D39AC-D3C6-4D3C-93A4-BE33F9637EB1}"/>
+          <a:xfrm>
+            <a:off x="8160340" y="1596019"/>
+            <a:ext cx="0" cy="394282"/>
+          </a:xfrm>
+          <a:prstGeom prst="straightConnector1">
+            <a:avLst/>
+          </a:prstGeom>
+          <a:ln>
+            <a:tailEnd type="triangle"/>
+          </a:ln>
+        </p:spPr>
+        <p:style>
+          <a:lnRef idx="1">
+            <a:schemeClr val="accent1"/>
+          </a:lnRef>
+          <a:fillRef idx="0">
+            <a:schemeClr val="accent1"/>
+          </a:fillRef>
+          <a:effectRef idx="0">
+            <a:schemeClr val="accent1"/>
+          </a:effectRef>
+          <a:fontRef idx="minor">
+            <a:schemeClr val="tx1"/>
+          </a:fontRef>
+        </p:style>
+      </p:cxnSp>
+      <p:cxnSp>
+        <p:nvCxnSpPr>
+          <p:cNvPr id="142" name="直接箭头连接符 141">
+            <a:extLst>
+              <a:ext uri="{FF2B5EF4-FFF2-40B4-BE49-F238E27FC236}">
+                <a16:creationId xmlns:a16="http://schemas.microsoft.com/office/drawing/2014/main" id="{41FDE2CA-C3AA-4920-ABA9-98EC4FEA0165}"/>
               </a:ext>
             </a:extLst>
           </p:cNvPr>
@@ -15238,37 +15238,37 @@
         </p:nvCxnSpPr>
         <p:spPr>
           <a:xfrm>
-            <a:off x="8160340" y="1596019"/>
-            <a:ext cx="0" cy="394282"/>
-          </a:xfrm>
-          <a:prstGeom prst="straightConnector1">
-            <a:avLst/>
-          </a:prstGeom>
-          <a:ln>
-            <a:tailEnd type="triangle"/>
-          </a:ln>
-        </p:spPr>
-        <p:style>
-          <a:lnRef idx="1">
-            <a:schemeClr val="accent1"/>
-          </a:lnRef>
-          <a:fillRef idx="0">
-            <a:schemeClr val="accent1"/>
-          </a:fillRef>
-          <a:effectRef idx="0">
-            <a:schemeClr val="accent1"/>
-          </a:effectRef>
-          <a:fontRef idx="minor">
-            <a:schemeClr val="tx1"/>
-          </a:fontRef>
-        </p:style>
-      </p:cxnSp>
-      <p:cxnSp>
-        <p:nvCxnSpPr>
-          <p:cNvPr id="142" name="直接箭头连接符 141">
-            <a:extLst>
-              <a:ext uri="{FF2B5EF4-FFF2-40B4-BE49-F238E27FC236}">
-                <a16:creationId xmlns:a16="http://schemas.microsoft.com/office/drawing/2014/main" id="{41FDE2CA-C3AA-4920-ABA9-98EC4FEA0165}"/>
+            <a:off x="1471164" y="3024302"/>
+            <a:ext cx="535695" cy="179632"/>
+          </a:xfrm>
+          <a:prstGeom prst="straightConnector1">
+            <a:avLst/>
+          </a:prstGeom>
+          <a:ln>
+            <a:tailEnd type="triangle"/>
+          </a:ln>
+        </p:spPr>
+        <p:style>
+          <a:lnRef idx="1">
+            <a:schemeClr val="accent1"/>
+          </a:lnRef>
+          <a:fillRef idx="0">
+            <a:schemeClr val="accent1"/>
+          </a:fillRef>
+          <a:effectRef idx="0">
+            <a:schemeClr val="accent1"/>
+          </a:effectRef>
+          <a:fontRef idx="minor">
+            <a:schemeClr val="tx1"/>
+          </a:fontRef>
+        </p:style>
+      </p:cxnSp>
+      <p:cxnSp>
+        <p:nvCxnSpPr>
+          <p:cNvPr id="143" name="直接箭头连接符 142">
+            <a:extLst>
+              <a:ext uri="{FF2B5EF4-FFF2-40B4-BE49-F238E27FC236}">
+                <a16:creationId xmlns:a16="http://schemas.microsoft.com/office/drawing/2014/main" id="{477E3877-9F88-4678-9B6A-4CCB48E37313}"/>
               </a:ext>
             </a:extLst>
           </p:cNvPr>
@@ -15278,38 +15278,38 @@
           <p:nvPr/>
         </p:nvCxnSpPr>
         <p:spPr>
-          <a:xfrm>
-            <a:off x="1471164" y="3024302"/>
-            <a:ext cx="535695" cy="179632"/>
-          </a:xfrm>
-          <a:prstGeom prst="straightConnector1">
-            <a:avLst/>
-          </a:prstGeom>
-          <a:ln>
-            <a:tailEnd type="triangle"/>
-          </a:ln>
-        </p:spPr>
-        <p:style>
-          <a:lnRef idx="1">
-            <a:schemeClr val="accent1"/>
-          </a:lnRef>
-          <a:fillRef idx="0">
-            <a:schemeClr val="accent1"/>
-          </a:fillRef>
-          <a:effectRef idx="0">
-            <a:schemeClr val="accent1"/>
-          </a:effectRef>
-          <a:fontRef idx="minor">
-            <a:schemeClr val="tx1"/>
-          </a:fontRef>
-        </p:style>
-      </p:cxnSp>
-      <p:cxnSp>
-        <p:nvCxnSpPr>
-          <p:cNvPr id="143" name="直接箭头连接符 142">
-            <a:extLst>
-              <a:ext uri="{FF2B5EF4-FFF2-40B4-BE49-F238E27FC236}">
-                <a16:creationId xmlns:a16="http://schemas.microsoft.com/office/drawing/2014/main" id="{477E3877-9F88-4678-9B6A-4CCB48E37313}"/>
+          <a:xfrm flipV="1">
+            <a:off x="3614517" y="2625643"/>
+            <a:ext cx="0" cy="457200"/>
+          </a:xfrm>
+          <a:prstGeom prst="straightConnector1">
+            <a:avLst/>
+          </a:prstGeom>
+          <a:ln>
+            <a:tailEnd type="triangle"/>
+          </a:ln>
+        </p:spPr>
+        <p:style>
+          <a:lnRef idx="1">
+            <a:schemeClr val="accent1"/>
+          </a:lnRef>
+          <a:fillRef idx="0">
+            <a:schemeClr val="accent1"/>
+          </a:fillRef>
+          <a:effectRef idx="0">
+            <a:schemeClr val="accent1"/>
+          </a:effectRef>
+          <a:fontRef idx="minor">
+            <a:schemeClr val="tx1"/>
+          </a:fontRef>
+        </p:style>
+      </p:cxnSp>
+      <p:cxnSp>
+        <p:nvCxnSpPr>
+          <p:cNvPr id="144" name="直接箭头连接符 143">
+            <a:extLst>
+              <a:ext uri="{FF2B5EF4-FFF2-40B4-BE49-F238E27FC236}">
+                <a16:creationId xmlns:a16="http://schemas.microsoft.com/office/drawing/2014/main" id="{3E73FAC0-8613-41E8-93CE-D365A6FF50F1}"/>
               </a:ext>
             </a:extLst>
           </p:cNvPr>
@@ -15319,38 +15319,38 @@
           <p:nvPr/>
         </p:nvCxnSpPr>
         <p:spPr>
-          <a:xfrm flipV="1">
-            <a:off x="3614517" y="2625643"/>
-            <a:ext cx="0" cy="457200"/>
-          </a:xfrm>
-          <a:prstGeom prst="straightConnector1">
-            <a:avLst/>
-          </a:prstGeom>
-          <a:ln>
-            <a:tailEnd type="triangle"/>
-          </a:ln>
-        </p:spPr>
-        <p:style>
-          <a:lnRef idx="1">
-            <a:schemeClr val="accent1"/>
-          </a:lnRef>
-          <a:fillRef idx="0">
-            <a:schemeClr val="accent1"/>
-          </a:fillRef>
-          <a:effectRef idx="0">
-            <a:schemeClr val="accent1"/>
-          </a:effectRef>
-          <a:fontRef idx="minor">
-            <a:schemeClr val="tx1"/>
-          </a:fontRef>
-        </p:style>
-      </p:cxnSp>
-      <p:cxnSp>
-        <p:nvCxnSpPr>
-          <p:cNvPr id="144" name="直接箭头连接符 143">
-            <a:extLst>
-              <a:ext uri="{FF2B5EF4-FFF2-40B4-BE49-F238E27FC236}">
-                <a16:creationId xmlns:a16="http://schemas.microsoft.com/office/drawing/2014/main" id="{3E73FAC0-8613-41E8-93CE-D365A6FF50F1}"/>
+          <a:xfrm>
+            <a:off x="3742003" y="2625643"/>
+            <a:ext cx="0" cy="394282"/>
+          </a:xfrm>
+          <a:prstGeom prst="straightConnector1">
+            <a:avLst/>
+          </a:prstGeom>
+          <a:ln>
+            <a:tailEnd type="triangle"/>
+          </a:ln>
+        </p:spPr>
+        <p:style>
+          <a:lnRef idx="1">
+            <a:schemeClr val="accent1"/>
+          </a:lnRef>
+          <a:fillRef idx="0">
+            <a:schemeClr val="accent1"/>
+          </a:fillRef>
+          <a:effectRef idx="0">
+            <a:schemeClr val="accent1"/>
+          </a:effectRef>
+          <a:fontRef idx="minor">
+            <a:schemeClr val="tx1"/>
+          </a:fontRef>
+        </p:style>
+      </p:cxnSp>
+      <p:cxnSp>
+        <p:nvCxnSpPr>
+          <p:cNvPr id="145" name="直接箭头连接符 144">
+            <a:extLst>
+              <a:ext uri="{FF2B5EF4-FFF2-40B4-BE49-F238E27FC236}">
+                <a16:creationId xmlns:a16="http://schemas.microsoft.com/office/drawing/2014/main" id="{446B6808-7B23-4934-9900-2C74ACDB6FCF}"/>
               </a:ext>
             </a:extLst>
           </p:cNvPr>
@@ -15360,38 +15360,38 @@
           <p:nvPr/>
         </p:nvCxnSpPr>
         <p:spPr>
-          <a:xfrm>
-            <a:off x="3742003" y="2625643"/>
-            <a:ext cx="0" cy="394282"/>
-          </a:xfrm>
-          <a:prstGeom prst="straightConnector1">
-            <a:avLst/>
-          </a:prstGeom>
-          <a:ln>
-            <a:tailEnd type="triangle"/>
-          </a:ln>
-        </p:spPr>
-        <p:style>
-          <a:lnRef idx="1">
-            <a:schemeClr val="accent1"/>
-          </a:lnRef>
-          <a:fillRef idx="0">
-            <a:schemeClr val="accent1"/>
-          </a:fillRef>
-          <a:effectRef idx="0">
-            <a:schemeClr val="accent1"/>
-          </a:effectRef>
-          <a:fontRef idx="minor">
-            <a:schemeClr val="tx1"/>
-          </a:fontRef>
-        </p:style>
-      </p:cxnSp>
-      <p:cxnSp>
-        <p:nvCxnSpPr>
-          <p:cNvPr id="145" name="直接箭头连接符 144">
-            <a:extLst>
-              <a:ext uri="{FF2B5EF4-FFF2-40B4-BE49-F238E27FC236}">
-                <a16:creationId xmlns:a16="http://schemas.microsoft.com/office/drawing/2014/main" id="{446B6808-7B23-4934-9900-2C74ACDB6FCF}"/>
+          <a:xfrm flipV="1">
+            <a:off x="3867575" y="2625643"/>
+            <a:ext cx="0" cy="457200"/>
+          </a:xfrm>
+          <a:prstGeom prst="straightConnector1">
+            <a:avLst/>
+          </a:prstGeom>
+          <a:ln>
+            <a:tailEnd type="triangle"/>
+          </a:ln>
+        </p:spPr>
+        <p:style>
+          <a:lnRef idx="1">
+            <a:schemeClr val="accent1"/>
+          </a:lnRef>
+          <a:fillRef idx="0">
+            <a:schemeClr val="accent1"/>
+          </a:fillRef>
+          <a:effectRef idx="0">
+            <a:schemeClr val="accent1"/>
+          </a:effectRef>
+          <a:fontRef idx="minor">
+            <a:schemeClr val="tx1"/>
+          </a:fontRef>
+        </p:style>
+      </p:cxnSp>
+      <p:cxnSp>
+        <p:nvCxnSpPr>
+          <p:cNvPr id="146" name="直接箭头连接符 145">
+            <a:extLst>
+              <a:ext uri="{FF2B5EF4-FFF2-40B4-BE49-F238E27FC236}">
+                <a16:creationId xmlns:a16="http://schemas.microsoft.com/office/drawing/2014/main" id="{B9D0A409-77A0-469F-973B-C1DA694D866F}"/>
               </a:ext>
             </a:extLst>
           </p:cNvPr>
@@ -15401,38 +15401,38 @@
           <p:nvPr/>
         </p:nvCxnSpPr>
         <p:spPr>
-          <a:xfrm flipV="1">
-            <a:off x="3867575" y="2625643"/>
-            <a:ext cx="0" cy="457200"/>
-          </a:xfrm>
-          <a:prstGeom prst="straightConnector1">
-            <a:avLst/>
-          </a:prstGeom>
-          <a:ln>
-            <a:tailEnd type="triangle"/>
-          </a:ln>
-        </p:spPr>
-        <p:style>
-          <a:lnRef idx="1">
-            <a:schemeClr val="accent1"/>
-          </a:lnRef>
-          <a:fillRef idx="0">
-            <a:schemeClr val="accent1"/>
-          </a:fillRef>
-          <a:effectRef idx="0">
-            <a:schemeClr val="accent1"/>
-          </a:effectRef>
-          <a:fontRef idx="minor">
-            <a:schemeClr val="tx1"/>
-          </a:fontRef>
-        </p:style>
-      </p:cxnSp>
-      <p:cxnSp>
-        <p:nvCxnSpPr>
-          <p:cNvPr id="146" name="直接箭头连接符 145">
-            <a:extLst>
-              <a:ext uri="{FF2B5EF4-FFF2-40B4-BE49-F238E27FC236}">
-                <a16:creationId xmlns:a16="http://schemas.microsoft.com/office/drawing/2014/main" id="{B9D0A409-77A0-469F-973B-C1DA694D866F}"/>
+          <a:xfrm>
+            <a:off x="4019726" y="2625532"/>
+            <a:ext cx="0" cy="394282"/>
+          </a:xfrm>
+          <a:prstGeom prst="straightConnector1">
+            <a:avLst/>
+          </a:prstGeom>
+          <a:ln>
+            <a:tailEnd type="triangle"/>
+          </a:ln>
+        </p:spPr>
+        <p:style>
+          <a:lnRef idx="1">
+            <a:schemeClr val="accent1"/>
+          </a:lnRef>
+          <a:fillRef idx="0">
+            <a:schemeClr val="accent1"/>
+          </a:fillRef>
+          <a:effectRef idx="0">
+            <a:schemeClr val="accent1"/>
+          </a:effectRef>
+          <a:fontRef idx="minor">
+            <a:schemeClr val="tx1"/>
+          </a:fontRef>
+        </p:style>
+      </p:cxnSp>
+      <p:cxnSp>
+        <p:nvCxnSpPr>
+          <p:cNvPr id="147" name="直接箭头连接符 146">
+            <a:extLst>
+              <a:ext uri="{FF2B5EF4-FFF2-40B4-BE49-F238E27FC236}">
+                <a16:creationId xmlns:a16="http://schemas.microsoft.com/office/drawing/2014/main" id="{2559337B-1536-4AAC-A5CF-656E5CEACCF5}"/>
               </a:ext>
             </a:extLst>
           </p:cNvPr>
@@ -15443,7 +15443,7 @@
         </p:nvCxnSpPr>
         <p:spPr>
           <a:xfrm>
-            <a:off x="4019726" y="2625532"/>
+            <a:off x="4633053" y="2625532"/>
             <a:ext cx="0" cy="394282"/>
           </a:xfrm>
           <a:prstGeom prst="straightConnector1">
@@ -15455,25 +15455,25 @@
         </p:spPr>
         <p:style>
           <a:lnRef idx="1">
-            <a:schemeClr val="accent1"/>
-          </a:lnRef>
-          <a:fillRef idx="0">
-            <a:schemeClr val="accent1"/>
-          </a:fillRef>
-          <a:effectRef idx="0">
-            <a:schemeClr val="accent1"/>
-          </a:effectRef>
-          <a:fontRef idx="minor">
-            <a:schemeClr val="tx1"/>
-          </a:fontRef>
-        </p:style>
-      </p:cxnSp>
-      <p:cxnSp>
-        <p:nvCxnSpPr>
-          <p:cNvPr id="147" name="直接箭头连接符 146">
-            <a:extLst>
-              <a:ext uri="{FF2B5EF4-FFF2-40B4-BE49-F238E27FC236}">
-                <a16:creationId xmlns:a16="http://schemas.microsoft.com/office/drawing/2014/main" id="{2559337B-1536-4AAC-A5CF-656E5CEACCF5}"/>
+            <a:schemeClr val="accent2"/>
+          </a:lnRef>
+          <a:fillRef idx="0">
+            <a:schemeClr val="accent2"/>
+          </a:fillRef>
+          <a:effectRef idx="0">
+            <a:schemeClr val="accent2"/>
+          </a:effectRef>
+          <a:fontRef idx="minor">
+            <a:schemeClr val="tx1"/>
+          </a:fontRef>
+        </p:style>
+      </p:cxnSp>
+      <p:cxnSp>
+        <p:nvCxnSpPr>
+          <p:cNvPr id="148" name="直接箭头连接符 147">
+            <a:extLst>
+              <a:ext uri="{FF2B5EF4-FFF2-40B4-BE49-F238E27FC236}">
+                <a16:creationId xmlns:a16="http://schemas.microsoft.com/office/drawing/2014/main" id="{C8872622-60EE-42EF-B488-377EF9B3A28F}"/>
               </a:ext>
             </a:extLst>
           </p:cNvPr>
@@ -15483,38 +15483,38 @@
           <p:nvPr/>
         </p:nvCxnSpPr>
         <p:spPr>
-          <a:xfrm>
-            <a:off x="4633053" y="2625532"/>
-            <a:ext cx="0" cy="394282"/>
-          </a:xfrm>
-          <a:prstGeom prst="straightConnector1">
-            <a:avLst/>
-          </a:prstGeom>
-          <a:ln>
-            <a:tailEnd type="triangle"/>
-          </a:ln>
-        </p:spPr>
-        <p:style>
-          <a:lnRef idx="1">
-            <a:schemeClr val="accent2"/>
-          </a:lnRef>
-          <a:fillRef idx="0">
-            <a:schemeClr val="accent2"/>
-          </a:fillRef>
-          <a:effectRef idx="0">
-            <a:schemeClr val="accent2"/>
-          </a:effectRef>
-          <a:fontRef idx="minor">
-            <a:schemeClr val="tx1"/>
-          </a:fontRef>
-        </p:style>
-      </p:cxnSp>
-      <p:cxnSp>
-        <p:nvCxnSpPr>
-          <p:cNvPr id="148" name="直接箭头连接符 147">
-            <a:extLst>
-              <a:ext uri="{FF2B5EF4-FFF2-40B4-BE49-F238E27FC236}">
-                <a16:creationId xmlns:a16="http://schemas.microsoft.com/office/drawing/2014/main" id="{C8872622-60EE-42EF-B488-377EF9B3A28F}"/>
+          <a:xfrm flipV="1">
+            <a:off x="4758625" y="2625532"/>
+            <a:ext cx="0" cy="457200"/>
+          </a:xfrm>
+          <a:prstGeom prst="straightConnector1">
+            <a:avLst/>
+          </a:prstGeom>
+          <a:ln>
+            <a:tailEnd type="triangle"/>
+          </a:ln>
+        </p:spPr>
+        <p:style>
+          <a:lnRef idx="1">
+            <a:schemeClr val="accent1"/>
+          </a:lnRef>
+          <a:fillRef idx="0">
+            <a:schemeClr val="accent1"/>
+          </a:fillRef>
+          <a:effectRef idx="0">
+            <a:schemeClr val="accent1"/>
+          </a:effectRef>
+          <a:fontRef idx="minor">
+            <a:schemeClr val="tx1"/>
+          </a:fontRef>
+        </p:style>
+      </p:cxnSp>
+      <p:cxnSp>
+        <p:nvCxnSpPr>
+          <p:cNvPr id="149" name="直接箭头连接符 148">
+            <a:extLst>
+              <a:ext uri="{FF2B5EF4-FFF2-40B4-BE49-F238E27FC236}">
+                <a16:creationId xmlns:a16="http://schemas.microsoft.com/office/drawing/2014/main" id="{7CA0AE19-956B-4F9A-9B4E-648B401BC65E}"/>
               </a:ext>
             </a:extLst>
           </p:cNvPr>
@@ -15524,38 +15524,38 @@
           <p:nvPr/>
         </p:nvCxnSpPr>
         <p:spPr>
-          <a:xfrm flipV="1">
-            <a:off x="4758625" y="2625532"/>
-            <a:ext cx="0" cy="457200"/>
-          </a:xfrm>
-          <a:prstGeom prst="straightConnector1">
-            <a:avLst/>
-          </a:prstGeom>
-          <a:ln>
-            <a:tailEnd type="triangle"/>
-          </a:ln>
-        </p:spPr>
-        <p:style>
-          <a:lnRef idx="1">
-            <a:schemeClr val="accent1"/>
-          </a:lnRef>
-          <a:fillRef idx="0">
-            <a:schemeClr val="accent1"/>
-          </a:fillRef>
-          <a:effectRef idx="0">
-            <a:schemeClr val="accent1"/>
-          </a:effectRef>
-          <a:fontRef idx="minor">
-            <a:schemeClr val="tx1"/>
-          </a:fontRef>
-        </p:style>
-      </p:cxnSp>
-      <p:cxnSp>
-        <p:nvCxnSpPr>
-          <p:cNvPr id="149" name="直接箭头连接符 148">
-            <a:extLst>
-              <a:ext uri="{FF2B5EF4-FFF2-40B4-BE49-F238E27FC236}">
-                <a16:creationId xmlns:a16="http://schemas.microsoft.com/office/drawing/2014/main" id="{7CA0AE19-956B-4F9A-9B4E-648B401BC65E}"/>
+          <a:xfrm>
+            <a:off x="4886111" y="2625532"/>
+            <a:ext cx="0" cy="394282"/>
+          </a:xfrm>
+          <a:prstGeom prst="straightConnector1">
+            <a:avLst/>
+          </a:prstGeom>
+          <a:ln>
+            <a:tailEnd type="triangle"/>
+          </a:ln>
+        </p:spPr>
+        <p:style>
+          <a:lnRef idx="1">
+            <a:schemeClr val="accent1"/>
+          </a:lnRef>
+          <a:fillRef idx="0">
+            <a:schemeClr val="accent1"/>
+          </a:fillRef>
+          <a:effectRef idx="0">
+            <a:schemeClr val="accent1"/>
+          </a:effectRef>
+          <a:fontRef idx="minor">
+            <a:schemeClr val="tx1"/>
+          </a:fontRef>
+        </p:style>
+      </p:cxnSp>
+      <p:cxnSp>
+        <p:nvCxnSpPr>
+          <p:cNvPr id="150" name="直接箭头连接符 149">
+            <a:extLst>
+              <a:ext uri="{FF2B5EF4-FFF2-40B4-BE49-F238E27FC236}">
+                <a16:creationId xmlns:a16="http://schemas.microsoft.com/office/drawing/2014/main" id="{22606CBA-4EEB-487B-838D-074361AB96FB}"/>
               </a:ext>
             </a:extLst>
           </p:cNvPr>
@@ -15565,38 +15565,38 @@
           <p:nvPr/>
         </p:nvCxnSpPr>
         <p:spPr>
-          <a:xfrm>
-            <a:off x="4886111" y="2625532"/>
-            <a:ext cx="0" cy="394282"/>
-          </a:xfrm>
-          <a:prstGeom prst="straightConnector1">
-            <a:avLst/>
-          </a:prstGeom>
-          <a:ln>
-            <a:tailEnd type="triangle"/>
-          </a:ln>
-        </p:spPr>
-        <p:style>
-          <a:lnRef idx="1">
-            <a:schemeClr val="accent1"/>
-          </a:lnRef>
-          <a:fillRef idx="0">
-            <a:schemeClr val="accent1"/>
-          </a:fillRef>
-          <a:effectRef idx="0">
-            <a:schemeClr val="accent1"/>
-          </a:effectRef>
-          <a:fontRef idx="minor">
-            <a:schemeClr val="tx1"/>
-          </a:fontRef>
-        </p:style>
-      </p:cxnSp>
-      <p:cxnSp>
-        <p:nvCxnSpPr>
-          <p:cNvPr id="150" name="直接箭头连接符 149">
-            <a:extLst>
-              <a:ext uri="{FF2B5EF4-FFF2-40B4-BE49-F238E27FC236}">
-                <a16:creationId xmlns:a16="http://schemas.microsoft.com/office/drawing/2014/main" id="{22606CBA-4EEB-487B-838D-074361AB96FB}"/>
+          <a:xfrm flipV="1">
+            <a:off x="6564907" y="2653607"/>
+            <a:ext cx="0" cy="457200"/>
+          </a:xfrm>
+          <a:prstGeom prst="straightConnector1">
+            <a:avLst/>
+          </a:prstGeom>
+          <a:ln>
+            <a:tailEnd type="triangle"/>
+          </a:ln>
+        </p:spPr>
+        <p:style>
+          <a:lnRef idx="1">
+            <a:schemeClr val="accent1"/>
+          </a:lnRef>
+          <a:fillRef idx="0">
+            <a:schemeClr val="accent1"/>
+          </a:fillRef>
+          <a:effectRef idx="0">
+            <a:schemeClr val="accent1"/>
+          </a:effectRef>
+          <a:fontRef idx="minor">
+            <a:schemeClr val="tx1"/>
+          </a:fontRef>
+        </p:style>
+      </p:cxnSp>
+      <p:cxnSp>
+        <p:nvCxnSpPr>
+          <p:cNvPr id="152" name="直接箭头连接符 151">
+            <a:extLst>
+              <a:ext uri="{FF2B5EF4-FFF2-40B4-BE49-F238E27FC236}">
+                <a16:creationId xmlns:a16="http://schemas.microsoft.com/office/drawing/2014/main" id="{F70B0757-4108-4C6F-A4EF-F134ECD9509F}"/>
               </a:ext>
             </a:extLst>
           </p:cNvPr>
@@ -15606,38 +15606,38 @@
           <p:nvPr/>
         </p:nvCxnSpPr>
         <p:spPr>
-          <a:xfrm flipV="1">
-            <a:off x="6564907" y="2653607"/>
-            <a:ext cx="0" cy="457200"/>
-          </a:xfrm>
-          <a:prstGeom prst="straightConnector1">
-            <a:avLst/>
-          </a:prstGeom>
-          <a:ln>
-            <a:tailEnd type="triangle"/>
-          </a:ln>
-        </p:spPr>
-        <p:style>
-          <a:lnRef idx="1">
-            <a:schemeClr val="accent1"/>
-          </a:lnRef>
-          <a:fillRef idx="0">
-            <a:schemeClr val="accent1"/>
-          </a:fillRef>
-          <a:effectRef idx="0">
-            <a:schemeClr val="accent1"/>
-          </a:effectRef>
-          <a:fontRef idx="minor">
-            <a:schemeClr val="tx1"/>
-          </a:fontRef>
-        </p:style>
-      </p:cxnSp>
-      <p:cxnSp>
-        <p:nvCxnSpPr>
-          <p:cNvPr id="152" name="直接箭头连接符 151">
-            <a:extLst>
-              <a:ext uri="{FF2B5EF4-FFF2-40B4-BE49-F238E27FC236}">
-                <a16:creationId xmlns:a16="http://schemas.microsoft.com/office/drawing/2014/main" id="{F70B0757-4108-4C6F-A4EF-F134ECD9509F}"/>
+          <a:xfrm flipH="1" flipV="1">
+            <a:off x="7566269" y="2499453"/>
+            <a:ext cx="510222" cy="182625"/>
+          </a:xfrm>
+          <a:prstGeom prst="straightConnector1">
+            <a:avLst/>
+          </a:prstGeom>
+          <a:ln>
+            <a:tailEnd type="triangle"/>
+          </a:ln>
+        </p:spPr>
+        <p:style>
+          <a:lnRef idx="1">
+            <a:schemeClr val="accent2"/>
+          </a:lnRef>
+          <a:fillRef idx="0">
+            <a:schemeClr val="accent2"/>
+          </a:fillRef>
+          <a:effectRef idx="0">
+            <a:schemeClr val="accent2"/>
+          </a:effectRef>
+          <a:fontRef idx="minor">
+            <a:schemeClr val="tx1"/>
+          </a:fontRef>
+        </p:style>
+      </p:cxnSp>
+      <p:cxnSp>
+        <p:nvCxnSpPr>
+          <p:cNvPr id="153" name="直接箭头连接符 152">
+            <a:extLst>
+              <a:ext uri="{FF2B5EF4-FFF2-40B4-BE49-F238E27FC236}">
+                <a16:creationId xmlns:a16="http://schemas.microsoft.com/office/drawing/2014/main" id="{155FED8F-F355-477E-BB8F-875130378ED4}"/>
               </a:ext>
             </a:extLst>
           </p:cNvPr>
@@ -15647,38 +15647,38 @@
           <p:nvPr/>
         </p:nvCxnSpPr>
         <p:spPr>
-          <a:xfrm flipH="1" flipV="1">
-            <a:off x="7566269" y="2499453"/>
-            <a:ext cx="510222" cy="182625"/>
-          </a:xfrm>
-          <a:prstGeom prst="straightConnector1">
-            <a:avLst/>
-          </a:prstGeom>
-          <a:ln>
-            <a:tailEnd type="triangle"/>
-          </a:ln>
-        </p:spPr>
-        <p:style>
-          <a:lnRef idx="1">
-            <a:schemeClr val="accent2"/>
-          </a:lnRef>
-          <a:fillRef idx="0">
-            <a:schemeClr val="accent2"/>
-          </a:fillRef>
-          <a:effectRef idx="0">
-            <a:schemeClr val="accent2"/>
-          </a:effectRef>
-          <a:fontRef idx="minor">
-            <a:schemeClr val="tx1"/>
-          </a:fontRef>
-        </p:style>
-      </p:cxnSp>
-      <p:cxnSp>
-        <p:nvCxnSpPr>
-          <p:cNvPr id="153" name="直接箭头连接符 152">
-            <a:extLst>
-              <a:ext uri="{FF2B5EF4-FFF2-40B4-BE49-F238E27FC236}">
-                <a16:creationId xmlns:a16="http://schemas.microsoft.com/office/drawing/2014/main" id="{155FED8F-F355-477E-BB8F-875130378ED4}"/>
+          <a:xfrm flipV="1">
+            <a:off x="7595482" y="2780605"/>
+            <a:ext cx="487794" cy="149804"/>
+          </a:xfrm>
+          <a:prstGeom prst="straightConnector1">
+            <a:avLst/>
+          </a:prstGeom>
+          <a:ln>
+            <a:tailEnd type="triangle"/>
+          </a:ln>
+        </p:spPr>
+        <p:style>
+          <a:lnRef idx="1">
+            <a:schemeClr val="accent1"/>
+          </a:lnRef>
+          <a:fillRef idx="0">
+            <a:schemeClr val="accent1"/>
+          </a:fillRef>
+          <a:effectRef idx="0">
+            <a:schemeClr val="accent1"/>
+          </a:effectRef>
+          <a:fontRef idx="minor">
+            <a:schemeClr val="tx1"/>
+          </a:fontRef>
+        </p:style>
+      </p:cxnSp>
+      <p:cxnSp>
+        <p:nvCxnSpPr>
+          <p:cNvPr id="154" name="直接箭头连接符 153">
+            <a:extLst>
+              <a:ext uri="{FF2B5EF4-FFF2-40B4-BE49-F238E27FC236}">
+                <a16:creationId xmlns:a16="http://schemas.microsoft.com/office/drawing/2014/main" id="{D0CADDE2-CC36-461D-8868-CE7876A3DE35}"/>
               </a:ext>
             </a:extLst>
           </p:cNvPr>
@@ -15688,38 +15688,38 @@
           <p:nvPr/>
         </p:nvCxnSpPr>
         <p:spPr>
-          <a:xfrm flipV="1">
-            <a:off x="7595482" y="2780605"/>
-            <a:ext cx="487794" cy="149804"/>
-          </a:xfrm>
-          <a:prstGeom prst="straightConnector1">
-            <a:avLst/>
-          </a:prstGeom>
-          <a:ln>
-            <a:tailEnd type="triangle"/>
-          </a:ln>
-        </p:spPr>
-        <p:style>
-          <a:lnRef idx="1">
-            <a:schemeClr val="accent1"/>
-          </a:lnRef>
-          <a:fillRef idx="0">
-            <a:schemeClr val="accent1"/>
-          </a:fillRef>
-          <a:effectRef idx="0">
-            <a:schemeClr val="accent1"/>
-          </a:effectRef>
-          <a:fontRef idx="minor">
-            <a:schemeClr val="tx1"/>
-          </a:fontRef>
-        </p:style>
-      </p:cxnSp>
-      <p:cxnSp>
-        <p:nvCxnSpPr>
-          <p:cNvPr id="154" name="直接箭头连接符 153">
-            <a:extLst>
-              <a:ext uri="{FF2B5EF4-FFF2-40B4-BE49-F238E27FC236}">
-                <a16:creationId xmlns:a16="http://schemas.microsoft.com/office/drawing/2014/main" id="{D0CADDE2-CC36-461D-8868-CE7876A3DE35}"/>
+          <a:xfrm>
+            <a:off x="8109006" y="2716525"/>
+            <a:ext cx="0" cy="394282"/>
+          </a:xfrm>
+          <a:prstGeom prst="straightConnector1">
+            <a:avLst/>
+          </a:prstGeom>
+          <a:ln>
+            <a:tailEnd type="triangle"/>
+          </a:ln>
+        </p:spPr>
+        <p:style>
+          <a:lnRef idx="1">
+            <a:schemeClr val="accent1"/>
+          </a:lnRef>
+          <a:fillRef idx="0">
+            <a:schemeClr val="accent1"/>
+          </a:fillRef>
+          <a:effectRef idx="0">
+            <a:schemeClr val="accent1"/>
+          </a:effectRef>
+          <a:fontRef idx="minor">
+            <a:schemeClr val="tx1"/>
+          </a:fontRef>
+        </p:style>
+      </p:cxnSp>
+      <p:cxnSp>
+        <p:nvCxnSpPr>
+          <p:cNvPr id="156" name="直接箭头连接符 155">
+            <a:extLst>
+              <a:ext uri="{FF2B5EF4-FFF2-40B4-BE49-F238E27FC236}">
+                <a16:creationId xmlns:a16="http://schemas.microsoft.com/office/drawing/2014/main" id="{9BCC7769-A592-45D3-8CE7-E51D48A35009}"/>
               </a:ext>
             </a:extLst>
           </p:cNvPr>
@@ -15730,7 +15730,7 @@
         </p:nvCxnSpPr>
         <p:spPr>
           <a:xfrm>
-            <a:off x="8109006" y="2716525"/>
+            <a:off x="7509523" y="2512820"/>
             <a:ext cx="0" cy="394282"/>
           </a:xfrm>
           <a:prstGeom prst="straightConnector1">
@@ -15757,10 +15757,10 @@
       </p:cxnSp>
       <p:cxnSp>
         <p:nvCxnSpPr>
-          <p:cNvPr id="156" name="直接箭头连接符 155">
-            <a:extLst>
-              <a:ext uri="{FF2B5EF4-FFF2-40B4-BE49-F238E27FC236}">
-                <a16:creationId xmlns:a16="http://schemas.microsoft.com/office/drawing/2014/main" id="{9BCC7769-A592-45D3-8CE7-E51D48A35009}"/>
+          <p:cNvPr id="157" name="直接箭头连接符 156">
+            <a:extLst>
+              <a:ext uri="{FF2B5EF4-FFF2-40B4-BE49-F238E27FC236}">
+                <a16:creationId xmlns:a16="http://schemas.microsoft.com/office/drawing/2014/main" id="{D780DD3D-28E5-4DC8-9488-398941673B40}"/>
               </a:ext>
             </a:extLst>
           </p:cNvPr>
@@ -15770,38 +15770,38 @@
           <p:nvPr/>
         </p:nvCxnSpPr>
         <p:spPr>
-          <a:xfrm>
-            <a:off x="7509523" y="2512820"/>
-            <a:ext cx="0" cy="394282"/>
-          </a:xfrm>
-          <a:prstGeom prst="straightConnector1">
-            <a:avLst/>
-          </a:prstGeom>
-          <a:ln>
-            <a:tailEnd type="triangle"/>
-          </a:ln>
-        </p:spPr>
-        <p:style>
-          <a:lnRef idx="1">
-            <a:schemeClr val="accent1"/>
-          </a:lnRef>
-          <a:fillRef idx="0">
-            <a:schemeClr val="accent1"/>
-          </a:fillRef>
-          <a:effectRef idx="0">
-            <a:schemeClr val="accent1"/>
-          </a:effectRef>
-          <a:fontRef idx="minor">
-            <a:schemeClr val="tx1"/>
-          </a:fontRef>
-        </p:style>
-      </p:cxnSp>
-      <p:cxnSp>
-        <p:nvCxnSpPr>
-          <p:cNvPr id="157" name="直接箭头连接符 156">
-            <a:extLst>
-              <a:ext uri="{FF2B5EF4-FFF2-40B4-BE49-F238E27FC236}">
-                <a16:creationId xmlns:a16="http://schemas.microsoft.com/office/drawing/2014/main" id="{D780DD3D-28E5-4DC8-9488-398941673B40}"/>
+          <a:xfrm flipH="1">
+            <a:off x="300219" y="4030899"/>
+            <a:ext cx="478271" cy="209627"/>
+          </a:xfrm>
+          <a:prstGeom prst="straightConnector1">
+            <a:avLst/>
+          </a:prstGeom>
+          <a:ln>
+            <a:tailEnd type="triangle"/>
+          </a:ln>
+        </p:spPr>
+        <p:style>
+          <a:lnRef idx="1">
+            <a:schemeClr val="accent1"/>
+          </a:lnRef>
+          <a:fillRef idx="0">
+            <a:schemeClr val="accent1"/>
+          </a:fillRef>
+          <a:effectRef idx="0">
+            <a:schemeClr val="accent1"/>
+          </a:effectRef>
+          <a:fontRef idx="minor">
+            <a:schemeClr val="tx1"/>
+          </a:fontRef>
+        </p:style>
+      </p:cxnSp>
+      <p:cxnSp>
+        <p:nvCxnSpPr>
+          <p:cNvPr id="159" name="直接箭头连接符 158">
+            <a:extLst>
+              <a:ext uri="{FF2B5EF4-FFF2-40B4-BE49-F238E27FC236}">
+                <a16:creationId xmlns:a16="http://schemas.microsoft.com/office/drawing/2014/main" id="{B85087F8-F6FA-4AF5-8B4E-2BA2FCFB3232}"/>
               </a:ext>
             </a:extLst>
           </p:cNvPr>
@@ -15811,38 +15811,38 @@
           <p:nvPr/>
         </p:nvCxnSpPr>
         <p:spPr>
-          <a:xfrm flipH="1">
-            <a:off x="300219" y="4030899"/>
-            <a:ext cx="478271" cy="209627"/>
-          </a:xfrm>
-          <a:prstGeom prst="straightConnector1">
-            <a:avLst/>
-          </a:prstGeom>
-          <a:ln>
-            <a:tailEnd type="triangle"/>
-          </a:ln>
-        </p:spPr>
-        <p:style>
-          <a:lnRef idx="1">
-            <a:schemeClr val="accent1"/>
-          </a:lnRef>
-          <a:fillRef idx="0">
-            <a:schemeClr val="accent1"/>
-          </a:fillRef>
-          <a:effectRef idx="0">
-            <a:schemeClr val="accent1"/>
-          </a:effectRef>
-          <a:fontRef idx="minor">
-            <a:schemeClr val="tx1"/>
-          </a:fontRef>
-        </p:style>
-      </p:cxnSp>
-      <p:cxnSp>
-        <p:nvCxnSpPr>
-          <p:cNvPr id="159" name="直接箭头连接符 158">
-            <a:extLst>
-              <a:ext uri="{FF2B5EF4-FFF2-40B4-BE49-F238E27FC236}">
-                <a16:creationId xmlns:a16="http://schemas.microsoft.com/office/drawing/2014/main" id="{B85087F8-F6FA-4AF5-8B4E-2BA2FCFB3232}"/>
+          <a:xfrm flipV="1">
+            <a:off x="3741518" y="3810780"/>
+            <a:ext cx="345158" cy="273519"/>
+          </a:xfrm>
+          <a:prstGeom prst="straightConnector1">
+            <a:avLst/>
+          </a:prstGeom>
+          <a:ln>
+            <a:tailEnd type="triangle"/>
+          </a:ln>
+        </p:spPr>
+        <p:style>
+          <a:lnRef idx="1">
+            <a:schemeClr val="accent1"/>
+          </a:lnRef>
+          <a:fillRef idx="0">
+            <a:schemeClr val="accent1"/>
+          </a:fillRef>
+          <a:effectRef idx="0">
+            <a:schemeClr val="accent1"/>
+          </a:effectRef>
+          <a:fontRef idx="minor">
+            <a:schemeClr val="tx1"/>
+          </a:fontRef>
+        </p:style>
+      </p:cxnSp>
+      <p:cxnSp>
+        <p:nvCxnSpPr>
+          <p:cNvPr id="160" name="直接箭头连接符 159">
+            <a:extLst>
+              <a:ext uri="{FF2B5EF4-FFF2-40B4-BE49-F238E27FC236}">
+                <a16:creationId xmlns:a16="http://schemas.microsoft.com/office/drawing/2014/main" id="{D03D5CCC-7A83-40F8-A72F-773EC582F068}"/>
               </a:ext>
             </a:extLst>
           </p:cNvPr>
@@ -15852,38 +15852,38 @@
           <p:nvPr/>
         </p:nvCxnSpPr>
         <p:spPr>
-          <a:xfrm flipV="1">
-            <a:off x="3741518" y="3810780"/>
-            <a:ext cx="345158" cy="273519"/>
-          </a:xfrm>
-          <a:prstGeom prst="straightConnector1">
-            <a:avLst/>
-          </a:prstGeom>
-          <a:ln>
-            <a:tailEnd type="triangle"/>
-          </a:ln>
-        </p:spPr>
-        <p:style>
-          <a:lnRef idx="1">
-            <a:schemeClr val="accent1"/>
-          </a:lnRef>
-          <a:fillRef idx="0">
-            <a:schemeClr val="accent1"/>
-          </a:fillRef>
-          <a:effectRef idx="0">
-            <a:schemeClr val="accent1"/>
-          </a:effectRef>
-          <a:fontRef idx="minor">
-            <a:schemeClr val="tx1"/>
-          </a:fontRef>
-        </p:style>
-      </p:cxnSp>
-      <p:cxnSp>
-        <p:nvCxnSpPr>
-          <p:cNvPr id="160" name="直接箭头连接符 159">
-            <a:extLst>
-              <a:ext uri="{FF2B5EF4-FFF2-40B4-BE49-F238E27FC236}">
-                <a16:creationId xmlns:a16="http://schemas.microsoft.com/office/drawing/2014/main" id="{D03D5CCC-7A83-40F8-A72F-773EC582F068}"/>
+          <a:xfrm>
+            <a:off x="4807483" y="3832980"/>
+            <a:ext cx="0" cy="394282"/>
+          </a:xfrm>
+          <a:prstGeom prst="straightConnector1">
+            <a:avLst/>
+          </a:prstGeom>
+          <a:ln>
+            <a:tailEnd type="triangle"/>
+          </a:ln>
+        </p:spPr>
+        <p:style>
+          <a:lnRef idx="1">
+            <a:schemeClr val="accent1"/>
+          </a:lnRef>
+          <a:fillRef idx="0">
+            <a:schemeClr val="accent1"/>
+          </a:fillRef>
+          <a:effectRef idx="0">
+            <a:schemeClr val="accent1"/>
+          </a:effectRef>
+          <a:fontRef idx="minor">
+            <a:schemeClr val="tx1"/>
+          </a:fontRef>
+        </p:style>
+      </p:cxnSp>
+      <p:cxnSp>
+        <p:nvCxnSpPr>
+          <p:cNvPr id="161" name="直接箭头连接符 160">
+            <a:extLst>
+              <a:ext uri="{FF2B5EF4-FFF2-40B4-BE49-F238E27FC236}">
+                <a16:creationId xmlns:a16="http://schemas.microsoft.com/office/drawing/2014/main" id="{1B6F2F0E-7EB4-49B0-AFBE-35DFE2E41A6E}"/>
               </a:ext>
             </a:extLst>
           </p:cNvPr>
@@ -15893,38 +15893,38 @@
           <p:nvPr/>
         </p:nvCxnSpPr>
         <p:spPr>
-          <a:xfrm>
-            <a:off x="4807483" y="3832980"/>
-            <a:ext cx="0" cy="394282"/>
-          </a:xfrm>
-          <a:prstGeom prst="straightConnector1">
-            <a:avLst/>
-          </a:prstGeom>
-          <a:ln>
-            <a:tailEnd type="triangle"/>
-          </a:ln>
-        </p:spPr>
-        <p:style>
-          <a:lnRef idx="1">
-            <a:schemeClr val="accent1"/>
-          </a:lnRef>
-          <a:fillRef idx="0">
-            <a:schemeClr val="accent1"/>
-          </a:fillRef>
-          <a:effectRef idx="0">
-            <a:schemeClr val="accent1"/>
-          </a:effectRef>
-          <a:fontRef idx="minor">
-            <a:schemeClr val="tx1"/>
-          </a:fontRef>
-        </p:style>
-      </p:cxnSp>
-      <p:cxnSp>
-        <p:nvCxnSpPr>
-          <p:cNvPr id="161" name="直接箭头连接符 160">
-            <a:extLst>
-              <a:ext uri="{FF2B5EF4-FFF2-40B4-BE49-F238E27FC236}">
-                <a16:creationId xmlns:a16="http://schemas.microsoft.com/office/drawing/2014/main" id="{1B6F2F0E-7EB4-49B0-AFBE-35DFE2E41A6E}"/>
+          <a:xfrm flipV="1">
+            <a:off x="4944260" y="3813870"/>
+            <a:ext cx="0" cy="457200"/>
+          </a:xfrm>
+          <a:prstGeom prst="straightConnector1">
+            <a:avLst/>
+          </a:prstGeom>
+          <a:ln>
+            <a:tailEnd type="triangle"/>
+          </a:ln>
+        </p:spPr>
+        <p:style>
+          <a:lnRef idx="1">
+            <a:schemeClr val="accent1"/>
+          </a:lnRef>
+          <a:fillRef idx="0">
+            <a:schemeClr val="accent1"/>
+          </a:fillRef>
+          <a:effectRef idx="0">
+            <a:schemeClr val="accent1"/>
+          </a:effectRef>
+          <a:fontRef idx="minor">
+            <a:schemeClr val="tx1"/>
+          </a:fontRef>
+        </p:style>
+      </p:cxnSp>
+      <p:cxnSp>
+        <p:nvCxnSpPr>
+          <p:cNvPr id="165" name="直接箭头连接符 164">
+            <a:extLst>
+              <a:ext uri="{FF2B5EF4-FFF2-40B4-BE49-F238E27FC236}">
+                <a16:creationId xmlns:a16="http://schemas.microsoft.com/office/drawing/2014/main" id="{AE9AC49F-1545-4FCC-881E-74CC5BBBAE15}"/>
               </a:ext>
             </a:extLst>
           </p:cNvPr>
@@ -15935,37 +15935,37 @@
         </p:nvCxnSpPr>
         <p:spPr>
           <a:xfrm flipV="1">
-            <a:off x="4944260" y="3813870"/>
-            <a:ext cx="0" cy="457200"/>
-          </a:xfrm>
-          <a:prstGeom prst="straightConnector1">
-            <a:avLst/>
-          </a:prstGeom>
-          <a:ln>
-            <a:tailEnd type="triangle"/>
-          </a:ln>
-        </p:spPr>
-        <p:style>
-          <a:lnRef idx="1">
-            <a:schemeClr val="accent1"/>
-          </a:lnRef>
-          <a:fillRef idx="0">
-            <a:schemeClr val="accent1"/>
-          </a:fillRef>
-          <a:effectRef idx="0">
-            <a:schemeClr val="accent1"/>
-          </a:effectRef>
-          <a:fontRef idx="minor">
-            <a:schemeClr val="tx1"/>
-          </a:fontRef>
-        </p:style>
-      </p:cxnSp>
-      <p:cxnSp>
-        <p:nvCxnSpPr>
-          <p:cNvPr id="165" name="直接箭头连接符 164">
-            <a:extLst>
-              <a:ext uri="{FF2B5EF4-FFF2-40B4-BE49-F238E27FC236}">
-                <a16:creationId xmlns:a16="http://schemas.microsoft.com/office/drawing/2014/main" id="{AE9AC49F-1545-4FCC-881E-74CC5BBBAE15}"/>
+            <a:off x="6868905" y="3720553"/>
+            <a:ext cx="460514" cy="290457"/>
+          </a:xfrm>
+          <a:prstGeom prst="straightConnector1">
+            <a:avLst/>
+          </a:prstGeom>
+          <a:ln>
+            <a:tailEnd type="triangle"/>
+          </a:ln>
+        </p:spPr>
+        <p:style>
+          <a:lnRef idx="1">
+            <a:schemeClr val="accent1"/>
+          </a:lnRef>
+          <a:fillRef idx="0">
+            <a:schemeClr val="accent1"/>
+          </a:fillRef>
+          <a:effectRef idx="0">
+            <a:schemeClr val="accent1"/>
+          </a:effectRef>
+          <a:fontRef idx="minor">
+            <a:schemeClr val="tx1"/>
+          </a:fontRef>
+        </p:style>
+      </p:cxnSp>
+      <p:cxnSp>
+        <p:nvCxnSpPr>
+          <p:cNvPr id="166" name="直接箭头连接符 165">
+            <a:extLst>
+              <a:ext uri="{FF2B5EF4-FFF2-40B4-BE49-F238E27FC236}">
+                <a16:creationId xmlns:a16="http://schemas.microsoft.com/office/drawing/2014/main" id="{49A50BDC-A09F-4643-B803-47215850B622}"/>
               </a:ext>
             </a:extLst>
           </p:cNvPr>
@@ -15976,47 +15976,6 @@
         </p:nvCxnSpPr>
         <p:spPr>
           <a:xfrm flipV="1">
-            <a:off x="6868905" y="3720553"/>
-            <a:ext cx="460514" cy="290457"/>
-          </a:xfrm>
-          <a:prstGeom prst="straightConnector1">
-            <a:avLst/>
-          </a:prstGeom>
-          <a:ln>
-            <a:tailEnd type="triangle"/>
-          </a:ln>
-        </p:spPr>
-        <p:style>
-          <a:lnRef idx="1">
-            <a:schemeClr val="accent1"/>
-          </a:lnRef>
-          <a:fillRef idx="0">
-            <a:schemeClr val="accent1"/>
-          </a:fillRef>
-          <a:effectRef idx="0">
-            <a:schemeClr val="accent1"/>
-          </a:effectRef>
-          <a:fontRef idx="minor">
-            <a:schemeClr val="tx1"/>
-          </a:fontRef>
-        </p:style>
-      </p:cxnSp>
-      <p:cxnSp>
-        <p:nvCxnSpPr>
-          <p:cNvPr id="166" name="直接箭头连接符 165">
-            <a:extLst>
-              <a:ext uri="{FF2B5EF4-FFF2-40B4-BE49-F238E27FC236}">
-                <a16:creationId xmlns:a16="http://schemas.microsoft.com/office/drawing/2014/main" id="{49A50BDC-A09F-4643-B803-47215850B622}"/>
-              </a:ext>
-            </a:extLst>
-          </p:cNvPr>
-          <p:cNvCxnSpPr>
-            <a:cxnSpLocks/>
-          </p:cNvCxnSpPr>
-          <p:nvPr/>
-        </p:nvCxnSpPr>
-        <p:spPr>
-          <a:xfrm flipV="1">
             <a:off x="7577345" y="3832980"/>
             <a:ext cx="505931" cy="209490"/>
           </a:xfrm>
@@ -16476,19 +16435,127 @@
       </p:sp>
       <p:sp>
         <p:nvSpPr>
-          <p:cNvPr id="181" name="文本框 180">
-            <a:extLst>
-              <a:ext uri="{FF2B5EF4-FFF2-40B4-BE49-F238E27FC236}">
-                <a16:creationId xmlns:a16="http://schemas.microsoft.com/office/drawing/2014/main" id="{562DAD8D-2B76-477F-887A-EA9F4EF41CC5}"/>
-              </a:ext>
-            </a:extLst>
-          </p:cNvPr>
-          <p:cNvSpPr txBox="1"/>
-          <p:nvPr/>
-        </p:nvSpPr>
-        <p:spPr>
-          <a:xfrm>
-            <a:off x="3911173" y="1576254"/>
+          <p:cNvPr id="182" name="文本框 181">
+            <a:extLst>
+              <a:ext uri="{FF2B5EF4-FFF2-40B4-BE49-F238E27FC236}">
+                <a16:creationId xmlns:a16="http://schemas.microsoft.com/office/drawing/2014/main" id="{66E84E7D-B998-4DDF-9B36-2572FEA2FAC6}"/>
+              </a:ext>
+            </a:extLst>
+          </p:cNvPr>
+          <p:cNvSpPr txBox="1"/>
+          <p:nvPr/>
+        </p:nvSpPr>
+        <p:spPr>
+          <a:xfrm>
+            <a:off x="4795847" y="1575667"/>
+            <a:ext cx="279244" cy="307777"/>
+          </a:xfrm>
+          <a:prstGeom prst="rect">
+            <a:avLst/>
+          </a:prstGeom>
+          <a:noFill/>
+        </p:spPr>
+        <p:txBody>
+          <a:bodyPr wrap="none" rtlCol="0">
+            <a:spAutoFit/>
+          </a:bodyPr>
+          <a:lstStyle/>
+          <a:p>
+            <a:r>
+              <a:rPr lang="en-US" altLang="zh-CN" sz="1400" dirty="0"/>
+              <a:t>1</a:t>
+            </a:r>
+            <a:endParaRPr lang="zh-CN" altLang="en-US" sz="1400" dirty="0"/>
+          </a:p>
+        </p:txBody>
+      </p:sp>
+      <p:sp>
+        <p:nvSpPr>
+          <p:cNvPr id="183" name="文本框 182">
+            <a:extLst>
+              <a:ext uri="{FF2B5EF4-FFF2-40B4-BE49-F238E27FC236}">
+                <a16:creationId xmlns:a16="http://schemas.microsoft.com/office/drawing/2014/main" id="{F17CC537-974E-43F4-888D-70FB8963E573}"/>
+              </a:ext>
+            </a:extLst>
+          </p:cNvPr>
+          <p:cNvSpPr txBox="1"/>
+          <p:nvPr/>
+        </p:nvSpPr>
+        <p:spPr>
+          <a:xfrm>
+            <a:off x="4764964" y="1296163"/>
+            <a:ext cx="279244" cy="307777"/>
+          </a:xfrm>
+          <a:prstGeom prst="rect">
+            <a:avLst/>
+          </a:prstGeom>
+          <a:noFill/>
+        </p:spPr>
+        <p:txBody>
+          <a:bodyPr wrap="none" rtlCol="0">
+            <a:spAutoFit/>
+          </a:bodyPr>
+          <a:lstStyle/>
+          <a:p>
+            <a:r>
+              <a:rPr lang="en-US" altLang="zh-CN" sz="1400" dirty="0"/>
+              <a:t>2</a:t>
+            </a:r>
+            <a:endParaRPr lang="zh-CN" altLang="en-US" sz="1400" dirty="0"/>
+          </a:p>
+        </p:txBody>
+      </p:sp>
+      <p:sp>
+        <p:nvSpPr>
+          <p:cNvPr id="184" name="文本框 183">
+            <a:extLst>
+              <a:ext uri="{FF2B5EF4-FFF2-40B4-BE49-F238E27FC236}">
+                <a16:creationId xmlns:a16="http://schemas.microsoft.com/office/drawing/2014/main" id="{6B14E591-47B7-4D18-92BB-2AF2F75D7AED}"/>
+              </a:ext>
+            </a:extLst>
+          </p:cNvPr>
+          <p:cNvSpPr txBox="1"/>
+          <p:nvPr/>
+        </p:nvSpPr>
+        <p:spPr>
+          <a:xfrm>
+            <a:off x="4395541" y="1570424"/>
+            <a:ext cx="279244" cy="307777"/>
+          </a:xfrm>
+          <a:prstGeom prst="rect">
+            <a:avLst/>
+          </a:prstGeom>
+          <a:noFill/>
+        </p:spPr>
+        <p:txBody>
+          <a:bodyPr wrap="none" rtlCol="0">
+            <a:spAutoFit/>
+          </a:bodyPr>
+          <a:lstStyle/>
+          <a:p>
+            <a:r>
+              <a:rPr lang="en-US" altLang="zh-CN" sz="1400" dirty="0"/>
+              <a:t>3</a:t>
+            </a:r>
+            <a:endParaRPr lang="zh-CN" altLang="en-US" sz="1400" dirty="0"/>
+          </a:p>
+        </p:txBody>
+      </p:sp>
+      <p:sp>
+        <p:nvSpPr>
+          <p:cNvPr id="185" name="文本框 184">
+            <a:extLst>
+              <a:ext uri="{FF2B5EF4-FFF2-40B4-BE49-F238E27FC236}">
+                <a16:creationId xmlns:a16="http://schemas.microsoft.com/office/drawing/2014/main" id="{37FDB3F6-38F7-4362-A787-CF282B8EDB0C}"/>
+              </a:ext>
+            </a:extLst>
+          </p:cNvPr>
+          <p:cNvSpPr txBox="1"/>
+          <p:nvPr/>
+        </p:nvSpPr>
+        <p:spPr>
+          <a:xfrm>
+            <a:off x="4786215" y="1849274"/>
             <a:ext cx="279244" cy="307777"/>
           </a:xfrm>
           <a:prstGeom prst="rect">
@@ -16512,19 +16579,19 @@
       </p:sp>
       <p:sp>
         <p:nvSpPr>
-          <p:cNvPr id="182" name="文本框 181">
-            <a:extLst>
-              <a:ext uri="{FF2B5EF4-FFF2-40B4-BE49-F238E27FC236}">
-                <a16:creationId xmlns:a16="http://schemas.microsoft.com/office/drawing/2014/main" id="{66E84E7D-B998-4DDF-9B36-2572FEA2FAC6}"/>
-              </a:ext>
-            </a:extLst>
-          </p:cNvPr>
-          <p:cNvSpPr txBox="1"/>
-          <p:nvPr/>
-        </p:nvSpPr>
-        <p:spPr>
-          <a:xfrm>
-            <a:off x="4795847" y="1575667"/>
+          <p:cNvPr id="186" name="文本框 185">
+            <a:extLst>
+              <a:ext uri="{FF2B5EF4-FFF2-40B4-BE49-F238E27FC236}">
+                <a16:creationId xmlns:a16="http://schemas.microsoft.com/office/drawing/2014/main" id="{62741294-9853-4D94-AAA5-50C8EB61D956}"/>
+              </a:ext>
+            </a:extLst>
+          </p:cNvPr>
+          <p:cNvSpPr txBox="1"/>
+          <p:nvPr/>
+        </p:nvSpPr>
+        <p:spPr>
+          <a:xfrm>
+            <a:off x="5791189" y="1274246"/>
             <a:ext cx="279244" cy="307777"/>
           </a:xfrm>
           <a:prstGeom prst="rect">
@@ -16548,19 +16615,19 @@
       </p:sp>
       <p:sp>
         <p:nvSpPr>
-          <p:cNvPr id="183" name="文本框 182">
-            <a:extLst>
-              <a:ext uri="{FF2B5EF4-FFF2-40B4-BE49-F238E27FC236}">
-                <a16:creationId xmlns:a16="http://schemas.microsoft.com/office/drawing/2014/main" id="{F17CC537-974E-43F4-888D-70FB8963E573}"/>
-              </a:ext>
-            </a:extLst>
-          </p:cNvPr>
-          <p:cNvSpPr txBox="1"/>
-          <p:nvPr/>
-        </p:nvSpPr>
-        <p:spPr>
-          <a:xfrm>
-            <a:off x="4764964" y="1296163"/>
+          <p:cNvPr id="187" name="文本框 186">
+            <a:extLst>
+              <a:ext uri="{FF2B5EF4-FFF2-40B4-BE49-F238E27FC236}">
+                <a16:creationId xmlns:a16="http://schemas.microsoft.com/office/drawing/2014/main" id="{8D78E922-1CA4-4FEF-9479-B185AF680248}"/>
+              </a:ext>
+            </a:extLst>
+          </p:cNvPr>
+          <p:cNvSpPr txBox="1"/>
+          <p:nvPr/>
+        </p:nvSpPr>
+        <p:spPr>
+          <a:xfrm>
+            <a:off x="5303478" y="1550078"/>
             <a:ext cx="279244" cy="307777"/>
           </a:xfrm>
           <a:prstGeom prst="rect">
@@ -16584,19 +16651,19 @@
       </p:sp>
       <p:sp>
         <p:nvSpPr>
-          <p:cNvPr id="184" name="文本框 183">
-            <a:extLst>
-              <a:ext uri="{FF2B5EF4-FFF2-40B4-BE49-F238E27FC236}">
-                <a16:creationId xmlns:a16="http://schemas.microsoft.com/office/drawing/2014/main" id="{6B14E591-47B7-4D18-92BB-2AF2F75D7AED}"/>
-              </a:ext>
-            </a:extLst>
-          </p:cNvPr>
-          <p:cNvSpPr txBox="1"/>
-          <p:nvPr/>
-        </p:nvSpPr>
-        <p:spPr>
-          <a:xfrm>
-            <a:off x="4395541" y="1570424"/>
+          <p:cNvPr id="188" name="文本框 187">
+            <a:extLst>
+              <a:ext uri="{FF2B5EF4-FFF2-40B4-BE49-F238E27FC236}">
+                <a16:creationId xmlns:a16="http://schemas.microsoft.com/office/drawing/2014/main" id="{65CC13A6-7073-405A-BB02-74FC2933903F}"/>
+              </a:ext>
+            </a:extLst>
+          </p:cNvPr>
+          <p:cNvSpPr txBox="1"/>
+          <p:nvPr/>
+        </p:nvSpPr>
+        <p:spPr>
+          <a:xfrm>
+            <a:off x="5566323" y="1699648"/>
             <a:ext cx="279244" cy="307777"/>
           </a:xfrm>
           <a:prstGeom prst="rect">
@@ -16620,19 +16687,19 @@
       </p:sp>
       <p:sp>
         <p:nvSpPr>
-          <p:cNvPr id="185" name="文本框 184">
-            <a:extLst>
-              <a:ext uri="{FF2B5EF4-FFF2-40B4-BE49-F238E27FC236}">
-                <a16:creationId xmlns:a16="http://schemas.microsoft.com/office/drawing/2014/main" id="{37FDB3F6-38F7-4362-A787-CF282B8EDB0C}"/>
-              </a:ext>
-            </a:extLst>
-          </p:cNvPr>
-          <p:cNvSpPr txBox="1"/>
-          <p:nvPr/>
-        </p:nvSpPr>
-        <p:spPr>
-          <a:xfrm>
-            <a:off x="4786215" y="1849274"/>
+          <p:cNvPr id="189" name="文本框 188">
+            <a:extLst>
+              <a:ext uri="{FF2B5EF4-FFF2-40B4-BE49-F238E27FC236}">
+                <a16:creationId xmlns:a16="http://schemas.microsoft.com/office/drawing/2014/main" id="{1752F906-70CE-42B6-8941-BA020FE4E9F2}"/>
+              </a:ext>
+            </a:extLst>
+          </p:cNvPr>
+          <p:cNvSpPr txBox="1"/>
+          <p:nvPr/>
+        </p:nvSpPr>
+        <p:spPr>
+          <a:xfrm>
+            <a:off x="5824763" y="1577704"/>
             <a:ext cx="279244" cy="307777"/>
           </a:xfrm>
           <a:prstGeom prst="rect">
@@ -16656,19 +16723,19 @@
       </p:sp>
       <p:sp>
         <p:nvSpPr>
-          <p:cNvPr id="186" name="文本框 185">
-            <a:extLst>
-              <a:ext uri="{FF2B5EF4-FFF2-40B4-BE49-F238E27FC236}">
-                <a16:creationId xmlns:a16="http://schemas.microsoft.com/office/drawing/2014/main" id="{62741294-9853-4D94-AAA5-50C8EB61D956}"/>
-              </a:ext>
-            </a:extLst>
-          </p:cNvPr>
-          <p:cNvSpPr txBox="1"/>
-          <p:nvPr/>
-        </p:nvSpPr>
-        <p:spPr>
-          <a:xfrm>
-            <a:off x="5791189" y="1274246"/>
+          <p:cNvPr id="190" name="文本框 189">
+            <a:extLst>
+              <a:ext uri="{FF2B5EF4-FFF2-40B4-BE49-F238E27FC236}">
+                <a16:creationId xmlns:a16="http://schemas.microsoft.com/office/drawing/2014/main" id="{76E37C80-220B-44F9-91E1-04A3A8716254}"/>
+              </a:ext>
+            </a:extLst>
+          </p:cNvPr>
+          <p:cNvSpPr txBox="1"/>
+          <p:nvPr/>
+        </p:nvSpPr>
+        <p:spPr>
+          <a:xfrm>
+            <a:off x="6605266" y="1279049"/>
             <a:ext cx="279244" cy="307777"/>
           </a:xfrm>
           <a:prstGeom prst="rect">
@@ -16692,19 +16759,19 @@
       </p:sp>
       <p:sp>
         <p:nvSpPr>
-          <p:cNvPr id="187" name="文本框 186">
-            <a:extLst>
-              <a:ext uri="{FF2B5EF4-FFF2-40B4-BE49-F238E27FC236}">
-                <a16:creationId xmlns:a16="http://schemas.microsoft.com/office/drawing/2014/main" id="{8D78E922-1CA4-4FEF-9479-B185AF680248}"/>
-              </a:ext>
-            </a:extLst>
-          </p:cNvPr>
-          <p:cNvSpPr txBox="1"/>
-          <p:nvPr/>
-        </p:nvSpPr>
-        <p:spPr>
-          <a:xfrm>
-            <a:off x="5303478" y="1550078"/>
+          <p:cNvPr id="191" name="文本框 190">
+            <a:extLst>
+              <a:ext uri="{FF2B5EF4-FFF2-40B4-BE49-F238E27FC236}">
+                <a16:creationId xmlns:a16="http://schemas.microsoft.com/office/drawing/2014/main" id="{10C54F7E-AFE5-4CE7-B709-1610F6D95B41}"/>
+              </a:ext>
+            </a:extLst>
+          </p:cNvPr>
+          <p:cNvSpPr txBox="1"/>
+          <p:nvPr/>
+        </p:nvSpPr>
+        <p:spPr>
+          <a:xfrm>
+            <a:off x="6589661" y="1555553"/>
             <a:ext cx="279244" cy="307777"/>
           </a:xfrm>
           <a:prstGeom prst="rect">
@@ -16728,19 +16795,19 @@
       </p:sp>
       <p:sp>
         <p:nvSpPr>
-          <p:cNvPr id="188" name="文本框 187">
-            <a:extLst>
-              <a:ext uri="{FF2B5EF4-FFF2-40B4-BE49-F238E27FC236}">
-                <a16:creationId xmlns:a16="http://schemas.microsoft.com/office/drawing/2014/main" id="{65CC13A6-7073-405A-BB02-74FC2933903F}"/>
-              </a:ext>
-            </a:extLst>
-          </p:cNvPr>
-          <p:cNvSpPr txBox="1"/>
-          <p:nvPr/>
-        </p:nvSpPr>
-        <p:spPr>
-          <a:xfrm>
-            <a:off x="5566323" y="1699648"/>
+          <p:cNvPr id="192" name="文本框 191">
+            <a:extLst>
+              <a:ext uri="{FF2B5EF4-FFF2-40B4-BE49-F238E27FC236}">
+                <a16:creationId xmlns:a16="http://schemas.microsoft.com/office/drawing/2014/main" id="{60073AC5-8854-472C-9FF5-3B92DDA55986}"/>
+              </a:ext>
+            </a:extLst>
+          </p:cNvPr>
+          <p:cNvSpPr txBox="1"/>
+          <p:nvPr/>
+        </p:nvSpPr>
+        <p:spPr>
+          <a:xfrm>
+            <a:off x="6965885" y="1541497"/>
             <a:ext cx="279244" cy="307777"/>
           </a:xfrm>
           <a:prstGeom prst="rect">
@@ -16764,19 +16831,19 @@
       </p:sp>
       <p:sp>
         <p:nvSpPr>
-          <p:cNvPr id="189" name="文本框 188">
-            <a:extLst>
-              <a:ext uri="{FF2B5EF4-FFF2-40B4-BE49-F238E27FC236}">
-                <a16:creationId xmlns:a16="http://schemas.microsoft.com/office/drawing/2014/main" id="{1752F906-70CE-42B6-8941-BA020FE4E9F2}"/>
-              </a:ext>
-            </a:extLst>
-          </p:cNvPr>
-          <p:cNvSpPr txBox="1"/>
-          <p:nvPr/>
-        </p:nvSpPr>
-        <p:spPr>
-          <a:xfrm>
-            <a:off x="5824763" y="1577704"/>
+          <p:cNvPr id="193" name="文本框 192">
+            <a:extLst>
+              <a:ext uri="{FF2B5EF4-FFF2-40B4-BE49-F238E27FC236}">
+                <a16:creationId xmlns:a16="http://schemas.microsoft.com/office/drawing/2014/main" id="{F805BE77-83FF-4CDF-BF4D-B9AFDC0A20A7}"/>
+              </a:ext>
+            </a:extLst>
+          </p:cNvPr>
+          <p:cNvSpPr txBox="1"/>
+          <p:nvPr/>
+        </p:nvSpPr>
+        <p:spPr>
+          <a:xfrm>
+            <a:off x="6634814" y="1847038"/>
             <a:ext cx="279244" cy="307777"/>
           </a:xfrm>
           <a:prstGeom prst="rect">
@@ -16800,19 +16867,19 @@
       </p:sp>
       <p:sp>
         <p:nvSpPr>
-          <p:cNvPr id="190" name="文本框 189">
-            <a:extLst>
-              <a:ext uri="{FF2B5EF4-FFF2-40B4-BE49-F238E27FC236}">
-                <a16:creationId xmlns:a16="http://schemas.microsoft.com/office/drawing/2014/main" id="{76E37C80-220B-44F9-91E1-04A3A8716254}"/>
-              </a:ext>
-            </a:extLst>
-          </p:cNvPr>
-          <p:cNvSpPr txBox="1"/>
-          <p:nvPr/>
-        </p:nvSpPr>
-        <p:spPr>
-          <a:xfrm>
-            <a:off x="6605266" y="1279049"/>
+          <p:cNvPr id="194" name="文本框 193">
+            <a:extLst>
+              <a:ext uri="{FF2B5EF4-FFF2-40B4-BE49-F238E27FC236}">
+                <a16:creationId xmlns:a16="http://schemas.microsoft.com/office/drawing/2014/main" id="{1EC4A7F5-F3BB-4ACB-995B-6DDDC773FCA7}"/>
+              </a:ext>
+            </a:extLst>
+          </p:cNvPr>
+          <p:cNvSpPr txBox="1"/>
+          <p:nvPr/>
+        </p:nvSpPr>
+        <p:spPr>
+          <a:xfrm>
+            <a:off x="829288" y="2605037"/>
             <a:ext cx="279244" cy="307777"/>
           </a:xfrm>
           <a:prstGeom prst="rect">
@@ -16836,19 +16903,19 @@
       </p:sp>
       <p:sp>
         <p:nvSpPr>
-          <p:cNvPr id="191" name="文本框 190">
-            <a:extLst>
-              <a:ext uri="{FF2B5EF4-FFF2-40B4-BE49-F238E27FC236}">
-                <a16:creationId xmlns:a16="http://schemas.microsoft.com/office/drawing/2014/main" id="{10C54F7E-AFE5-4CE7-B709-1610F6D95B41}"/>
-              </a:ext>
-            </a:extLst>
-          </p:cNvPr>
-          <p:cNvSpPr txBox="1"/>
-          <p:nvPr/>
-        </p:nvSpPr>
-        <p:spPr>
-          <a:xfrm>
-            <a:off x="6589661" y="1555553"/>
+          <p:cNvPr id="195" name="文本框 194">
+            <a:extLst>
+              <a:ext uri="{FF2B5EF4-FFF2-40B4-BE49-F238E27FC236}">
+                <a16:creationId xmlns:a16="http://schemas.microsoft.com/office/drawing/2014/main" id="{AE6C3DB8-3030-437A-AB26-6FA0588768CD}"/>
+              </a:ext>
+            </a:extLst>
+          </p:cNvPr>
+          <p:cNvSpPr txBox="1"/>
+          <p:nvPr/>
+        </p:nvSpPr>
+        <p:spPr>
+          <a:xfrm>
+            <a:off x="461479" y="2953304"/>
             <a:ext cx="279244" cy="307777"/>
           </a:xfrm>
           <a:prstGeom prst="rect">
@@ -16872,19 +16939,91 @@
       </p:sp>
       <p:sp>
         <p:nvSpPr>
-          <p:cNvPr id="192" name="文本框 191">
-            <a:extLst>
-              <a:ext uri="{FF2B5EF4-FFF2-40B4-BE49-F238E27FC236}">
-                <a16:creationId xmlns:a16="http://schemas.microsoft.com/office/drawing/2014/main" id="{60073AC5-8854-472C-9FF5-3B92DDA55986}"/>
-              </a:ext>
-            </a:extLst>
-          </p:cNvPr>
-          <p:cNvSpPr txBox="1"/>
-          <p:nvPr/>
-        </p:nvSpPr>
-        <p:spPr>
-          <a:xfrm>
-            <a:off x="6965885" y="1541497"/>
+          <p:cNvPr id="196" name="文本框 195">
+            <a:extLst>
+              <a:ext uri="{FF2B5EF4-FFF2-40B4-BE49-F238E27FC236}">
+                <a16:creationId xmlns:a16="http://schemas.microsoft.com/office/drawing/2014/main" id="{F3C16701-7DAA-4743-A3CC-A221F3828FCE}"/>
+              </a:ext>
+            </a:extLst>
+          </p:cNvPr>
+          <p:cNvSpPr txBox="1"/>
+          <p:nvPr/>
+        </p:nvSpPr>
+        <p:spPr>
+          <a:xfrm>
+            <a:off x="7332907" y="1593452"/>
+            <a:ext cx="279244" cy="307777"/>
+          </a:xfrm>
+          <a:prstGeom prst="rect">
+            <a:avLst/>
+          </a:prstGeom>
+          <a:noFill/>
+        </p:spPr>
+        <p:txBody>
+          <a:bodyPr wrap="none" rtlCol="0">
+            <a:spAutoFit/>
+          </a:bodyPr>
+          <a:lstStyle/>
+          <a:p>
+            <a:r>
+              <a:rPr lang="en-US" altLang="zh-CN" sz="1400" dirty="0"/>
+              <a:t>1</a:t>
+            </a:r>
+            <a:endParaRPr lang="zh-CN" altLang="en-US" sz="1400" dirty="0"/>
+          </a:p>
+        </p:txBody>
+      </p:sp>
+      <p:sp>
+        <p:nvSpPr>
+          <p:cNvPr id="197" name="文本框 196">
+            <a:extLst>
+              <a:ext uri="{FF2B5EF4-FFF2-40B4-BE49-F238E27FC236}">
+                <a16:creationId xmlns:a16="http://schemas.microsoft.com/office/drawing/2014/main" id="{906C357F-3F80-45AE-9F56-5D132BCDF933}"/>
+              </a:ext>
+            </a:extLst>
+          </p:cNvPr>
+          <p:cNvSpPr txBox="1"/>
+          <p:nvPr/>
+        </p:nvSpPr>
+        <p:spPr>
+          <a:xfrm>
+            <a:off x="7733065" y="1241914"/>
+            <a:ext cx="279244" cy="307777"/>
+          </a:xfrm>
+          <a:prstGeom prst="rect">
+            <a:avLst/>
+          </a:prstGeom>
+          <a:noFill/>
+        </p:spPr>
+        <p:txBody>
+          <a:bodyPr wrap="none" rtlCol="0">
+            <a:spAutoFit/>
+          </a:bodyPr>
+          <a:lstStyle/>
+          <a:p>
+            <a:r>
+              <a:rPr lang="en-US" altLang="zh-CN" sz="1400" dirty="0"/>
+              <a:t>2</a:t>
+            </a:r>
+            <a:endParaRPr lang="zh-CN" altLang="en-US" sz="1400" dirty="0"/>
+          </a:p>
+        </p:txBody>
+      </p:sp>
+      <p:sp>
+        <p:nvSpPr>
+          <p:cNvPr id="199" name="文本框 198">
+            <a:extLst>
+              <a:ext uri="{FF2B5EF4-FFF2-40B4-BE49-F238E27FC236}">
+                <a16:creationId xmlns:a16="http://schemas.microsoft.com/office/drawing/2014/main" id="{6F4C6C5D-FDDE-48E7-AA37-9BAAB9EE55A4}"/>
+              </a:ext>
+            </a:extLst>
+          </p:cNvPr>
+          <p:cNvSpPr txBox="1"/>
+          <p:nvPr/>
+        </p:nvSpPr>
+        <p:spPr>
+          <a:xfrm>
+            <a:off x="7856160" y="1747230"/>
             <a:ext cx="279244" cy="307777"/>
           </a:xfrm>
           <a:prstGeom prst="rect">
@@ -16908,19 +17047,199 @@
       </p:sp>
       <p:sp>
         <p:nvSpPr>
-          <p:cNvPr id="193" name="文本框 192">
-            <a:extLst>
-              <a:ext uri="{FF2B5EF4-FFF2-40B4-BE49-F238E27FC236}">
-                <a16:creationId xmlns:a16="http://schemas.microsoft.com/office/drawing/2014/main" id="{F805BE77-83FF-4CDF-BF4D-B9AFDC0A20A7}"/>
-              </a:ext>
-            </a:extLst>
-          </p:cNvPr>
-          <p:cNvSpPr txBox="1"/>
-          <p:nvPr/>
-        </p:nvSpPr>
-        <p:spPr>
-          <a:xfrm>
-            <a:off x="6634814" y="1847038"/>
+          <p:cNvPr id="200" name="文本框 199">
+            <a:extLst>
+              <a:ext uri="{FF2B5EF4-FFF2-40B4-BE49-F238E27FC236}">
+                <a16:creationId xmlns:a16="http://schemas.microsoft.com/office/drawing/2014/main" id="{F8D831D5-AFC9-46C3-AC81-E50D0DDF76C8}"/>
+              </a:ext>
+            </a:extLst>
+          </p:cNvPr>
+          <p:cNvSpPr txBox="1"/>
+          <p:nvPr/>
+        </p:nvSpPr>
+        <p:spPr>
+          <a:xfrm>
+            <a:off x="8507333" y="1550078"/>
+            <a:ext cx="279244" cy="307777"/>
+          </a:xfrm>
+          <a:prstGeom prst="rect">
+            <a:avLst/>
+          </a:prstGeom>
+          <a:noFill/>
+        </p:spPr>
+        <p:txBody>
+          <a:bodyPr wrap="none" rtlCol="0">
+            <a:spAutoFit/>
+          </a:bodyPr>
+          <a:lstStyle/>
+          <a:p>
+            <a:r>
+              <a:rPr lang="en-US" altLang="zh-CN" sz="1400" dirty="0"/>
+              <a:t>1</a:t>
+            </a:r>
+            <a:endParaRPr lang="zh-CN" altLang="en-US" sz="1400" dirty="0"/>
+          </a:p>
+        </p:txBody>
+      </p:sp>
+      <p:sp>
+        <p:nvSpPr>
+          <p:cNvPr id="201" name="文本框 200">
+            <a:extLst>
+              <a:ext uri="{FF2B5EF4-FFF2-40B4-BE49-F238E27FC236}">
+                <a16:creationId xmlns:a16="http://schemas.microsoft.com/office/drawing/2014/main" id="{642B7A9D-9572-49C4-B423-63B19DAF1540}"/>
+              </a:ext>
+            </a:extLst>
+          </p:cNvPr>
+          <p:cNvSpPr txBox="1"/>
+          <p:nvPr/>
+        </p:nvSpPr>
+        <p:spPr>
+          <a:xfrm>
+            <a:off x="8809611" y="1593452"/>
+            <a:ext cx="279244" cy="307777"/>
+          </a:xfrm>
+          <a:prstGeom prst="rect">
+            <a:avLst/>
+          </a:prstGeom>
+          <a:noFill/>
+        </p:spPr>
+        <p:txBody>
+          <a:bodyPr wrap="none" rtlCol="0">
+            <a:spAutoFit/>
+          </a:bodyPr>
+          <a:lstStyle/>
+          <a:p>
+            <a:r>
+              <a:rPr lang="en-US" altLang="zh-CN" sz="1400" dirty="0"/>
+              <a:t>2</a:t>
+            </a:r>
+            <a:endParaRPr lang="zh-CN" altLang="en-US" sz="1400" dirty="0"/>
+          </a:p>
+        </p:txBody>
+      </p:sp>
+      <p:sp>
+        <p:nvSpPr>
+          <p:cNvPr id="202" name="文本框 201">
+            <a:extLst>
+              <a:ext uri="{FF2B5EF4-FFF2-40B4-BE49-F238E27FC236}">
+                <a16:creationId xmlns:a16="http://schemas.microsoft.com/office/drawing/2014/main" id="{62D097EB-5C36-4BAE-B097-563E7907618F}"/>
+              </a:ext>
+            </a:extLst>
+          </p:cNvPr>
+          <p:cNvSpPr txBox="1"/>
+          <p:nvPr/>
+        </p:nvSpPr>
+        <p:spPr>
+          <a:xfrm>
+            <a:off x="1196525" y="2643549"/>
+            <a:ext cx="279244" cy="307777"/>
+          </a:xfrm>
+          <a:prstGeom prst="rect">
+            <a:avLst/>
+          </a:prstGeom>
+          <a:noFill/>
+        </p:spPr>
+        <p:txBody>
+          <a:bodyPr wrap="none" rtlCol="0">
+            <a:spAutoFit/>
+          </a:bodyPr>
+          <a:lstStyle/>
+          <a:p>
+            <a:r>
+              <a:rPr lang="en-US" altLang="zh-CN" sz="1400" dirty="0"/>
+              <a:t>1</a:t>
+            </a:r>
+            <a:endParaRPr lang="zh-CN" altLang="en-US" sz="1400" dirty="0"/>
+          </a:p>
+        </p:txBody>
+      </p:sp>
+      <p:sp>
+        <p:nvSpPr>
+          <p:cNvPr id="203" name="文本框 202">
+            <a:extLst>
+              <a:ext uri="{FF2B5EF4-FFF2-40B4-BE49-F238E27FC236}">
+                <a16:creationId xmlns:a16="http://schemas.microsoft.com/office/drawing/2014/main" id="{BA80A457-D651-4786-9E8D-B6E182F6C6DF}"/>
+              </a:ext>
+            </a:extLst>
+          </p:cNvPr>
+          <p:cNvSpPr txBox="1"/>
+          <p:nvPr/>
+        </p:nvSpPr>
+        <p:spPr>
+          <a:xfrm>
+            <a:off x="1409089" y="2636836"/>
+            <a:ext cx="279244" cy="307777"/>
+          </a:xfrm>
+          <a:prstGeom prst="rect">
+            <a:avLst/>
+          </a:prstGeom>
+          <a:noFill/>
+        </p:spPr>
+        <p:txBody>
+          <a:bodyPr wrap="none" rtlCol="0">
+            <a:spAutoFit/>
+          </a:bodyPr>
+          <a:lstStyle/>
+          <a:p>
+            <a:r>
+              <a:rPr lang="en-US" altLang="zh-CN" sz="1400" dirty="0"/>
+              <a:t>2</a:t>
+            </a:r>
+            <a:endParaRPr lang="zh-CN" altLang="en-US" sz="1400" dirty="0"/>
+          </a:p>
+        </p:txBody>
+      </p:sp>
+      <p:sp>
+        <p:nvSpPr>
+          <p:cNvPr id="204" name="文本框 203">
+            <a:extLst>
+              <a:ext uri="{FF2B5EF4-FFF2-40B4-BE49-F238E27FC236}">
+                <a16:creationId xmlns:a16="http://schemas.microsoft.com/office/drawing/2014/main" id="{A427577D-E411-44FA-8B2F-6EAC493E9078}"/>
+              </a:ext>
+            </a:extLst>
+          </p:cNvPr>
+          <p:cNvSpPr txBox="1"/>
+          <p:nvPr/>
+        </p:nvSpPr>
+        <p:spPr>
+          <a:xfrm>
+            <a:off x="1909879" y="2592500"/>
+            <a:ext cx="279244" cy="307777"/>
+          </a:xfrm>
+          <a:prstGeom prst="rect">
+            <a:avLst/>
+          </a:prstGeom>
+          <a:noFill/>
+        </p:spPr>
+        <p:txBody>
+          <a:bodyPr wrap="none" rtlCol="0">
+            <a:spAutoFit/>
+          </a:bodyPr>
+          <a:lstStyle/>
+          <a:p>
+            <a:r>
+              <a:rPr lang="en-US" altLang="zh-CN" sz="1400" dirty="0"/>
+              <a:t>3</a:t>
+            </a:r>
+            <a:endParaRPr lang="zh-CN" altLang="en-US" sz="1400" dirty="0"/>
+          </a:p>
+        </p:txBody>
+      </p:sp>
+      <p:sp>
+        <p:nvSpPr>
+          <p:cNvPr id="205" name="文本框 204">
+            <a:extLst>
+              <a:ext uri="{FF2B5EF4-FFF2-40B4-BE49-F238E27FC236}">
+                <a16:creationId xmlns:a16="http://schemas.microsoft.com/office/drawing/2014/main" id="{28FF89D3-868D-4673-A0CE-173B76700454}"/>
+              </a:ext>
+            </a:extLst>
+          </p:cNvPr>
+          <p:cNvSpPr txBox="1"/>
+          <p:nvPr/>
+        </p:nvSpPr>
+        <p:spPr>
+          <a:xfrm>
+            <a:off x="1947565" y="3080601"/>
             <a:ext cx="279244" cy="307777"/>
           </a:xfrm>
           <a:prstGeom prst="rect">
@@ -16944,19 +17263,19 @@
       </p:sp>
       <p:sp>
         <p:nvSpPr>
-          <p:cNvPr id="194" name="文本框 193">
-            <a:extLst>
-              <a:ext uri="{FF2B5EF4-FFF2-40B4-BE49-F238E27FC236}">
-                <a16:creationId xmlns:a16="http://schemas.microsoft.com/office/drawing/2014/main" id="{1EC4A7F5-F3BB-4ACB-995B-6DDDC773FCA7}"/>
-              </a:ext>
-            </a:extLst>
-          </p:cNvPr>
-          <p:cNvSpPr txBox="1"/>
-          <p:nvPr/>
-        </p:nvSpPr>
-        <p:spPr>
-          <a:xfrm>
-            <a:off x="829288" y="2605037"/>
+          <p:cNvPr id="207" name="文本框 206">
+            <a:extLst>
+              <a:ext uri="{FF2B5EF4-FFF2-40B4-BE49-F238E27FC236}">
+                <a16:creationId xmlns:a16="http://schemas.microsoft.com/office/drawing/2014/main" id="{886C83BA-C8AD-4B4C-A170-F5679315B6BF}"/>
+              </a:ext>
+            </a:extLst>
+          </p:cNvPr>
+          <p:cNvSpPr txBox="1"/>
+          <p:nvPr/>
+        </p:nvSpPr>
+        <p:spPr>
+          <a:xfrm>
+            <a:off x="2634441" y="2638799"/>
             <a:ext cx="279244" cy="307777"/>
           </a:xfrm>
           <a:prstGeom prst="rect">
@@ -16980,19 +17299,55 @@
       </p:sp>
       <p:sp>
         <p:nvSpPr>
-          <p:cNvPr id="195" name="文本框 194">
-            <a:extLst>
-              <a:ext uri="{FF2B5EF4-FFF2-40B4-BE49-F238E27FC236}">
-                <a16:creationId xmlns:a16="http://schemas.microsoft.com/office/drawing/2014/main" id="{AE6C3DB8-3030-437A-AB26-6FA0588768CD}"/>
-              </a:ext>
-            </a:extLst>
-          </p:cNvPr>
-          <p:cNvSpPr txBox="1"/>
-          <p:nvPr/>
-        </p:nvSpPr>
-        <p:spPr>
-          <a:xfrm>
-            <a:off x="461479" y="2953304"/>
+          <p:cNvPr id="208" name="文本框 207">
+            <a:extLst>
+              <a:ext uri="{FF2B5EF4-FFF2-40B4-BE49-F238E27FC236}">
+                <a16:creationId xmlns:a16="http://schemas.microsoft.com/office/drawing/2014/main" id="{CF704738-E799-4508-8E97-44CC10923EF0}"/>
+              </a:ext>
+            </a:extLst>
+          </p:cNvPr>
+          <p:cNvSpPr txBox="1"/>
+          <p:nvPr/>
+        </p:nvSpPr>
+        <p:spPr>
+          <a:xfrm>
+            <a:off x="3278474" y="2662778"/>
+            <a:ext cx="279244" cy="307777"/>
+          </a:xfrm>
+          <a:prstGeom prst="rect">
+            <a:avLst/>
+          </a:prstGeom>
+          <a:noFill/>
+        </p:spPr>
+        <p:txBody>
+          <a:bodyPr wrap="none" rtlCol="0">
+            <a:spAutoFit/>
+          </a:bodyPr>
+          <a:lstStyle/>
+          <a:p>
+            <a:r>
+              <a:rPr lang="en-US" altLang="zh-CN" sz="1400" dirty="0"/>
+              <a:t>1</a:t>
+            </a:r>
+            <a:endParaRPr lang="zh-CN" altLang="en-US" sz="1400" dirty="0"/>
+          </a:p>
+        </p:txBody>
+      </p:sp>
+      <p:sp>
+        <p:nvSpPr>
+          <p:cNvPr id="211" name="文本框 210">
+            <a:extLst>
+              <a:ext uri="{FF2B5EF4-FFF2-40B4-BE49-F238E27FC236}">
+                <a16:creationId xmlns:a16="http://schemas.microsoft.com/office/drawing/2014/main" id="{CF105B14-366A-478B-9FB1-05C4B6BF5172}"/>
+              </a:ext>
+            </a:extLst>
+          </p:cNvPr>
+          <p:cNvSpPr txBox="1"/>
+          <p:nvPr/>
+        </p:nvSpPr>
+        <p:spPr>
+          <a:xfrm>
+            <a:off x="3488945" y="2367326"/>
             <a:ext cx="279244" cy="307777"/>
           </a:xfrm>
           <a:prstGeom prst="rect">
@@ -17016,19 +17371,127 @@
       </p:sp>
       <p:sp>
         <p:nvSpPr>
-          <p:cNvPr id="196" name="文本框 195">
-            <a:extLst>
-              <a:ext uri="{FF2B5EF4-FFF2-40B4-BE49-F238E27FC236}">
-                <a16:creationId xmlns:a16="http://schemas.microsoft.com/office/drawing/2014/main" id="{F3C16701-7DAA-4743-A3CC-A221F3828FCE}"/>
-              </a:ext>
-            </a:extLst>
-          </p:cNvPr>
-          <p:cNvSpPr txBox="1"/>
-          <p:nvPr/>
-        </p:nvSpPr>
-        <p:spPr>
-          <a:xfrm>
-            <a:off x="7332907" y="1593452"/>
+          <p:cNvPr id="212" name="文本框 211">
+            <a:extLst>
+              <a:ext uri="{FF2B5EF4-FFF2-40B4-BE49-F238E27FC236}">
+                <a16:creationId xmlns:a16="http://schemas.microsoft.com/office/drawing/2014/main" id="{0DBF63B0-72F7-4C50-ACEA-2F95BD5F036E}"/>
+              </a:ext>
+            </a:extLst>
+          </p:cNvPr>
+          <p:cNvSpPr txBox="1"/>
+          <p:nvPr/>
+        </p:nvSpPr>
+        <p:spPr>
+          <a:xfrm>
+            <a:off x="3601896" y="3006288"/>
+            <a:ext cx="279244" cy="307777"/>
+          </a:xfrm>
+          <a:prstGeom prst="rect">
+            <a:avLst/>
+          </a:prstGeom>
+          <a:noFill/>
+        </p:spPr>
+        <p:txBody>
+          <a:bodyPr wrap="none" rtlCol="0">
+            <a:spAutoFit/>
+          </a:bodyPr>
+          <a:lstStyle/>
+          <a:p>
+            <a:r>
+              <a:rPr lang="en-US" altLang="zh-CN" sz="1400" dirty="0"/>
+              <a:t>3</a:t>
+            </a:r>
+            <a:endParaRPr lang="zh-CN" altLang="en-US" sz="1400" dirty="0"/>
+          </a:p>
+        </p:txBody>
+      </p:sp>
+      <p:sp>
+        <p:nvSpPr>
+          <p:cNvPr id="213" name="文本框 212">
+            <a:extLst>
+              <a:ext uri="{FF2B5EF4-FFF2-40B4-BE49-F238E27FC236}">
+                <a16:creationId xmlns:a16="http://schemas.microsoft.com/office/drawing/2014/main" id="{0133EB6E-68D4-4F70-8322-3FEED62DF272}"/>
+              </a:ext>
+            </a:extLst>
+          </p:cNvPr>
+          <p:cNvSpPr txBox="1"/>
+          <p:nvPr/>
+        </p:nvSpPr>
+        <p:spPr>
+          <a:xfrm>
+            <a:off x="3709868" y="2363121"/>
+            <a:ext cx="279244" cy="307777"/>
+          </a:xfrm>
+          <a:prstGeom prst="rect">
+            <a:avLst/>
+          </a:prstGeom>
+          <a:noFill/>
+        </p:spPr>
+        <p:txBody>
+          <a:bodyPr wrap="none" rtlCol="0">
+            <a:spAutoFit/>
+          </a:bodyPr>
+          <a:lstStyle/>
+          <a:p>
+            <a:r>
+              <a:rPr lang="en-US" altLang="zh-CN" sz="1400" dirty="0"/>
+              <a:t>4</a:t>
+            </a:r>
+            <a:endParaRPr lang="zh-CN" altLang="en-US" sz="1400" dirty="0"/>
+          </a:p>
+        </p:txBody>
+      </p:sp>
+      <p:sp>
+        <p:nvSpPr>
+          <p:cNvPr id="214" name="文本框 213">
+            <a:extLst>
+              <a:ext uri="{FF2B5EF4-FFF2-40B4-BE49-F238E27FC236}">
+                <a16:creationId xmlns:a16="http://schemas.microsoft.com/office/drawing/2014/main" id="{F5991827-6F5E-4ACC-A0A6-D0FDD547281A}"/>
+              </a:ext>
+            </a:extLst>
+          </p:cNvPr>
+          <p:cNvSpPr txBox="1"/>
+          <p:nvPr/>
+        </p:nvSpPr>
+        <p:spPr>
+          <a:xfrm>
+            <a:off x="3894973" y="2931043"/>
+            <a:ext cx="279244" cy="307777"/>
+          </a:xfrm>
+          <a:prstGeom prst="rect">
+            <a:avLst/>
+          </a:prstGeom>
+          <a:noFill/>
+        </p:spPr>
+        <p:txBody>
+          <a:bodyPr wrap="none" rtlCol="0">
+            <a:spAutoFit/>
+          </a:bodyPr>
+          <a:lstStyle/>
+          <a:p>
+            <a:r>
+              <a:rPr lang="en-US" altLang="zh-CN" sz="1400" dirty="0"/>
+              <a:t>5</a:t>
+            </a:r>
+            <a:endParaRPr lang="zh-CN" altLang="en-US" sz="1400" dirty="0"/>
+          </a:p>
+        </p:txBody>
+      </p:sp>
+      <p:sp>
+        <p:nvSpPr>
+          <p:cNvPr id="215" name="文本框 214">
+            <a:extLst>
+              <a:ext uri="{FF2B5EF4-FFF2-40B4-BE49-F238E27FC236}">
+                <a16:creationId xmlns:a16="http://schemas.microsoft.com/office/drawing/2014/main" id="{4991FE23-7EBA-4829-89CE-E75252F3D186}"/>
+              </a:ext>
+            </a:extLst>
+          </p:cNvPr>
+          <p:cNvSpPr txBox="1"/>
+          <p:nvPr/>
+        </p:nvSpPr>
+        <p:spPr>
+          <a:xfrm>
+            <a:off x="4397062" y="2645489"/>
             <a:ext cx="279244" cy="307777"/>
           </a:xfrm>
           <a:prstGeom prst="rect">
@@ -17052,19 +17515,19 @@
       </p:sp>
       <p:sp>
         <p:nvSpPr>
-          <p:cNvPr id="197" name="文本框 196">
-            <a:extLst>
-              <a:ext uri="{FF2B5EF4-FFF2-40B4-BE49-F238E27FC236}">
-                <a16:creationId xmlns:a16="http://schemas.microsoft.com/office/drawing/2014/main" id="{906C357F-3F80-45AE-9F56-5D132BCDF933}"/>
-              </a:ext>
-            </a:extLst>
-          </p:cNvPr>
-          <p:cNvSpPr txBox="1"/>
-          <p:nvPr/>
-        </p:nvSpPr>
-        <p:spPr>
-          <a:xfrm>
-            <a:off x="7733065" y="1241914"/>
+          <p:cNvPr id="216" name="文本框 215">
+            <a:extLst>
+              <a:ext uri="{FF2B5EF4-FFF2-40B4-BE49-F238E27FC236}">
+                <a16:creationId xmlns:a16="http://schemas.microsoft.com/office/drawing/2014/main" id="{17617C31-03E7-4829-92E2-4034468544B0}"/>
+              </a:ext>
+            </a:extLst>
+          </p:cNvPr>
+          <p:cNvSpPr txBox="1"/>
+          <p:nvPr/>
+        </p:nvSpPr>
+        <p:spPr>
+          <a:xfrm>
+            <a:off x="4633053" y="2365925"/>
             <a:ext cx="279244" cy="307777"/>
           </a:xfrm>
           <a:prstGeom prst="rect">
@@ -17088,19 +17551,19 @@
       </p:sp>
       <p:sp>
         <p:nvSpPr>
-          <p:cNvPr id="199" name="文本框 198">
-            <a:extLst>
-              <a:ext uri="{FF2B5EF4-FFF2-40B4-BE49-F238E27FC236}">
-                <a16:creationId xmlns:a16="http://schemas.microsoft.com/office/drawing/2014/main" id="{6F4C6C5D-FDDE-48E7-AA37-9BAAB9EE55A4}"/>
-              </a:ext>
-            </a:extLst>
-          </p:cNvPr>
-          <p:cNvSpPr txBox="1"/>
-          <p:nvPr/>
-        </p:nvSpPr>
-        <p:spPr>
-          <a:xfrm>
-            <a:off x="7856160" y="1747230"/>
+          <p:cNvPr id="217" name="文本框 216">
+            <a:extLst>
+              <a:ext uri="{FF2B5EF4-FFF2-40B4-BE49-F238E27FC236}">
+                <a16:creationId xmlns:a16="http://schemas.microsoft.com/office/drawing/2014/main" id="{6F4FFB17-6B3A-4B79-87CB-2DFCE7058CC3}"/>
+              </a:ext>
+            </a:extLst>
+          </p:cNvPr>
+          <p:cNvSpPr txBox="1"/>
+          <p:nvPr/>
+        </p:nvSpPr>
+        <p:spPr>
+          <a:xfrm>
+            <a:off x="4854404" y="2628220"/>
             <a:ext cx="279244" cy="307777"/>
           </a:xfrm>
           <a:prstGeom prst="rect">
@@ -17124,19 +17587,19 @@
       </p:sp>
       <p:sp>
         <p:nvSpPr>
-          <p:cNvPr id="200" name="文本框 199">
-            <a:extLst>
-              <a:ext uri="{FF2B5EF4-FFF2-40B4-BE49-F238E27FC236}">
-                <a16:creationId xmlns:a16="http://schemas.microsoft.com/office/drawing/2014/main" id="{F8D831D5-AFC9-46C3-AC81-E50D0DDF76C8}"/>
-              </a:ext>
-            </a:extLst>
-          </p:cNvPr>
-          <p:cNvSpPr txBox="1"/>
-          <p:nvPr/>
-        </p:nvSpPr>
-        <p:spPr>
-          <a:xfrm>
-            <a:off x="8507333" y="1550078"/>
+          <p:cNvPr id="218" name="文本框 217">
+            <a:extLst>
+              <a:ext uri="{FF2B5EF4-FFF2-40B4-BE49-F238E27FC236}">
+                <a16:creationId xmlns:a16="http://schemas.microsoft.com/office/drawing/2014/main" id="{B0553EBA-B828-45CF-B26D-0CF260EBBAA2}"/>
+              </a:ext>
+            </a:extLst>
+          </p:cNvPr>
+          <p:cNvSpPr txBox="1"/>
+          <p:nvPr/>
+        </p:nvSpPr>
+        <p:spPr>
+          <a:xfrm>
+            <a:off x="5640997" y="2411174"/>
             <a:ext cx="279244" cy="307777"/>
           </a:xfrm>
           <a:prstGeom prst="rect">
@@ -17160,19 +17623,19 @@
       </p:sp>
       <p:sp>
         <p:nvSpPr>
-          <p:cNvPr id="201" name="文本框 200">
-            <a:extLst>
-              <a:ext uri="{FF2B5EF4-FFF2-40B4-BE49-F238E27FC236}">
-                <a16:creationId xmlns:a16="http://schemas.microsoft.com/office/drawing/2014/main" id="{642B7A9D-9572-49C4-B423-63B19DAF1540}"/>
-              </a:ext>
-            </a:extLst>
-          </p:cNvPr>
-          <p:cNvSpPr txBox="1"/>
-          <p:nvPr/>
-        </p:nvSpPr>
-        <p:spPr>
-          <a:xfrm>
-            <a:off x="8809611" y="1593452"/>
+          <p:cNvPr id="219" name="文本框 218">
+            <a:extLst>
+              <a:ext uri="{FF2B5EF4-FFF2-40B4-BE49-F238E27FC236}">
+                <a16:creationId xmlns:a16="http://schemas.microsoft.com/office/drawing/2014/main" id="{CB4F79AF-0F5D-4985-820E-3B3047493450}"/>
+              </a:ext>
+            </a:extLst>
+          </p:cNvPr>
+          <p:cNvSpPr txBox="1"/>
+          <p:nvPr/>
+        </p:nvSpPr>
+        <p:spPr>
+          <a:xfrm>
+            <a:off x="5441270" y="2894972"/>
             <a:ext cx="279244" cy="307777"/>
           </a:xfrm>
           <a:prstGeom prst="rect">
@@ -17196,19 +17659,55 @@
       </p:sp>
       <p:sp>
         <p:nvSpPr>
-          <p:cNvPr id="202" name="文本框 201">
-            <a:extLst>
-              <a:ext uri="{FF2B5EF4-FFF2-40B4-BE49-F238E27FC236}">
-                <a16:creationId xmlns:a16="http://schemas.microsoft.com/office/drawing/2014/main" id="{62D097EB-5C36-4BAE-B097-563E7907618F}"/>
-              </a:ext>
-            </a:extLst>
-          </p:cNvPr>
-          <p:cNvSpPr txBox="1"/>
-          <p:nvPr/>
-        </p:nvSpPr>
-        <p:spPr>
-          <a:xfrm>
-            <a:off x="1196525" y="2643549"/>
+          <p:cNvPr id="220" name="文本框 219">
+            <a:extLst>
+              <a:ext uri="{FF2B5EF4-FFF2-40B4-BE49-F238E27FC236}">
+                <a16:creationId xmlns:a16="http://schemas.microsoft.com/office/drawing/2014/main" id="{091179AB-D062-422B-B728-A5038D5B7453}"/>
+              </a:ext>
+            </a:extLst>
+          </p:cNvPr>
+          <p:cNvSpPr txBox="1"/>
+          <p:nvPr/>
+        </p:nvSpPr>
+        <p:spPr>
+          <a:xfrm>
+            <a:off x="5867151" y="2713148"/>
+            <a:ext cx="279244" cy="307777"/>
+          </a:xfrm>
+          <a:prstGeom prst="rect">
+            <a:avLst/>
+          </a:prstGeom>
+          <a:noFill/>
+        </p:spPr>
+        <p:txBody>
+          <a:bodyPr wrap="square" rtlCol="0">
+            <a:spAutoFit/>
+          </a:bodyPr>
+          <a:lstStyle/>
+          <a:p>
+            <a:r>
+              <a:rPr lang="en-US" altLang="zh-CN" sz="1400" dirty="0"/>
+              <a:t>3</a:t>
+            </a:r>
+            <a:endParaRPr lang="zh-CN" altLang="en-US" sz="1400" dirty="0"/>
+          </a:p>
+        </p:txBody>
+      </p:sp>
+      <p:sp>
+        <p:nvSpPr>
+          <p:cNvPr id="222" name="文本框 221">
+            <a:extLst>
+              <a:ext uri="{FF2B5EF4-FFF2-40B4-BE49-F238E27FC236}">
+                <a16:creationId xmlns:a16="http://schemas.microsoft.com/office/drawing/2014/main" id="{3C732F26-03A9-413C-9032-73622FB88B88}"/>
+              </a:ext>
+            </a:extLst>
+          </p:cNvPr>
+          <p:cNvSpPr txBox="1"/>
+          <p:nvPr/>
+        </p:nvSpPr>
+        <p:spPr>
+          <a:xfrm>
+            <a:off x="6259975" y="2716525"/>
             <a:ext cx="279244" cy="307777"/>
           </a:xfrm>
           <a:prstGeom prst="rect">
@@ -17232,19 +17731,19 @@
       </p:sp>
       <p:sp>
         <p:nvSpPr>
-          <p:cNvPr id="203" name="文本框 202">
-            <a:extLst>
-              <a:ext uri="{FF2B5EF4-FFF2-40B4-BE49-F238E27FC236}">
-                <a16:creationId xmlns:a16="http://schemas.microsoft.com/office/drawing/2014/main" id="{BA80A457-D651-4786-9E8D-B6E182F6C6DF}"/>
-              </a:ext>
-            </a:extLst>
-          </p:cNvPr>
-          <p:cNvSpPr txBox="1"/>
-          <p:nvPr/>
-        </p:nvSpPr>
-        <p:spPr>
-          <a:xfrm>
-            <a:off x="1409089" y="2636836"/>
+          <p:cNvPr id="223" name="文本框 222">
+            <a:extLst>
+              <a:ext uri="{FF2B5EF4-FFF2-40B4-BE49-F238E27FC236}">
+                <a16:creationId xmlns:a16="http://schemas.microsoft.com/office/drawing/2014/main" id="{AF1256F6-0192-4034-A331-FDB89DABC8D3}"/>
+              </a:ext>
+            </a:extLst>
+          </p:cNvPr>
+          <p:cNvSpPr txBox="1"/>
+          <p:nvPr/>
+        </p:nvSpPr>
+        <p:spPr>
+          <a:xfrm>
+            <a:off x="6424900" y="2402184"/>
             <a:ext cx="279244" cy="307777"/>
           </a:xfrm>
           <a:prstGeom prst="rect">
@@ -17268,19 +17767,19 @@
       </p:sp>
       <p:sp>
         <p:nvSpPr>
-          <p:cNvPr id="204" name="文本框 203">
-            <a:extLst>
-              <a:ext uri="{FF2B5EF4-FFF2-40B4-BE49-F238E27FC236}">
-                <a16:creationId xmlns:a16="http://schemas.microsoft.com/office/drawing/2014/main" id="{A427577D-E411-44FA-8B2F-6EAC493E9078}"/>
-              </a:ext>
-            </a:extLst>
-          </p:cNvPr>
-          <p:cNvSpPr txBox="1"/>
-          <p:nvPr/>
-        </p:nvSpPr>
-        <p:spPr>
-          <a:xfrm>
-            <a:off x="1909879" y="2592500"/>
+          <p:cNvPr id="224" name="文本框 223">
+            <a:extLst>
+              <a:ext uri="{FF2B5EF4-FFF2-40B4-BE49-F238E27FC236}">
+                <a16:creationId xmlns:a16="http://schemas.microsoft.com/office/drawing/2014/main" id="{52254840-4EDE-45E1-B0A4-092093F0AE76}"/>
+              </a:ext>
+            </a:extLst>
+          </p:cNvPr>
+          <p:cNvSpPr txBox="1"/>
+          <p:nvPr/>
+        </p:nvSpPr>
+        <p:spPr>
+          <a:xfrm>
+            <a:off x="6712645" y="2415281"/>
             <a:ext cx="279244" cy="307777"/>
           </a:xfrm>
           <a:prstGeom prst="rect">
@@ -17304,19 +17803,19 @@
       </p:sp>
       <p:sp>
         <p:nvSpPr>
-          <p:cNvPr id="205" name="文本框 204">
-            <a:extLst>
-              <a:ext uri="{FF2B5EF4-FFF2-40B4-BE49-F238E27FC236}">
-                <a16:creationId xmlns:a16="http://schemas.microsoft.com/office/drawing/2014/main" id="{28FF89D3-868D-4673-A0CE-173B76700454}"/>
-              </a:ext>
-            </a:extLst>
-          </p:cNvPr>
-          <p:cNvSpPr txBox="1"/>
-          <p:nvPr/>
-        </p:nvSpPr>
-        <p:spPr>
-          <a:xfrm>
-            <a:off x="1947565" y="3080601"/>
+          <p:cNvPr id="225" name="文本框 224">
+            <a:extLst>
+              <a:ext uri="{FF2B5EF4-FFF2-40B4-BE49-F238E27FC236}">
+                <a16:creationId xmlns:a16="http://schemas.microsoft.com/office/drawing/2014/main" id="{E0A82336-ADA2-4479-BC66-9E5886B6FB56}"/>
+              </a:ext>
+            </a:extLst>
+          </p:cNvPr>
+          <p:cNvSpPr txBox="1"/>
+          <p:nvPr/>
+        </p:nvSpPr>
+        <p:spPr>
+          <a:xfrm>
+            <a:off x="6918168" y="2894118"/>
             <a:ext cx="279244" cy="307777"/>
           </a:xfrm>
           <a:prstGeom prst="rect">
@@ -17340,19 +17839,19 @@
       </p:sp>
       <p:sp>
         <p:nvSpPr>
-          <p:cNvPr id="207" name="文本框 206">
-            <a:extLst>
-              <a:ext uri="{FF2B5EF4-FFF2-40B4-BE49-F238E27FC236}">
-                <a16:creationId xmlns:a16="http://schemas.microsoft.com/office/drawing/2014/main" id="{886C83BA-C8AD-4B4C-A170-F5679315B6BF}"/>
-              </a:ext>
-            </a:extLst>
-          </p:cNvPr>
-          <p:cNvSpPr txBox="1"/>
-          <p:nvPr/>
-        </p:nvSpPr>
-        <p:spPr>
-          <a:xfrm>
-            <a:off x="2634441" y="2638799"/>
+          <p:cNvPr id="227" name="文本框 226">
+            <a:extLst>
+              <a:ext uri="{FF2B5EF4-FFF2-40B4-BE49-F238E27FC236}">
+                <a16:creationId xmlns:a16="http://schemas.microsoft.com/office/drawing/2014/main" id="{93E76F20-C6C6-41C5-BD5E-5AB3198E8A72}"/>
+              </a:ext>
+            </a:extLst>
+          </p:cNvPr>
+          <p:cNvSpPr txBox="1"/>
+          <p:nvPr/>
+        </p:nvSpPr>
+        <p:spPr>
+          <a:xfrm>
+            <a:off x="7706532" y="2364200"/>
             <a:ext cx="279244" cy="307777"/>
           </a:xfrm>
           <a:prstGeom prst="rect">
@@ -17376,19 +17875,127 @@
       </p:sp>
       <p:sp>
         <p:nvSpPr>
-          <p:cNvPr id="208" name="文本框 207">
-            <a:extLst>
-              <a:ext uri="{FF2B5EF4-FFF2-40B4-BE49-F238E27FC236}">
-                <a16:creationId xmlns:a16="http://schemas.microsoft.com/office/drawing/2014/main" id="{CF704738-E799-4508-8E97-44CC10923EF0}"/>
-              </a:ext>
-            </a:extLst>
-          </p:cNvPr>
-          <p:cNvSpPr txBox="1"/>
-          <p:nvPr/>
-        </p:nvSpPr>
-        <p:spPr>
-          <a:xfrm>
-            <a:off x="3278474" y="2662778"/>
+          <p:cNvPr id="228" name="文本框 227">
+            <a:extLst>
+              <a:ext uri="{FF2B5EF4-FFF2-40B4-BE49-F238E27FC236}">
+                <a16:creationId xmlns:a16="http://schemas.microsoft.com/office/drawing/2014/main" id="{21409155-829C-474F-9A61-F957D59D11A4}"/>
+              </a:ext>
+            </a:extLst>
+          </p:cNvPr>
+          <p:cNvSpPr txBox="1"/>
+          <p:nvPr/>
+        </p:nvSpPr>
+        <p:spPr>
+          <a:xfrm>
+            <a:off x="7316238" y="2571224"/>
+            <a:ext cx="279244" cy="307777"/>
+          </a:xfrm>
+          <a:prstGeom prst="rect">
+            <a:avLst/>
+          </a:prstGeom>
+          <a:noFill/>
+        </p:spPr>
+        <p:txBody>
+          <a:bodyPr wrap="none" rtlCol="0">
+            <a:spAutoFit/>
+          </a:bodyPr>
+          <a:lstStyle/>
+          <a:p>
+            <a:r>
+              <a:rPr lang="en-US" altLang="zh-CN" sz="1400" dirty="0"/>
+              <a:t>2</a:t>
+            </a:r>
+            <a:endParaRPr lang="zh-CN" altLang="en-US" sz="1400" dirty="0"/>
+          </a:p>
+        </p:txBody>
+      </p:sp>
+      <p:sp>
+        <p:nvSpPr>
+          <p:cNvPr id="229" name="文本框 228">
+            <a:extLst>
+              <a:ext uri="{FF2B5EF4-FFF2-40B4-BE49-F238E27FC236}">
+                <a16:creationId xmlns:a16="http://schemas.microsoft.com/office/drawing/2014/main" id="{38CF38DD-36B4-4915-8826-9C1C88911DF2}"/>
+              </a:ext>
+            </a:extLst>
+          </p:cNvPr>
+          <p:cNvSpPr txBox="1"/>
+          <p:nvPr/>
+        </p:nvSpPr>
+        <p:spPr>
+          <a:xfrm>
+            <a:off x="7664848" y="2816666"/>
+            <a:ext cx="279244" cy="307777"/>
+          </a:xfrm>
+          <a:prstGeom prst="rect">
+            <a:avLst/>
+          </a:prstGeom>
+          <a:noFill/>
+        </p:spPr>
+        <p:txBody>
+          <a:bodyPr wrap="none" rtlCol="0">
+            <a:spAutoFit/>
+          </a:bodyPr>
+          <a:lstStyle/>
+          <a:p>
+            <a:r>
+              <a:rPr lang="en-US" altLang="zh-CN" sz="1400" dirty="0"/>
+              <a:t>3</a:t>
+            </a:r>
+            <a:endParaRPr lang="zh-CN" altLang="en-US" sz="1400" dirty="0"/>
+          </a:p>
+        </p:txBody>
+      </p:sp>
+      <p:sp>
+        <p:nvSpPr>
+          <p:cNvPr id="230" name="文本框 229">
+            <a:extLst>
+              <a:ext uri="{FF2B5EF4-FFF2-40B4-BE49-F238E27FC236}">
+                <a16:creationId xmlns:a16="http://schemas.microsoft.com/office/drawing/2014/main" id="{F6B20842-716A-4CA3-AC2E-E2440A384135}"/>
+              </a:ext>
+            </a:extLst>
+          </p:cNvPr>
+          <p:cNvSpPr txBox="1"/>
+          <p:nvPr/>
+        </p:nvSpPr>
+        <p:spPr>
+          <a:xfrm>
+            <a:off x="8083276" y="2777154"/>
+            <a:ext cx="279244" cy="307777"/>
+          </a:xfrm>
+          <a:prstGeom prst="rect">
+            <a:avLst/>
+          </a:prstGeom>
+          <a:noFill/>
+        </p:spPr>
+        <p:txBody>
+          <a:bodyPr wrap="none" rtlCol="0">
+            <a:spAutoFit/>
+          </a:bodyPr>
+          <a:lstStyle/>
+          <a:p>
+            <a:r>
+              <a:rPr lang="en-US" altLang="zh-CN" sz="1400" dirty="0"/>
+              <a:t>4</a:t>
+            </a:r>
+            <a:endParaRPr lang="zh-CN" altLang="en-US" sz="1400" dirty="0"/>
+          </a:p>
+        </p:txBody>
+      </p:sp>
+      <p:sp>
+        <p:nvSpPr>
+          <p:cNvPr id="231" name="文本框 230">
+            <a:extLst>
+              <a:ext uri="{FF2B5EF4-FFF2-40B4-BE49-F238E27FC236}">
+                <a16:creationId xmlns:a16="http://schemas.microsoft.com/office/drawing/2014/main" id="{1123EB37-0E3F-47DF-9C7D-92F66FC2DFA8}"/>
+              </a:ext>
+            </a:extLst>
+          </p:cNvPr>
+          <p:cNvSpPr txBox="1"/>
+          <p:nvPr/>
+        </p:nvSpPr>
+        <p:spPr>
+          <a:xfrm>
+            <a:off x="8389778" y="2597617"/>
             <a:ext cx="279244" cy="307777"/>
           </a:xfrm>
           <a:prstGeom prst="rect">
@@ -17412,19 +18019,19 @@
       </p:sp>
       <p:sp>
         <p:nvSpPr>
-          <p:cNvPr id="211" name="文本框 210">
-            <a:extLst>
-              <a:ext uri="{FF2B5EF4-FFF2-40B4-BE49-F238E27FC236}">
-                <a16:creationId xmlns:a16="http://schemas.microsoft.com/office/drawing/2014/main" id="{CF105B14-366A-478B-9FB1-05C4B6BF5172}"/>
-              </a:ext>
-            </a:extLst>
-          </p:cNvPr>
-          <p:cNvSpPr txBox="1"/>
-          <p:nvPr/>
-        </p:nvSpPr>
-        <p:spPr>
-          <a:xfrm>
-            <a:off x="3488945" y="2367326"/>
+          <p:cNvPr id="232" name="文本框 231">
+            <a:extLst>
+              <a:ext uri="{FF2B5EF4-FFF2-40B4-BE49-F238E27FC236}">
+                <a16:creationId xmlns:a16="http://schemas.microsoft.com/office/drawing/2014/main" id="{9DFFE362-64A3-488E-A857-23D0B24B0F73}"/>
+              </a:ext>
+            </a:extLst>
+          </p:cNvPr>
+          <p:cNvSpPr txBox="1"/>
+          <p:nvPr/>
+        </p:nvSpPr>
+        <p:spPr>
+          <a:xfrm>
+            <a:off x="8626900" y="2717798"/>
             <a:ext cx="279244" cy="307777"/>
           </a:xfrm>
           <a:prstGeom prst="rect">
@@ -17448,19 +18055,19 @@
       </p:sp>
       <p:sp>
         <p:nvSpPr>
-          <p:cNvPr id="212" name="文本框 211">
-            <a:extLst>
-              <a:ext uri="{FF2B5EF4-FFF2-40B4-BE49-F238E27FC236}">
-                <a16:creationId xmlns:a16="http://schemas.microsoft.com/office/drawing/2014/main" id="{0DBF63B0-72F7-4C50-ACEA-2F95BD5F036E}"/>
-              </a:ext>
-            </a:extLst>
-          </p:cNvPr>
-          <p:cNvSpPr txBox="1"/>
-          <p:nvPr/>
-        </p:nvSpPr>
-        <p:spPr>
-          <a:xfrm>
-            <a:off x="3601896" y="3006288"/>
+          <p:cNvPr id="233" name="文本框 232">
+            <a:extLst>
+              <a:ext uri="{FF2B5EF4-FFF2-40B4-BE49-F238E27FC236}">
+                <a16:creationId xmlns:a16="http://schemas.microsoft.com/office/drawing/2014/main" id="{FB784B7D-217C-4DB9-AE79-C6E4731194CA}"/>
+              </a:ext>
+            </a:extLst>
+          </p:cNvPr>
+          <p:cNvSpPr txBox="1"/>
+          <p:nvPr/>
+        </p:nvSpPr>
+        <p:spPr>
+          <a:xfrm>
+            <a:off x="8903303" y="2408748"/>
             <a:ext cx="279244" cy="307777"/>
           </a:xfrm>
           <a:prstGeom prst="rect">
@@ -17484,19 +18091,523 @@
       </p:sp>
       <p:sp>
         <p:nvSpPr>
-          <p:cNvPr id="213" name="文本框 212">
-            <a:extLst>
-              <a:ext uri="{FF2B5EF4-FFF2-40B4-BE49-F238E27FC236}">
-                <a16:creationId xmlns:a16="http://schemas.microsoft.com/office/drawing/2014/main" id="{0133EB6E-68D4-4F70-8322-3FEED62DF272}"/>
-              </a:ext>
-            </a:extLst>
-          </p:cNvPr>
-          <p:cNvSpPr txBox="1"/>
-          <p:nvPr/>
-        </p:nvSpPr>
-        <p:spPr>
-          <a:xfrm>
-            <a:off x="3709868" y="2363121"/>
+          <p:cNvPr id="234" name="文本框 233">
+            <a:extLst>
+              <a:ext uri="{FF2B5EF4-FFF2-40B4-BE49-F238E27FC236}">
+                <a16:creationId xmlns:a16="http://schemas.microsoft.com/office/drawing/2014/main" id="{A9A390D6-5667-4962-90B1-11F7D2D3697C}"/>
+              </a:ext>
+            </a:extLst>
+          </p:cNvPr>
+          <p:cNvSpPr txBox="1"/>
+          <p:nvPr/>
+        </p:nvSpPr>
+        <p:spPr>
+          <a:xfrm>
+            <a:off x="394596" y="3535728"/>
+            <a:ext cx="279244" cy="307777"/>
+          </a:xfrm>
+          <a:prstGeom prst="rect">
+            <a:avLst/>
+          </a:prstGeom>
+          <a:noFill/>
+        </p:spPr>
+        <p:txBody>
+          <a:bodyPr wrap="none" rtlCol="0">
+            <a:spAutoFit/>
+          </a:bodyPr>
+          <a:lstStyle/>
+          <a:p>
+            <a:r>
+              <a:rPr lang="en-US" altLang="zh-CN" sz="1400" dirty="0"/>
+              <a:t>1</a:t>
+            </a:r>
+            <a:endParaRPr lang="zh-CN" altLang="en-US" sz="1400" dirty="0"/>
+          </a:p>
+        </p:txBody>
+      </p:sp>
+      <p:sp>
+        <p:nvSpPr>
+          <p:cNvPr id="235" name="文本框 234">
+            <a:extLst>
+              <a:ext uri="{FF2B5EF4-FFF2-40B4-BE49-F238E27FC236}">
+                <a16:creationId xmlns:a16="http://schemas.microsoft.com/office/drawing/2014/main" id="{55031F94-B1AC-4B8F-B11F-C3E3A1477DCE}"/>
+              </a:ext>
+            </a:extLst>
+          </p:cNvPr>
+          <p:cNvSpPr txBox="1"/>
+          <p:nvPr/>
+        </p:nvSpPr>
+        <p:spPr>
+          <a:xfrm>
+            <a:off x="709031" y="3857122"/>
+            <a:ext cx="279244" cy="307777"/>
+          </a:xfrm>
+          <a:prstGeom prst="rect">
+            <a:avLst/>
+          </a:prstGeom>
+          <a:noFill/>
+        </p:spPr>
+        <p:txBody>
+          <a:bodyPr wrap="none" rtlCol="0">
+            <a:spAutoFit/>
+          </a:bodyPr>
+          <a:lstStyle/>
+          <a:p>
+            <a:r>
+              <a:rPr lang="en-US" altLang="zh-CN" sz="1400" dirty="0"/>
+              <a:t>2</a:t>
+            </a:r>
+            <a:endParaRPr lang="zh-CN" altLang="en-US" sz="1400" dirty="0"/>
+          </a:p>
+        </p:txBody>
+      </p:sp>
+      <p:sp>
+        <p:nvSpPr>
+          <p:cNvPr id="236" name="文本框 235">
+            <a:extLst>
+              <a:ext uri="{FF2B5EF4-FFF2-40B4-BE49-F238E27FC236}">
+                <a16:creationId xmlns:a16="http://schemas.microsoft.com/office/drawing/2014/main" id="{B8BF7C53-9B73-4FA9-BCFC-78155C852157}"/>
+              </a:ext>
+            </a:extLst>
+          </p:cNvPr>
+          <p:cNvSpPr txBox="1"/>
+          <p:nvPr/>
+        </p:nvSpPr>
+        <p:spPr>
+          <a:xfrm>
+            <a:off x="523439" y="4090386"/>
+            <a:ext cx="279244" cy="307777"/>
+          </a:xfrm>
+          <a:prstGeom prst="rect">
+            <a:avLst/>
+          </a:prstGeom>
+          <a:noFill/>
+        </p:spPr>
+        <p:txBody>
+          <a:bodyPr wrap="none" rtlCol="0">
+            <a:spAutoFit/>
+          </a:bodyPr>
+          <a:lstStyle/>
+          <a:p>
+            <a:r>
+              <a:rPr lang="en-US" altLang="zh-CN" sz="1400" dirty="0"/>
+              <a:t>3</a:t>
+            </a:r>
+            <a:endParaRPr lang="zh-CN" altLang="en-US" sz="1400" dirty="0"/>
+          </a:p>
+        </p:txBody>
+      </p:sp>
+      <p:sp>
+        <p:nvSpPr>
+          <p:cNvPr id="237" name="文本框 236">
+            <a:extLst>
+              <a:ext uri="{FF2B5EF4-FFF2-40B4-BE49-F238E27FC236}">
+                <a16:creationId xmlns:a16="http://schemas.microsoft.com/office/drawing/2014/main" id="{570FE245-050E-47A9-B1B7-635D7EE5AD7A}"/>
+              </a:ext>
+            </a:extLst>
+          </p:cNvPr>
+          <p:cNvSpPr txBox="1"/>
+          <p:nvPr/>
+        </p:nvSpPr>
+        <p:spPr>
+          <a:xfrm>
+            <a:off x="1348079" y="3659599"/>
+            <a:ext cx="279244" cy="307777"/>
+          </a:xfrm>
+          <a:prstGeom prst="rect">
+            <a:avLst/>
+          </a:prstGeom>
+          <a:noFill/>
+        </p:spPr>
+        <p:txBody>
+          <a:bodyPr wrap="none" rtlCol="0">
+            <a:spAutoFit/>
+          </a:bodyPr>
+          <a:lstStyle/>
+          <a:p>
+            <a:r>
+              <a:rPr lang="en-US" altLang="zh-CN" sz="1400" dirty="0"/>
+              <a:t>1</a:t>
+            </a:r>
+            <a:endParaRPr lang="zh-CN" altLang="en-US" sz="1400" dirty="0"/>
+          </a:p>
+        </p:txBody>
+      </p:sp>
+      <p:sp>
+        <p:nvSpPr>
+          <p:cNvPr id="238" name="文本框 237">
+            <a:extLst>
+              <a:ext uri="{FF2B5EF4-FFF2-40B4-BE49-F238E27FC236}">
+                <a16:creationId xmlns:a16="http://schemas.microsoft.com/office/drawing/2014/main" id="{C07B5F99-0044-4AA3-A4EF-31024857B7E7}"/>
+              </a:ext>
+            </a:extLst>
+          </p:cNvPr>
+          <p:cNvSpPr txBox="1"/>
+          <p:nvPr/>
+        </p:nvSpPr>
+        <p:spPr>
+          <a:xfrm>
+            <a:off x="1173266" y="3404125"/>
+            <a:ext cx="279244" cy="307777"/>
+          </a:xfrm>
+          <a:prstGeom prst="rect">
+            <a:avLst/>
+          </a:prstGeom>
+          <a:noFill/>
+        </p:spPr>
+        <p:txBody>
+          <a:bodyPr wrap="none" rtlCol="0">
+            <a:spAutoFit/>
+          </a:bodyPr>
+          <a:lstStyle/>
+          <a:p>
+            <a:r>
+              <a:rPr lang="en-US" altLang="zh-CN" sz="1400" dirty="0"/>
+              <a:t>2</a:t>
+            </a:r>
+            <a:endParaRPr lang="zh-CN" altLang="en-US" sz="1400" dirty="0"/>
+          </a:p>
+        </p:txBody>
+      </p:sp>
+      <p:sp>
+        <p:nvSpPr>
+          <p:cNvPr id="239" name="文本框 238">
+            <a:extLst>
+              <a:ext uri="{FF2B5EF4-FFF2-40B4-BE49-F238E27FC236}">
+                <a16:creationId xmlns:a16="http://schemas.microsoft.com/office/drawing/2014/main" id="{F93DD15F-EED7-4A52-AF16-4AE96226DE49}"/>
+              </a:ext>
+            </a:extLst>
+          </p:cNvPr>
+          <p:cNvSpPr txBox="1"/>
+          <p:nvPr/>
+        </p:nvSpPr>
+        <p:spPr>
+          <a:xfrm>
+            <a:off x="1244089" y="3930411"/>
+            <a:ext cx="182601" cy="307777"/>
+          </a:xfrm>
+          <a:prstGeom prst="rect">
+            <a:avLst/>
+          </a:prstGeom>
+          <a:noFill/>
+        </p:spPr>
+        <p:txBody>
+          <a:bodyPr wrap="square" rtlCol="0">
+            <a:spAutoFit/>
+          </a:bodyPr>
+          <a:lstStyle/>
+          <a:p>
+            <a:r>
+              <a:rPr lang="en-US" altLang="zh-CN" sz="1400" dirty="0"/>
+              <a:t>3</a:t>
+            </a:r>
+            <a:endParaRPr lang="zh-CN" altLang="en-US" sz="1400" dirty="0"/>
+          </a:p>
+        </p:txBody>
+      </p:sp>
+      <p:sp>
+        <p:nvSpPr>
+          <p:cNvPr id="240" name="文本框 239">
+            <a:extLst>
+              <a:ext uri="{FF2B5EF4-FFF2-40B4-BE49-F238E27FC236}">
+                <a16:creationId xmlns:a16="http://schemas.microsoft.com/office/drawing/2014/main" id="{D7D48ECB-6E59-4E7A-A93A-A2AC9792AF03}"/>
+              </a:ext>
+            </a:extLst>
+          </p:cNvPr>
+          <p:cNvSpPr txBox="1"/>
+          <p:nvPr/>
+        </p:nvSpPr>
+        <p:spPr>
+          <a:xfrm>
+            <a:off x="2271990" y="3845329"/>
+            <a:ext cx="279244" cy="307777"/>
+          </a:xfrm>
+          <a:prstGeom prst="rect">
+            <a:avLst/>
+          </a:prstGeom>
+          <a:noFill/>
+        </p:spPr>
+        <p:txBody>
+          <a:bodyPr wrap="none" rtlCol="0">
+            <a:spAutoFit/>
+          </a:bodyPr>
+          <a:lstStyle/>
+          <a:p>
+            <a:r>
+              <a:rPr lang="en-US" altLang="zh-CN" sz="1400" dirty="0"/>
+              <a:t>1</a:t>
+            </a:r>
+            <a:endParaRPr lang="zh-CN" altLang="en-US" sz="1400" dirty="0"/>
+          </a:p>
+        </p:txBody>
+      </p:sp>
+      <p:sp>
+        <p:nvSpPr>
+          <p:cNvPr id="241" name="文本框 240">
+            <a:extLst>
+              <a:ext uri="{FF2B5EF4-FFF2-40B4-BE49-F238E27FC236}">
+                <a16:creationId xmlns:a16="http://schemas.microsoft.com/office/drawing/2014/main" id="{91317E3E-98D2-4538-82CE-8EF27A92CD78}"/>
+              </a:ext>
+            </a:extLst>
+          </p:cNvPr>
+          <p:cNvSpPr txBox="1"/>
+          <p:nvPr/>
+        </p:nvSpPr>
+        <p:spPr>
+          <a:xfrm>
+            <a:off x="2376253" y="4216025"/>
+            <a:ext cx="279244" cy="307777"/>
+          </a:xfrm>
+          <a:prstGeom prst="rect">
+            <a:avLst/>
+          </a:prstGeom>
+          <a:noFill/>
+        </p:spPr>
+        <p:txBody>
+          <a:bodyPr wrap="none" rtlCol="0">
+            <a:spAutoFit/>
+          </a:bodyPr>
+          <a:lstStyle/>
+          <a:p>
+            <a:r>
+              <a:rPr lang="en-US" altLang="zh-CN" sz="1400" dirty="0"/>
+              <a:t>2</a:t>
+            </a:r>
+            <a:endParaRPr lang="zh-CN" altLang="en-US" sz="1400" dirty="0"/>
+          </a:p>
+        </p:txBody>
+      </p:sp>
+      <p:sp>
+        <p:nvSpPr>
+          <p:cNvPr id="242" name="文本框 241">
+            <a:extLst>
+              <a:ext uri="{FF2B5EF4-FFF2-40B4-BE49-F238E27FC236}">
+                <a16:creationId xmlns:a16="http://schemas.microsoft.com/office/drawing/2014/main" id="{414CA9F6-9CDB-4E8E-96E5-A2DAFF1768DA}"/>
+              </a:ext>
+            </a:extLst>
+          </p:cNvPr>
+          <p:cNvSpPr txBox="1"/>
+          <p:nvPr/>
+        </p:nvSpPr>
+        <p:spPr>
+          <a:xfrm>
+            <a:off x="2955360" y="3764277"/>
+            <a:ext cx="279244" cy="307777"/>
+          </a:xfrm>
+          <a:prstGeom prst="rect">
+            <a:avLst/>
+          </a:prstGeom>
+          <a:noFill/>
+        </p:spPr>
+        <p:txBody>
+          <a:bodyPr wrap="none" rtlCol="0">
+            <a:spAutoFit/>
+          </a:bodyPr>
+          <a:lstStyle/>
+          <a:p>
+            <a:r>
+              <a:rPr lang="en-US" altLang="zh-CN" sz="1400" dirty="0"/>
+              <a:t>3</a:t>
+            </a:r>
+            <a:endParaRPr lang="zh-CN" altLang="en-US" sz="1400" dirty="0"/>
+          </a:p>
+        </p:txBody>
+      </p:sp>
+      <p:sp>
+        <p:nvSpPr>
+          <p:cNvPr id="244" name="文本框 243">
+            <a:extLst>
+              <a:ext uri="{FF2B5EF4-FFF2-40B4-BE49-F238E27FC236}">
+                <a16:creationId xmlns:a16="http://schemas.microsoft.com/office/drawing/2014/main" id="{900C08A7-3A14-49C6-BF0D-5A6E98AD6369}"/>
+              </a:ext>
+            </a:extLst>
+          </p:cNvPr>
+          <p:cNvSpPr txBox="1"/>
+          <p:nvPr/>
+        </p:nvSpPr>
+        <p:spPr>
+          <a:xfrm>
+            <a:off x="3318385" y="3815140"/>
+            <a:ext cx="279244" cy="307777"/>
+          </a:xfrm>
+          <a:prstGeom prst="rect">
+            <a:avLst/>
+          </a:prstGeom>
+          <a:noFill/>
+        </p:spPr>
+        <p:txBody>
+          <a:bodyPr wrap="none" rtlCol="0">
+            <a:spAutoFit/>
+          </a:bodyPr>
+          <a:lstStyle/>
+          <a:p>
+            <a:r>
+              <a:rPr lang="en-US" altLang="zh-CN" sz="1400" dirty="0"/>
+              <a:t>1</a:t>
+            </a:r>
+            <a:endParaRPr lang="zh-CN" altLang="en-US" sz="1400" dirty="0"/>
+          </a:p>
+        </p:txBody>
+      </p:sp>
+      <p:sp>
+        <p:nvSpPr>
+          <p:cNvPr id="245" name="文本框 244">
+            <a:extLst>
+              <a:ext uri="{FF2B5EF4-FFF2-40B4-BE49-F238E27FC236}">
+                <a16:creationId xmlns:a16="http://schemas.microsoft.com/office/drawing/2014/main" id="{65B78DEE-A7A6-4379-8C41-59C94B622160}"/>
+              </a:ext>
+            </a:extLst>
+          </p:cNvPr>
+          <p:cNvSpPr txBox="1"/>
+          <p:nvPr/>
+        </p:nvSpPr>
+        <p:spPr>
+          <a:xfrm>
+            <a:off x="3853204" y="3876232"/>
+            <a:ext cx="279244" cy="307777"/>
+          </a:xfrm>
+          <a:prstGeom prst="rect">
+            <a:avLst/>
+          </a:prstGeom>
+          <a:noFill/>
+        </p:spPr>
+        <p:txBody>
+          <a:bodyPr wrap="none" rtlCol="0">
+            <a:spAutoFit/>
+          </a:bodyPr>
+          <a:lstStyle/>
+          <a:p>
+            <a:r>
+              <a:rPr lang="en-US" altLang="zh-CN" sz="1400" dirty="0"/>
+              <a:t>2</a:t>
+            </a:r>
+            <a:endParaRPr lang="zh-CN" altLang="en-US" sz="1400" dirty="0"/>
+          </a:p>
+        </p:txBody>
+      </p:sp>
+      <p:sp>
+        <p:nvSpPr>
+          <p:cNvPr id="247" name="文本框 246">
+            <a:extLst>
+              <a:ext uri="{FF2B5EF4-FFF2-40B4-BE49-F238E27FC236}">
+                <a16:creationId xmlns:a16="http://schemas.microsoft.com/office/drawing/2014/main" id="{7D8BDFAB-F680-47F0-8132-95E7243B2C6B}"/>
+              </a:ext>
+            </a:extLst>
+          </p:cNvPr>
+          <p:cNvSpPr txBox="1"/>
+          <p:nvPr/>
+        </p:nvSpPr>
+        <p:spPr>
+          <a:xfrm>
+            <a:off x="4302124" y="3837934"/>
+            <a:ext cx="279244" cy="307777"/>
+          </a:xfrm>
+          <a:prstGeom prst="rect">
+            <a:avLst/>
+          </a:prstGeom>
+          <a:noFill/>
+        </p:spPr>
+        <p:txBody>
+          <a:bodyPr wrap="none" rtlCol="0">
+            <a:spAutoFit/>
+          </a:bodyPr>
+          <a:lstStyle/>
+          <a:p>
+            <a:r>
+              <a:rPr lang="en-US" altLang="zh-CN" sz="1400" dirty="0"/>
+              <a:t>1</a:t>
+            </a:r>
+            <a:endParaRPr lang="zh-CN" altLang="en-US" sz="1400" dirty="0"/>
+          </a:p>
+        </p:txBody>
+      </p:sp>
+      <p:sp>
+        <p:nvSpPr>
+          <p:cNvPr id="248" name="文本框 247">
+            <a:extLst>
+              <a:ext uri="{FF2B5EF4-FFF2-40B4-BE49-F238E27FC236}">
+                <a16:creationId xmlns:a16="http://schemas.microsoft.com/office/drawing/2014/main" id="{722AA675-E934-4437-9264-7FAA2F43AA0F}"/>
+              </a:ext>
+            </a:extLst>
+          </p:cNvPr>
+          <p:cNvSpPr txBox="1"/>
+          <p:nvPr/>
+        </p:nvSpPr>
+        <p:spPr>
+          <a:xfrm>
+            <a:off x="4517197" y="3566665"/>
+            <a:ext cx="279244" cy="307777"/>
+          </a:xfrm>
+          <a:prstGeom prst="rect">
+            <a:avLst/>
+          </a:prstGeom>
+          <a:noFill/>
+        </p:spPr>
+        <p:txBody>
+          <a:bodyPr wrap="none" rtlCol="0">
+            <a:spAutoFit/>
+          </a:bodyPr>
+          <a:lstStyle/>
+          <a:p>
+            <a:r>
+              <a:rPr lang="en-US" altLang="zh-CN" sz="1400" dirty="0"/>
+              <a:t>2</a:t>
+            </a:r>
+            <a:endParaRPr lang="zh-CN" altLang="en-US" sz="1400" dirty="0"/>
+          </a:p>
+        </p:txBody>
+      </p:sp>
+      <p:sp>
+        <p:nvSpPr>
+          <p:cNvPr id="249" name="文本框 248">
+            <a:extLst>
+              <a:ext uri="{FF2B5EF4-FFF2-40B4-BE49-F238E27FC236}">
+                <a16:creationId xmlns:a16="http://schemas.microsoft.com/office/drawing/2014/main" id="{8A580B6A-BF0C-4377-9F78-2DE163F08414}"/>
+              </a:ext>
+            </a:extLst>
+          </p:cNvPr>
+          <p:cNvSpPr txBox="1"/>
+          <p:nvPr/>
+        </p:nvSpPr>
+        <p:spPr>
+          <a:xfrm>
+            <a:off x="4677874" y="4145145"/>
+            <a:ext cx="279244" cy="307777"/>
+          </a:xfrm>
+          <a:prstGeom prst="rect">
+            <a:avLst/>
+          </a:prstGeom>
+          <a:noFill/>
+        </p:spPr>
+        <p:txBody>
+          <a:bodyPr wrap="none" rtlCol="0">
+            <a:spAutoFit/>
+          </a:bodyPr>
+          <a:lstStyle/>
+          <a:p>
+            <a:r>
+              <a:rPr lang="en-US" altLang="zh-CN" sz="1400" dirty="0"/>
+              <a:t>3</a:t>
+            </a:r>
+            <a:endParaRPr lang="zh-CN" altLang="en-US" sz="1400" dirty="0"/>
+          </a:p>
+        </p:txBody>
+      </p:sp>
+      <p:sp>
+        <p:nvSpPr>
+          <p:cNvPr id="250" name="文本框 249">
+            <a:extLst>
+              <a:ext uri="{FF2B5EF4-FFF2-40B4-BE49-F238E27FC236}">
+                <a16:creationId xmlns:a16="http://schemas.microsoft.com/office/drawing/2014/main" id="{17401341-4833-4720-B55D-420BEBBCAC9B}"/>
+              </a:ext>
+            </a:extLst>
+          </p:cNvPr>
+          <p:cNvSpPr txBox="1"/>
+          <p:nvPr/>
+        </p:nvSpPr>
+        <p:spPr>
+          <a:xfrm>
+            <a:off x="4899605" y="3845329"/>
             <a:ext cx="279244" cy="307777"/>
           </a:xfrm>
           <a:prstGeom prst="rect">
@@ -17520,1194 +18631,6 @@
       </p:sp>
       <p:sp>
         <p:nvSpPr>
-          <p:cNvPr id="214" name="文本框 213">
-            <a:extLst>
-              <a:ext uri="{FF2B5EF4-FFF2-40B4-BE49-F238E27FC236}">
-                <a16:creationId xmlns:a16="http://schemas.microsoft.com/office/drawing/2014/main" id="{F5991827-6F5E-4ACC-A0A6-D0FDD547281A}"/>
-              </a:ext>
-            </a:extLst>
-          </p:cNvPr>
-          <p:cNvSpPr txBox="1"/>
-          <p:nvPr/>
-        </p:nvSpPr>
-        <p:spPr>
-          <a:xfrm>
-            <a:off x="3894973" y="2931043"/>
-            <a:ext cx="279244" cy="307777"/>
-          </a:xfrm>
-          <a:prstGeom prst="rect">
-            <a:avLst/>
-          </a:prstGeom>
-          <a:noFill/>
-        </p:spPr>
-        <p:txBody>
-          <a:bodyPr wrap="none" rtlCol="0">
-            <a:spAutoFit/>
-          </a:bodyPr>
-          <a:lstStyle/>
-          <a:p>
-            <a:r>
-              <a:rPr lang="en-US" altLang="zh-CN" sz="1400" dirty="0"/>
-              <a:t>5</a:t>
-            </a:r>
-            <a:endParaRPr lang="zh-CN" altLang="en-US" sz="1400" dirty="0"/>
-          </a:p>
-        </p:txBody>
-      </p:sp>
-      <p:sp>
-        <p:nvSpPr>
-          <p:cNvPr id="215" name="文本框 214">
-            <a:extLst>
-              <a:ext uri="{FF2B5EF4-FFF2-40B4-BE49-F238E27FC236}">
-                <a16:creationId xmlns:a16="http://schemas.microsoft.com/office/drawing/2014/main" id="{4991FE23-7EBA-4829-89CE-E75252F3D186}"/>
-              </a:ext>
-            </a:extLst>
-          </p:cNvPr>
-          <p:cNvSpPr txBox="1"/>
-          <p:nvPr/>
-        </p:nvSpPr>
-        <p:spPr>
-          <a:xfrm>
-            <a:off x="4397062" y="2645489"/>
-            <a:ext cx="279244" cy="307777"/>
-          </a:xfrm>
-          <a:prstGeom prst="rect">
-            <a:avLst/>
-          </a:prstGeom>
-          <a:noFill/>
-        </p:spPr>
-        <p:txBody>
-          <a:bodyPr wrap="none" rtlCol="0">
-            <a:spAutoFit/>
-          </a:bodyPr>
-          <a:lstStyle/>
-          <a:p>
-            <a:r>
-              <a:rPr lang="en-US" altLang="zh-CN" sz="1400" dirty="0"/>
-              <a:t>1</a:t>
-            </a:r>
-            <a:endParaRPr lang="zh-CN" altLang="en-US" sz="1400" dirty="0"/>
-          </a:p>
-        </p:txBody>
-      </p:sp>
-      <p:sp>
-        <p:nvSpPr>
-          <p:cNvPr id="216" name="文本框 215">
-            <a:extLst>
-              <a:ext uri="{FF2B5EF4-FFF2-40B4-BE49-F238E27FC236}">
-                <a16:creationId xmlns:a16="http://schemas.microsoft.com/office/drawing/2014/main" id="{17617C31-03E7-4829-92E2-4034468544B0}"/>
-              </a:ext>
-            </a:extLst>
-          </p:cNvPr>
-          <p:cNvSpPr txBox="1"/>
-          <p:nvPr/>
-        </p:nvSpPr>
-        <p:spPr>
-          <a:xfrm>
-            <a:off x="4633053" y="2365925"/>
-            <a:ext cx="279244" cy="307777"/>
-          </a:xfrm>
-          <a:prstGeom prst="rect">
-            <a:avLst/>
-          </a:prstGeom>
-          <a:noFill/>
-        </p:spPr>
-        <p:txBody>
-          <a:bodyPr wrap="none" rtlCol="0">
-            <a:spAutoFit/>
-          </a:bodyPr>
-          <a:lstStyle/>
-          <a:p>
-            <a:r>
-              <a:rPr lang="en-US" altLang="zh-CN" sz="1400" dirty="0"/>
-              <a:t>2</a:t>
-            </a:r>
-            <a:endParaRPr lang="zh-CN" altLang="en-US" sz="1400" dirty="0"/>
-          </a:p>
-        </p:txBody>
-      </p:sp>
-      <p:sp>
-        <p:nvSpPr>
-          <p:cNvPr id="217" name="文本框 216">
-            <a:extLst>
-              <a:ext uri="{FF2B5EF4-FFF2-40B4-BE49-F238E27FC236}">
-                <a16:creationId xmlns:a16="http://schemas.microsoft.com/office/drawing/2014/main" id="{6F4FFB17-6B3A-4B79-87CB-2DFCE7058CC3}"/>
-              </a:ext>
-            </a:extLst>
-          </p:cNvPr>
-          <p:cNvSpPr txBox="1"/>
-          <p:nvPr/>
-        </p:nvSpPr>
-        <p:spPr>
-          <a:xfrm>
-            <a:off x="4854404" y="2628220"/>
-            <a:ext cx="279244" cy="307777"/>
-          </a:xfrm>
-          <a:prstGeom prst="rect">
-            <a:avLst/>
-          </a:prstGeom>
-          <a:noFill/>
-        </p:spPr>
-        <p:txBody>
-          <a:bodyPr wrap="none" rtlCol="0">
-            <a:spAutoFit/>
-          </a:bodyPr>
-          <a:lstStyle/>
-          <a:p>
-            <a:r>
-              <a:rPr lang="en-US" altLang="zh-CN" sz="1400" dirty="0"/>
-              <a:t>3</a:t>
-            </a:r>
-            <a:endParaRPr lang="zh-CN" altLang="en-US" sz="1400" dirty="0"/>
-          </a:p>
-        </p:txBody>
-      </p:sp>
-      <p:sp>
-        <p:nvSpPr>
-          <p:cNvPr id="218" name="文本框 217">
-            <a:extLst>
-              <a:ext uri="{FF2B5EF4-FFF2-40B4-BE49-F238E27FC236}">
-                <a16:creationId xmlns:a16="http://schemas.microsoft.com/office/drawing/2014/main" id="{B0553EBA-B828-45CF-B26D-0CF260EBBAA2}"/>
-              </a:ext>
-            </a:extLst>
-          </p:cNvPr>
-          <p:cNvSpPr txBox="1"/>
-          <p:nvPr/>
-        </p:nvSpPr>
-        <p:spPr>
-          <a:xfrm>
-            <a:off x="5640997" y="2411174"/>
-            <a:ext cx="279244" cy="307777"/>
-          </a:xfrm>
-          <a:prstGeom prst="rect">
-            <a:avLst/>
-          </a:prstGeom>
-          <a:noFill/>
-        </p:spPr>
-        <p:txBody>
-          <a:bodyPr wrap="none" rtlCol="0">
-            <a:spAutoFit/>
-          </a:bodyPr>
-          <a:lstStyle/>
-          <a:p>
-            <a:r>
-              <a:rPr lang="en-US" altLang="zh-CN" sz="1400" dirty="0"/>
-              <a:t>1</a:t>
-            </a:r>
-            <a:endParaRPr lang="zh-CN" altLang="en-US" sz="1400" dirty="0"/>
-          </a:p>
-        </p:txBody>
-      </p:sp>
-      <p:sp>
-        <p:nvSpPr>
-          <p:cNvPr id="219" name="文本框 218">
-            <a:extLst>
-              <a:ext uri="{FF2B5EF4-FFF2-40B4-BE49-F238E27FC236}">
-                <a16:creationId xmlns:a16="http://schemas.microsoft.com/office/drawing/2014/main" id="{CB4F79AF-0F5D-4985-820E-3B3047493450}"/>
-              </a:ext>
-            </a:extLst>
-          </p:cNvPr>
-          <p:cNvSpPr txBox="1"/>
-          <p:nvPr/>
-        </p:nvSpPr>
-        <p:spPr>
-          <a:xfrm>
-            <a:off x="5441270" y="2894972"/>
-            <a:ext cx="279244" cy="307777"/>
-          </a:xfrm>
-          <a:prstGeom prst="rect">
-            <a:avLst/>
-          </a:prstGeom>
-          <a:noFill/>
-        </p:spPr>
-        <p:txBody>
-          <a:bodyPr wrap="none" rtlCol="0">
-            <a:spAutoFit/>
-          </a:bodyPr>
-          <a:lstStyle/>
-          <a:p>
-            <a:r>
-              <a:rPr lang="en-US" altLang="zh-CN" sz="1400" dirty="0"/>
-              <a:t>2</a:t>
-            </a:r>
-            <a:endParaRPr lang="zh-CN" altLang="en-US" sz="1400" dirty="0"/>
-          </a:p>
-        </p:txBody>
-      </p:sp>
-      <p:sp>
-        <p:nvSpPr>
-          <p:cNvPr id="220" name="文本框 219">
-            <a:extLst>
-              <a:ext uri="{FF2B5EF4-FFF2-40B4-BE49-F238E27FC236}">
-                <a16:creationId xmlns:a16="http://schemas.microsoft.com/office/drawing/2014/main" id="{091179AB-D062-422B-B728-A5038D5B7453}"/>
-              </a:ext>
-            </a:extLst>
-          </p:cNvPr>
-          <p:cNvSpPr txBox="1"/>
-          <p:nvPr/>
-        </p:nvSpPr>
-        <p:spPr>
-          <a:xfrm>
-            <a:off x="5867151" y="2713148"/>
-            <a:ext cx="279244" cy="307777"/>
-          </a:xfrm>
-          <a:prstGeom prst="rect">
-            <a:avLst/>
-          </a:prstGeom>
-          <a:noFill/>
-        </p:spPr>
-        <p:txBody>
-          <a:bodyPr wrap="square" rtlCol="0">
-            <a:spAutoFit/>
-          </a:bodyPr>
-          <a:lstStyle/>
-          <a:p>
-            <a:r>
-              <a:rPr lang="en-US" altLang="zh-CN" sz="1400" dirty="0"/>
-              <a:t>3</a:t>
-            </a:r>
-            <a:endParaRPr lang="zh-CN" altLang="en-US" sz="1400" dirty="0"/>
-          </a:p>
-        </p:txBody>
-      </p:sp>
-      <p:sp>
-        <p:nvSpPr>
-          <p:cNvPr id="222" name="文本框 221">
-            <a:extLst>
-              <a:ext uri="{FF2B5EF4-FFF2-40B4-BE49-F238E27FC236}">
-                <a16:creationId xmlns:a16="http://schemas.microsoft.com/office/drawing/2014/main" id="{3C732F26-03A9-413C-9032-73622FB88B88}"/>
-              </a:ext>
-            </a:extLst>
-          </p:cNvPr>
-          <p:cNvSpPr txBox="1"/>
-          <p:nvPr/>
-        </p:nvSpPr>
-        <p:spPr>
-          <a:xfrm>
-            <a:off x="6259975" y="2716525"/>
-            <a:ext cx="279244" cy="307777"/>
-          </a:xfrm>
-          <a:prstGeom prst="rect">
-            <a:avLst/>
-          </a:prstGeom>
-          <a:noFill/>
-        </p:spPr>
-        <p:txBody>
-          <a:bodyPr wrap="none" rtlCol="0">
-            <a:spAutoFit/>
-          </a:bodyPr>
-          <a:lstStyle/>
-          <a:p>
-            <a:r>
-              <a:rPr lang="en-US" altLang="zh-CN" sz="1400" dirty="0"/>
-              <a:t>1</a:t>
-            </a:r>
-            <a:endParaRPr lang="zh-CN" altLang="en-US" sz="1400" dirty="0"/>
-          </a:p>
-        </p:txBody>
-      </p:sp>
-      <p:sp>
-        <p:nvSpPr>
-          <p:cNvPr id="223" name="文本框 222">
-            <a:extLst>
-              <a:ext uri="{FF2B5EF4-FFF2-40B4-BE49-F238E27FC236}">
-                <a16:creationId xmlns:a16="http://schemas.microsoft.com/office/drawing/2014/main" id="{AF1256F6-0192-4034-A331-FDB89DABC8D3}"/>
-              </a:ext>
-            </a:extLst>
-          </p:cNvPr>
-          <p:cNvSpPr txBox="1"/>
-          <p:nvPr/>
-        </p:nvSpPr>
-        <p:spPr>
-          <a:xfrm>
-            <a:off x="6424900" y="2402184"/>
-            <a:ext cx="279244" cy="307777"/>
-          </a:xfrm>
-          <a:prstGeom prst="rect">
-            <a:avLst/>
-          </a:prstGeom>
-          <a:noFill/>
-        </p:spPr>
-        <p:txBody>
-          <a:bodyPr wrap="none" rtlCol="0">
-            <a:spAutoFit/>
-          </a:bodyPr>
-          <a:lstStyle/>
-          <a:p>
-            <a:r>
-              <a:rPr lang="en-US" altLang="zh-CN" sz="1400" dirty="0"/>
-              <a:t>2</a:t>
-            </a:r>
-            <a:endParaRPr lang="zh-CN" altLang="en-US" sz="1400" dirty="0"/>
-          </a:p>
-        </p:txBody>
-      </p:sp>
-      <p:sp>
-        <p:nvSpPr>
-          <p:cNvPr id="224" name="文本框 223">
-            <a:extLst>
-              <a:ext uri="{FF2B5EF4-FFF2-40B4-BE49-F238E27FC236}">
-                <a16:creationId xmlns:a16="http://schemas.microsoft.com/office/drawing/2014/main" id="{52254840-4EDE-45E1-B0A4-092093F0AE76}"/>
-              </a:ext>
-            </a:extLst>
-          </p:cNvPr>
-          <p:cNvSpPr txBox="1"/>
-          <p:nvPr/>
-        </p:nvSpPr>
-        <p:spPr>
-          <a:xfrm>
-            <a:off x="6712645" y="2415281"/>
-            <a:ext cx="279244" cy="307777"/>
-          </a:xfrm>
-          <a:prstGeom prst="rect">
-            <a:avLst/>
-          </a:prstGeom>
-          <a:noFill/>
-        </p:spPr>
-        <p:txBody>
-          <a:bodyPr wrap="none" rtlCol="0">
-            <a:spAutoFit/>
-          </a:bodyPr>
-          <a:lstStyle/>
-          <a:p>
-            <a:r>
-              <a:rPr lang="en-US" altLang="zh-CN" sz="1400" dirty="0"/>
-              <a:t>3</a:t>
-            </a:r>
-            <a:endParaRPr lang="zh-CN" altLang="en-US" sz="1400" dirty="0"/>
-          </a:p>
-        </p:txBody>
-      </p:sp>
-      <p:sp>
-        <p:nvSpPr>
-          <p:cNvPr id="225" name="文本框 224">
-            <a:extLst>
-              <a:ext uri="{FF2B5EF4-FFF2-40B4-BE49-F238E27FC236}">
-                <a16:creationId xmlns:a16="http://schemas.microsoft.com/office/drawing/2014/main" id="{E0A82336-ADA2-4479-BC66-9E5886B6FB56}"/>
-              </a:ext>
-            </a:extLst>
-          </p:cNvPr>
-          <p:cNvSpPr txBox="1"/>
-          <p:nvPr/>
-        </p:nvSpPr>
-        <p:spPr>
-          <a:xfrm>
-            <a:off x="6918168" y="2894118"/>
-            <a:ext cx="279244" cy="307777"/>
-          </a:xfrm>
-          <a:prstGeom prst="rect">
-            <a:avLst/>
-          </a:prstGeom>
-          <a:noFill/>
-        </p:spPr>
-        <p:txBody>
-          <a:bodyPr wrap="none" rtlCol="0">
-            <a:spAutoFit/>
-          </a:bodyPr>
-          <a:lstStyle/>
-          <a:p>
-            <a:r>
-              <a:rPr lang="en-US" altLang="zh-CN" sz="1400" dirty="0"/>
-              <a:t>4</a:t>
-            </a:r>
-            <a:endParaRPr lang="zh-CN" altLang="en-US" sz="1400" dirty="0"/>
-          </a:p>
-        </p:txBody>
-      </p:sp>
-      <p:sp>
-        <p:nvSpPr>
-          <p:cNvPr id="227" name="文本框 226">
-            <a:extLst>
-              <a:ext uri="{FF2B5EF4-FFF2-40B4-BE49-F238E27FC236}">
-                <a16:creationId xmlns:a16="http://schemas.microsoft.com/office/drawing/2014/main" id="{93E76F20-C6C6-41C5-BD5E-5AB3198E8A72}"/>
-              </a:ext>
-            </a:extLst>
-          </p:cNvPr>
-          <p:cNvSpPr txBox="1"/>
-          <p:nvPr/>
-        </p:nvSpPr>
-        <p:spPr>
-          <a:xfrm>
-            <a:off x="7706532" y="2364200"/>
-            <a:ext cx="279244" cy="307777"/>
-          </a:xfrm>
-          <a:prstGeom prst="rect">
-            <a:avLst/>
-          </a:prstGeom>
-          <a:noFill/>
-        </p:spPr>
-        <p:txBody>
-          <a:bodyPr wrap="none" rtlCol="0">
-            <a:spAutoFit/>
-          </a:bodyPr>
-          <a:lstStyle/>
-          <a:p>
-            <a:r>
-              <a:rPr lang="en-US" altLang="zh-CN" sz="1400" dirty="0"/>
-              <a:t>1</a:t>
-            </a:r>
-            <a:endParaRPr lang="zh-CN" altLang="en-US" sz="1400" dirty="0"/>
-          </a:p>
-        </p:txBody>
-      </p:sp>
-      <p:sp>
-        <p:nvSpPr>
-          <p:cNvPr id="228" name="文本框 227">
-            <a:extLst>
-              <a:ext uri="{FF2B5EF4-FFF2-40B4-BE49-F238E27FC236}">
-                <a16:creationId xmlns:a16="http://schemas.microsoft.com/office/drawing/2014/main" id="{21409155-829C-474F-9A61-F957D59D11A4}"/>
-              </a:ext>
-            </a:extLst>
-          </p:cNvPr>
-          <p:cNvSpPr txBox="1"/>
-          <p:nvPr/>
-        </p:nvSpPr>
-        <p:spPr>
-          <a:xfrm>
-            <a:off x="7316238" y="2571224"/>
-            <a:ext cx="279244" cy="307777"/>
-          </a:xfrm>
-          <a:prstGeom prst="rect">
-            <a:avLst/>
-          </a:prstGeom>
-          <a:noFill/>
-        </p:spPr>
-        <p:txBody>
-          <a:bodyPr wrap="none" rtlCol="0">
-            <a:spAutoFit/>
-          </a:bodyPr>
-          <a:lstStyle/>
-          <a:p>
-            <a:r>
-              <a:rPr lang="en-US" altLang="zh-CN" sz="1400" dirty="0"/>
-              <a:t>2</a:t>
-            </a:r>
-            <a:endParaRPr lang="zh-CN" altLang="en-US" sz="1400" dirty="0"/>
-          </a:p>
-        </p:txBody>
-      </p:sp>
-      <p:sp>
-        <p:nvSpPr>
-          <p:cNvPr id="229" name="文本框 228">
-            <a:extLst>
-              <a:ext uri="{FF2B5EF4-FFF2-40B4-BE49-F238E27FC236}">
-                <a16:creationId xmlns:a16="http://schemas.microsoft.com/office/drawing/2014/main" id="{38CF38DD-36B4-4915-8826-9C1C88911DF2}"/>
-              </a:ext>
-            </a:extLst>
-          </p:cNvPr>
-          <p:cNvSpPr txBox="1"/>
-          <p:nvPr/>
-        </p:nvSpPr>
-        <p:spPr>
-          <a:xfrm>
-            <a:off x="7664848" y="2816666"/>
-            <a:ext cx="279244" cy="307777"/>
-          </a:xfrm>
-          <a:prstGeom prst="rect">
-            <a:avLst/>
-          </a:prstGeom>
-          <a:noFill/>
-        </p:spPr>
-        <p:txBody>
-          <a:bodyPr wrap="none" rtlCol="0">
-            <a:spAutoFit/>
-          </a:bodyPr>
-          <a:lstStyle/>
-          <a:p>
-            <a:r>
-              <a:rPr lang="en-US" altLang="zh-CN" sz="1400" dirty="0"/>
-              <a:t>3</a:t>
-            </a:r>
-            <a:endParaRPr lang="zh-CN" altLang="en-US" sz="1400" dirty="0"/>
-          </a:p>
-        </p:txBody>
-      </p:sp>
-      <p:sp>
-        <p:nvSpPr>
-          <p:cNvPr id="230" name="文本框 229">
-            <a:extLst>
-              <a:ext uri="{FF2B5EF4-FFF2-40B4-BE49-F238E27FC236}">
-                <a16:creationId xmlns:a16="http://schemas.microsoft.com/office/drawing/2014/main" id="{F6B20842-716A-4CA3-AC2E-E2440A384135}"/>
-              </a:ext>
-            </a:extLst>
-          </p:cNvPr>
-          <p:cNvSpPr txBox="1"/>
-          <p:nvPr/>
-        </p:nvSpPr>
-        <p:spPr>
-          <a:xfrm>
-            <a:off x="8083276" y="2777154"/>
-            <a:ext cx="279244" cy="307777"/>
-          </a:xfrm>
-          <a:prstGeom prst="rect">
-            <a:avLst/>
-          </a:prstGeom>
-          <a:noFill/>
-        </p:spPr>
-        <p:txBody>
-          <a:bodyPr wrap="none" rtlCol="0">
-            <a:spAutoFit/>
-          </a:bodyPr>
-          <a:lstStyle/>
-          <a:p>
-            <a:r>
-              <a:rPr lang="en-US" altLang="zh-CN" sz="1400" dirty="0"/>
-              <a:t>4</a:t>
-            </a:r>
-            <a:endParaRPr lang="zh-CN" altLang="en-US" sz="1400" dirty="0"/>
-          </a:p>
-        </p:txBody>
-      </p:sp>
-      <p:sp>
-        <p:nvSpPr>
-          <p:cNvPr id="231" name="文本框 230">
-            <a:extLst>
-              <a:ext uri="{FF2B5EF4-FFF2-40B4-BE49-F238E27FC236}">
-                <a16:creationId xmlns:a16="http://schemas.microsoft.com/office/drawing/2014/main" id="{1123EB37-0E3F-47DF-9C7D-92F66FC2DFA8}"/>
-              </a:ext>
-            </a:extLst>
-          </p:cNvPr>
-          <p:cNvSpPr txBox="1"/>
-          <p:nvPr/>
-        </p:nvSpPr>
-        <p:spPr>
-          <a:xfrm>
-            <a:off x="8389778" y="2597617"/>
-            <a:ext cx="279244" cy="307777"/>
-          </a:xfrm>
-          <a:prstGeom prst="rect">
-            <a:avLst/>
-          </a:prstGeom>
-          <a:noFill/>
-        </p:spPr>
-        <p:txBody>
-          <a:bodyPr wrap="none" rtlCol="0">
-            <a:spAutoFit/>
-          </a:bodyPr>
-          <a:lstStyle/>
-          <a:p>
-            <a:r>
-              <a:rPr lang="en-US" altLang="zh-CN" sz="1400" dirty="0"/>
-              <a:t>1</a:t>
-            </a:r>
-            <a:endParaRPr lang="zh-CN" altLang="en-US" sz="1400" dirty="0"/>
-          </a:p>
-        </p:txBody>
-      </p:sp>
-      <p:sp>
-        <p:nvSpPr>
-          <p:cNvPr id="232" name="文本框 231">
-            <a:extLst>
-              <a:ext uri="{FF2B5EF4-FFF2-40B4-BE49-F238E27FC236}">
-                <a16:creationId xmlns:a16="http://schemas.microsoft.com/office/drawing/2014/main" id="{9DFFE362-64A3-488E-A857-23D0B24B0F73}"/>
-              </a:ext>
-            </a:extLst>
-          </p:cNvPr>
-          <p:cNvSpPr txBox="1"/>
-          <p:nvPr/>
-        </p:nvSpPr>
-        <p:spPr>
-          <a:xfrm>
-            <a:off x="8626900" y="2717798"/>
-            <a:ext cx="279244" cy="307777"/>
-          </a:xfrm>
-          <a:prstGeom prst="rect">
-            <a:avLst/>
-          </a:prstGeom>
-          <a:noFill/>
-        </p:spPr>
-        <p:txBody>
-          <a:bodyPr wrap="none" rtlCol="0">
-            <a:spAutoFit/>
-          </a:bodyPr>
-          <a:lstStyle/>
-          <a:p>
-            <a:r>
-              <a:rPr lang="en-US" altLang="zh-CN" sz="1400" dirty="0"/>
-              <a:t>2</a:t>
-            </a:r>
-            <a:endParaRPr lang="zh-CN" altLang="en-US" sz="1400" dirty="0"/>
-          </a:p>
-        </p:txBody>
-      </p:sp>
-      <p:sp>
-        <p:nvSpPr>
-          <p:cNvPr id="233" name="文本框 232">
-            <a:extLst>
-              <a:ext uri="{FF2B5EF4-FFF2-40B4-BE49-F238E27FC236}">
-                <a16:creationId xmlns:a16="http://schemas.microsoft.com/office/drawing/2014/main" id="{FB784B7D-217C-4DB9-AE79-C6E4731194CA}"/>
-              </a:ext>
-            </a:extLst>
-          </p:cNvPr>
-          <p:cNvSpPr txBox="1"/>
-          <p:nvPr/>
-        </p:nvSpPr>
-        <p:spPr>
-          <a:xfrm>
-            <a:off x="8843974" y="2474069"/>
-            <a:ext cx="279244" cy="307777"/>
-          </a:xfrm>
-          <a:prstGeom prst="rect">
-            <a:avLst/>
-          </a:prstGeom>
-          <a:noFill/>
-        </p:spPr>
-        <p:txBody>
-          <a:bodyPr wrap="none" rtlCol="0">
-            <a:spAutoFit/>
-          </a:bodyPr>
-          <a:lstStyle/>
-          <a:p>
-            <a:r>
-              <a:rPr lang="en-US" altLang="zh-CN" sz="1400" dirty="0"/>
-              <a:t>3</a:t>
-            </a:r>
-            <a:endParaRPr lang="zh-CN" altLang="en-US" sz="1400" dirty="0"/>
-          </a:p>
-        </p:txBody>
-      </p:sp>
-      <p:sp>
-        <p:nvSpPr>
-          <p:cNvPr id="234" name="文本框 233">
-            <a:extLst>
-              <a:ext uri="{FF2B5EF4-FFF2-40B4-BE49-F238E27FC236}">
-                <a16:creationId xmlns:a16="http://schemas.microsoft.com/office/drawing/2014/main" id="{A9A390D6-5667-4962-90B1-11F7D2D3697C}"/>
-              </a:ext>
-            </a:extLst>
-          </p:cNvPr>
-          <p:cNvSpPr txBox="1"/>
-          <p:nvPr/>
-        </p:nvSpPr>
-        <p:spPr>
-          <a:xfrm>
-            <a:off x="394596" y="3535728"/>
-            <a:ext cx="279244" cy="307777"/>
-          </a:xfrm>
-          <a:prstGeom prst="rect">
-            <a:avLst/>
-          </a:prstGeom>
-          <a:noFill/>
-        </p:spPr>
-        <p:txBody>
-          <a:bodyPr wrap="none" rtlCol="0">
-            <a:spAutoFit/>
-          </a:bodyPr>
-          <a:lstStyle/>
-          <a:p>
-            <a:r>
-              <a:rPr lang="en-US" altLang="zh-CN" sz="1400" dirty="0"/>
-              <a:t>1</a:t>
-            </a:r>
-            <a:endParaRPr lang="zh-CN" altLang="en-US" sz="1400" dirty="0"/>
-          </a:p>
-        </p:txBody>
-      </p:sp>
-      <p:sp>
-        <p:nvSpPr>
-          <p:cNvPr id="235" name="文本框 234">
-            <a:extLst>
-              <a:ext uri="{FF2B5EF4-FFF2-40B4-BE49-F238E27FC236}">
-                <a16:creationId xmlns:a16="http://schemas.microsoft.com/office/drawing/2014/main" id="{55031F94-B1AC-4B8F-B11F-C3E3A1477DCE}"/>
-              </a:ext>
-            </a:extLst>
-          </p:cNvPr>
-          <p:cNvSpPr txBox="1"/>
-          <p:nvPr/>
-        </p:nvSpPr>
-        <p:spPr>
-          <a:xfrm>
-            <a:off x="709031" y="3857122"/>
-            <a:ext cx="279244" cy="307777"/>
-          </a:xfrm>
-          <a:prstGeom prst="rect">
-            <a:avLst/>
-          </a:prstGeom>
-          <a:noFill/>
-        </p:spPr>
-        <p:txBody>
-          <a:bodyPr wrap="none" rtlCol="0">
-            <a:spAutoFit/>
-          </a:bodyPr>
-          <a:lstStyle/>
-          <a:p>
-            <a:r>
-              <a:rPr lang="en-US" altLang="zh-CN" sz="1400" dirty="0"/>
-              <a:t>2</a:t>
-            </a:r>
-            <a:endParaRPr lang="zh-CN" altLang="en-US" sz="1400" dirty="0"/>
-          </a:p>
-        </p:txBody>
-      </p:sp>
-      <p:sp>
-        <p:nvSpPr>
-          <p:cNvPr id="236" name="文本框 235">
-            <a:extLst>
-              <a:ext uri="{FF2B5EF4-FFF2-40B4-BE49-F238E27FC236}">
-                <a16:creationId xmlns:a16="http://schemas.microsoft.com/office/drawing/2014/main" id="{B8BF7C53-9B73-4FA9-BCFC-78155C852157}"/>
-              </a:ext>
-            </a:extLst>
-          </p:cNvPr>
-          <p:cNvSpPr txBox="1"/>
-          <p:nvPr/>
-        </p:nvSpPr>
-        <p:spPr>
-          <a:xfrm>
-            <a:off x="523439" y="4090386"/>
-            <a:ext cx="279244" cy="307777"/>
-          </a:xfrm>
-          <a:prstGeom prst="rect">
-            <a:avLst/>
-          </a:prstGeom>
-          <a:noFill/>
-        </p:spPr>
-        <p:txBody>
-          <a:bodyPr wrap="none" rtlCol="0">
-            <a:spAutoFit/>
-          </a:bodyPr>
-          <a:lstStyle/>
-          <a:p>
-            <a:r>
-              <a:rPr lang="en-US" altLang="zh-CN" sz="1400" dirty="0"/>
-              <a:t>3</a:t>
-            </a:r>
-            <a:endParaRPr lang="zh-CN" altLang="en-US" sz="1400" dirty="0"/>
-          </a:p>
-        </p:txBody>
-      </p:sp>
-      <p:sp>
-        <p:nvSpPr>
-          <p:cNvPr id="237" name="文本框 236">
-            <a:extLst>
-              <a:ext uri="{FF2B5EF4-FFF2-40B4-BE49-F238E27FC236}">
-                <a16:creationId xmlns:a16="http://schemas.microsoft.com/office/drawing/2014/main" id="{570FE245-050E-47A9-B1B7-635D7EE5AD7A}"/>
-              </a:ext>
-            </a:extLst>
-          </p:cNvPr>
-          <p:cNvSpPr txBox="1"/>
-          <p:nvPr/>
-        </p:nvSpPr>
-        <p:spPr>
-          <a:xfrm>
-            <a:off x="1348079" y="3659599"/>
-            <a:ext cx="279244" cy="307777"/>
-          </a:xfrm>
-          <a:prstGeom prst="rect">
-            <a:avLst/>
-          </a:prstGeom>
-          <a:noFill/>
-        </p:spPr>
-        <p:txBody>
-          <a:bodyPr wrap="none" rtlCol="0">
-            <a:spAutoFit/>
-          </a:bodyPr>
-          <a:lstStyle/>
-          <a:p>
-            <a:r>
-              <a:rPr lang="en-US" altLang="zh-CN" sz="1400" dirty="0"/>
-              <a:t>1</a:t>
-            </a:r>
-            <a:endParaRPr lang="zh-CN" altLang="en-US" sz="1400" dirty="0"/>
-          </a:p>
-        </p:txBody>
-      </p:sp>
-      <p:sp>
-        <p:nvSpPr>
-          <p:cNvPr id="238" name="文本框 237">
-            <a:extLst>
-              <a:ext uri="{FF2B5EF4-FFF2-40B4-BE49-F238E27FC236}">
-                <a16:creationId xmlns:a16="http://schemas.microsoft.com/office/drawing/2014/main" id="{C07B5F99-0044-4AA3-A4EF-31024857B7E7}"/>
-              </a:ext>
-            </a:extLst>
-          </p:cNvPr>
-          <p:cNvSpPr txBox="1"/>
-          <p:nvPr/>
-        </p:nvSpPr>
-        <p:spPr>
-          <a:xfrm>
-            <a:off x="1173266" y="3404125"/>
-            <a:ext cx="279244" cy="307777"/>
-          </a:xfrm>
-          <a:prstGeom prst="rect">
-            <a:avLst/>
-          </a:prstGeom>
-          <a:noFill/>
-        </p:spPr>
-        <p:txBody>
-          <a:bodyPr wrap="none" rtlCol="0">
-            <a:spAutoFit/>
-          </a:bodyPr>
-          <a:lstStyle/>
-          <a:p>
-            <a:r>
-              <a:rPr lang="en-US" altLang="zh-CN" sz="1400" dirty="0"/>
-              <a:t>2</a:t>
-            </a:r>
-            <a:endParaRPr lang="zh-CN" altLang="en-US" sz="1400" dirty="0"/>
-          </a:p>
-        </p:txBody>
-      </p:sp>
-      <p:sp>
-        <p:nvSpPr>
-          <p:cNvPr id="239" name="文本框 238">
-            <a:extLst>
-              <a:ext uri="{FF2B5EF4-FFF2-40B4-BE49-F238E27FC236}">
-                <a16:creationId xmlns:a16="http://schemas.microsoft.com/office/drawing/2014/main" id="{F93DD15F-EED7-4A52-AF16-4AE96226DE49}"/>
-              </a:ext>
-            </a:extLst>
-          </p:cNvPr>
-          <p:cNvSpPr txBox="1"/>
-          <p:nvPr/>
-        </p:nvSpPr>
-        <p:spPr>
-          <a:xfrm>
-            <a:off x="1244089" y="3930411"/>
-            <a:ext cx="182601" cy="307777"/>
-          </a:xfrm>
-          <a:prstGeom prst="rect">
-            <a:avLst/>
-          </a:prstGeom>
-          <a:noFill/>
-        </p:spPr>
-        <p:txBody>
-          <a:bodyPr wrap="square" rtlCol="0">
-            <a:spAutoFit/>
-          </a:bodyPr>
-          <a:lstStyle/>
-          <a:p>
-            <a:r>
-              <a:rPr lang="en-US" altLang="zh-CN" sz="1400" dirty="0"/>
-              <a:t>3</a:t>
-            </a:r>
-            <a:endParaRPr lang="zh-CN" altLang="en-US" sz="1400" dirty="0"/>
-          </a:p>
-        </p:txBody>
-      </p:sp>
-      <p:sp>
-        <p:nvSpPr>
-          <p:cNvPr id="240" name="文本框 239">
-            <a:extLst>
-              <a:ext uri="{FF2B5EF4-FFF2-40B4-BE49-F238E27FC236}">
-                <a16:creationId xmlns:a16="http://schemas.microsoft.com/office/drawing/2014/main" id="{D7D48ECB-6E59-4E7A-A93A-A2AC9792AF03}"/>
-              </a:ext>
-            </a:extLst>
-          </p:cNvPr>
-          <p:cNvSpPr txBox="1"/>
-          <p:nvPr/>
-        </p:nvSpPr>
-        <p:spPr>
-          <a:xfrm>
-            <a:off x="2271990" y="3845329"/>
-            <a:ext cx="279244" cy="307777"/>
-          </a:xfrm>
-          <a:prstGeom prst="rect">
-            <a:avLst/>
-          </a:prstGeom>
-          <a:noFill/>
-        </p:spPr>
-        <p:txBody>
-          <a:bodyPr wrap="none" rtlCol="0">
-            <a:spAutoFit/>
-          </a:bodyPr>
-          <a:lstStyle/>
-          <a:p>
-            <a:r>
-              <a:rPr lang="en-US" altLang="zh-CN" sz="1400" dirty="0"/>
-              <a:t>1</a:t>
-            </a:r>
-            <a:endParaRPr lang="zh-CN" altLang="en-US" sz="1400" dirty="0"/>
-          </a:p>
-        </p:txBody>
-      </p:sp>
-      <p:sp>
-        <p:nvSpPr>
-          <p:cNvPr id="241" name="文本框 240">
-            <a:extLst>
-              <a:ext uri="{FF2B5EF4-FFF2-40B4-BE49-F238E27FC236}">
-                <a16:creationId xmlns:a16="http://schemas.microsoft.com/office/drawing/2014/main" id="{91317E3E-98D2-4538-82CE-8EF27A92CD78}"/>
-              </a:ext>
-            </a:extLst>
-          </p:cNvPr>
-          <p:cNvSpPr txBox="1"/>
-          <p:nvPr/>
-        </p:nvSpPr>
-        <p:spPr>
-          <a:xfrm>
-            <a:off x="2376253" y="4216025"/>
-            <a:ext cx="279244" cy="307777"/>
-          </a:xfrm>
-          <a:prstGeom prst="rect">
-            <a:avLst/>
-          </a:prstGeom>
-          <a:noFill/>
-        </p:spPr>
-        <p:txBody>
-          <a:bodyPr wrap="none" rtlCol="0">
-            <a:spAutoFit/>
-          </a:bodyPr>
-          <a:lstStyle/>
-          <a:p>
-            <a:r>
-              <a:rPr lang="en-US" altLang="zh-CN" sz="1400" dirty="0"/>
-              <a:t>2</a:t>
-            </a:r>
-            <a:endParaRPr lang="zh-CN" altLang="en-US" sz="1400" dirty="0"/>
-          </a:p>
-        </p:txBody>
-      </p:sp>
-      <p:sp>
-        <p:nvSpPr>
-          <p:cNvPr id="242" name="文本框 241">
-            <a:extLst>
-              <a:ext uri="{FF2B5EF4-FFF2-40B4-BE49-F238E27FC236}">
-                <a16:creationId xmlns:a16="http://schemas.microsoft.com/office/drawing/2014/main" id="{414CA9F6-9CDB-4E8E-96E5-A2DAFF1768DA}"/>
-              </a:ext>
-            </a:extLst>
-          </p:cNvPr>
-          <p:cNvSpPr txBox="1"/>
-          <p:nvPr/>
-        </p:nvSpPr>
-        <p:spPr>
-          <a:xfrm>
-            <a:off x="2762858" y="3926661"/>
-            <a:ext cx="279244" cy="307777"/>
-          </a:xfrm>
-          <a:prstGeom prst="rect">
-            <a:avLst/>
-          </a:prstGeom>
-          <a:noFill/>
-        </p:spPr>
-        <p:txBody>
-          <a:bodyPr wrap="none" rtlCol="0">
-            <a:spAutoFit/>
-          </a:bodyPr>
-          <a:lstStyle/>
-          <a:p>
-            <a:r>
-              <a:rPr lang="en-US" altLang="zh-CN" sz="1400" dirty="0"/>
-              <a:t>3</a:t>
-            </a:r>
-            <a:endParaRPr lang="zh-CN" altLang="en-US" sz="1400" dirty="0"/>
-          </a:p>
-        </p:txBody>
-      </p:sp>
-      <p:sp>
-        <p:nvSpPr>
-          <p:cNvPr id="244" name="文本框 243">
-            <a:extLst>
-              <a:ext uri="{FF2B5EF4-FFF2-40B4-BE49-F238E27FC236}">
-                <a16:creationId xmlns:a16="http://schemas.microsoft.com/office/drawing/2014/main" id="{900C08A7-3A14-49C6-BF0D-5A6E98AD6369}"/>
-              </a:ext>
-            </a:extLst>
-          </p:cNvPr>
-          <p:cNvSpPr txBox="1"/>
-          <p:nvPr/>
-        </p:nvSpPr>
-        <p:spPr>
-          <a:xfrm>
-            <a:off x="3318385" y="3815140"/>
-            <a:ext cx="279244" cy="307777"/>
-          </a:xfrm>
-          <a:prstGeom prst="rect">
-            <a:avLst/>
-          </a:prstGeom>
-          <a:noFill/>
-        </p:spPr>
-        <p:txBody>
-          <a:bodyPr wrap="none" rtlCol="0">
-            <a:spAutoFit/>
-          </a:bodyPr>
-          <a:lstStyle/>
-          <a:p>
-            <a:r>
-              <a:rPr lang="en-US" altLang="zh-CN" sz="1400" dirty="0"/>
-              <a:t>1</a:t>
-            </a:r>
-            <a:endParaRPr lang="zh-CN" altLang="en-US" sz="1400" dirty="0"/>
-          </a:p>
-        </p:txBody>
-      </p:sp>
-      <p:sp>
-        <p:nvSpPr>
-          <p:cNvPr id="245" name="文本框 244">
-            <a:extLst>
-              <a:ext uri="{FF2B5EF4-FFF2-40B4-BE49-F238E27FC236}">
-                <a16:creationId xmlns:a16="http://schemas.microsoft.com/office/drawing/2014/main" id="{65B78DEE-A7A6-4379-8C41-59C94B622160}"/>
-              </a:ext>
-            </a:extLst>
-          </p:cNvPr>
-          <p:cNvSpPr txBox="1"/>
-          <p:nvPr/>
-        </p:nvSpPr>
-        <p:spPr>
-          <a:xfrm>
-            <a:off x="3853204" y="3876232"/>
-            <a:ext cx="279244" cy="307777"/>
-          </a:xfrm>
-          <a:prstGeom prst="rect">
-            <a:avLst/>
-          </a:prstGeom>
-          <a:noFill/>
-        </p:spPr>
-        <p:txBody>
-          <a:bodyPr wrap="none" rtlCol="0">
-            <a:spAutoFit/>
-          </a:bodyPr>
-          <a:lstStyle/>
-          <a:p>
-            <a:r>
-              <a:rPr lang="en-US" altLang="zh-CN" sz="1400" dirty="0"/>
-              <a:t>2</a:t>
-            </a:r>
-            <a:endParaRPr lang="zh-CN" altLang="en-US" sz="1400" dirty="0"/>
-          </a:p>
-        </p:txBody>
-      </p:sp>
-      <p:sp>
-        <p:nvSpPr>
-          <p:cNvPr id="247" name="文本框 246">
-            <a:extLst>
-              <a:ext uri="{FF2B5EF4-FFF2-40B4-BE49-F238E27FC236}">
-                <a16:creationId xmlns:a16="http://schemas.microsoft.com/office/drawing/2014/main" id="{7D8BDFAB-F680-47F0-8132-95E7243B2C6B}"/>
-              </a:ext>
-            </a:extLst>
-          </p:cNvPr>
-          <p:cNvSpPr txBox="1"/>
-          <p:nvPr/>
-        </p:nvSpPr>
-        <p:spPr>
-          <a:xfrm>
-            <a:off x="4302124" y="3837934"/>
-            <a:ext cx="279244" cy="307777"/>
-          </a:xfrm>
-          <a:prstGeom prst="rect">
-            <a:avLst/>
-          </a:prstGeom>
-          <a:noFill/>
-        </p:spPr>
-        <p:txBody>
-          <a:bodyPr wrap="none" rtlCol="0">
-            <a:spAutoFit/>
-          </a:bodyPr>
-          <a:lstStyle/>
-          <a:p>
-            <a:r>
-              <a:rPr lang="en-US" altLang="zh-CN" sz="1400" dirty="0"/>
-              <a:t>1</a:t>
-            </a:r>
-            <a:endParaRPr lang="zh-CN" altLang="en-US" sz="1400" dirty="0"/>
-          </a:p>
-        </p:txBody>
-      </p:sp>
-      <p:sp>
-        <p:nvSpPr>
-          <p:cNvPr id="248" name="文本框 247">
-            <a:extLst>
-              <a:ext uri="{FF2B5EF4-FFF2-40B4-BE49-F238E27FC236}">
-                <a16:creationId xmlns:a16="http://schemas.microsoft.com/office/drawing/2014/main" id="{722AA675-E934-4437-9264-7FAA2F43AA0F}"/>
-              </a:ext>
-            </a:extLst>
-          </p:cNvPr>
-          <p:cNvSpPr txBox="1"/>
-          <p:nvPr/>
-        </p:nvSpPr>
-        <p:spPr>
-          <a:xfrm>
-            <a:off x="4517197" y="3566665"/>
-            <a:ext cx="279244" cy="307777"/>
-          </a:xfrm>
-          <a:prstGeom prst="rect">
-            <a:avLst/>
-          </a:prstGeom>
-          <a:noFill/>
-        </p:spPr>
-        <p:txBody>
-          <a:bodyPr wrap="none" rtlCol="0">
-            <a:spAutoFit/>
-          </a:bodyPr>
-          <a:lstStyle/>
-          <a:p>
-            <a:r>
-              <a:rPr lang="en-US" altLang="zh-CN" sz="1400" dirty="0"/>
-              <a:t>2</a:t>
-            </a:r>
-            <a:endParaRPr lang="zh-CN" altLang="en-US" sz="1400" dirty="0"/>
-          </a:p>
-        </p:txBody>
-      </p:sp>
-      <p:sp>
-        <p:nvSpPr>
-          <p:cNvPr id="249" name="文本框 248">
-            <a:extLst>
-              <a:ext uri="{FF2B5EF4-FFF2-40B4-BE49-F238E27FC236}">
-                <a16:creationId xmlns:a16="http://schemas.microsoft.com/office/drawing/2014/main" id="{8A580B6A-BF0C-4377-9F78-2DE163F08414}"/>
-              </a:ext>
-            </a:extLst>
-          </p:cNvPr>
-          <p:cNvSpPr txBox="1"/>
-          <p:nvPr/>
-        </p:nvSpPr>
-        <p:spPr>
-          <a:xfrm>
-            <a:off x="4677874" y="4145145"/>
-            <a:ext cx="279244" cy="307777"/>
-          </a:xfrm>
-          <a:prstGeom prst="rect">
-            <a:avLst/>
-          </a:prstGeom>
-          <a:noFill/>
-        </p:spPr>
-        <p:txBody>
-          <a:bodyPr wrap="none" rtlCol="0">
-            <a:spAutoFit/>
-          </a:bodyPr>
-          <a:lstStyle/>
-          <a:p>
-            <a:r>
-              <a:rPr lang="en-US" altLang="zh-CN" sz="1400" dirty="0"/>
-              <a:t>3</a:t>
-            </a:r>
-            <a:endParaRPr lang="zh-CN" altLang="en-US" sz="1400" dirty="0"/>
-          </a:p>
-        </p:txBody>
-      </p:sp>
-      <p:sp>
-        <p:nvSpPr>
-          <p:cNvPr id="250" name="文本框 249">
-            <a:extLst>
-              <a:ext uri="{FF2B5EF4-FFF2-40B4-BE49-F238E27FC236}">
-                <a16:creationId xmlns:a16="http://schemas.microsoft.com/office/drawing/2014/main" id="{17401341-4833-4720-B55D-420BEBBCAC9B}"/>
-              </a:ext>
-            </a:extLst>
-          </p:cNvPr>
-          <p:cNvSpPr txBox="1"/>
-          <p:nvPr/>
-        </p:nvSpPr>
-        <p:spPr>
-          <a:xfrm>
-            <a:off x="4899605" y="3845329"/>
-            <a:ext cx="279244" cy="307777"/>
-          </a:xfrm>
-          <a:prstGeom prst="rect">
-            <a:avLst/>
-          </a:prstGeom>
-          <a:noFill/>
-        </p:spPr>
-        <p:txBody>
-          <a:bodyPr wrap="none" rtlCol="0">
-            <a:spAutoFit/>
-          </a:bodyPr>
-          <a:lstStyle/>
-          <a:p>
-            <a:r>
-              <a:rPr lang="en-US" altLang="zh-CN" sz="1400" dirty="0"/>
-              <a:t>4</a:t>
-            </a:r>
-            <a:endParaRPr lang="zh-CN" altLang="en-US" sz="1400" dirty="0"/>
-          </a:p>
-        </p:txBody>
-      </p:sp>
-      <p:sp>
-        <p:nvSpPr>
           <p:cNvPr id="251" name="文本框 250">
             <a:extLst>
               <a:ext uri="{FF2B5EF4-FFF2-40B4-BE49-F238E27FC236}">
@@ -18720,7 +18643,7 @@
         </p:nvSpPr>
         <p:spPr>
           <a:xfrm>
-            <a:off x="5188705" y="3526091"/>
+            <a:off x="5361482" y="3645557"/>
             <a:ext cx="279244" cy="307777"/>
           </a:xfrm>
           <a:prstGeom prst="rect">

--- a/directions.pptx
+++ b/directions.pptx
@@ -261,7 +261,7 @@
           <a:p>
             <a:fld id="{CDF6C853-F38E-4299-906A-F30AE4A58074}" type="datetimeFigureOut">
               <a:rPr lang="zh-CN" altLang="en-US" smtClean="0"/>
-              <a:t>2022/9/3</a:t>
+              <a:t>2022/9/9</a:t>
             </a:fld>
             <a:endParaRPr lang="zh-CN" altLang="en-US"/>
           </a:p>
@@ -459,7 +459,7 @@
           <a:p>
             <a:fld id="{CDF6C853-F38E-4299-906A-F30AE4A58074}" type="datetimeFigureOut">
               <a:rPr lang="zh-CN" altLang="en-US" smtClean="0"/>
-              <a:t>2022/9/3</a:t>
+              <a:t>2022/9/9</a:t>
             </a:fld>
             <a:endParaRPr lang="zh-CN" altLang="en-US"/>
           </a:p>
@@ -667,7 +667,7 @@
           <a:p>
             <a:fld id="{CDF6C853-F38E-4299-906A-F30AE4A58074}" type="datetimeFigureOut">
               <a:rPr lang="zh-CN" altLang="en-US" smtClean="0"/>
-              <a:t>2022/9/3</a:t>
+              <a:t>2022/9/9</a:t>
             </a:fld>
             <a:endParaRPr lang="zh-CN" altLang="en-US"/>
           </a:p>
@@ -865,7 +865,7 @@
           <a:p>
             <a:fld id="{CDF6C853-F38E-4299-906A-F30AE4A58074}" type="datetimeFigureOut">
               <a:rPr lang="zh-CN" altLang="en-US" smtClean="0"/>
-              <a:t>2022/9/3</a:t>
+              <a:t>2022/9/9</a:t>
             </a:fld>
             <a:endParaRPr lang="zh-CN" altLang="en-US"/>
           </a:p>
@@ -1140,7 +1140,7 @@
           <a:p>
             <a:fld id="{CDF6C853-F38E-4299-906A-F30AE4A58074}" type="datetimeFigureOut">
               <a:rPr lang="zh-CN" altLang="en-US" smtClean="0"/>
-              <a:t>2022/9/3</a:t>
+              <a:t>2022/9/9</a:t>
             </a:fld>
             <a:endParaRPr lang="zh-CN" altLang="en-US"/>
           </a:p>
@@ -1405,7 +1405,7 @@
           <a:p>
             <a:fld id="{CDF6C853-F38E-4299-906A-F30AE4A58074}" type="datetimeFigureOut">
               <a:rPr lang="zh-CN" altLang="en-US" smtClean="0"/>
-              <a:t>2022/9/3</a:t>
+              <a:t>2022/9/9</a:t>
             </a:fld>
             <a:endParaRPr lang="zh-CN" altLang="en-US"/>
           </a:p>
@@ -1817,7 +1817,7 @@
           <a:p>
             <a:fld id="{CDF6C853-F38E-4299-906A-F30AE4A58074}" type="datetimeFigureOut">
               <a:rPr lang="zh-CN" altLang="en-US" smtClean="0"/>
-              <a:t>2022/9/3</a:t>
+              <a:t>2022/9/9</a:t>
             </a:fld>
             <a:endParaRPr lang="zh-CN" altLang="en-US"/>
           </a:p>
@@ -1958,7 +1958,7 @@
           <a:p>
             <a:fld id="{CDF6C853-F38E-4299-906A-F30AE4A58074}" type="datetimeFigureOut">
               <a:rPr lang="zh-CN" altLang="en-US" smtClean="0"/>
-              <a:t>2022/9/3</a:t>
+              <a:t>2022/9/9</a:t>
             </a:fld>
             <a:endParaRPr lang="zh-CN" altLang="en-US"/>
           </a:p>
@@ -2071,7 +2071,7 @@
           <a:p>
             <a:fld id="{CDF6C853-F38E-4299-906A-F30AE4A58074}" type="datetimeFigureOut">
               <a:rPr lang="zh-CN" altLang="en-US" smtClean="0"/>
-              <a:t>2022/9/3</a:t>
+              <a:t>2022/9/9</a:t>
             </a:fld>
             <a:endParaRPr lang="zh-CN" altLang="en-US"/>
           </a:p>
@@ -2382,7 +2382,7 @@
           <a:p>
             <a:fld id="{CDF6C853-F38E-4299-906A-F30AE4A58074}" type="datetimeFigureOut">
               <a:rPr lang="zh-CN" altLang="en-US" smtClean="0"/>
-              <a:t>2022/9/3</a:t>
+              <a:t>2022/9/9</a:t>
             </a:fld>
             <a:endParaRPr lang="zh-CN" altLang="en-US"/>
           </a:p>
@@ -2670,7 +2670,7 @@
           <a:p>
             <a:fld id="{CDF6C853-F38E-4299-906A-F30AE4A58074}" type="datetimeFigureOut">
               <a:rPr lang="zh-CN" altLang="en-US" smtClean="0"/>
-              <a:t>2022/9/3</a:t>
+              <a:t>2022/9/9</a:t>
             </a:fld>
             <a:endParaRPr lang="zh-CN" altLang="en-US"/>
           </a:p>
@@ -2911,7 +2911,7 @@
           <a:p>
             <a:fld id="{CDF6C853-F38E-4299-906A-F30AE4A58074}" type="datetimeFigureOut">
               <a:rPr lang="zh-CN" altLang="en-US" smtClean="0"/>
-              <a:t>2022/9/3</a:t>
+              <a:t>2022/9/9</a:t>
             </a:fld>
             <a:endParaRPr lang="zh-CN" altLang="en-US"/>
           </a:p>
@@ -11990,13 +11990,12 @@
           </p:cNvPr>
           <p:cNvCxnSpPr>
             <a:cxnSpLocks/>
-            <a:endCxn id="173" idx="1"/>
           </p:cNvCxnSpPr>
           <p:nvPr/>
         </p:nvCxnSpPr>
         <p:spPr>
           <a:xfrm>
-            <a:off x="1937160" y="1583836"/>
+            <a:off x="1919467" y="1639523"/>
             <a:ext cx="1293" cy="468053"/>
           </a:xfrm>
           <a:prstGeom prst="straightConnector1">
@@ -12037,7 +12036,7 @@
         </p:nvCxnSpPr>
         <p:spPr>
           <a:xfrm>
-            <a:off x="1393532" y="1337310"/>
+            <a:off x="1368509" y="1355465"/>
             <a:ext cx="0" cy="576777"/>
           </a:xfrm>
           <a:prstGeom prst="straightConnector1">
@@ -16159,7 +16158,7 @@
         </p:nvSpPr>
         <p:spPr>
           <a:xfrm>
-            <a:off x="1331542" y="1912938"/>
+            <a:off x="1521327" y="1410012"/>
             <a:ext cx="279244" cy="307777"/>
           </a:xfrm>
           <a:prstGeom prst="rect">
@@ -16195,7 +16194,7 @@
         </p:nvSpPr>
         <p:spPr>
           <a:xfrm>
-            <a:off x="1787907" y="1266229"/>
+            <a:off x="1863772" y="1584814"/>
             <a:ext cx="279244" cy="307777"/>
           </a:xfrm>
           <a:prstGeom prst="rect">
@@ -16231,7 +16230,7 @@
         </p:nvSpPr>
         <p:spPr>
           <a:xfrm>
-            <a:off x="1938453" y="1898000"/>
+            <a:off x="1449776" y="1883155"/>
             <a:ext cx="279244" cy="307777"/>
           </a:xfrm>
           <a:prstGeom prst="rect">
